--- a/Azure Service Bus Calgary .NET usergroup 2016-03-24.pptx
+++ b/Azure Service Bus Calgary .NET usergroup 2016-03-24.pptx
@@ -5,7 +5,7 @@
     <p:sldMasterId id="2147483648" r:id="rId1"/>
   </p:sldMasterIdLst>
   <p:notesMasterIdLst>
-    <p:notesMasterId r:id="rId23"/>
+    <p:notesMasterId r:id="rId24"/>
   </p:notesMasterIdLst>
   <p:sldIdLst>
     <p:sldId id="256" r:id="rId2"/>
@@ -29,6 +29,7 @@
     <p:sldId id="274" r:id="rId20"/>
     <p:sldId id="273" r:id="rId21"/>
     <p:sldId id="284" r:id="rId22"/>
+    <p:sldId id="285" r:id="rId23"/>
   </p:sldIdLst>
   <p:sldSz cx="12192000" cy="6858000"/>
   <p:notesSz cx="6858000" cy="9144000"/>
@@ -217,7 +218,7 @@
           <a:p>
             <a:fld id="{1639318F-A11E-4632-BF99-F8A6CDC302CB}" type="datetimeFigureOut">
               <a:rPr lang="en-CA" smtClean="0"/>
-              <a:t>2016-03-21</a:t>
+              <a:t>2016-03-22</a:t>
             </a:fld>
             <a:endParaRPr lang="en-CA"/>
           </a:p>
@@ -700,7 +701,7 @@
           <a:p>
             <a:fld id="{91F17509-A3DD-4616-9315-DE1FA9D0E286}" type="datetimeFigureOut">
               <a:rPr lang="en-CA" smtClean="0"/>
-              <a:t>2016-03-21</a:t>
+              <a:t>2016-03-22</a:t>
             </a:fld>
             <a:endParaRPr lang="en-CA"/>
           </a:p>
@@ -870,7 +871,7 @@
           <a:p>
             <a:fld id="{91F17509-A3DD-4616-9315-DE1FA9D0E286}" type="datetimeFigureOut">
               <a:rPr lang="en-CA" smtClean="0"/>
-              <a:t>2016-03-21</a:t>
+              <a:t>2016-03-22</a:t>
             </a:fld>
             <a:endParaRPr lang="en-CA"/>
           </a:p>
@@ -1050,7 +1051,7 @@
           <a:p>
             <a:fld id="{91F17509-A3DD-4616-9315-DE1FA9D0E286}" type="datetimeFigureOut">
               <a:rPr lang="en-CA" smtClean="0"/>
-              <a:t>2016-03-21</a:t>
+              <a:t>2016-03-22</a:t>
             </a:fld>
             <a:endParaRPr lang="en-CA"/>
           </a:p>
@@ -1220,7 +1221,7 @@
           <a:p>
             <a:fld id="{91F17509-A3DD-4616-9315-DE1FA9D0E286}" type="datetimeFigureOut">
               <a:rPr lang="en-CA" smtClean="0"/>
-              <a:t>2016-03-21</a:t>
+              <a:t>2016-03-22</a:t>
             </a:fld>
             <a:endParaRPr lang="en-CA"/>
           </a:p>
@@ -1466,7 +1467,7 @@
           <a:p>
             <a:fld id="{91F17509-A3DD-4616-9315-DE1FA9D0E286}" type="datetimeFigureOut">
               <a:rPr lang="en-CA" smtClean="0"/>
-              <a:t>2016-03-21</a:t>
+              <a:t>2016-03-22</a:t>
             </a:fld>
             <a:endParaRPr lang="en-CA"/>
           </a:p>
@@ -1698,7 +1699,7 @@
           <a:p>
             <a:fld id="{91F17509-A3DD-4616-9315-DE1FA9D0E286}" type="datetimeFigureOut">
               <a:rPr lang="en-CA" smtClean="0"/>
-              <a:t>2016-03-21</a:t>
+              <a:t>2016-03-22</a:t>
             </a:fld>
             <a:endParaRPr lang="en-CA"/>
           </a:p>
@@ -2065,7 +2066,7 @@
           <a:p>
             <a:fld id="{91F17509-A3DD-4616-9315-DE1FA9D0E286}" type="datetimeFigureOut">
               <a:rPr lang="en-CA" smtClean="0"/>
-              <a:t>2016-03-21</a:t>
+              <a:t>2016-03-22</a:t>
             </a:fld>
             <a:endParaRPr lang="en-CA"/>
           </a:p>
@@ -2183,7 +2184,7 @@
           <a:p>
             <a:fld id="{91F17509-A3DD-4616-9315-DE1FA9D0E286}" type="datetimeFigureOut">
               <a:rPr lang="en-CA" smtClean="0"/>
-              <a:t>2016-03-21</a:t>
+              <a:t>2016-03-22</a:t>
             </a:fld>
             <a:endParaRPr lang="en-CA"/>
           </a:p>
@@ -2278,7 +2279,7 @@
           <a:p>
             <a:fld id="{91F17509-A3DD-4616-9315-DE1FA9D0E286}" type="datetimeFigureOut">
               <a:rPr lang="en-CA" smtClean="0"/>
-              <a:t>2016-03-21</a:t>
+              <a:t>2016-03-22</a:t>
             </a:fld>
             <a:endParaRPr lang="en-CA"/>
           </a:p>
@@ -2555,7 +2556,7 @@
           <a:p>
             <a:fld id="{91F17509-A3DD-4616-9315-DE1FA9D0E286}" type="datetimeFigureOut">
               <a:rPr lang="en-CA" smtClean="0"/>
-              <a:t>2016-03-21</a:t>
+              <a:t>2016-03-22</a:t>
             </a:fld>
             <a:endParaRPr lang="en-CA"/>
           </a:p>
@@ -2808,7 +2809,7 @@
           <a:p>
             <a:fld id="{91F17509-A3DD-4616-9315-DE1FA9D0E286}" type="datetimeFigureOut">
               <a:rPr lang="en-CA" smtClean="0"/>
-              <a:t>2016-03-21</a:t>
+              <a:t>2016-03-22</a:t>
             </a:fld>
             <a:endParaRPr lang="en-CA"/>
           </a:p>
@@ -3021,7 +3022,7 @@
           <a:p>
             <a:fld id="{91F17509-A3DD-4616-9315-DE1FA9D0E286}" type="datetimeFigureOut">
               <a:rPr lang="en-CA" smtClean="0"/>
-              <a:t>2016-03-21</a:t>
+              <a:t>2016-03-22</a:t>
             </a:fld>
             <a:endParaRPr lang="en-CA"/>
           </a:p>
@@ -9967,6 +9968,220 @@
 </p:sld>
 </file>
 
+<file path=ppt/slides/slide22.xml><?xml version="1.0" encoding="utf-8"?>
+<p:sld xmlns:a="http://schemas.openxmlformats.org/drawingml/2006/main" xmlns:r="http://schemas.openxmlformats.org/officeDocument/2006/relationships" xmlns:p="http://schemas.openxmlformats.org/presentationml/2006/main">
+  <p:cSld>
+    <p:spTree>
+      <p:nvGrpSpPr>
+        <p:cNvPr id="1" name=""/>
+        <p:cNvGrpSpPr/>
+        <p:nvPr/>
+      </p:nvGrpSpPr>
+      <p:grpSpPr>
+        <a:xfrm>
+          <a:off x="0" y="0"/>
+          <a:ext cx="0" cy="0"/>
+          <a:chOff x="0" y="0"/>
+          <a:chExt cx="0" cy="0"/>
+        </a:xfrm>
+      </p:grpSpPr>
+      <p:sp>
+        <p:nvSpPr>
+          <p:cNvPr id="2" name="Title 1"/>
+          <p:cNvSpPr>
+            <a:spLocks noGrp="1"/>
+          </p:cNvSpPr>
+          <p:nvPr>
+            <p:ph type="title"/>
+          </p:nvPr>
+        </p:nvSpPr>
+        <p:spPr>
+          <a:xfrm>
+            <a:off x="0" y="0"/>
+            <a:ext cx="12192000" cy="1325563"/>
+          </a:xfrm>
+          <a:solidFill>
+            <a:srgbClr val="0070C0"/>
+          </a:solidFill>
+        </p:spPr>
+        <p:txBody>
+          <a:bodyPr/>
+          <a:lstStyle/>
+          <a:p>
+            <a:r>
+              <a:rPr lang="en-CA" b="1" dirty="0">
+                <a:solidFill>
+                  <a:schemeClr val="bg1"/>
+                </a:solidFill>
+              </a:rPr>
+              <a:t>Thank you!</a:t>
+            </a:r>
+          </a:p>
+        </p:txBody>
+      </p:sp>
+      <p:sp>
+        <p:nvSpPr>
+          <p:cNvPr id="3" name="Rectangle 2"/>
+          <p:cNvSpPr/>
+          <p:nvPr/>
+        </p:nvSpPr>
+        <p:spPr>
+          <a:xfrm>
+            <a:off x="256449" y="1708347"/>
+            <a:ext cx="11276293" cy="3416320"/>
+          </a:xfrm>
+          <a:prstGeom prst="rect">
+            <a:avLst/>
+          </a:prstGeom>
+        </p:spPr>
+        <p:txBody>
+          <a:bodyPr wrap="square">
+            <a:spAutoFit/>
+          </a:bodyPr>
+          <a:lstStyle/>
+          <a:p>
+            <a:r>
+              <a:rPr lang="en-CA" sz="2400" b="1" dirty="0"/>
+              <a:t>Slides &amp; code </a:t>
+            </a:r>
+            <a:r>
+              <a:rPr lang="en-CA" sz="2400" b="1" dirty="0">
+                <a:hlinkClick r:id="rId2"/>
+              </a:rPr>
+              <a:t>https://github.com/SeanFeldman/ASB-DotNet-YYC</a:t>
+            </a:r>
+            <a:endParaRPr lang="en-CA" sz="2400" b="1" dirty="0"/>
+          </a:p>
+          <a:p>
+            <a:r>
+              <a:rPr lang="en-CA" sz="2400" b="1" dirty="0"/>
+              <a:t>Connect </a:t>
+            </a:r>
+            <a:r>
+              <a:rPr lang="en-CA" sz="2400" b="1" dirty="0">
+                <a:hlinkClick r:id="rId3" action="ppaction://hlinkfile"/>
+              </a:rPr>
+              <a:t>@</a:t>
+            </a:r>
+            <a:r>
+              <a:rPr lang="en-CA" sz="2400" b="1" dirty="0" err="1">
+                <a:hlinkClick r:id="rId3" action="ppaction://hlinkfile"/>
+              </a:rPr>
+              <a:t>sfeldman</a:t>
+            </a:r>
+            <a:endParaRPr lang="en-CA" sz="2400" b="1" dirty="0"/>
+          </a:p>
+          <a:p>
+            <a:r>
+              <a:rPr lang="en-CA" sz="2400" b="1" dirty="0"/>
+              <a:t>Send your feedback to </a:t>
+            </a:r>
+            <a:r>
+              <a:rPr lang="en-CA" sz="2400" b="1" dirty="0">
+                <a:hlinkClick r:id="rId4"/>
+              </a:rPr>
+              <a:t>feldman.sean@gmail.com</a:t>
+            </a:r>
+            <a:endParaRPr lang="en-CA" sz="2400" b="1" dirty="0"/>
+          </a:p>
+          <a:p>
+            <a:r>
+              <a:rPr lang="en-CA" sz="2400" b="1" dirty="0"/>
+              <a:t>Feel up your RSS </a:t>
+            </a:r>
+            <a:r>
+              <a:rPr lang="en-CA" sz="2400" b="1"/>
+              <a:t>feed with </a:t>
+            </a:r>
+            <a:r>
+              <a:rPr lang="en-CA" sz="2400" b="1">
+                <a:hlinkClick r:id="rId5"/>
+              </a:rPr>
+              <a:t>https</a:t>
+            </a:r>
+            <a:r>
+              <a:rPr lang="en-CA" sz="2400" b="1">
+                <a:hlinkClick r:id="rId5"/>
+              </a:rPr>
+              <a:t>://weblogs.asp.net/sfeldman</a:t>
+            </a:r>
+            <a:r>
+              <a:rPr lang="en-CA" sz="2400" b="1"/>
+              <a:t> </a:t>
+            </a:r>
+            <a:endParaRPr lang="en-CA" sz="2400" b="1" dirty="0"/>
+          </a:p>
+          <a:p>
+            <a:endParaRPr lang="en-CA" sz="2400" b="1" dirty="0"/>
+          </a:p>
+          <a:p>
+            <a:r>
+              <a:rPr lang="en-CA" sz="2400" b="1" dirty="0"/>
+              <a:t>Tools</a:t>
+            </a:r>
+          </a:p>
+          <a:p>
+            <a:pPr marL="342900" indent="-342900">
+              <a:buFont typeface="Arial" panose="020B0604020202020204" pitchFamily="34" charset="0"/>
+              <a:buChar char="•"/>
+            </a:pPr>
+            <a:r>
+              <a:rPr lang="en-CA" sz="2400" b="1" dirty="0"/>
+              <a:t>Service Bus Explorer </a:t>
+            </a:r>
+            <a:r>
+              <a:rPr lang="en-CA" sz="2400" b="1" dirty="0">
+                <a:hlinkClick r:id="rId6"/>
+              </a:rPr>
+              <a:t>https://github.com/paolosalvatori/ServiceBusExplorer</a:t>
+            </a:r>
+            <a:r>
+              <a:rPr lang="en-CA" sz="2400" b="1" dirty="0"/>
+              <a:t> </a:t>
+            </a:r>
+          </a:p>
+          <a:p>
+            <a:pPr marL="342900" indent="-342900">
+              <a:buFont typeface="Arial" panose="020B0604020202020204" pitchFamily="34" charset="0"/>
+              <a:buChar char="•"/>
+            </a:pPr>
+            <a:r>
+              <a:rPr lang="en-CA" sz="2400" b="1" dirty="0" err="1"/>
+              <a:t>LinqPad</a:t>
+            </a:r>
+            <a:r>
+              <a:rPr lang="en-CA" sz="2400" b="1" dirty="0"/>
+              <a:t> </a:t>
+            </a:r>
+            <a:r>
+              <a:rPr lang="en-CA" sz="2400" b="1" dirty="0">
+                <a:hlinkClick r:id="rId7"/>
+              </a:rPr>
+              <a:t>https://www.linqpad.net/</a:t>
+            </a:r>
+            <a:r>
+              <a:rPr lang="en-CA" sz="2400" b="1" dirty="0"/>
+              <a:t> </a:t>
+            </a:r>
+          </a:p>
+          <a:p>
+            <a:endParaRPr lang="en-CA" sz="2400" b="1" dirty="0"/>
+          </a:p>
+        </p:txBody>
+      </p:sp>
+    </p:spTree>
+    <p:extLst>
+      <p:ext uri="{BB962C8B-B14F-4D97-AF65-F5344CB8AC3E}">
+        <p14:creationId xmlns:p14="http://schemas.microsoft.com/office/powerpoint/2010/main" val="129031441"/>
+      </p:ext>
+    </p:extLst>
+  </p:cSld>
+  <p:clrMapOvr>
+    <a:masterClrMapping/>
+  </p:clrMapOvr>
+</p:sld>
+</file>
+
 <file path=ppt/slides/slide3.xml><?xml version="1.0" encoding="utf-8"?>
 <p:sld xmlns:a="http://schemas.openxmlformats.org/drawingml/2006/main" xmlns:r="http://schemas.openxmlformats.org/officeDocument/2006/relationships" xmlns:p="http://schemas.openxmlformats.org/presentationml/2006/main">
   <p:cSld>

--- a/Azure Service Bus Calgary .NET usergroup 2016-03-24.pptx
+++ b/Azure Service Bus Calgary .NET usergroup 2016-03-24.pptx
@@ -22,9 +22,9 @@
     <p:sldId id="282" r:id="rId13"/>
     <p:sldId id="267" r:id="rId14"/>
     <p:sldId id="262" r:id="rId15"/>
-    <p:sldId id="283" r:id="rId16"/>
-    <p:sldId id="263" r:id="rId17"/>
-    <p:sldId id="271" r:id="rId18"/>
+    <p:sldId id="263" r:id="rId16"/>
+    <p:sldId id="286" r:id="rId17"/>
+    <p:sldId id="283" r:id="rId18"/>
     <p:sldId id="272" r:id="rId19"/>
     <p:sldId id="274" r:id="rId20"/>
     <p:sldId id="273" r:id="rId21"/>
@@ -8698,112 +8698,41 @@
                   <a:schemeClr val="bg1"/>
                 </a:solidFill>
               </a:rPr>
-              <a:t>Common Types</a:t>
+              <a:t>Brokered Message Properties</a:t>
             </a:r>
           </a:p>
         </p:txBody>
       </p:sp>
-      <p:sp>
-        <p:nvSpPr>
-          <p:cNvPr id="3" name="TextBox 2"/>
-          <p:cNvSpPr txBox="1"/>
+      <p:pic>
+        <p:nvPicPr>
+          <p:cNvPr id="3" name="Picture 2">
+            <a:hlinkClick r:id="rId2" action="ppaction://program"/>
+          </p:cNvPr>
+          <p:cNvPicPr>
+            <a:picLocks noChangeAspect="1"/>
+          </p:cNvPicPr>
           <p:nvPr/>
-        </p:nvSpPr>
+        </p:nvPicPr>
+        <p:blipFill>
+          <a:blip r:embed="rId3"/>
+          <a:stretch>
+            <a:fillRect/>
+          </a:stretch>
+        </p:blipFill>
         <p:spPr>
           <a:xfrm>
-            <a:off x="418898" y="1558555"/>
-            <a:ext cx="5165473" cy="3046988"/>
+            <a:off x="261441" y="1704622"/>
+            <a:ext cx="11492638" cy="4877763"/>
           </a:xfrm>
           <a:prstGeom prst="rect">
             <a:avLst/>
           </a:prstGeom>
-          <a:noFill/>
         </p:spPr>
-        <p:txBody>
-          <a:bodyPr wrap="square" rtlCol="0">
-            <a:spAutoFit/>
-          </a:bodyPr>
-          <a:lstStyle/>
-          <a:p>
-            <a:pPr marL="285750" indent="-285750">
-              <a:buFont typeface="Arial" panose="020B0604020202020204" pitchFamily="34" charset="0"/>
-              <a:buChar char="•"/>
-            </a:pPr>
-            <a:r>
-              <a:rPr lang="en-CA" sz="3200" b="1" dirty="0">
-                <a:hlinkClick r:id="rId2" action="ppaction://program"/>
-              </a:rPr>
-              <a:t>BrokeredMessage</a:t>
-            </a:r>
-            <a:endParaRPr lang="en-CA" sz="3200" b="1" dirty="0"/>
-          </a:p>
-          <a:p>
-            <a:pPr marL="285750" indent="-285750">
-              <a:buFont typeface="Arial" panose="020B0604020202020204" pitchFamily="34" charset="0"/>
-              <a:buChar char="•"/>
-            </a:pPr>
-            <a:r>
-              <a:rPr lang="en-CA" sz="3200" b="1">
-                <a:hlinkClick r:id="rId3" action="ppaction://program"/>
-              </a:rPr>
-              <a:t>QueueClient</a:t>
-            </a:r>
-            <a:r>
-              <a:rPr lang="en-CA" sz="3200" b="1">
-                <a:sym typeface="Wingdings" panose="05000000000000000000" pitchFamily="2" charset="2"/>
-              </a:rPr>
-              <a:t></a:t>
-            </a:r>
-            <a:endParaRPr lang="en-CA" sz="3200" b="1" dirty="0"/>
-          </a:p>
-          <a:p>
-            <a:pPr marL="285750" indent="-285750">
-              <a:buFont typeface="Arial" panose="020B0604020202020204" pitchFamily="34" charset="0"/>
-              <a:buChar char="•"/>
-            </a:pPr>
-            <a:r>
-              <a:rPr lang="en-CA" sz="3200" b="1" dirty="0"/>
-              <a:t>TopicClient</a:t>
-            </a:r>
-          </a:p>
-          <a:p>
-            <a:pPr marL="285750" indent="-285750">
-              <a:buFont typeface="Arial" panose="020B0604020202020204" pitchFamily="34" charset="0"/>
-              <a:buChar char="•"/>
-            </a:pPr>
-            <a:r>
-              <a:rPr lang="en-CA" sz="3200" b="1" dirty="0"/>
-              <a:t>SubscriptionClient</a:t>
-            </a:r>
-          </a:p>
-          <a:p>
-            <a:pPr marL="285750" indent="-285750">
-              <a:buFont typeface="Arial" panose="020B0604020202020204" pitchFamily="34" charset="0"/>
-              <a:buChar char="•"/>
-            </a:pPr>
-            <a:r>
-              <a:rPr lang="en-CA" sz="3200" b="1" dirty="0" err="1"/>
-              <a:t>MessageSender</a:t>
-            </a:r>
-            <a:endParaRPr lang="en-CA" sz="3200" b="1" dirty="0"/>
-          </a:p>
-          <a:p>
-            <a:pPr marL="285750" indent="-285750">
-              <a:buFont typeface="Arial" panose="020B0604020202020204" pitchFamily="34" charset="0"/>
-              <a:buChar char="•"/>
-            </a:pPr>
-            <a:r>
-              <a:rPr lang="en-CA" sz="3200" b="1" dirty="0" err="1"/>
-              <a:t>MessageReceiver</a:t>
-            </a:r>
-            <a:endParaRPr lang="en-CA" sz="3200" b="1" dirty="0"/>
-          </a:p>
-        </p:txBody>
-      </p:sp>
+      </p:pic>
     </p:spTree>
     <p:extLst>
       <p:ext uri="{BB962C8B-B14F-4D97-AF65-F5344CB8AC3E}">
-        <p14:creationId xmlns:p14="http://schemas.microsoft.com/office/powerpoint/2010/main" val="171116764"/>
+        <p14:creationId xmlns:p14="http://schemas.microsoft.com/office/powerpoint/2010/main" val="449437324"/>
       </p:ext>
     </p:extLst>
   </p:cSld>
@@ -8859,45 +8788,575 @@
                   <a:schemeClr val="bg1"/>
                 </a:solidFill>
               </a:rPr>
-              <a:t>Brokered Message Properties</a:t>
+              <a:t>Send/Receive Message</a:t>
             </a:r>
           </a:p>
         </p:txBody>
       </p:sp>
-      <p:pic>
-        <p:nvPicPr>
-          <p:cNvPr id="3" name="Picture 2"/>
-          <p:cNvPicPr>
-            <a:picLocks noChangeAspect="1"/>
-          </p:cNvPicPr>
-          <p:nvPr/>
-        </p:nvPicPr>
-        <p:blipFill>
-          <a:blip r:embed="rId2"/>
-          <a:stretch>
-            <a:fillRect/>
-          </a:stretch>
-        </p:blipFill>
-        <p:spPr>
-          <a:xfrm>
-            <a:off x="261441" y="1704622"/>
-            <a:ext cx="11492638" cy="4877763"/>
-          </a:xfrm>
-          <a:prstGeom prst="rect">
-            <a:avLst/>
-          </a:prstGeom>
-        </p:spPr>
-      </p:pic>
+      <p:graphicFrame>
+        <p:nvGraphicFramePr>
+          <p:cNvPr id="5" name="Table 4"/>
+          <p:cNvGraphicFramePr>
+            <a:graphicFrameLocks noGrp="1"/>
+          </p:cNvGraphicFramePr>
+          <p:nvPr>
+            <p:extLst>
+              <p:ext uri="{D42A27DB-BD31-4B8C-83A1-F6EECF244321}">
+                <p14:modId xmlns:p14="http://schemas.microsoft.com/office/powerpoint/2010/main" val="2696343619"/>
+              </p:ext>
+            </p:extLst>
+          </p:nvPr>
+        </p:nvGraphicFramePr>
+        <p:xfrm>
+          <a:off x="310986" y="1956514"/>
+          <a:ext cx="3770615" cy="2659948"/>
+        </p:xfrm>
+        <a:graphic>
+          <a:graphicData uri="http://schemas.openxmlformats.org/drawingml/2006/table">
+            <a:tbl>
+              <a:tblPr firstRow="1" bandRow="1">
+                <a:tableStyleId>{69012ECD-51FC-41F1-AA8D-1B2483CD663E}</a:tableStyleId>
+              </a:tblPr>
+              <a:tblGrid>
+                <a:gridCol w="3770615">
+                  <a:extLst>
+                    <a:ext uri="{9D8B030D-6E8A-4147-A177-3AD203B41FA5}">
+                      <a16:colId xmlns:a16="http://schemas.microsoft.com/office/drawing/2014/main" val="1869795355"/>
+                    </a:ext>
+                  </a:extLst>
+                </a:gridCol>
+              </a:tblGrid>
+              <a:tr h="370159">
+                <a:tc>
+                  <a:txBody>
+                    <a:bodyPr/>
+                    <a:lstStyle/>
+                    <a:p>
+                      <a:pPr algn="l"/>
+                      <a:r>
+                        <a:rPr lang="en-CA" dirty="0"/>
+                        <a:t>Receive and Delete</a:t>
+                      </a:r>
+                    </a:p>
+                  </a:txBody>
+                  <a:tcPr/>
+                </a:tc>
+                <a:extLst>
+                  <a:ext uri="{0D108BD9-81ED-4DB2-BD59-A6C34878D82A}">
+                    <a16:rowId xmlns:a16="http://schemas.microsoft.com/office/drawing/2014/main" val="2744763218"/>
+                  </a:ext>
+                </a:extLst>
+              </a:tr>
+              <a:tr h="2289789">
+                <a:tc>
+                  <a:txBody>
+                    <a:bodyPr/>
+                    <a:lstStyle/>
+                    <a:p>
+                      <a:pPr marL="285750" indent="-285750" algn="l">
+                        <a:buFont typeface="Arial" panose="020B0604020202020204" pitchFamily="34" charset="0"/>
+                        <a:buChar char="•"/>
+                      </a:pPr>
+                      <a:r>
+                        <a:rPr lang="en-CA" dirty="0"/>
+                        <a:t>Message received and deleted in one</a:t>
+                      </a:r>
+                      <a:r>
+                        <a:rPr lang="en-CA" baseline="0" dirty="0"/>
+                        <a:t> </a:t>
+                      </a:r>
+                      <a:r>
+                        <a:rPr lang="en-CA" dirty="0"/>
+                        <a:t>operation (</a:t>
+                      </a:r>
+                      <a:r>
+                        <a:rPr lang="en-CA" dirty="0">
+                          <a:solidFill>
+                            <a:srgbClr val="C00000"/>
+                          </a:solidFill>
+                        </a:rPr>
+                        <a:t>possible message loss</a:t>
+                      </a:r>
+                      <a:r>
+                        <a:rPr lang="en-CA" dirty="0"/>
+                        <a:t>)</a:t>
+                      </a:r>
+                      <a:endParaRPr lang="en-CA" dirty="0">
+                        <a:solidFill>
+                          <a:srgbClr val="C00000"/>
+                        </a:solidFill>
+                      </a:endParaRPr>
+                    </a:p>
+                    <a:p>
+                      <a:pPr marL="285750" indent="-285750" algn="l">
+                        <a:buFont typeface="Arial" panose="020B0604020202020204" pitchFamily="34" charset="0"/>
+                        <a:buChar char="•"/>
+                      </a:pPr>
+                      <a:r>
+                        <a:rPr lang="en-CA" dirty="0"/>
+                        <a:t>Message can’t be abandon, deferred,</a:t>
+                      </a:r>
+                      <a:r>
+                        <a:rPr lang="en-CA" baseline="0" dirty="0"/>
+                        <a:t> or dead lettered</a:t>
+                      </a:r>
+                    </a:p>
+                    <a:p>
+                      <a:pPr marL="285750" indent="-285750" algn="l">
+                        <a:buFont typeface="Arial" panose="020B0604020202020204" pitchFamily="34" charset="0"/>
+                        <a:buChar char="•"/>
+                      </a:pPr>
+                      <a:r>
+                        <a:rPr lang="en-CA" i="1" dirty="0"/>
+                        <a:t>At-most-once</a:t>
+                      </a:r>
+                      <a:r>
+                        <a:rPr lang="en-CA" dirty="0"/>
+                        <a:t> delivery</a:t>
+                      </a:r>
+                    </a:p>
+                  </a:txBody>
+                  <a:tcPr/>
+                </a:tc>
+                <a:extLst>
+                  <a:ext uri="{0D108BD9-81ED-4DB2-BD59-A6C34878D82A}">
+                    <a16:rowId xmlns:a16="http://schemas.microsoft.com/office/drawing/2014/main" val="2177230211"/>
+                  </a:ext>
+                </a:extLst>
+              </a:tr>
+            </a:tbl>
+          </a:graphicData>
+        </a:graphic>
+      </p:graphicFrame>
+      <p:graphicFrame>
+        <p:nvGraphicFramePr>
+          <p:cNvPr id="6" name="Table 5"/>
+          <p:cNvGraphicFramePr>
+            <a:graphicFrameLocks noGrp="1"/>
+          </p:cNvGraphicFramePr>
+          <p:nvPr>
+            <p:extLst>
+              <p:ext uri="{D42A27DB-BD31-4B8C-83A1-F6EECF244321}">
+                <p14:modId xmlns:p14="http://schemas.microsoft.com/office/powerpoint/2010/main" val="755894327"/>
+              </p:ext>
+            </p:extLst>
+          </p:nvPr>
+        </p:nvGraphicFramePr>
+        <p:xfrm>
+          <a:off x="4081601" y="1959622"/>
+          <a:ext cx="3770615" cy="2656840"/>
+        </p:xfrm>
+        <a:graphic>
+          <a:graphicData uri="http://schemas.openxmlformats.org/drawingml/2006/table">
+            <a:tbl>
+              <a:tblPr firstRow="1" bandRow="1">
+                <a:tableStyleId>{69012ECD-51FC-41F1-AA8D-1B2483CD663E}</a:tableStyleId>
+              </a:tblPr>
+              <a:tblGrid>
+                <a:gridCol w="3770615">
+                  <a:extLst>
+                    <a:ext uri="{9D8B030D-6E8A-4147-A177-3AD203B41FA5}">
+                      <a16:colId xmlns:a16="http://schemas.microsoft.com/office/drawing/2014/main" val="2343213278"/>
+                    </a:ext>
+                  </a:extLst>
+                </a:gridCol>
+              </a:tblGrid>
+              <a:tr h="370840">
+                <a:tc>
+                  <a:txBody>
+                    <a:bodyPr/>
+                    <a:lstStyle/>
+                    <a:p>
+                      <a:pPr algn="l"/>
+                      <a:r>
+                        <a:rPr lang="en-CA" dirty="0"/>
+                        <a:t>Peek Lock</a:t>
+                      </a:r>
+                    </a:p>
+                  </a:txBody>
+                  <a:tcPr/>
+                </a:tc>
+                <a:extLst>
+                  <a:ext uri="{0D108BD9-81ED-4DB2-BD59-A6C34878D82A}">
+                    <a16:rowId xmlns:a16="http://schemas.microsoft.com/office/drawing/2014/main" val="2422487574"/>
+                  </a:ext>
+                </a:extLst>
+              </a:tr>
+              <a:tr h="370840">
+                <a:tc>
+                  <a:txBody>
+                    <a:bodyPr/>
+                    <a:lstStyle/>
+                    <a:p>
+                      <a:pPr marL="285750" indent="-285750" algn="l">
+                        <a:buFont typeface="Arial" panose="020B0604020202020204" pitchFamily="34" charset="0"/>
+                        <a:buChar char="•"/>
+                      </a:pPr>
+                      <a:r>
+                        <a:rPr lang="en-CA" dirty="0"/>
+                        <a:t>Two-phased</a:t>
+                      </a:r>
+                      <a:r>
+                        <a:rPr lang="en-CA" baseline="0" dirty="0"/>
+                        <a:t> receive (</a:t>
+                      </a:r>
+                      <a:r>
+                        <a:rPr lang="en-CA" baseline="0" dirty="0">
+                          <a:solidFill>
+                            <a:srgbClr val="C00000"/>
+                          </a:solidFill>
+                        </a:rPr>
+                        <a:t>possible message duplication</a:t>
+                      </a:r>
+                      <a:r>
+                        <a:rPr lang="en-CA" baseline="0" dirty="0"/>
+                        <a:t>)</a:t>
+                      </a:r>
+                    </a:p>
+                    <a:p>
+                      <a:pPr marL="285750" indent="-285750" algn="l">
+                        <a:buFont typeface="Arial" panose="020B0604020202020204" pitchFamily="34" charset="0"/>
+                        <a:buChar char="•"/>
+                      </a:pPr>
+                      <a:r>
+                        <a:rPr lang="en-CA" dirty="0"/>
+                        <a:t>Message</a:t>
+                      </a:r>
+                      <a:r>
+                        <a:rPr lang="en-CA" baseline="0" dirty="0"/>
+                        <a:t> can be abandoned, deferred, or dead lettered</a:t>
+                      </a:r>
+                    </a:p>
+                    <a:p>
+                      <a:pPr marL="285750" indent="-285750" algn="l">
+                        <a:buFont typeface="Arial" panose="020B0604020202020204" pitchFamily="34" charset="0"/>
+                        <a:buChar char="•"/>
+                      </a:pPr>
+                      <a:r>
+                        <a:rPr lang="en-CA" dirty="0"/>
+                        <a:t>Receiver is responsible for completion</a:t>
+                      </a:r>
+                    </a:p>
+                    <a:p>
+                      <a:pPr marL="285750" indent="-285750" algn="l">
+                        <a:buFont typeface="Arial" panose="020B0604020202020204" pitchFamily="34" charset="0"/>
+                        <a:buChar char="•"/>
+                      </a:pPr>
+                      <a:r>
+                        <a:rPr lang="en-CA" i="1" dirty="0"/>
+                        <a:t>At-least-once</a:t>
+                      </a:r>
+                      <a:r>
+                        <a:rPr lang="en-CA" dirty="0"/>
+                        <a:t> delivery</a:t>
+                      </a:r>
+                    </a:p>
+                    <a:p>
+                      <a:pPr marL="285750" indent="-285750" algn="l">
+                        <a:buFont typeface="Arial" panose="020B0604020202020204" pitchFamily="34" charset="0"/>
+                        <a:buChar char="•"/>
+                      </a:pPr>
+                      <a:endParaRPr lang="en-CA" dirty="0"/>
+                    </a:p>
+                  </a:txBody>
+                  <a:tcPr/>
+                </a:tc>
+                <a:extLst>
+                  <a:ext uri="{0D108BD9-81ED-4DB2-BD59-A6C34878D82A}">
+                    <a16:rowId xmlns:a16="http://schemas.microsoft.com/office/drawing/2014/main" val="942347484"/>
+                  </a:ext>
+                </a:extLst>
+              </a:tr>
+            </a:tbl>
+          </a:graphicData>
+        </a:graphic>
+      </p:graphicFrame>
+      <p:graphicFrame>
+        <p:nvGraphicFramePr>
+          <p:cNvPr id="7" name="Table 6"/>
+          <p:cNvGraphicFramePr>
+            <a:graphicFrameLocks noGrp="1"/>
+          </p:cNvGraphicFramePr>
+          <p:nvPr>
+            <p:extLst>
+              <p:ext uri="{D42A27DB-BD31-4B8C-83A1-F6EECF244321}">
+                <p14:modId xmlns:p14="http://schemas.microsoft.com/office/powerpoint/2010/main" val="1486720278"/>
+              </p:ext>
+            </p:extLst>
+          </p:nvPr>
+        </p:nvGraphicFramePr>
+        <p:xfrm>
+          <a:off x="7852216" y="1959622"/>
+          <a:ext cx="3770615" cy="2656840"/>
+        </p:xfrm>
+        <a:graphic>
+          <a:graphicData uri="http://schemas.openxmlformats.org/drawingml/2006/table">
+            <a:tbl>
+              <a:tblPr firstRow="1" bandRow="1">
+                <a:tableStyleId>{69012ECD-51FC-41F1-AA8D-1B2483CD663E}</a:tableStyleId>
+              </a:tblPr>
+              <a:tblGrid>
+                <a:gridCol w="3770615">
+                  <a:extLst>
+                    <a:ext uri="{9D8B030D-6E8A-4147-A177-3AD203B41FA5}">
+                      <a16:colId xmlns:a16="http://schemas.microsoft.com/office/drawing/2014/main" val="698248285"/>
+                    </a:ext>
+                  </a:extLst>
+                </a:gridCol>
+              </a:tblGrid>
+              <a:tr h="370407">
+                <a:tc>
+                  <a:txBody>
+                    <a:bodyPr/>
+                    <a:lstStyle/>
+                    <a:p>
+                      <a:pPr algn="l"/>
+                      <a:r>
+                        <a:rPr lang="en-CA" dirty="0" err="1"/>
+                        <a:t>OnMessage</a:t>
+                      </a:r>
+                      <a:endParaRPr lang="en-CA" dirty="0"/>
+                    </a:p>
+                  </a:txBody>
+                  <a:tcPr/>
+                </a:tc>
+                <a:extLst>
+                  <a:ext uri="{0D108BD9-81ED-4DB2-BD59-A6C34878D82A}">
+                    <a16:rowId xmlns:a16="http://schemas.microsoft.com/office/drawing/2014/main" val="3759639083"/>
+                  </a:ext>
+                </a:extLst>
+              </a:tr>
+              <a:tr h="2286433">
+                <a:tc>
+                  <a:txBody>
+                    <a:bodyPr/>
+                    <a:lstStyle/>
+                    <a:p>
+                      <a:pPr marL="285750" indent="-285750" algn="l">
+                        <a:buFont typeface="Arial" panose="020B0604020202020204" pitchFamily="34" charset="0"/>
+                        <a:buChar char="•"/>
+                      </a:pPr>
+                      <a:r>
+                        <a:rPr lang="en-CA" dirty="0"/>
+                        <a:t>Multi-threaded message pump with controlled concurrency</a:t>
+                      </a:r>
+                    </a:p>
+                    <a:p>
+                      <a:pPr marL="285750" indent="-285750" algn="l">
+                        <a:buFont typeface="Arial" panose="020B0604020202020204" pitchFamily="34" charset="0"/>
+                        <a:buChar char="•"/>
+                      </a:pPr>
+                      <a:r>
+                        <a:rPr lang="en-CA" baseline="0" dirty="0"/>
+                        <a:t>Messages can be auto-completed or completed manually</a:t>
+                      </a:r>
+                    </a:p>
+                    <a:p>
+                      <a:pPr marL="285750" indent="-285750" algn="l">
+                        <a:buFont typeface="Arial" panose="020B0604020202020204" pitchFamily="34" charset="0"/>
+                        <a:buChar char="•"/>
+                      </a:pPr>
+                      <a:r>
+                        <a:rPr lang="en-CA" baseline="0" dirty="0"/>
+                        <a:t>Auto renew of timeouts</a:t>
+                      </a:r>
+                      <a:endParaRPr lang="en-CA" dirty="0"/>
+                    </a:p>
+                    <a:p>
+                      <a:pPr marL="285750" indent="-285750" algn="l">
+                        <a:buFont typeface="Arial" panose="020B0604020202020204" pitchFamily="34" charset="0"/>
+                        <a:buChar char="•"/>
+                      </a:pPr>
+                      <a:endParaRPr lang="en-CA" dirty="0"/>
+                    </a:p>
+                  </a:txBody>
+                  <a:tcPr/>
+                </a:tc>
+                <a:extLst>
+                  <a:ext uri="{0D108BD9-81ED-4DB2-BD59-A6C34878D82A}">
+                    <a16:rowId xmlns:a16="http://schemas.microsoft.com/office/drawing/2014/main" val="546149455"/>
+                  </a:ext>
+                </a:extLst>
+              </a:tr>
+            </a:tbl>
+          </a:graphicData>
+        </a:graphic>
+      </p:graphicFrame>
     </p:spTree>
     <p:extLst>
       <p:ext uri="{BB962C8B-B14F-4D97-AF65-F5344CB8AC3E}">
-        <p14:creationId xmlns:p14="http://schemas.microsoft.com/office/powerpoint/2010/main" val="449437324"/>
+        <p14:creationId xmlns:p14="http://schemas.microsoft.com/office/powerpoint/2010/main" val="635519645"/>
       </p:ext>
     </p:extLst>
   </p:cSld>
   <p:clrMapOvr>
     <a:masterClrMapping/>
   </p:clrMapOvr>
+  <p:timing>
+    <p:tnLst>
+      <p:par>
+        <p:cTn id="1" dur="indefinite" restart="never" nodeType="tmRoot">
+          <p:childTnLst>
+            <p:seq concurrent="1" nextAc="seek">
+              <p:cTn id="2" dur="indefinite" nodeType="mainSeq">
+                <p:childTnLst>
+                  <p:par>
+                    <p:cTn id="3" fill="hold">
+                      <p:stCondLst>
+                        <p:cond delay="indefinite"/>
+                      </p:stCondLst>
+                      <p:childTnLst>
+                        <p:par>
+                          <p:cTn id="4" fill="hold">
+                            <p:stCondLst>
+                              <p:cond delay="0"/>
+                            </p:stCondLst>
+                            <p:childTnLst>
+                              <p:par>
+                                <p:cTn id="5" presetID="1" presetClass="entr" presetSubtype="0" fill="hold" nodeType="clickEffect">
+                                  <p:stCondLst>
+                                    <p:cond delay="0"/>
+                                  </p:stCondLst>
+                                  <p:childTnLst>
+                                    <p:set>
+                                      <p:cBhvr>
+                                        <p:cTn id="6" dur="1" fill="hold">
+                                          <p:stCondLst>
+                                            <p:cond delay="0"/>
+                                          </p:stCondLst>
+                                        </p:cTn>
+                                        <p:tgtEl>
+                                          <p:spTgt spid="5"/>
+                                        </p:tgtEl>
+                                        <p:attrNameLst>
+                                          <p:attrName>style.visibility</p:attrName>
+                                        </p:attrNameLst>
+                                      </p:cBhvr>
+                                      <p:to>
+                                        <p:strVal val="visible"/>
+                                      </p:to>
+                                    </p:set>
+                                  </p:childTnLst>
+                                </p:cTn>
+                              </p:par>
+                            </p:childTnLst>
+                          </p:cTn>
+                        </p:par>
+                      </p:childTnLst>
+                    </p:cTn>
+                  </p:par>
+                  <p:par>
+                    <p:cTn id="7" fill="hold">
+                      <p:stCondLst>
+                        <p:cond delay="indefinite"/>
+                      </p:stCondLst>
+                      <p:childTnLst>
+                        <p:par>
+                          <p:cTn id="8" fill="hold">
+                            <p:stCondLst>
+                              <p:cond delay="0"/>
+                            </p:stCondLst>
+                            <p:childTnLst>
+                              <p:par>
+                                <p:cTn id="9" presetID="1" presetClass="entr" presetSubtype="0" fill="hold" nodeType="clickEffect">
+                                  <p:stCondLst>
+                                    <p:cond delay="0"/>
+                                  </p:stCondLst>
+                                  <p:childTnLst>
+                                    <p:set>
+                                      <p:cBhvr>
+                                        <p:cTn id="10" dur="1" fill="hold">
+                                          <p:stCondLst>
+                                            <p:cond delay="0"/>
+                                          </p:stCondLst>
+                                        </p:cTn>
+                                        <p:tgtEl>
+                                          <p:spTgt spid="6"/>
+                                        </p:tgtEl>
+                                        <p:attrNameLst>
+                                          <p:attrName>style.visibility</p:attrName>
+                                        </p:attrNameLst>
+                                      </p:cBhvr>
+                                      <p:to>
+                                        <p:strVal val="visible"/>
+                                      </p:to>
+                                    </p:set>
+                                  </p:childTnLst>
+                                </p:cTn>
+                              </p:par>
+                            </p:childTnLst>
+                          </p:cTn>
+                        </p:par>
+                      </p:childTnLst>
+                    </p:cTn>
+                  </p:par>
+                  <p:par>
+                    <p:cTn id="11" fill="hold">
+                      <p:stCondLst>
+                        <p:cond delay="indefinite"/>
+                      </p:stCondLst>
+                      <p:childTnLst>
+                        <p:par>
+                          <p:cTn id="12" fill="hold">
+                            <p:stCondLst>
+                              <p:cond delay="0"/>
+                            </p:stCondLst>
+                            <p:childTnLst>
+                              <p:par>
+                                <p:cTn id="13" presetID="1" presetClass="entr" presetSubtype="0" fill="hold" nodeType="clickEffect">
+                                  <p:stCondLst>
+                                    <p:cond delay="0"/>
+                                  </p:stCondLst>
+                                  <p:childTnLst>
+                                    <p:set>
+                                      <p:cBhvr>
+                                        <p:cTn id="14" dur="1" fill="hold">
+                                          <p:stCondLst>
+                                            <p:cond delay="0"/>
+                                          </p:stCondLst>
+                                        </p:cTn>
+                                        <p:tgtEl>
+                                          <p:spTgt spid="7"/>
+                                        </p:tgtEl>
+                                        <p:attrNameLst>
+                                          <p:attrName>style.visibility</p:attrName>
+                                        </p:attrNameLst>
+                                      </p:cBhvr>
+                                      <p:to>
+                                        <p:strVal val="visible"/>
+                                      </p:to>
+                                    </p:set>
+                                  </p:childTnLst>
+                                </p:cTn>
+                              </p:par>
+                            </p:childTnLst>
+                          </p:cTn>
+                        </p:par>
+                      </p:childTnLst>
+                    </p:cTn>
+                  </p:par>
+                </p:childTnLst>
+              </p:cTn>
+              <p:prevCondLst>
+                <p:cond evt="onPrev" delay="0">
+                  <p:tgtEl>
+                    <p:sldTgt/>
+                  </p:tgtEl>
+                </p:cond>
+              </p:prevCondLst>
+              <p:nextCondLst>
+                <p:cond evt="onNext" delay="0">
+                  <p:tgtEl>
+                    <p:sldTgt/>
+                  </p:tgtEl>
+                </p:cond>
+              </p:nextCondLst>
+            </p:seq>
+          </p:childTnLst>
+        </p:cTn>
+      </p:par>
+    </p:tnLst>
+  </p:timing>
 </p:sld>
 </file>
 
@@ -8942,44 +9401,119 @@
           <a:lstStyle/>
           <a:p>
             <a:r>
+              <a:rPr lang="en-CA" b="1" dirty="0" err="1">
+                <a:solidFill>
+                  <a:schemeClr val="bg1"/>
+                </a:solidFill>
+              </a:rPr>
+              <a:t>BrokeredMessage</a:t>
+            </a:r>
+            <a:r>
               <a:rPr lang="en-CA" b="1" dirty="0">
                 <a:solidFill>
                   <a:schemeClr val="bg1"/>
                 </a:solidFill>
               </a:rPr>
-              <a:t>Send/Receive Message</a:t>
+              <a:t> &amp; Client Types</a:t>
             </a:r>
           </a:p>
         </p:txBody>
       </p:sp>
-      <p:pic>
-        <p:nvPicPr>
-          <p:cNvPr id="4" name="Picture 3"/>
-          <p:cNvPicPr>
-            <a:picLocks noChangeAspect="1"/>
-          </p:cNvPicPr>
+      <p:sp>
+        <p:nvSpPr>
+          <p:cNvPr id="3" name="TextBox 2"/>
+          <p:cNvSpPr txBox="1"/>
           <p:nvPr/>
-        </p:nvPicPr>
-        <p:blipFill>
-          <a:blip r:embed="rId2"/>
-          <a:stretch>
-            <a:fillRect/>
-          </a:stretch>
-        </p:blipFill>
+        </p:nvSpPr>
         <p:spPr>
           <a:xfrm>
-            <a:off x="771372" y="2427111"/>
-            <a:ext cx="10455781" cy="3499556"/>
+            <a:off x="418898" y="1558555"/>
+            <a:ext cx="5165473" cy="3046988"/>
           </a:xfrm>
           <a:prstGeom prst="rect">
             <a:avLst/>
           </a:prstGeom>
+          <a:noFill/>
         </p:spPr>
-      </p:pic>
+        <p:txBody>
+          <a:bodyPr wrap="square" rtlCol="0">
+            <a:spAutoFit/>
+          </a:bodyPr>
+          <a:lstStyle/>
+          <a:p>
+            <a:pPr marL="285750" indent="-285750">
+              <a:buFont typeface="Arial" panose="020B0604020202020204" pitchFamily="34" charset="0"/>
+              <a:buChar char="•"/>
+            </a:pPr>
+            <a:r>
+              <a:rPr lang="en-CA" sz="3200" b="1" dirty="0">
+                <a:hlinkClick r:id="rId2" action="ppaction://program"/>
+              </a:rPr>
+              <a:t>BrokeredMessage</a:t>
+            </a:r>
+            <a:endParaRPr lang="en-CA" sz="3200" b="1" dirty="0"/>
+          </a:p>
+          <a:p>
+            <a:pPr marL="285750" indent="-285750">
+              <a:buFont typeface="Arial" panose="020B0604020202020204" pitchFamily="34" charset="0"/>
+              <a:buChar char="•"/>
+            </a:pPr>
+            <a:r>
+              <a:rPr lang="en-CA" sz="3200" b="1" dirty="0" err="1">
+                <a:hlinkClick r:id="rId3" action="ppaction://program"/>
+              </a:rPr>
+              <a:t>QueueClient</a:t>
+            </a:r>
+            <a:endParaRPr lang="en-CA" sz="3200" b="1" dirty="0"/>
+          </a:p>
+          <a:p>
+            <a:pPr marL="285750" indent="-285750">
+              <a:buFont typeface="Arial" panose="020B0604020202020204" pitchFamily="34" charset="0"/>
+              <a:buChar char="•"/>
+            </a:pPr>
+            <a:r>
+              <a:rPr lang="en-CA" sz="3200" b="1" dirty="0"/>
+              <a:t>TopicClient</a:t>
+            </a:r>
+          </a:p>
+          <a:p>
+            <a:pPr marL="285750" indent="-285750">
+              <a:buFont typeface="Arial" panose="020B0604020202020204" pitchFamily="34" charset="0"/>
+              <a:buChar char="•"/>
+            </a:pPr>
+            <a:r>
+              <a:rPr lang="en-CA" sz="3200" b="1" dirty="0"/>
+              <a:t>SubscriptionClient</a:t>
+            </a:r>
+          </a:p>
+          <a:p>
+            <a:pPr marL="285750" indent="-285750">
+              <a:buFont typeface="Arial" panose="020B0604020202020204" pitchFamily="34" charset="0"/>
+              <a:buChar char="•"/>
+            </a:pPr>
+            <a:r>
+              <a:rPr lang="en-CA" sz="3200" b="1" dirty="0" err="1"/>
+              <a:t>MessageSender</a:t>
+            </a:r>
+            <a:endParaRPr lang="en-CA" sz="3200" b="1" dirty="0"/>
+          </a:p>
+          <a:p>
+            <a:pPr marL="285750" indent="-285750">
+              <a:buFont typeface="Arial" panose="020B0604020202020204" pitchFamily="34" charset="0"/>
+              <a:buChar char="•"/>
+            </a:pPr>
+            <a:r>
+              <a:rPr lang="en-CA" sz="3200" b="1" dirty="0" err="1"/>
+              <a:t>MessageReceiver</a:t>
+            </a:r>
+            <a:endParaRPr lang="en-CA" sz="3200" b="1" dirty="0"/>
+          </a:p>
+        </p:txBody>
+      </p:sp>
     </p:spTree>
     <p:extLst>
       <p:ext uri="{BB962C8B-B14F-4D97-AF65-F5344CB8AC3E}">
-        <p14:creationId xmlns:p14="http://schemas.microsoft.com/office/powerpoint/2010/main" val="1388880911"/>
+        <p14:creationId xmlns:p14="http://schemas.microsoft.com/office/powerpoint/2010/main" val="171116764"/>
       </p:ext>
     </p:extLst>
   </p:cSld>
@@ -10097,13 +10631,7 @@
               <a:rPr lang="en-CA" sz="2400" b="1">
                 <a:hlinkClick r:id="rId5"/>
               </a:rPr>
-              <a:t>https</a:t>
-            </a:r>
-            <a:r>
-              <a:rPr lang="en-CA" sz="2400" b="1">
-                <a:hlinkClick r:id="rId5"/>
-              </a:rPr>
-              <a:t>://weblogs.asp.net/sfeldman</a:t>
+              <a:t>https://weblogs.asp.net/sfeldman</a:t>
             </a:r>
             <a:r>
               <a:rPr lang="en-CA" sz="2400" b="1"/>

--- a/Azure Service Bus Calgary .NET usergroup 2016-03-24.pptx
+++ b/Azure Service Bus Calgary .NET usergroup 2016-03-24.pptx
@@ -5,7 +5,7 @@
     <p:sldMasterId id="2147483648" r:id="rId1"/>
   </p:sldMasterIdLst>
   <p:notesMasterIdLst>
-    <p:notesMasterId r:id="rId24"/>
+    <p:notesMasterId r:id="rId23"/>
   </p:notesMasterIdLst>
   <p:sldIdLst>
     <p:sldId id="256" r:id="rId2"/>
@@ -28,8 +28,7 @@
     <p:sldId id="272" r:id="rId19"/>
     <p:sldId id="274" r:id="rId20"/>
     <p:sldId id="273" r:id="rId21"/>
-    <p:sldId id="284" r:id="rId22"/>
-    <p:sldId id="285" r:id="rId23"/>
+    <p:sldId id="285" r:id="rId22"/>
   </p:sldIdLst>
   <p:sldSz cx="12192000" cy="6858000"/>
   <p:notesSz cx="6858000" cy="9144000"/>
@@ -9472,9 +9471,12 @@
               <a:buChar char="•"/>
             </a:pPr>
             <a:r>
-              <a:rPr lang="en-CA" sz="3200" b="1" dirty="0"/>
+              <a:rPr lang="en-CA" sz="3200" b="1" dirty="0">
+                <a:hlinkClick r:id="rId4" action="ppaction://program"/>
+              </a:rPr>
               <a:t>TopicClient</a:t>
             </a:r>
+            <a:endParaRPr lang="en-CA" sz="3200" b="1" dirty="0"/>
           </a:p>
           <a:p>
             <a:pPr marL="285750" indent="-285750">
@@ -9482,9 +9484,12 @@
               <a:buChar char="•"/>
             </a:pPr>
             <a:r>
-              <a:rPr lang="en-CA" sz="3200" b="1" dirty="0"/>
+              <a:rPr lang="en-CA" sz="3200" b="1" dirty="0">
+                <a:hlinkClick r:id="rId5" action="ppaction://program"/>
+              </a:rPr>
               <a:t>SubscriptionClient</a:t>
             </a:r>
+            <a:endParaRPr lang="en-CA" sz="3200" b="1" dirty="0"/>
           </a:p>
           <a:p>
             <a:pPr marL="285750" indent="-285750">
@@ -10439,70 +10444,6 @@
 </file>
 
 <file path=ppt/slides/slide21.xml><?xml version="1.0" encoding="utf-8"?>
-<p:sld xmlns:a="http://schemas.openxmlformats.org/drawingml/2006/main" xmlns:r="http://schemas.openxmlformats.org/officeDocument/2006/relationships" xmlns:p="http://schemas.openxmlformats.org/presentationml/2006/main">
-  <p:cSld>
-    <p:spTree>
-      <p:nvGrpSpPr>
-        <p:cNvPr id="1" name=""/>
-        <p:cNvGrpSpPr/>
-        <p:nvPr/>
-      </p:nvGrpSpPr>
-      <p:grpSpPr>
-        <a:xfrm>
-          <a:off x="0" y="0"/>
-          <a:ext cx="0" cy="0"/>
-          <a:chOff x="0" y="0"/>
-          <a:chExt cx="0" cy="0"/>
-        </a:xfrm>
-      </p:grpSpPr>
-      <p:sp>
-        <p:nvSpPr>
-          <p:cNvPr id="2" name="Title 1"/>
-          <p:cNvSpPr>
-            <a:spLocks noGrp="1"/>
-          </p:cNvSpPr>
-          <p:nvPr>
-            <p:ph type="title"/>
-          </p:nvPr>
-        </p:nvSpPr>
-        <p:spPr>
-          <a:xfrm>
-            <a:off x="0" y="0"/>
-            <a:ext cx="12192000" cy="1325563"/>
-          </a:xfrm>
-          <a:solidFill>
-            <a:srgbClr val="0070C0"/>
-          </a:solidFill>
-        </p:spPr>
-        <p:txBody>
-          <a:bodyPr/>
-          <a:lstStyle/>
-          <a:p>
-            <a:r>
-              <a:rPr lang="en-CA" b="1" dirty="0">
-                <a:solidFill>
-                  <a:schemeClr val="bg1"/>
-                </a:solidFill>
-              </a:rPr>
-              <a:t>ASB</a:t>
-            </a:r>
-          </a:p>
-        </p:txBody>
-      </p:sp>
-    </p:spTree>
-    <p:extLst>
-      <p:ext uri="{BB962C8B-B14F-4D97-AF65-F5344CB8AC3E}">
-        <p14:creationId xmlns:p14="http://schemas.microsoft.com/office/powerpoint/2010/main" val="1869013900"/>
-      </p:ext>
-    </p:extLst>
-  </p:cSld>
-  <p:clrMapOvr>
-    <a:masterClrMapping/>
-  </p:clrMapOvr>
-</p:sld>
-</file>
-
-<file path=ppt/slides/slide22.xml><?xml version="1.0" encoding="utf-8"?>
 <p:sld xmlns:a="http://schemas.openxmlformats.org/drawingml/2006/main" xmlns:r="http://schemas.openxmlformats.org/officeDocument/2006/relationships" xmlns:p="http://schemas.openxmlformats.org/presentationml/2006/main">
   <p:cSld>
     <p:spTree>

--- a/Azure Service Bus Calgary .NET usergroup 2016-03-24.pptx
+++ b/Azure Service Bus Calgary .NET usergroup 2016-03-24.pptx
@@ -217,7 +217,7 @@
           <a:p>
             <a:fld id="{1639318F-A11E-4632-BF99-F8A6CDC302CB}" type="datetimeFigureOut">
               <a:rPr lang="en-CA" smtClean="0"/>
-              <a:t>2016-03-22</a:t>
+              <a:t>2016-03-23</a:t>
             </a:fld>
             <a:endParaRPr lang="en-CA"/>
           </a:p>
@@ -700,7 +700,7 @@
           <a:p>
             <a:fld id="{91F17509-A3DD-4616-9315-DE1FA9D0E286}" type="datetimeFigureOut">
               <a:rPr lang="en-CA" smtClean="0"/>
-              <a:t>2016-03-22</a:t>
+              <a:t>2016-03-23</a:t>
             </a:fld>
             <a:endParaRPr lang="en-CA"/>
           </a:p>
@@ -870,7 +870,7 @@
           <a:p>
             <a:fld id="{91F17509-A3DD-4616-9315-DE1FA9D0E286}" type="datetimeFigureOut">
               <a:rPr lang="en-CA" smtClean="0"/>
-              <a:t>2016-03-22</a:t>
+              <a:t>2016-03-23</a:t>
             </a:fld>
             <a:endParaRPr lang="en-CA"/>
           </a:p>
@@ -1050,7 +1050,7 @@
           <a:p>
             <a:fld id="{91F17509-A3DD-4616-9315-DE1FA9D0E286}" type="datetimeFigureOut">
               <a:rPr lang="en-CA" smtClean="0"/>
-              <a:t>2016-03-22</a:t>
+              <a:t>2016-03-23</a:t>
             </a:fld>
             <a:endParaRPr lang="en-CA"/>
           </a:p>
@@ -1220,7 +1220,7 @@
           <a:p>
             <a:fld id="{91F17509-A3DD-4616-9315-DE1FA9D0E286}" type="datetimeFigureOut">
               <a:rPr lang="en-CA" smtClean="0"/>
-              <a:t>2016-03-22</a:t>
+              <a:t>2016-03-23</a:t>
             </a:fld>
             <a:endParaRPr lang="en-CA"/>
           </a:p>
@@ -1466,7 +1466,7 @@
           <a:p>
             <a:fld id="{91F17509-A3DD-4616-9315-DE1FA9D0E286}" type="datetimeFigureOut">
               <a:rPr lang="en-CA" smtClean="0"/>
-              <a:t>2016-03-22</a:t>
+              <a:t>2016-03-23</a:t>
             </a:fld>
             <a:endParaRPr lang="en-CA"/>
           </a:p>
@@ -1698,7 +1698,7 @@
           <a:p>
             <a:fld id="{91F17509-A3DD-4616-9315-DE1FA9D0E286}" type="datetimeFigureOut">
               <a:rPr lang="en-CA" smtClean="0"/>
-              <a:t>2016-03-22</a:t>
+              <a:t>2016-03-23</a:t>
             </a:fld>
             <a:endParaRPr lang="en-CA"/>
           </a:p>
@@ -2065,7 +2065,7 @@
           <a:p>
             <a:fld id="{91F17509-A3DD-4616-9315-DE1FA9D0E286}" type="datetimeFigureOut">
               <a:rPr lang="en-CA" smtClean="0"/>
-              <a:t>2016-03-22</a:t>
+              <a:t>2016-03-23</a:t>
             </a:fld>
             <a:endParaRPr lang="en-CA"/>
           </a:p>
@@ -2183,7 +2183,7 @@
           <a:p>
             <a:fld id="{91F17509-A3DD-4616-9315-DE1FA9D0E286}" type="datetimeFigureOut">
               <a:rPr lang="en-CA" smtClean="0"/>
-              <a:t>2016-03-22</a:t>
+              <a:t>2016-03-23</a:t>
             </a:fld>
             <a:endParaRPr lang="en-CA"/>
           </a:p>
@@ -2278,7 +2278,7 @@
           <a:p>
             <a:fld id="{91F17509-A3DD-4616-9315-DE1FA9D0E286}" type="datetimeFigureOut">
               <a:rPr lang="en-CA" smtClean="0"/>
-              <a:t>2016-03-22</a:t>
+              <a:t>2016-03-23</a:t>
             </a:fld>
             <a:endParaRPr lang="en-CA"/>
           </a:p>
@@ -2555,7 +2555,7 @@
           <a:p>
             <a:fld id="{91F17509-A3DD-4616-9315-DE1FA9D0E286}" type="datetimeFigureOut">
               <a:rPr lang="en-CA" smtClean="0"/>
-              <a:t>2016-03-22</a:t>
+              <a:t>2016-03-23</a:t>
             </a:fld>
             <a:endParaRPr lang="en-CA"/>
           </a:p>
@@ -2808,7 +2808,7 @@
           <a:p>
             <a:fld id="{91F17509-A3DD-4616-9315-DE1FA9D0E286}" type="datetimeFigureOut">
               <a:rPr lang="en-CA" smtClean="0"/>
-              <a:t>2016-03-22</a:t>
+              <a:t>2016-03-23</a:t>
             </a:fld>
             <a:endParaRPr lang="en-CA"/>
           </a:p>
@@ -3021,7 +3021,7 @@
           <a:p>
             <a:fld id="{91F17509-A3DD-4616-9315-DE1FA9D0E286}" type="datetimeFigureOut">
               <a:rPr lang="en-CA" smtClean="0"/>
-              <a:t>2016-03-22</a:t>
+              <a:t>2016-03-23</a:t>
             </a:fld>
             <a:endParaRPr lang="en-CA"/>
           </a:p>
@@ -9497,10 +9497,14 @@
               <a:buChar char="•"/>
             </a:pPr>
             <a:r>
-              <a:rPr lang="en-CA" sz="3200" b="1" dirty="0" err="1"/>
+              <a:rPr lang="en-CA" sz="3200" b="1" dirty="0" err="1">
+                <a:hlinkClick r:id="rId6" action="ppaction://program"/>
+              </a:rPr>
               <a:t>MessageSender</a:t>
             </a:r>
-            <a:endParaRPr lang="en-CA" sz="3200" b="1" dirty="0"/>
+            <a:endParaRPr lang="en-CA" sz="3200" b="1" dirty="0">
+              <a:hlinkClick r:id="rId6" action="ppaction://program"/>
+            </a:endParaRPr>
           </a:p>
           <a:p>
             <a:pPr marL="285750" indent="-285750">
@@ -9508,7 +9512,9 @@
               <a:buChar char="•"/>
             </a:pPr>
             <a:r>
-              <a:rPr lang="en-CA" sz="3200" b="1" dirty="0" err="1"/>
+              <a:rPr lang="en-CA" sz="3200" b="1" dirty="0" err="1">
+                <a:hlinkClick r:id="rId6" action="ppaction://program"/>
+              </a:rPr>
               <a:t>MessageReceiver</a:t>
             </a:r>
             <a:endParaRPr lang="en-CA" sz="3200" b="1" dirty="0"/>
@@ -9579,30 +9585,594 @@
           </a:p>
         </p:txBody>
       </p:sp>
-      <p:pic>
-        <p:nvPicPr>
-          <p:cNvPr id="3" name="Picture 2"/>
-          <p:cNvPicPr>
-            <a:picLocks noChangeAspect="1"/>
-          </p:cNvPicPr>
+      <p:sp>
+        <p:nvSpPr>
+          <p:cNvPr id="4" name="Rectangle 3"/>
+          <p:cNvSpPr/>
           <p:nvPr/>
-        </p:nvPicPr>
-        <p:blipFill>
-          <a:blip r:embed="rId2"/>
-          <a:stretch>
-            <a:fillRect/>
-          </a:stretch>
-        </p:blipFill>
+        </p:nvSpPr>
         <p:spPr>
           <a:xfrm>
-            <a:off x="863600" y="1594257"/>
-            <a:ext cx="9813219" cy="4902145"/>
+            <a:off x="4814728" y="1767156"/>
+            <a:ext cx="2193532" cy="888714"/>
           </a:xfrm>
           <a:prstGeom prst="rect">
             <a:avLst/>
           </a:prstGeom>
         </p:spPr>
-      </p:pic>
+        <p:style>
+          <a:lnRef idx="1">
+            <a:schemeClr val="accent1"/>
+          </a:lnRef>
+          <a:fillRef idx="2">
+            <a:schemeClr val="accent1"/>
+          </a:fillRef>
+          <a:effectRef idx="1">
+            <a:schemeClr val="accent1"/>
+          </a:effectRef>
+          <a:fontRef idx="minor">
+            <a:schemeClr val="dk1"/>
+          </a:fontRef>
+        </p:style>
+        <p:txBody>
+          <a:bodyPr rtlCol="0" anchor="ctr"/>
+          <a:lstStyle/>
+          <a:p>
+            <a:pPr algn="ctr"/>
+            <a:r>
+              <a:rPr lang="en-CA" dirty="0"/>
+              <a:t>Receive</a:t>
+            </a:r>
+          </a:p>
+        </p:txBody>
+      </p:sp>
+      <p:sp>
+        <p:nvSpPr>
+          <p:cNvPr id="5" name="Rectangle 4"/>
+          <p:cNvSpPr/>
+          <p:nvPr/>
+        </p:nvSpPr>
+        <p:spPr>
+          <a:xfrm>
+            <a:off x="232025" y="3513759"/>
+            <a:ext cx="1910138" cy="888714"/>
+          </a:xfrm>
+          <a:prstGeom prst="rect">
+            <a:avLst/>
+          </a:prstGeom>
+        </p:spPr>
+        <p:style>
+          <a:lnRef idx="1">
+            <a:schemeClr val="accent6"/>
+          </a:lnRef>
+          <a:fillRef idx="2">
+            <a:schemeClr val="accent6"/>
+          </a:fillRef>
+          <a:effectRef idx="1">
+            <a:schemeClr val="accent6"/>
+          </a:effectRef>
+          <a:fontRef idx="minor">
+            <a:schemeClr val="dk1"/>
+          </a:fontRef>
+        </p:style>
+        <p:txBody>
+          <a:bodyPr rtlCol="0" anchor="ctr"/>
+          <a:lstStyle/>
+          <a:p>
+            <a:pPr algn="ctr"/>
+            <a:r>
+              <a:rPr lang="en-CA" dirty="0"/>
+              <a:t>Complete</a:t>
+            </a:r>
+          </a:p>
+        </p:txBody>
+      </p:sp>
+      <p:sp>
+        <p:nvSpPr>
+          <p:cNvPr id="6" name="Rectangle 5"/>
+          <p:cNvSpPr/>
+          <p:nvPr/>
+        </p:nvSpPr>
+        <p:spPr>
+          <a:xfrm>
+            <a:off x="2594225" y="3513759"/>
+            <a:ext cx="1910138" cy="888714"/>
+          </a:xfrm>
+          <a:prstGeom prst="rect">
+            <a:avLst/>
+          </a:prstGeom>
+        </p:spPr>
+        <p:style>
+          <a:lnRef idx="1">
+            <a:schemeClr val="dk1"/>
+          </a:lnRef>
+          <a:fillRef idx="2">
+            <a:schemeClr val="dk1"/>
+          </a:fillRef>
+          <a:effectRef idx="1">
+            <a:schemeClr val="dk1"/>
+          </a:effectRef>
+          <a:fontRef idx="minor">
+            <a:schemeClr val="dk1"/>
+          </a:fontRef>
+        </p:style>
+        <p:txBody>
+          <a:bodyPr rtlCol="0" anchor="ctr"/>
+          <a:lstStyle/>
+          <a:p>
+            <a:pPr algn="ctr"/>
+            <a:r>
+              <a:rPr lang="en-CA" dirty="0"/>
+              <a:t>Abandon</a:t>
+            </a:r>
+          </a:p>
+        </p:txBody>
+      </p:sp>
+      <p:sp>
+        <p:nvSpPr>
+          <p:cNvPr id="7" name="Rectangle 6"/>
+          <p:cNvSpPr/>
+          <p:nvPr/>
+        </p:nvSpPr>
+        <p:spPr>
+          <a:xfrm>
+            <a:off x="4956424" y="3513759"/>
+            <a:ext cx="1910138" cy="888714"/>
+          </a:xfrm>
+          <a:prstGeom prst="rect">
+            <a:avLst/>
+          </a:prstGeom>
+        </p:spPr>
+        <p:style>
+          <a:lnRef idx="1">
+            <a:schemeClr val="accent4"/>
+          </a:lnRef>
+          <a:fillRef idx="2">
+            <a:schemeClr val="accent4"/>
+          </a:fillRef>
+          <a:effectRef idx="1">
+            <a:schemeClr val="accent4"/>
+          </a:effectRef>
+          <a:fontRef idx="minor">
+            <a:schemeClr val="dk1"/>
+          </a:fontRef>
+        </p:style>
+        <p:txBody>
+          <a:bodyPr rtlCol="0" anchor="ctr"/>
+          <a:lstStyle/>
+          <a:p>
+            <a:pPr algn="ctr"/>
+            <a:r>
+              <a:rPr lang="en-CA" dirty="0"/>
+              <a:t>Defer</a:t>
+            </a:r>
+          </a:p>
+        </p:txBody>
+      </p:sp>
+      <p:sp>
+        <p:nvSpPr>
+          <p:cNvPr id="8" name="Rectangle 7"/>
+          <p:cNvSpPr/>
+          <p:nvPr/>
+        </p:nvSpPr>
+        <p:spPr>
+          <a:xfrm>
+            <a:off x="7318625" y="3513759"/>
+            <a:ext cx="1910138" cy="888714"/>
+          </a:xfrm>
+          <a:prstGeom prst="rect">
+            <a:avLst/>
+          </a:prstGeom>
+        </p:spPr>
+        <p:style>
+          <a:lnRef idx="1">
+            <a:schemeClr val="accent2"/>
+          </a:lnRef>
+          <a:fillRef idx="2">
+            <a:schemeClr val="accent2"/>
+          </a:fillRef>
+          <a:effectRef idx="1">
+            <a:schemeClr val="accent2"/>
+          </a:effectRef>
+          <a:fontRef idx="minor">
+            <a:schemeClr val="dk1"/>
+          </a:fontRef>
+        </p:style>
+        <p:txBody>
+          <a:bodyPr rtlCol="0" anchor="ctr"/>
+          <a:lstStyle/>
+          <a:p>
+            <a:pPr algn="ctr"/>
+            <a:r>
+              <a:rPr lang="en-CA" dirty="0" err="1"/>
+              <a:t>Deadletter</a:t>
+            </a:r>
+            <a:endParaRPr lang="en-CA" dirty="0"/>
+          </a:p>
+        </p:txBody>
+      </p:sp>
+      <p:sp>
+        <p:nvSpPr>
+          <p:cNvPr id="9" name="Rectangle 8"/>
+          <p:cNvSpPr/>
+          <p:nvPr/>
+        </p:nvSpPr>
+        <p:spPr>
+          <a:xfrm>
+            <a:off x="9680824" y="3513759"/>
+            <a:ext cx="1910138" cy="888714"/>
+          </a:xfrm>
+          <a:prstGeom prst="rect">
+            <a:avLst/>
+          </a:prstGeom>
+        </p:spPr>
+        <p:style>
+          <a:lnRef idx="1">
+            <a:schemeClr val="accent3"/>
+          </a:lnRef>
+          <a:fillRef idx="2">
+            <a:schemeClr val="accent3"/>
+          </a:fillRef>
+          <a:effectRef idx="1">
+            <a:schemeClr val="accent3"/>
+          </a:effectRef>
+          <a:fontRef idx="minor">
+            <a:schemeClr val="dk1"/>
+          </a:fontRef>
+        </p:style>
+        <p:txBody>
+          <a:bodyPr rtlCol="0" anchor="ctr"/>
+          <a:lstStyle/>
+          <a:p>
+            <a:pPr algn="ctr"/>
+            <a:r>
+              <a:rPr lang="en-CA" dirty="0"/>
+              <a:t>Lock timeout expired</a:t>
+            </a:r>
+          </a:p>
+        </p:txBody>
+      </p:sp>
+      <p:cxnSp>
+        <p:nvCxnSpPr>
+          <p:cNvPr id="10" name="Elbow Connector 9"/>
+          <p:cNvCxnSpPr>
+            <a:stCxn id="4" idx="1"/>
+            <a:endCxn id="5" idx="0"/>
+          </p:cNvCxnSpPr>
+          <p:nvPr/>
+        </p:nvCxnSpPr>
+        <p:spPr>
+          <a:xfrm rot="10800000" flipV="1">
+            <a:off x="1187094" y="2211513"/>
+            <a:ext cx="3627634" cy="1302246"/>
+          </a:xfrm>
+          <a:prstGeom prst="bentConnector2">
+            <a:avLst/>
+          </a:prstGeom>
+          <a:ln>
+            <a:tailEnd type="triangle"/>
+          </a:ln>
+        </p:spPr>
+        <p:style>
+          <a:lnRef idx="1">
+            <a:schemeClr val="accent1"/>
+          </a:lnRef>
+          <a:fillRef idx="0">
+            <a:schemeClr val="accent1"/>
+          </a:fillRef>
+          <a:effectRef idx="0">
+            <a:schemeClr val="accent1"/>
+          </a:effectRef>
+          <a:fontRef idx="minor">
+            <a:schemeClr val="tx1"/>
+          </a:fontRef>
+        </p:style>
+      </p:cxnSp>
+      <p:cxnSp>
+        <p:nvCxnSpPr>
+          <p:cNvPr id="12" name="Elbow Connector 11"/>
+          <p:cNvCxnSpPr>
+            <a:stCxn id="4" idx="1"/>
+            <a:endCxn id="6" idx="0"/>
+          </p:cNvCxnSpPr>
+          <p:nvPr/>
+        </p:nvCxnSpPr>
+        <p:spPr>
+          <a:xfrm rot="10800000" flipV="1">
+            <a:off x="3549294" y="2211513"/>
+            <a:ext cx="1265434" cy="1302246"/>
+          </a:xfrm>
+          <a:prstGeom prst="bentConnector2">
+            <a:avLst/>
+          </a:prstGeom>
+          <a:ln>
+            <a:tailEnd type="triangle"/>
+          </a:ln>
+        </p:spPr>
+        <p:style>
+          <a:lnRef idx="1">
+            <a:schemeClr val="accent1"/>
+          </a:lnRef>
+          <a:fillRef idx="0">
+            <a:schemeClr val="accent1"/>
+          </a:fillRef>
+          <a:effectRef idx="0">
+            <a:schemeClr val="accent1"/>
+          </a:effectRef>
+          <a:fontRef idx="minor">
+            <a:schemeClr val="tx1"/>
+          </a:fontRef>
+        </p:style>
+      </p:cxnSp>
+      <p:cxnSp>
+        <p:nvCxnSpPr>
+          <p:cNvPr id="14" name="Elbow Connector 13"/>
+          <p:cNvCxnSpPr>
+            <a:stCxn id="4" idx="2"/>
+            <a:endCxn id="7" idx="0"/>
+          </p:cNvCxnSpPr>
+          <p:nvPr/>
+        </p:nvCxnSpPr>
+        <p:spPr>
+          <a:xfrm rot="5400000">
+            <a:off x="5482550" y="3084814"/>
+            <a:ext cx="857889" cy="1"/>
+          </a:xfrm>
+          <a:prstGeom prst="bentConnector3">
+            <a:avLst/>
+          </a:prstGeom>
+          <a:ln>
+            <a:tailEnd type="triangle"/>
+          </a:ln>
+        </p:spPr>
+        <p:style>
+          <a:lnRef idx="1">
+            <a:schemeClr val="accent1"/>
+          </a:lnRef>
+          <a:fillRef idx="0">
+            <a:schemeClr val="accent1"/>
+          </a:fillRef>
+          <a:effectRef idx="0">
+            <a:schemeClr val="accent1"/>
+          </a:effectRef>
+          <a:fontRef idx="minor">
+            <a:schemeClr val="tx1"/>
+          </a:fontRef>
+        </p:style>
+      </p:cxnSp>
+      <p:cxnSp>
+        <p:nvCxnSpPr>
+          <p:cNvPr id="17" name="Elbow Connector 16"/>
+          <p:cNvCxnSpPr>
+            <a:stCxn id="4" idx="3"/>
+            <a:endCxn id="8" idx="0"/>
+          </p:cNvCxnSpPr>
+          <p:nvPr/>
+        </p:nvCxnSpPr>
+        <p:spPr>
+          <a:xfrm>
+            <a:off x="7008260" y="2211513"/>
+            <a:ext cx="1265434" cy="1302246"/>
+          </a:xfrm>
+          <a:prstGeom prst="bentConnector2">
+            <a:avLst/>
+          </a:prstGeom>
+          <a:ln>
+            <a:tailEnd type="triangle"/>
+          </a:ln>
+        </p:spPr>
+        <p:style>
+          <a:lnRef idx="1">
+            <a:schemeClr val="accent1"/>
+          </a:lnRef>
+          <a:fillRef idx="0">
+            <a:schemeClr val="accent1"/>
+          </a:fillRef>
+          <a:effectRef idx="0">
+            <a:schemeClr val="accent1"/>
+          </a:effectRef>
+          <a:fontRef idx="minor">
+            <a:schemeClr val="tx1"/>
+          </a:fontRef>
+        </p:style>
+      </p:cxnSp>
+      <p:cxnSp>
+        <p:nvCxnSpPr>
+          <p:cNvPr id="19" name="Elbow Connector 18"/>
+          <p:cNvCxnSpPr>
+            <a:stCxn id="4" idx="3"/>
+            <a:endCxn id="9" idx="0"/>
+          </p:cNvCxnSpPr>
+          <p:nvPr/>
+        </p:nvCxnSpPr>
+        <p:spPr>
+          <a:xfrm>
+            <a:off x="7008260" y="2211513"/>
+            <a:ext cx="3627633" cy="1302246"/>
+          </a:xfrm>
+          <a:prstGeom prst="bentConnector2">
+            <a:avLst/>
+          </a:prstGeom>
+          <a:ln>
+            <a:tailEnd type="triangle"/>
+          </a:ln>
+        </p:spPr>
+        <p:style>
+          <a:lnRef idx="1">
+            <a:schemeClr val="accent1"/>
+          </a:lnRef>
+          <a:fillRef idx="0">
+            <a:schemeClr val="accent1"/>
+          </a:fillRef>
+          <a:effectRef idx="0">
+            <a:schemeClr val="accent1"/>
+          </a:effectRef>
+          <a:fontRef idx="minor">
+            <a:schemeClr val="tx1"/>
+          </a:fontRef>
+        </p:style>
+      </p:cxnSp>
+      <p:sp>
+        <p:nvSpPr>
+          <p:cNvPr id="20" name="TextBox 19"/>
+          <p:cNvSpPr txBox="1"/>
+          <p:nvPr/>
+        </p:nvSpPr>
+        <p:spPr>
+          <a:xfrm>
+            <a:off x="232025" y="4582571"/>
+            <a:ext cx="1910138" cy="1200329"/>
+          </a:xfrm>
+          <a:prstGeom prst="rect">
+            <a:avLst/>
+          </a:prstGeom>
+          <a:noFill/>
+        </p:spPr>
+        <p:txBody>
+          <a:bodyPr wrap="square" rtlCol="0">
+            <a:spAutoFit/>
+          </a:bodyPr>
+          <a:lstStyle/>
+          <a:p>
+            <a:r>
+              <a:rPr lang="en-CA" dirty="0"/>
+              <a:t>Message marked as completed and removed from the queue.</a:t>
+            </a:r>
+          </a:p>
+        </p:txBody>
+      </p:sp>
+      <p:sp>
+        <p:nvSpPr>
+          <p:cNvPr id="21" name="TextBox 20"/>
+          <p:cNvSpPr txBox="1"/>
+          <p:nvPr/>
+        </p:nvSpPr>
+        <p:spPr>
+          <a:xfrm>
+            <a:off x="2595741" y="4522554"/>
+            <a:ext cx="1910138" cy="1200329"/>
+          </a:xfrm>
+          <a:prstGeom prst="rect">
+            <a:avLst/>
+          </a:prstGeom>
+          <a:noFill/>
+        </p:spPr>
+        <p:txBody>
+          <a:bodyPr wrap="square" rtlCol="0">
+            <a:spAutoFit/>
+          </a:bodyPr>
+          <a:lstStyle/>
+          <a:p>
+            <a:r>
+              <a:rPr lang="en-CA" dirty="0"/>
+              <a:t>Message becomes visible on the queue and can be received again.</a:t>
+            </a:r>
+          </a:p>
+        </p:txBody>
+      </p:sp>
+      <p:sp>
+        <p:nvSpPr>
+          <p:cNvPr id="22" name="TextBox 21"/>
+          <p:cNvSpPr txBox="1"/>
+          <p:nvPr/>
+        </p:nvSpPr>
+        <p:spPr>
+          <a:xfrm>
+            <a:off x="4956424" y="4522554"/>
+            <a:ext cx="1910138" cy="1200329"/>
+          </a:xfrm>
+          <a:prstGeom prst="rect">
+            <a:avLst/>
+          </a:prstGeom>
+          <a:noFill/>
+        </p:spPr>
+        <p:txBody>
+          <a:bodyPr wrap="square" rtlCol="0">
+            <a:spAutoFit/>
+          </a:bodyPr>
+          <a:lstStyle/>
+          <a:p>
+            <a:r>
+              <a:rPr lang="en-CA" dirty="0"/>
+              <a:t>Message remains on the queue and can will be received later.</a:t>
+            </a:r>
+          </a:p>
+        </p:txBody>
+      </p:sp>
+      <p:sp>
+        <p:nvSpPr>
+          <p:cNvPr id="23" name="TextBox 22"/>
+          <p:cNvSpPr txBox="1"/>
+          <p:nvPr/>
+        </p:nvSpPr>
+        <p:spPr>
+          <a:xfrm>
+            <a:off x="7318625" y="4522554"/>
+            <a:ext cx="1910138" cy="1477328"/>
+          </a:xfrm>
+          <a:prstGeom prst="rect">
+            <a:avLst/>
+          </a:prstGeom>
+          <a:noFill/>
+        </p:spPr>
+        <p:txBody>
+          <a:bodyPr wrap="square" rtlCol="0">
+            <a:spAutoFit/>
+          </a:bodyPr>
+          <a:lstStyle/>
+          <a:p>
+            <a:r>
+              <a:rPr lang="en-CA" dirty="0"/>
+              <a:t>Message is moved to </a:t>
+            </a:r>
+            <a:r>
+              <a:rPr lang="en-CA" dirty="0" err="1"/>
+              <a:t>deadletter</a:t>
+            </a:r>
+            <a:r>
+              <a:rPr lang="en-CA" dirty="0"/>
+              <a:t> sub-queue  and can be received from that queue.</a:t>
+            </a:r>
+          </a:p>
+        </p:txBody>
+      </p:sp>
+      <p:sp>
+        <p:nvSpPr>
+          <p:cNvPr id="24" name="TextBox 23"/>
+          <p:cNvSpPr txBox="1"/>
+          <p:nvPr/>
+        </p:nvSpPr>
+        <p:spPr>
+          <a:xfrm>
+            <a:off x="9680824" y="4522554"/>
+            <a:ext cx="1910138" cy="1477328"/>
+          </a:xfrm>
+          <a:prstGeom prst="rect">
+            <a:avLst/>
+          </a:prstGeom>
+          <a:noFill/>
+        </p:spPr>
+        <p:txBody>
+          <a:bodyPr wrap="square" rtlCol="0">
+            <a:spAutoFit/>
+          </a:bodyPr>
+          <a:lstStyle/>
+          <a:p>
+            <a:r>
+              <a:rPr lang="en-CA" dirty="0"/>
+              <a:t>Message is moved to </a:t>
+            </a:r>
+            <a:r>
+              <a:rPr lang="en-CA" dirty="0" err="1"/>
+              <a:t>deadletter</a:t>
+            </a:r>
+            <a:r>
+              <a:rPr lang="en-CA" dirty="0"/>
+              <a:t> sub-queue  and can be received from that queue.</a:t>
+            </a:r>
+          </a:p>
+        </p:txBody>
+      </p:sp>
     </p:spTree>
     <p:extLst>
       <p:ext uri="{BB962C8B-B14F-4D97-AF65-F5344CB8AC3E}">
@@ -9613,6 +10183,606 @@
   <p:clrMapOvr>
     <a:masterClrMapping/>
   </p:clrMapOvr>
+  <p:timing>
+    <p:tnLst>
+      <p:par>
+        <p:cTn id="1" dur="indefinite" restart="never" nodeType="tmRoot">
+          <p:childTnLst>
+            <p:seq concurrent="1" nextAc="seek">
+              <p:cTn id="2" dur="indefinite" nodeType="mainSeq">
+                <p:childTnLst>
+                  <p:par>
+                    <p:cTn id="3" fill="hold">
+                      <p:stCondLst>
+                        <p:cond delay="indefinite"/>
+                      </p:stCondLst>
+                      <p:childTnLst>
+                        <p:par>
+                          <p:cTn id="4" fill="hold">
+                            <p:stCondLst>
+                              <p:cond delay="0"/>
+                            </p:stCondLst>
+                            <p:childTnLst>
+                              <p:par>
+                                <p:cTn id="5" presetID="1" presetClass="entr" presetSubtype="0" fill="hold" nodeType="clickEffect">
+                                  <p:stCondLst>
+                                    <p:cond delay="0"/>
+                                  </p:stCondLst>
+                                  <p:childTnLst>
+                                    <p:set>
+                                      <p:cBhvr>
+                                        <p:cTn id="6" dur="1" fill="hold">
+                                          <p:stCondLst>
+                                            <p:cond delay="0"/>
+                                          </p:stCondLst>
+                                        </p:cTn>
+                                        <p:tgtEl>
+                                          <p:spTgt spid="10"/>
+                                        </p:tgtEl>
+                                        <p:attrNameLst>
+                                          <p:attrName>style.visibility</p:attrName>
+                                        </p:attrNameLst>
+                                      </p:cBhvr>
+                                      <p:to>
+                                        <p:strVal val="visible"/>
+                                      </p:to>
+                                    </p:set>
+                                  </p:childTnLst>
+                                </p:cTn>
+                              </p:par>
+                            </p:childTnLst>
+                          </p:cTn>
+                        </p:par>
+                        <p:par>
+                          <p:cTn id="7" fill="hold">
+                            <p:stCondLst>
+                              <p:cond delay="0"/>
+                            </p:stCondLst>
+                            <p:childTnLst>
+                              <p:par>
+                                <p:cTn id="8" presetID="1" presetClass="entr" presetSubtype="0" fill="hold" grpId="0" nodeType="afterEffect">
+                                  <p:stCondLst>
+                                    <p:cond delay="0"/>
+                                  </p:stCondLst>
+                                  <p:childTnLst>
+                                    <p:set>
+                                      <p:cBhvr>
+                                        <p:cTn id="9" dur="1" fill="hold">
+                                          <p:stCondLst>
+                                            <p:cond delay="0"/>
+                                          </p:stCondLst>
+                                        </p:cTn>
+                                        <p:tgtEl>
+                                          <p:spTgt spid="5"/>
+                                        </p:tgtEl>
+                                        <p:attrNameLst>
+                                          <p:attrName>style.visibility</p:attrName>
+                                        </p:attrNameLst>
+                                      </p:cBhvr>
+                                      <p:to>
+                                        <p:strVal val="visible"/>
+                                      </p:to>
+                                    </p:set>
+                                  </p:childTnLst>
+                                </p:cTn>
+                              </p:par>
+                            </p:childTnLst>
+                          </p:cTn>
+                        </p:par>
+                        <p:par>
+                          <p:cTn id="10" fill="hold">
+                            <p:stCondLst>
+                              <p:cond delay="0"/>
+                            </p:stCondLst>
+                            <p:childTnLst>
+                              <p:par>
+                                <p:cTn id="11" presetID="1" presetClass="entr" presetSubtype="0" fill="hold" grpId="0" nodeType="afterEffect">
+                                  <p:stCondLst>
+                                    <p:cond delay="0"/>
+                                  </p:stCondLst>
+                                  <p:childTnLst>
+                                    <p:set>
+                                      <p:cBhvr>
+                                        <p:cTn id="12" dur="1" fill="hold">
+                                          <p:stCondLst>
+                                            <p:cond delay="0"/>
+                                          </p:stCondLst>
+                                        </p:cTn>
+                                        <p:tgtEl>
+                                          <p:spTgt spid="20"/>
+                                        </p:tgtEl>
+                                        <p:attrNameLst>
+                                          <p:attrName>style.visibility</p:attrName>
+                                        </p:attrNameLst>
+                                      </p:cBhvr>
+                                      <p:to>
+                                        <p:strVal val="visible"/>
+                                      </p:to>
+                                    </p:set>
+                                  </p:childTnLst>
+                                </p:cTn>
+                              </p:par>
+                            </p:childTnLst>
+                          </p:cTn>
+                        </p:par>
+                      </p:childTnLst>
+                    </p:cTn>
+                  </p:par>
+                  <p:par>
+                    <p:cTn id="13" fill="hold">
+                      <p:stCondLst>
+                        <p:cond delay="indefinite"/>
+                      </p:stCondLst>
+                      <p:childTnLst>
+                        <p:par>
+                          <p:cTn id="14" fill="hold">
+                            <p:stCondLst>
+                              <p:cond delay="0"/>
+                            </p:stCondLst>
+                            <p:childTnLst>
+                              <p:par>
+                                <p:cTn id="15" presetID="1" presetClass="entr" presetSubtype="0" fill="hold" nodeType="clickEffect">
+                                  <p:stCondLst>
+                                    <p:cond delay="0"/>
+                                  </p:stCondLst>
+                                  <p:childTnLst>
+                                    <p:set>
+                                      <p:cBhvr>
+                                        <p:cTn id="16" dur="1" fill="hold">
+                                          <p:stCondLst>
+                                            <p:cond delay="0"/>
+                                          </p:stCondLst>
+                                        </p:cTn>
+                                        <p:tgtEl>
+                                          <p:spTgt spid="12"/>
+                                        </p:tgtEl>
+                                        <p:attrNameLst>
+                                          <p:attrName>style.visibility</p:attrName>
+                                        </p:attrNameLst>
+                                      </p:cBhvr>
+                                      <p:to>
+                                        <p:strVal val="visible"/>
+                                      </p:to>
+                                    </p:set>
+                                  </p:childTnLst>
+                                </p:cTn>
+                              </p:par>
+                            </p:childTnLst>
+                          </p:cTn>
+                        </p:par>
+                        <p:par>
+                          <p:cTn id="17" fill="hold">
+                            <p:stCondLst>
+                              <p:cond delay="0"/>
+                            </p:stCondLst>
+                            <p:childTnLst>
+                              <p:par>
+                                <p:cTn id="18" presetID="1" presetClass="entr" presetSubtype="0" fill="hold" grpId="0" nodeType="afterEffect">
+                                  <p:stCondLst>
+                                    <p:cond delay="0"/>
+                                  </p:stCondLst>
+                                  <p:childTnLst>
+                                    <p:set>
+                                      <p:cBhvr>
+                                        <p:cTn id="19" dur="1" fill="hold">
+                                          <p:stCondLst>
+                                            <p:cond delay="0"/>
+                                          </p:stCondLst>
+                                        </p:cTn>
+                                        <p:tgtEl>
+                                          <p:spTgt spid="6"/>
+                                        </p:tgtEl>
+                                        <p:attrNameLst>
+                                          <p:attrName>style.visibility</p:attrName>
+                                        </p:attrNameLst>
+                                      </p:cBhvr>
+                                      <p:to>
+                                        <p:strVal val="visible"/>
+                                      </p:to>
+                                    </p:set>
+                                  </p:childTnLst>
+                                </p:cTn>
+                              </p:par>
+                            </p:childTnLst>
+                          </p:cTn>
+                        </p:par>
+                        <p:par>
+                          <p:cTn id="20" fill="hold">
+                            <p:stCondLst>
+                              <p:cond delay="0"/>
+                            </p:stCondLst>
+                            <p:childTnLst>
+                              <p:par>
+                                <p:cTn id="21" presetID="1" presetClass="entr" presetSubtype="0" fill="hold" grpId="0" nodeType="afterEffect">
+                                  <p:stCondLst>
+                                    <p:cond delay="0"/>
+                                  </p:stCondLst>
+                                  <p:childTnLst>
+                                    <p:set>
+                                      <p:cBhvr>
+                                        <p:cTn id="22" dur="1" fill="hold">
+                                          <p:stCondLst>
+                                            <p:cond delay="0"/>
+                                          </p:stCondLst>
+                                        </p:cTn>
+                                        <p:tgtEl>
+                                          <p:spTgt spid="21"/>
+                                        </p:tgtEl>
+                                        <p:attrNameLst>
+                                          <p:attrName>style.visibility</p:attrName>
+                                        </p:attrNameLst>
+                                      </p:cBhvr>
+                                      <p:to>
+                                        <p:strVal val="visible"/>
+                                      </p:to>
+                                    </p:set>
+                                  </p:childTnLst>
+                                </p:cTn>
+                              </p:par>
+                            </p:childTnLst>
+                          </p:cTn>
+                        </p:par>
+                      </p:childTnLst>
+                    </p:cTn>
+                  </p:par>
+                  <p:par>
+                    <p:cTn id="23" fill="hold">
+                      <p:stCondLst>
+                        <p:cond delay="indefinite"/>
+                      </p:stCondLst>
+                      <p:childTnLst>
+                        <p:par>
+                          <p:cTn id="24" fill="hold">
+                            <p:stCondLst>
+                              <p:cond delay="0"/>
+                            </p:stCondLst>
+                            <p:childTnLst>
+                              <p:par>
+                                <p:cTn id="25" presetID="1" presetClass="entr" presetSubtype="0" fill="hold" nodeType="clickEffect">
+                                  <p:stCondLst>
+                                    <p:cond delay="0"/>
+                                  </p:stCondLst>
+                                  <p:childTnLst>
+                                    <p:set>
+                                      <p:cBhvr>
+                                        <p:cTn id="26" dur="1" fill="hold">
+                                          <p:stCondLst>
+                                            <p:cond delay="0"/>
+                                          </p:stCondLst>
+                                        </p:cTn>
+                                        <p:tgtEl>
+                                          <p:spTgt spid="14"/>
+                                        </p:tgtEl>
+                                        <p:attrNameLst>
+                                          <p:attrName>style.visibility</p:attrName>
+                                        </p:attrNameLst>
+                                      </p:cBhvr>
+                                      <p:to>
+                                        <p:strVal val="visible"/>
+                                      </p:to>
+                                    </p:set>
+                                  </p:childTnLst>
+                                </p:cTn>
+                              </p:par>
+                            </p:childTnLst>
+                          </p:cTn>
+                        </p:par>
+                        <p:par>
+                          <p:cTn id="27" fill="hold">
+                            <p:stCondLst>
+                              <p:cond delay="0"/>
+                            </p:stCondLst>
+                            <p:childTnLst>
+                              <p:par>
+                                <p:cTn id="28" presetID="1" presetClass="entr" presetSubtype="0" fill="hold" grpId="0" nodeType="afterEffect">
+                                  <p:stCondLst>
+                                    <p:cond delay="0"/>
+                                  </p:stCondLst>
+                                  <p:childTnLst>
+                                    <p:set>
+                                      <p:cBhvr>
+                                        <p:cTn id="29" dur="1" fill="hold">
+                                          <p:stCondLst>
+                                            <p:cond delay="0"/>
+                                          </p:stCondLst>
+                                        </p:cTn>
+                                        <p:tgtEl>
+                                          <p:spTgt spid="7"/>
+                                        </p:tgtEl>
+                                        <p:attrNameLst>
+                                          <p:attrName>style.visibility</p:attrName>
+                                        </p:attrNameLst>
+                                      </p:cBhvr>
+                                      <p:to>
+                                        <p:strVal val="visible"/>
+                                      </p:to>
+                                    </p:set>
+                                  </p:childTnLst>
+                                </p:cTn>
+                              </p:par>
+                              <p:par>
+                                <p:cTn id="30" presetID="1" presetClass="entr" presetSubtype="0" fill="hold" grpId="0" nodeType="withEffect">
+                                  <p:stCondLst>
+                                    <p:cond delay="0"/>
+                                  </p:stCondLst>
+                                  <p:childTnLst>
+                                    <p:set>
+                                      <p:cBhvr>
+                                        <p:cTn id="31" dur="1" fill="hold">
+                                          <p:stCondLst>
+                                            <p:cond delay="0"/>
+                                          </p:stCondLst>
+                                        </p:cTn>
+                                        <p:tgtEl>
+                                          <p:spTgt spid="22"/>
+                                        </p:tgtEl>
+                                        <p:attrNameLst>
+                                          <p:attrName>style.visibility</p:attrName>
+                                        </p:attrNameLst>
+                                      </p:cBhvr>
+                                      <p:to>
+                                        <p:strVal val="visible"/>
+                                      </p:to>
+                                    </p:set>
+                                  </p:childTnLst>
+                                </p:cTn>
+                              </p:par>
+                            </p:childTnLst>
+                          </p:cTn>
+                        </p:par>
+                      </p:childTnLst>
+                    </p:cTn>
+                  </p:par>
+                  <p:par>
+                    <p:cTn id="32" fill="hold">
+                      <p:stCondLst>
+                        <p:cond delay="indefinite"/>
+                      </p:stCondLst>
+                      <p:childTnLst>
+                        <p:par>
+                          <p:cTn id="33" fill="hold">
+                            <p:stCondLst>
+                              <p:cond delay="0"/>
+                            </p:stCondLst>
+                            <p:childTnLst>
+                              <p:par>
+                                <p:cTn id="34" presetID="1" presetClass="entr" presetSubtype="0" fill="hold" nodeType="clickEffect">
+                                  <p:stCondLst>
+                                    <p:cond delay="0"/>
+                                  </p:stCondLst>
+                                  <p:childTnLst>
+                                    <p:set>
+                                      <p:cBhvr>
+                                        <p:cTn id="35" dur="1" fill="hold">
+                                          <p:stCondLst>
+                                            <p:cond delay="0"/>
+                                          </p:stCondLst>
+                                        </p:cTn>
+                                        <p:tgtEl>
+                                          <p:spTgt spid="17"/>
+                                        </p:tgtEl>
+                                        <p:attrNameLst>
+                                          <p:attrName>style.visibility</p:attrName>
+                                        </p:attrNameLst>
+                                      </p:cBhvr>
+                                      <p:to>
+                                        <p:strVal val="visible"/>
+                                      </p:to>
+                                    </p:set>
+                                  </p:childTnLst>
+                                </p:cTn>
+                              </p:par>
+                            </p:childTnLst>
+                          </p:cTn>
+                        </p:par>
+                        <p:par>
+                          <p:cTn id="36" fill="hold">
+                            <p:stCondLst>
+                              <p:cond delay="0"/>
+                            </p:stCondLst>
+                            <p:childTnLst>
+                              <p:par>
+                                <p:cTn id="37" presetID="1" presetClass="entr" presetSubtype="0" fill="hold" grpId="0" nodeType="afterEffect">
+                                  <p:stCondLst>
+                                    <p:cond delay="0"/>
+                                  </p:stCondLst>
+                                  <p:childTnLst>
+                                    <p:set>
+                                      <p:cBhvr>
+                                        <p:cTn id="38" dur="1" fill="hold">
+                                          <p:stCondLst>
+                                            <p:cond delay="0"/>
+                                          </p:stCondLst>
+                                        </p:cTn>
+                                        <p:tgtEl>
+                                          <p:spTgt spid="8"/>
+                                        </p:tgtEl>
+                                        <p:attrNameLst>
+                                          <p:attrName>style.visibility</p:attrName>
+                                        </p:attrNameLst>
+                                      </p:cBhvr>
+                                      <p:to>
+                                        <p:strVal val="visible"/>
+                                      </p:to>
+                                    </p:set>
+                                  </p:childTnLst>
+                                </p:cTn>
+                              </p:par>
+                              <p:par>
+                                <p:cTn id="39" presetID="1" presetClass="entr" presetSubtype="0" fill="hold" grpId="0" nodeType="withEffect">
+                                  <p:stCondLst>
+                                    <p:cond delay="0"/>
+                                  </p:stCondLst>
+                                  <p:childTnLst>
+                                    <p:set>
+                                      <p:cBhvr>
+                                        <p:cTn id="40" dur="1" fill="hold">
+                                          <p:stCondLst>
+                                            <p:cond delay="0"/>
+                                          </p:stCondLst>
+                                        </p:cTn>
+                                        <p:tgtEl>
+                                          <p:spTgt spid="23"/>
+                                        </p:tgtEl>
+                                        <p:attrNameLst>
+                                          <p:attrName>style.visibility</p:attrName>
+                                        </p:attrNameLst>
+                                      </p:cBhvr>
+                                      <p:to>
+                                        <p:strVal val="visible"/>
+                                      </p:to>
+                                    </p:set>
+                                  </p:childTnLst>
+                                </p:cTn>
+                              </p:par>
+                            </p:childTnLst>
+                          </p:cTn>
+                        </p:par>
+                      </p:childTnLst>
+                    </p:cTn>
+                  </p:par>
+                  <p:par>
+                    <p:cTn id="41" fill="hold">
+                      <p:stCondLst>
+                        <p:cond delay="indefinite"/>
+                      </p:stCondLst>
+                      <p:childTnLst>
+                        <p:par>
+                          <p:cTn id="42" fill="hold">
+                            <p:stCondLst>
+                              <p:cond delay="0"/>
+                            </p:stCondLst>
+                            <p:childTnLst>
+                              <p:par>
+                                <p:cTn id="43" presetID="1" presetClass="entr" presetSubtype="0" fill="hold" nodeType="clickEffect">
+                                  <p:stCondLst>
+                                    <p:cond delay="0"/>
+                                  </p:stCondLst>
+                                  <p:childTnLst>
+                                    <p:set>
+                                      <p:cBhvr>
+                                        <p:cTn id="44" dur="1" fill="hold">
+                                          <p:stCondLst>
+                                            <p:cond delay="0"/>
+                                          </p:stCondLst>
+                                        </p:cTn>
+                                        <p:tgtEl>
+                                          <p:spTgt spid="19"/>
+                                        </p:tgtEl>
+                                        <p:attrNameLst>
+                                          <p:attrName>style.visibility</p:attrName>
+                                        </p:attrNameLst>
+                                      </p:cBhvr>
+                                      <p:to>
+                                        <p:strVal val="visible"/>
+                                      </p:to>
+                                    </p:set>
+                                  </p:childTnLst>
+                                </p:cTn>
+                              </p:par>
+                            </p:childTnLst>
+                          </p:cTn>
+                        </p:par>
+                        <p:par>
+                          <p:cTn id="45" fill="hold">
+                            <p:stCondLst>
+                              <p:cond delay="0"/>
+                            </p:stCondLst>
+                            <p:childTnLst>
+                              <p:par>
+                                <p:cTn id="46" presetID="1" presetClass="entr" presetSubtype="0" fill="hold" grpId="0" nodeType="afterEffect">
+                                  <p:stCondLst>
+                                    <p:cond delay="0"/>
+                                  </p:stCondLst>
+                                  <p:childTnLst>
+                                    <p:set>
+                                      <p:cBhvr>
+                                        <p:cTn id="47" dur="1" fill="hold">
+                                          <p:stCondLst>
+                                            <p:cond delay="0"/>
+                                          </p:stCondLst>
+                                        </p:cTn>
+                                        <p:tgtEl>
+                                          <p:spTgt spid="9"/>
+                                        </p:tgtEl>
+                                        <p:attrNameLst>
+                                          <p:attrName>style.visibility</p:attrName>
+                                        </p:attrNameLst>
+                                      </p:cBhvr>
+                                      <p:to>
+                                        <p:strVal val="visible"/>
+                                      </p:to>
+                                    </p:set>
+                                  </p:childTnLst>
+                                </p:cTn>
+                              </p:par>
+                              <p:par>
+                                <p:cTn id="48" presetID="1" presetClass="entr" presetSubtype="0" fill="hold" grpId="0" nodeType="withEffect">
+                                  <p:stCondLst>
+                                    <p:cond delay="0"/>
+                                  </p:stCondLst>
+                                  <p:childTnLst>
+                                    <p:set>
+                                      <p:cBhvr>
+                                        <p:cTn id="49" dur="1" fill="hold">
+                                          <p:stCondLst>
+                                            <p:cond delay="0"/>
+                                          </p:stCondLst>
+                                        </p:cTn>
+                                        <p:tgtEl>
+                                          <p:spTgt spid="24"/>
+                                        </p:tgtEl>
+                                        <p:attrNameLst>
+                                          <p:attrName>style.visibility</p:attrName>
+                                        </p:attrNameLst>
+                                      </p:cBhvr>
+                                      <p:to>
+                                        <p:strVal val="visible"/>
+                                      </p:to>
+                                    </p:set>
+                                  </p:childTnLst>
+                                </p:cTn>
+                              </p:par>
+                            </p:childTnLst>
+                          </p:cTn>
+                        </p:par>
+                      </p:childTnLst>
+                    </p:cTn>
+                  </p:par>
+                </p:childTnLst>
+              </p:cTn>
+              <p:prevCondLst>
+                <p:cond evt="onPrev" delay="0">
+                  <p:tgtEl>
+                    <p:sldTgt/>
+                  </p:tgtEl>
+                </p:cond>
+              </p:prevCondLst>
+              <p:nextCondLst>
+                <p:cond evt="onNext" delay="0">
+                  <p:tgtEl>
+                    <p:sldTgt/>
+                  </p:tgtEl>
+                </p:cond>
+              </p:nextCondLst>
+            </p:seq>
+          </p:childTnLst>
+        </p:cTn>
+      </p:par>
+    </p:tnLst>
+    <p:bldLst>
+      <p:bldP spid="5" grpId="0" animBg="1"/>
+      <p:bldP spid="6" grpId="0" animBg="1"/>
+      <p:bldP spid="7" grpId="0" animBg="1"/>
+      <p:bldP spid="8" grpId="0" animBg="1"/>
+      <p:bldP spid="9" grpId="0" animBg="1"/>
+      <p:bldP spid="20" grpId="0"/>
+      <p:bldP spid="21" grpId="0"/>
+      <p:bldP spid="22" grpId="0"/>
+      <p:bldP spid="23" grpId="0"/>
+      <p:bldP spid="24" grpId="0"/>
+    </p:bldLst>
+  </p:timing>
 </p:sld>
 </file>
 
@@ -10638,6 +11808,36 @@
           </a:p>
         </p:txBody>
       </p:sp>
+      <p:pic>
+        <p:nvPicPr>
+          <p:cNvPr id="4" name="Picture 3"/>
+          <p:cNvPicPr>
+            <a:picLocks noChangeAspect="1"/>
+          </p:cNvPicPr>
+          <p:nvPr/>
+        </p:nvPicPr>
+        <p:blipFill>
+          <a:blip r:embed="rId8">
+            <a:extLst>
+              <a:ext uri="{28A0092B-C50C-407E-A947-70E740481C1C}">
+                <a14:useLocalDpi xmlns:a14="http://schemas.microsoft.com/office/drawing/2010/main" val="0"/>
+              </a:ext>
+            </a:extLst>
+          </a:blip>
+          <a:stretch>
+            <a:fillRect/>
+          </a:stretch>
+        </p:blipFill>
+        <p:spPr>
+          <a:xfrm>
+            <a:off x="9996738" y="1573065"/>
+            <a:ext cx="1905000" cy="1905000"/>
+          </a:xfrm>
+          <a:prstGeom prst="ellipse">
+            <a:avLst/>
+          </a:prstGeom>
+        </p:spPr>
+      </p:pic>
     </p:spTree>
     <p:extLst>
       <p:ext uri="{BB962C8B-B14F-4D97-AF65-F5344CB8AC3E}">

--- a/Azure Service Bus Calgary .NET usergroup 2016-03-24.pptx
+++ b/Azure Service Bus Calgary .NET usergroup 2016-03-24.pptx
@@ -135,6 +135,2390 @@
 </p:presentation>
 </file>
 
+<file path=ppt/diagrams/colors1.xml><?xml version="1.0" encoding="utf-8"?>
+<dgm:colorsDef xmlns:dgm="http://schemas.openxmlformats.org/drawingml/2006/diagram" xmlns:a="http://schemas.openxmlformats.org/drawingml/2006/main" uniqueId="urn:microsoft.com/office/officeart/2005/8/colors/accent1_2">
+  <dgm:title val=""/>
+  <dgm:desc val=""/>
+  <dgm:catLst>
+    <dgm:cat type="accent1" pri="11200"/>
+  </dgm:catLst>
+  <dgm:styleLbl name="node0">
+    <dgm:fillClrLst meth="repeat">
+      <a:schemeClr val="accent1"/>
+    </dgm:fillClrLst>
+    <dgm:linClrLst meth="repeat">
+      <a:schemeClr val="lt1"/>
+    </dgm:linClrLst>
+    <dgm:effectClrLst/>
+    <dgm:txLinClrLst/>
+    <dgm:txFillClrLst/>
+    <dgm:txEffectClrLst/>
+  </dgm:styleLbl>
+  <dgm:styleLbl name="alignNode1">
+    <dgm:fillClrLst meth="repeat">
+      <a:schemeClr val="accent1"/>
+    </dgm:fillClrLst>
+    <dgm:linClrLst meth="repeat">
+      <a:schemeClr val="accent1"/>
+    </dgm:linClrLst>
+    <dgm:effectClrLst/>
+    <dgm:txLinClrLst/>
+    <dgm:txFillClrLst/>
+    <dgm:txEffectClrLst/>
+  </dgm:styleLbl>
+  <dgm:styleLbl name="node1">
+    <dgm:fillClrLst meth="repeat">
+      <a:schemeClr val="accent1"/>
+    </dgm:fillClrLst>
+    <dgm:linClrLst meth="repeat">
+      <a:schemeClr val="lt1"/>
+    </dgm:linClrLst>
+    <dgm:effectClrLst/>
+    <dgm:txLinClrLst/>
+    <dgm:txFillClrLst/>
+    <dgm:txEffectClrLst/>
+  </dgm:styleLbl>
+  <dgm:styleLbl name="lnNode1">
+    <dgm:fillClrLst meth="repeat">
+      <a:schemeClr val="accent1"/>
+    </dgm:fillClrLst>
+    <dgm:linClrLst meth="repeat">
+      <a:schemeClr val="lt1"/>
+    </dgm:linClrLst>
+    <dgm:effectClrLst/>
+    <dgm:txLinClrLst/>
+    <dgm:txFillClrLst/>
+    <dgm:txEffectClrLst/>
+  </dgm:styleLbl>
+  <dgm:styleLbl name="vennNode1">
+    <dgm:fillClrLst meth="repeat">
+      <a:schemeClr val="accent1">
+        <a:alpha val="50000"/>
+      </a:schemeClr>
+    </dgm:fillClrLst>
+    <dgm:linClrLst meth="repeat">
+      <a:schemeClr val="lt1"/>
+    </dgm:linClrLst>
+    <dgm:effectClrLst/>
+    <dgm:txLinClrLst/>
+    <dgm:txFillClrLst/>
+    <dgm:txEffectClrLst/>
+  </dgm:styleLbl>
+  <dgm:styleLbl name="node2">
+    <dgm:fillClrLst meth="repeat">
+      <a:schemeClr val="accent1"/>
+    </dgm:fillClrLst>
+    <dgm:linClrLst meth="repeat">
+      <a:schemeClr val="lt1"/>
+    </dgm:linClrLst>
+    <dgm:effectClrLst/>
+    <dgm:txLinClrLst/>
+    <dgm:txFillClrLst/>
+    <dgm:txEffectClrLst/>
+  </dgm:styleLbl>
+  <dgm:styleLbl name="node3">
+    <dgm:fillClrLst meth="repeat">
+      <a:schemeClr val="accent1"/>
+    </dgm:fillClrLst>
+    <dgm:linClrLst meth="repeat">
+      <a:schemeClr val="lt1"/>
+    </dgm:linClrLst>
+    <dgm:effectClrLst/>
+    <dgm:txLinClrLst/>
+    <dgm:txFillClrLst/>
+    <dgm:txEffectClrLst/>
+  </dgm:styleLbl>
+  <dgm:styleLbl name="node4">
+    <dgm:fillClrLst meth="repeat">
+      <a:schemeClr val="accent1"/>
+    </dgm:fillClrLst>
+    <dgm:linClrLst meth="repeat">
+      <a:schemeClr val="lt1"/>
+    </dgm:linClrLst>
+    <dgm:effectClrLst/>
+    <dgm:txLinClrLst/>
+    <dgm:txFillClrLst/>
+    <dgm:txEffectClrLst/>
+  </dgm:styleLbl>
+  <dgm:styleLbl name="fgImgPlace1">
+    <dgm:fillClrLst meth="repeat">
+      <a:schemeClr val="accent1">
+        <a:tint val="50000"/>
+      </a:schemeClr>
+    </dgm:fillClrLst>
+    <dgm:linClrLst meth="repeat">
+      <a:schemeClr val="lt1"/>
+    </dgm:linClrLst>
+    <dgm:effectClrLst/>
+    <dgm:txLinClrLst/>
+    <dgm:txFillClrLst meth="repeat">
+      <a:schemeClr val="lt1"/>
+    </dgm:txFillClrLst>
+    <dgm:txEffectClrLst/>
+  </dgm:styleLbl>
+  <dgm:styleLbl name="alignImgPlace1">
+    <dgm:fillClrLst meth="repeat">
+      <a:schemeClr val="accent1">
+        <a:tint val="50000"/>
+      </a:schemeClr>
+    </dgm:fillClrLst>
+    <dgm:linClrLst meth="repeat">
+      <a:schemeClr val="lt1"/>
+    </dgm:linClrLst>
+    <dgm:effectClrLst/>
+    <dgm:txLinClrLst/>
+    <dgm:txFillClrLst meth="repeat">
+      <a:schemeClr val="lt1"/>
+    </dgm:txFillClrLst>
+    <dgm:txEffectClrLst/>
+  </dgm:styleLbl>
+  <dgm:styleLbl name="bgImgPlace1">
+    <dgm:fillClrLst meth="repeat">
+      <a:schemeClr val="accent1">
+        <a:tint val="50000"/>
+      </a:schemeClr>
+    </dgm:fillClrLst>
+    <dgm:linClrLst meth="repeat">
+      <a:schemeClr val="lt1"/>
+    </dgm:linClrLst>
+    <dgm:effectClrLst/>
+    <dgm:txLinClrLst/>
+    <dgm:txFillClrLst meth="repeat">
+      <a:schemeClr val="lt1"/>
+    </dgm:txFillClrLst>
+    <dgm:txEffectClrLst/>
+  </dgm:styleLbl>
+  <dgm:styleLbl name="sibTrans2D1">
+    <dgm:fillClrLst meth="repeat">
+      <a:schemeClr val="accent1">
+        <a:tint val="60000"/>
+      </a:schemeClr>
+    </dgm:fillClrLst>
+    <dgm:linClrLst meth="repeat">
+      <a:schemeClr val="accent1">
+        <a:tint val="60000"/>
+      </a:schemeClr>
+    </dgm:linClrLst>
+    <dgm:effectClrLst/>
+    <dgm:txLinClrLst/>
+    <dgm:txFillClrLst/>
+    <dgm:txEffectClrLst/>
+  </dgm:styleLbl>
+  <dgm:styleLbl name="fgSibTrans2D1">
+    <dgm:fillClrLst meth="repeat">
+      <a:schemeClr val="accent1">
+        <a:tint val="60000"/>
+      </a:schemeClr>
+    </dgm:fillClrLst>
+    <dgm:linClrLst meth="repeat">
+      <a:schemeClr val="accent1">
+        <a:tint val="60000"/>
+      </a:schemeClr>
+    </dgm:linClrLst>
+    <dgm:effectClrLst/>
+    <dgm:txLinClrLst/>
+    <dgm:txFillClrLst/>
+    <dgm:txEffectClrLst/>
+  </dgm:styleLbl>
+  <dgm:styleLbl name="bgSibTrans2D1">
+    <dgm:fillClrLst meth="repeat">
+      <a:schemeClr val="accent1">
+        <a:tint val="60000"/>
+      </a:schemeClr>
+    </dgm:fillClrLst>
+    <dgm:linClrLst meth="repeat">
+      <a:schemeClr val="accent1">
+        <a:tint val="60000"/>
+      </a:schemeClr>
+    </dgm:linClrLst>
+    <dgm:effectClrLst/>
+    <dgm:txLinClrLst/>
+    <dgm:txFillClrLst/>
+    <dgm:txEffectClrLst/>
+  </dgm:styleLbl>
+  <dgm:styleLbl name="sibTrans1D1">
+    <dgm:fillClrLst meth="repeat">
+      <a:schemeClr val="accent1"/>
+    </dgm:fillClrLst>
+    <dgm:linClrLst meth="repeat">
+      <a:schemeClr val="accent1"/>
+    </dgm:linClrLst>
+    <dgm:effectClrLst/>
+    <dgm:txLinClrLst/>
+    <dgm:txFillClrLst meth="repeat">
+      <a:schemeClr val="tx1"/>
+    </dgm:txFillClrLst>
+    <dgm:txEffectClrLst/>
+  </dgm:styleLbl>
+  <dgm:styleLbl name="callout">
+    <dgm:fillClrLst meth="repeat">
+      <a:schemeClr val="accent1"/>
+    </dgm:fillClrLst>
+    <dgm:linClrLst meth="repeat">
+      <a:schemeClr val="accent1">
+        <a:tint val="50000"/>
+      </a:schemeClr>
+    </dgm:linClrLst>
+    <dgm:effectClrLst/>
+    <dgm:txLinClrLst/>
+    <dgm:txFillClrLst meth="repeat">
+      <a:schemeClr val="tx1"/>
+    </dgm:txFillClrLst>
+    <dgm:txEffectClrLst/>
+  </dgm:styleLbl>
+  <dgm:styleLbl name="asst0">
+    <dgm:fillClrLst meth="repeat">
+      <a:schemeClr val="accent1"/>
+    </dgm:fillClrLst>
+    <dgm:linClrLst meth="repeat">
+      <a:schemeClr val="lt1"/>
+    </dgm:linClrLst>
+    <dgm:effectClrLst/>
+    <dgm:txLinClrLst/>
+    <dgm:txFillClrLst/>
+    <dgm:txEffectClrLst/>
+  </dgm:styleLbl>
+  <dgm:styleLbl name="asst1">
+    <dgm:fillClrLst meth="repeat">
+      <a:schemeClr val="accent1"/>
+    </dgm:fillClrLst>
+    <dgm:linClrLst meth="repeat">
+      <a:schemeClr val="lt1"/>
+    </dgm:linClrLst>
+    <dgm:effectClrLst/>
+    <dgm:txLinClrLst/>
+    <dgm:txFillClrLst/>
+    <dgm:txEffectClrLst/>
+  </dgm:styleLbl>
+  <dgm:styleLbl name="asst2">
+    <dgm:fillClrLst meth="repeat">
+      <a:schemeClr val="accent1"/>
+    </dgm:fillClrLst>
+    <dgm:linClrLst meth="repeat">
+      <a:schemeClr val="lt1"/>
+    </dgm:linClrLst>
+    <dgm:effectClrLst/>
+    <dgm:txLinClrLst/>
+    <dgm:txFillClrLst/>
+    <dgm:txEffectClrLst/>
+  </dgm:styleLbl>
+  <dgm:styleLbl name="asst3">
+    <dgm:fillClrLst meth="repeat">
+      <a:schemeClr val="accent1"/>
+    </dgm:fillClrLst>
+    <dgm:linClrLst meth="repeat">
+      <a:schemeClr val="lt1"/>
+    </dgm:linClrLst>
+    <dgm:effectClrLst/>
+    <dgm:txLinClrLst/>
+    <dgm:txFillClrLst/>
+    <dgm:txEffectClrLst/>
+  </dgm:styleLbl>
+  <dgm:styleLbl name="asst4">
+    <dgm:fillClrLst meth="repeat">
+      <a:schemeClr val="accent1"/>
+    </dgm:fillClrLst>
+    <dgm:linClrLst meth="repeat">
+      <a:schemeClr val="lt1"/>
+    </dgm:linClrLst>
+    <dgm:effectClrLst/>
+    <dgm:txLinClrLst/>
+    <dgm:txFillClrLst/>
+    <dgm:txEffectClrLst/>
+  </dgm:styleLbl>
+  <dgm:styleLbl name="parChTrans2D1">
+    <dgm:fillClrLst meth="repeat">
+      <a:schemeClr val="accent1">
+        <a:tint val="60000"/>
+      </a:schemeClr>
+    </dgm:fillClrLst>
+    <dgm:linClrLst meth="repeat">
+      <a:schemeClr val="accent1">
+        <a:tint val="60000"/>
+      </a:schemeClr>
+    </dgm:linClrLst>
+    <dgm:effectClrLst/>
+    <dgm:txLinClrLst/>
+    <dgm:txFillClrLst meth="repeat">
+      <a:schemeClr val="lt1"/>
+    </dgm:txFillClrLst>
+    <dgm:txEffectClrLst/>
+  </dgm:styleLbl>
+  <dgm:styleLbl name="parChTrans2D2">
+    <dgm:fillClrLst meth="repeat">
+      <a:schemeClr val="accent1"/>
+    </dgm:fillClrLst>
+    <dgm:linClrLst meth="repeat">
+      <a:schemeClr val="accent1"/>
+    </dgm:linClrLst>
+    <dgm:effectClrLst/>
+    <dgm:txLinClrLst/>
+    <dgm:txFillClrLst meth="repeat">
+      <a:schemeClr val="lt1"/>
+    </dgm:txFillClrLst>
+    <dgm:txEffectClrLst/>
+  </dgm:styleLbl>
+  <dgm:styleLbl name="parChTrans2D3">
+    <dgm:fillClrLst meth="repeat">
+      <a:schemeClr val="accent1"/>
+    </dgm:fillClrLst>
+    <dgm:linClrLst meth="repeat">
+      <a:schemeClr val="accent1"/>
+    </dgm:linClrLst>
+    <dgm:effectClrLst/>
+    <dgm:txLinClrLst/>
+    <dgm:txFillClrLst meth="repeat">
+      <a:schemeClr val="lt1"/>
+    </dgm:txFillClrLst>
+    <dgm:txEffectClrLst/>
+  </dgm:styleLbl>
+  <dgm:styleLbl name="parChTrans2D4">
+    <dgm:fillClrLst meth="repeat">
+      <a:schemeClr val="accent1"/>
+    </dgm:fillClrLst>
+    <dgm:linClrLst meth="repeat">
+      <a:schemeClr val="accent1"/>
+    </dgm:linClrLst>
+    <dgm:effectClrLst/>
+    <dgm:txLinClrLst/>
+    <dgm:txFillClrLst meth="repeat">
+      <a:schemeClr val="lt1"/>
+    </dgm:txFillClrLst>
+    <dgm:txEffectClrLst/>
+  </dgm:styleLbl>
+  <dgm:styleLbl name="parChTrans1D1">
+    <dgm:fillClrLst meth="repeat">
+      <a:schemeClr val="accent1"/>
+    </dgm:fillClrLst>
+    <dgm:linClrLst meth="repeat">
+      <a:schemeClr val="accent1">
+        <a:shade val="60000"/>
+      </a:schemeClr>
+    </dgm:linClrLst>
+    <dgm:effectClrLst/>
+    <dgm:txLinClrLst/>
+    <dgm:txFillClrLst meth="repeat">
+      <a:schemeClr val="tx1"/>
+    </dgm:txFillClrLst>
+    <dgm:txEffectClrLst/>
+  </dgm:styleLbl>
+  <dgm:styleLbl name="parChTrans1D2">
+    <dgm:fillClrLst meth="repeat">
+      <a:schemeClr val="accent1"/>
+    </dgm:fillClrLst>
+    <dgm:linClrLst meth="repeat">
+      <a:schemeClr val="accent1">
+        <a:shade val="60000"/>
+      </a:schemeClr>
+    </dgm:linClrLst>
+    <dgm:effectClrLst/>
+    <dgm:txLinClrLst/>
+    <dgm:txFillClrLst meth="repeat">
+      <a:schemeClr val="tx1"/>
+    </dgm:txFillClrLst>
+    <dgm:txEffectClrLst/>
+  </dgm:styleLbl>
+  <dgm:styleLbl name="parChTrans1D3">
+    <dgm:fillClrLst meth="repeat">
+      <a:schemeClr val="accent1"/>
+    </dgm:fillClrLst>
+    <dgm:linClrLst meth="repeat">
+      <a:schemeClr val="accent1">
+        <a:shade val="80000"/>
+      </a:schemeClr>
+    </dgm:linClrLst>
+    <dgm:effectClrLst/>
+    <dgm:txLinClrLst/>
+    <dgm:txFillClrLst meth="repeat">
+      <a:schemeClr val="tx1"/>
+    </dgm:txFillClrLst>
+    <dgm:txEffectClrLst/>
+  </dgm:styleLbl>
+  <dgm:styleLbl name="parChTrans1D4">
+    <dgm:fillClrLst meth="repeat">
+      <a:schemeClr val="accent1"/>
+    </dgm:fillClrLst>
+    <dgm:linClrLst meth="repeat">
+      <a:schemeClr val="accent1">
+        <a:shade val="80000"/>
+      </a:schemeClr>
+    </dgm:linClrLst>
+    <dgm:effectClrLst/>
+    <dgm:txLinClrLst/>
+    <dgm:txFillClrLst meth="repeat">
+      <a:schemeClr val="tx1"/>
+    </dgm:txFillClrLst>
+    <dgm:txEffectClrLst/>
+  </dgm:styleLbl>
+  <dgm:styleLbl name="fgAcc1">
+    <dgm:fillClrLst meth="repeat">
+      <a:schemeClr val="lt1">
+        <a:alpha val="90000"/>
+      </a:schemeClr>
+    </dgm:fillClrLst>
+    <dgm:linClrLst meth="repeat">
+      <a:schemeClr val="accent1"/>
+    </dgm:linClrLst>
+    <dgm:effectClrLst/>
+    <dgm:txLinClrLst/>
+    <dgm:txFillClrLst meth="repeat">
+      <a:schemeClr val="dk1"/>
+    </dgm:txFillClrLst>
+    <dgm:txEffectClrLst/>
+  </dgm:styleLbl>
+  <dgm:styleLbl name="conFgAcc1">
+    <dgm:fillClrLst meth="repeat">
+      <a:schemeClr val="lt1">
+        <a:alpha val="90000"/>
+      </a:schemeClr>
+    </dgm:fillClrLst>
+    <dgm:linClrLst meth="repeat">
+      <a:schemeClr val="accent1"/>
+    </dgm:linClrLst>
+    <dgm:effectClrLst/>
+    <dgm:txLinClrLst/>
+    <dgm:txFillClrLst meth="repeat">
+      <a:schemeClr val="dk1"/>
+    </dgm:txFillClrLst>
+    <dgm:txEffectClrLst/>
+  </dgm:styleLbl>
+  <dgm:styleLbl name="alignAcc1">
+    <dgm:fillClrLst meth="repeat">
+      <a:schemeClr val="lt1">
+        <a:alpha val="90000"/>
+      </a:schemeClr>
+    </dgm:fillClrLst>
+    <dgm:linClrLst meth="repeat">
+      <a:schemeClr val="accent1"/>
+    </dgm:linClrLst>
+    <dgm:effectClrLst/>
+    <dgm:txLinClrLst/>
+    <dgm:txFillClrLst meth="repeat">
+      <a:schemeClr val="dk1"/>
+    </dgm:txFillClrLst>
+    <dgm:txEffectClrLst/>
+  </dgm:styleLbl>
+  <dgm:styleLbl name="trAlignAcc1">
+    <dgm:fillClrLst meth="repeat">
+      <a:schemeClr val="lt1">
+        <a:alpha val="40000"/>
+      </a:schemeClr>
+    </dgm:fillClrLst>
+    <dgm:linClrLst meth="repeat">
+      <a:schemeClr val="accent1"/>
+    </dgm:linClrLst>
+    <dgm:effectClrLst/>
+    <dgm:txLinClrLst/>
+    <dgm:txFillClrLst meth="repeat">
+      <a:schemeClr val="dk1"/>
+    </dgm:txFillClrLst>
+    <dgm:txEffectClrLst/>
+  </dgm:styleLbl>
+  <dgm:styleLbl name="bgAcc1">
+    <dgm:fillClrLst meth="repeat">
+      <a:schemeClr val="lt1">
+        <a:alpha val="90000"/>
+      </a:schemeClr>
+    </dgm:fillClrLst>
+    <dgm:linClrLst meth="repeat">
+      <a:schemeClr val="accent1"/>
+    </dgm:linClrLst>
+    <dgm:effectClrLst/>
+    <dgm:txLinClrLst/>
+    <dgm:txFillClrLst meth="repeat">
+      <a:schemeClr val="dk1"/>
+    </dgm:txFillClrLst>
+    <dgm:txEffectClrLst/>
+  </dgm:styleLbl>
+  <dgm:styleLbl name="solidFgAcc1">
+    <dgm:fillClrLst meth="repeat">
+      <a:schemeClr val="lt1"/>
+    </dgm:fillClrLst>
+    <dgm:linClrLst meth="repeat">
+      <a:schemeClr val="accent1"/>
+    </dgm:linClrLst>
+    <dgm:effectClrLst/>
+    <dgm:txLinClrLst/>
+    <dgm:txFillClrLst meth="repeat">
+      <a:schemeClr val="dk1"/>
+    </dgm:txFillClrLst>
+    <dgm:txEffectClrLst/>
+  </dgm:styleLbl>
+  <dgm:styleLbl name="solidAlignAcc1">
+    <dgm:fillClrLst meth="repeat">
+      <a:schemeClr val="lt1"/>
+    </dgm:fillClrLst>
+    <dgm:linClrLst meth="repeat">
+      <a:schemeClr val="accent1"/>
+    </dgm:linClrLst>
+    <dgm:effectClrLst/>
+    <dgm:txLinClrLst/>
+    <dgm:txFillClrLst meth="repeat">
+      <a:schemeClr val="dk1"/>
+    </dgm:txFillClrLst>
+    <dgm:txEffectClrLst/>
+  </dgm:styleLbl>
+  <dgm:styleLbl name="solidBgAcc1">
+    <dgm:fillClrLst meth="repeat">
+      <a:schemeClr val="lt1"/>
+    </dgm:fillClrLst>
+    <dgm:linClrLst meth="repeat">
+      <a:schemeClr val="accent1"/>
+    </dgm:linClrLst>
+    <dgm:effectClrLst/>
+    <dgm:txLinClrLst/>
+    <dgm:txFillClrLst meth="repeat">
+      <a:schemeClr val="dk1"/>
+    </dgm:txFillClrLst>
+    <dgm:txEffectClrLst/>
+  </dgm:styleLbl>
+  <dgm:styleLbl name="fgAccFollowNode1">
+    <dgm:fillClrLst meth="repeat">
+      <a:schemeClr val="accent1">
+        <a:alpha val="90000"/>
+        <a:tint val="40000"/>
+      </a:schemeClr>
+    </dgm:fillClrLst>
+    <dgm:linClrLst meth="repeat">
+      <a:schemeClr val="accent1">
+        <a:alpha val="90000"/>
+        <a:tint val="40000"/>
+      </a:schemeClr>
+    </dgm:linClrLst>
+    <dgm:effectClrLst/>
+    <dgm:txLinClrLst/>
+    <dgm:txFillClrLst meth="repeat">
+      <a:schemeClr val="dk1"/>
+    </dgm:txFillClrLst>
+    <dgm:txEffectClrLst/>
+  </dgm:styleLbl>
+  <dgm:styleLbl name="alignAccFollowNode1">
+    <dgm:fillClrLst meth="repeat">
+      <a:schemeClr val="accent1">
+        <a:alpha val="90000"/>
+        <a:tint val="40000"/>
+      </a:schemeClr>
+    </dgm:fillClrLst>
+    <dgm:linClrLst meth="repeat">
+      <a:schemeClr val="accent1">
+        <a:alpha val="90000"/>
+        <a:tint val="40000"/>
+      </a:schemeClr>
+    </dgm:linClrLst>
+    <dgm:effectClrLst/>
+    <dgm:txLinClrLst/>
+    <dgm:txFillClrLst meth="repeat">
+      <a:schemeClr val="dk1"/>
+    </dgm:txFillClrLst>
+    <dgm:txEffectClrLst/>
+  </dgm:styleLbl>
+  <dgm:styleLbl name="bgAccFollowNode1">
+    <dgm:fillClrLst meth="repeat">
+      <a:schemeClr val="accent1">
+        <a:alpha val="90000"/>
+        <a:tint val="40000"/>
+      </a:schemeClr>
+    </dgm:fillClrLst>
+    <dgm:linClrLst meth="repeat">
+      <a:schemeClr val="accent1">
+        <a:alpha val="90000"/>
+        <a:tint val="40000"/>
+      </a:schemeClr>
+    </dgm:linClrLst>
+    <dgm:effectClrLst/>
+    <dgm:txLinClrLst/>
+    <dgm:txFillClrLst meth="repeat">
+      <a:schemeClr val="dk1"/>
+    </dgm:txFillClrLst>
+    <dgm:txEffectClrLst/>
+  </dgm:styleLbl>
+  <dgm:styleLbl name="fgAcc0">
+    <dgm:fillClrLst meth="repeat">
+      <a:schemeClr val="lt1">
+        <a:alpha val="90000"/>
+      </a:schemeClr>
+    </dgm:fillClrLst>
+    <dgm:linClrLst meth="repeat">
+      <a:schemeClr val="accent1"/>
+    </dgm:linClrLst>
+    <dgm:effectClrLst/>
+    <dgm:txLinClrLst/>
+    <dgm:txFillClrLst meth="repeat">
+      <a:schemeClr val="dk1"/>
+    </dgm:txFillClrLst>
+    <dgm:txEffectClrLst/>
+  </dgm:styleLbl>
+  <dgm:styleLbl name="fgAcc2">
+    <dgm:fillClrLst meth="repeat">
+      <a:schemeClr val="lt1">
+        <a:alpha val="90000"/>
+      </a:schemeClr>
+    </dgm:fillClrLst>
+    <dgm:linClrLst meth="repeat">
+      <a:schemeClr val="accent1"/>
+    </dgm:linClrLst>
+    <dgm:effectClrLst/>
+    <dgm:txLinClrLst/>
+    <dgm:txFillClrLst meth="repeat">
+      <a:schemeClr val="dk1"/>
+    </dgm:txFillClrLst>
+    <dgm:txEffectClrLst/>
+  </dgm:styleLbl>
+  <dgm:styleLbl name="fgAcc3">
+    <dgm:fillClrLst meth="repeat">
+      <a:schemeClr val="lt1">
+        <a:alpha val="90000"/>
+      </a:schemeClr>
+    </dgm:fillClrLst>
+    <dgm:linClrLst meth="repeat">
+      <a:schemeClr val="accent1"/>
+    </dgm:linClrLst>
+    <dgm:effectClrLst/>
+    <dgm:txLinClrLst/>
+    <dgm:txFillClrLst meth="repeat">
+      <a:schemeClr val="dk1"/>
+    </dgm:txFillClrLst>
+    <dgm:txEffectClrLst/>
+  </dgm:styleLbl>
+  <dgm:styleLbl name="fgAcc4">
+    <dgm:fillClrLst meth="repeat">
+      <a:schemeClr val="lt1">
+        <a:alpha val="90000"/>
+      </a:schemeClr>
+    </dgm:fillClrLst>
+    <dgm:linClrLst meth="repeat">
+      <a:schemeClr val="accent1"/>
+    </dgm:linClrLst>
+    <dgm:effectClrLst/>
+    <dgm:txLinClrLst/>
+    <dgm:txFillClrLst meth="repeat">
+      <a:schemeClr val="dk1"/>
+    </dgm:txFillClrLst>
+    <dgm:txEffectClrLst/>
+  </dgm:styleLbl>
+  <dgm:styleLbl name="bgShp">
+    <dgm:fillClrLst meth="repeat">
+      <a:schemeClr val="accent1">
+        <a:tint val="40000"/>
+      </a:schemeClr>
+    </dgm:fillClrLst>
+    <dgm:linClrLst meth="repeat">
+      <a:schemeClr val="accent1"/>
+    </dgm:linClrLst>
+    <dgm:effectClrLst/>
+    <dgm:txLinClrLst/>
+    <dgm:txFillClrLst meth="repeat">
+      <a:schemeClr val="dk1"/>
+    </dgm:txFillClrLst>
+    <dgm:txEffectClrLst/>
+  </dgm:styleLbl>
+  <dgm:styleLbl name="dkBgShp">
+    <dgm:fillClrLst meth="repeat">
+      <a:schemeClr val="accent1">
+        <a:shade val="80000"/>
+      </a:schemeClr>
+    </dgm:fillClrLst>
+    <dgm:linClrLst meth="repeat">
+      <a:schemeClr val="accent1"/>
+    </dgm:linClrLst>
+    <dgm:effectClrLst/>
+    <dgm:txLinClrLst/>
+    <dgm:txFillClrLst meth="repeat">
+      <a:schemeClr val="lt1"/>
+    </dgm:txFillClrLst>
+    <dgm:txEffectClrLst/>
+  </dgm:styleLbl>
+  <dgm:styleLbl name="trBgShp">
+    <dgm:fillClrLst meth="repeat">
+      <a:schemeClr val="accent1">
+        <a:tint val="50000"/>
+        <a:alpha val="40000"/>
+      </a:schemeClr>
+    </dgm:fillClrLst>
+    <dgm:linClrLst meth="repeat">
+      <a:schemeClr val="accent1"/>
+    </dgm:linClrLst>
+    <dgm:effectClrLst/>
+    <dgm:txLinClrLst/>
+    <dgm:txFillClrLst meth="repeat">
+      <a:schemeClr val="lt1"/>
+    </dgm:txFillClrLst>
+    <dgm:txEffectClrLst/>
+  </dgm:styleLbl>
+  <dgm:styleLbl name="fgShp">
+    <dgm:fillClrLst meth="repeat">
+      <a:schemeClr val="accent1">
+        <a:tint val="60000"/>
+      </a:schemeClr>
+    </dgm:fillClrLst>
+    <dgm:linClrLst meth="repeat">
+      <a:schemeClr val="lt1"/>
+    </dgm:linClrLst>
+    <dgm:effectClrLst/>
+    <dgm:txLinClrLst/>
+    <dgm:txFillClrLst meth="repeat">
+      <a:schemeClr val="dk1"/>
+    </dgm:txFillClrLst>
+    <dgm:txEffectClrLst/>
+  </dgm:styleLbl>
+  <dgm:styleLbl name="revTx">
+    <dgm:fillClrLst meth="repeat">
+      <a:schemeClr val="lt1">
+        <a:alpha val="0"/>
+      </a:schemeClr>
+    </dgm:fillClrLst>
+    <dgm:linClrLst meth="repeat">
+      <a:schemeClr val="dk1">
+        <a:alpha val="0"/>
+      </a:schemeClr>
+    </dgm:linClrLst>
+    <dgm:effectClrLst/>
+    <dgm:txLinClrLst/>
+    <dgm:txFillClrLst meth="repeat">
+      <a:schemeClr val="tx1"/>
+    </dgm:txFillClrLst>
+    <dgm:txEffectClrLst/>
+  </dgm:styleLbl>
+</dgm:colorsDef>
+</file>
+
+<file path=ppt/diagrams/data1.xml><?xml version="1.0" encoding="utf-8"?>
+<dgm:dataModel xmlns:dgm="http://schemas.openxmlformats.org/drawingml/2006/diagram" xmlns:a="http://schemas.openxmlformats.org/drawingml/2006/main">
+  <dgm:ptLst>
+    <dgm:pt modelId="{69719284-169E-4CAC-9D17-B877C84AFBFF}" type="doc">
+      <dgm:prSet loTypeId="urn:microsoft.com/office/officeart/2005/8/layout/cycle1" loCatId="cycle" qsTypeId="urn:microsoft.com/office/officeart/2005/8/quickstyle/simple1" qsCatId="simple" csTypeId="urn:microsoft.com/office/officeart/2005/8/colors/accent1_2" csCatId="accent1" phldr="1"/>
+      <dgm:spPr/>
+      <dgm:t>
+        <a:bodyPr/>
+        <a:lstStyle/>
+        <a:p>
+          <a:endParaRPr lang="en-US"/>
+        </a:p>
+      </dgm:t>
+    </dgm:pt>
+    <dgm:pt modelId="{E7B59FA5-DF05-4F17-A409-8E228FB0B967}">
+      <dgm:prSet phldrT="[Text]"/>
+      <dgm:spPr/>
+      <dgm:t>
+        <a:bodyPr/>
+        <a:lstStyle/>
+        <a:p>
+          <a:r>
+            <a:rPr lang="en-US" dirty="0"/>
+            <a:t>Process</a:t>
+          </a:r>
+        </a:p>
+      </dgm:t>
+    </dgm:pt>
+    <dgm:pt modelId="{C18FAA80-5DFF-4C9F-9F32-BA278B351EE2}" type="sibTrans" cxnId="{940827BC-FE0E-435F-9C37-3920BAD141C0}">
+      <dgm:prSet/>
+      <dgm:spPr/>
+      <dgm:t>
+        <a:bodyPr/>
+        <a:lstStyle/>
+        <a:p>
+          <a:endParaRPr lang="en-US"/>
+        </a:p>
+      </dgm:t>
+    </dgm:pt>
+    <dgm:pt modelId="{C562F5C0-9385-4288-AE75-6D865557CBBE}" type="parTrans" cxnId="{940827BC-FE0E-435F-9C37-3920BAD141C0}">
+      <dgm:prSet/>
+      <dgm:spPr/>
+      <dgm:t>
+        <a:bodyPr/>
+        <a:lstStyle/>
+        <a:p>
+          <a:endParaRPr lang="en-US"/>
+        </a:p>
+      </dgm:t>
+    </dgm:pt>
+    <dgm:pt modelId="{609863B3-1C69-45D5-B0F4-A5F8BB79D2FD}">
+      <dgm:prSet phldrT="[Text]"/>
+      <dgm:spPr/>
+      <dgm:t>
+        <a:bodyPr/>
+        <a:lstStyle/>
+        <a:p>
+          <a:r>
+            <a:rPr lang="en-US" dirty="0"/>
+            <a:t>Complete Abandon Defer </a:t>
+          </a:r>
+          <a:r>
+            <a:rPr lang="en-US" dirty="0" err="1"/>
+            <a:t>Deadletter</a:t>
+          </a:r>
+          <a:endParaRPr lang="en-US" dirty="0"/>
+        </a:p>
+      </dgm:t>
+    </dgm:pt>
+    <dgm:pt modelId="{A0E3D968-C45A-4CD6-8111-BD8B677DF8A8}" type="sibTrans" cxnId="{A6065730-6533-46E0-A19F-E9BBFE91CBD0}">
+      <dgm:prSet/>
+      <dgm:spPr/>
+      <dgm:t>
+        <a:bodyPr/>
+        <a:lstStyle/>
+        <a:p>
+          <a:endParaRPr lang="en-US"/>
+        </a:p>
+      </dgm:t>
+    </dgm:pt>
+    <dgm:pt modelId="{9BABD8C8-D3C0-4679-A10B-F61C3E65FCE1}" type="parTrans" cxnId="{A6065730-6533-46E0-A19F-E9BBFE91CBD0}">
+      <dgm:prSet/>
+      <dgm:spPr/>
+      <dgm:t>
+        <a:bodyPr/>
+        <a:lstStyle/>
+        <a:p>
+          <a:endParaRPr lang="en-US"/>
+        </a:p>
+      </dgm:t>
+    </dgm:pt>
+    <dgm:pt modelId="{451A9233-31CD-45E2-AC1D-DAF68E1B0685}" type="pres">
+      <dgm:prSet presAssocID="{69719284-169E-4CAC-9D17-B877C84AFBFF}" presName="cycle" presStyleCnt="0">
+        <dgm:presLayoutVars>
+          <dgm:dir/>
+          <dgm:resizeHandles val="exact"/>
+        </dgm:presLayoutVars>
+      </dgm:prSet>
+      <dgm:spPr/>
+    </dgm:pt>
+    <dgm:pt modelId="{E1EA4F77-4E59-4B82-A213-EAF83E654A96}" type="pres">
+      <dgm:prSet presAssocID="{609863B3-1C69-45D5-B0F4-A5F8BB79D2FD}" presName="dummy" presStyleCnt="0"/>
+      <dgm:spPr/>
+    </dgm:pt>
+    <dgm:pt modelId="{EF824CA8-9F91-4887-8756-053483482399}" type="pres">
+      <dgm:prSet presAssocID="{609863B3-1C69-45D5-B0F4-A5F8BB79D2FD}" presName="node" presStyleLbl="revTx" presStyleIdx="0" presStyleCnt="2">
+        <dgm:presLayoutVars>
+          <dgm:bulletEnabled val="1"/>
+        </dgm:presLayoutVars>
+      </dgm:prSet>
+      <dgm:spPr/>
+    </dgm:pt>
+    <dgm:pt modelId="{BC435A70-C220-4E46-A928-F4F1C184542A}" type="pres">
+      <dgm:prSet presAssocID="{A0E3D968-C45A-4CD6-8111-BD8B677DF8A8}" presName="sibTrans" presStyleLbl="node1" presStyleIdx="0" presStyleCnt="2" custLinFactNeighborY="667"/>
+      <dgm:spPr/>
+    </dgm:pt>
+    <dgm:pt modelId="{F2ABC3E1-7128-4287-998C-BEAF07A1F639}" type="pres">
+      <dgm:prSet presAssocID="{E7B59FA5-DF05-4F17-A409-8E228FB0B967}" presName="dummy" presStyleCnt="0"/>
+      <dgm:spPr/>
+    </dgm:pt>
+    <dgm:pt modelId="{C0BA17BB-D015-4260-AE29-29ADFD7A68BD}" type="pres">
+      <dgm:prSet presAssocID="{E7B59FA5-DF05-4F17-A409-8E228FB0B967}" presName="node" presStyleLbl="revTx" presStyleIdx="1" presStyleCnt="2">
+        <dgm:presLayoutVars>
+          <dgm:bulletEnabled val="1"/>
+        </dgm:presLayoutVars>
+      </dgm:prSet>
+      <dgm:spPr/>
+    </dgm:pt>
+    <dgm:pt modelId="{4E604982-FE1D-4293-B776-416BCDF7EBAB}" type="pres">
+      <dgm:prSet presAssocID="{C18FAA80-5DFF-4C9F-9F32-BA278B351EE2}" presName="sibTrans" presStyleLbl="node1" presStyleIdx="1" presStyleCnt="2"/>
+      <dgm:spPr/>
+    </dgm:pt>
+  </dgm:ptLst>
+  <dgm:cxnLst>
+    <dgm:cxn modelId="{5589A4DD-85AF-440F-AF8E-CF748D792F83}" type="presOf" srcId="{C18FAA80-5DFF-4C9F-9F32-BA278B351EE2}" destId="{4E604982-FE1D-4293-B776-416BCDF7EBAB}" srcOrd="0" destOrd="0" presId="urn:microsoft.com/office/officeart/2005/8/layout/cycle1"/>
+    <dgm:cxn modelId="{030E1017-6913-42BC-8E58-7D649741D318}" type="presOf" srcId="{A0E3D968-C45A-4CD6-8111-BD8B677DF8A8}" destId="{BC435A70-C220-4E46-A928-F4F1C184542A}" srcOrd="0" destOrd="0" presId="urn:microsoft.com/office/officeart/2005/8/layout/cycle1"/>
+    <dgm:cxn modelId="{A6065730-6533-46E0-A19F-E9BBFE91CBD0}" srcId="{69719284-169E-4CAC-9D17-B877C84AFBFF}" destId="{609863B3-1C69-45D5-B0F4-A5F8BB79D2FD}" srcOrd="0" destOrd="0" parTransId="{9BABD8C8-D3C0-4679-A10B-F61C3E65FCE1}" sibTransId="{A0E3D968-C45A-4CD6-8111-BD8B677DF8A8}"/>
+    <dgm:cxn modelId="{B78D7CCB-F24C-40BE-94C4-88DB3A018CB8}" type="presOf" srcId="{E7B59FA5-DF05-4F17-A409-8E228FB0B967}" destId="{C0BA17BB-D015-4260-AE29-29ADFD7A68BD}" srcOrd="0" destOrd="0" presId="urn:microsoft.com/office/officeart/2005/8/layout/cycle1"/>
+    <dgm:cxn modelId="{AAE36F33-BB05-4392-91B7-BAA45D84E3DB}" type="presOf" srcId="{69719284-169E-4CAC-9D17-B877C84AFBFF}" destId="{451A9233-31CD-45E2-AC1D-DAF68E1B0685}" srcOrd="0" destOrd="0" presId="urn:microsoft.com/office/officeart/2005/8/layout/cycle1"/>
+    <dgm:cxn modelId="{6CF5B4E9-40A4-4436-BFDF-FB782EC8DF31}" type="presOf" srcId="{609863B3-1C69-45D5-B0F4-A5F8BB79D2FD}" destId="{EF824CA8-9F91-4887-8756-053483482399}" srcOrd="0" destOrd="0" presId="urn:microsoft.com/office/officeart/2005/8/layout/cycle1"/>
+    <dgm:cxn modelId="{940827BC-FE0E-435F-9C37-3920BAD141C0}" srcId="{69719284-169E-4CAC-9D17-B877C84AFBFF}" destId="{E7B59FA5-DF05-4F17-A409-8E228FB0B967}" srcOrd="1" destOrd="0" parTransId="{C562F5C0-9385-4288-AE75-6D865557CBBE}" sibTransId="{C18FAA80-5DFF-4C9F-9F32-BA278B351EE2}"/>
+    <dgm:cxn modelId="{C3C6D3E0-0E85-44A1-9A92-277A234FD890}" type="presParOf" srcId="{451A9233-31CD-45E2-AC1D-DAF68E1B0685}" destId="{E1EA4F77-4E59-4B82-A213-EAF83E654A96}" srcOrd="0" destOrd="0" presId="urn:microsoft.com/office/officeart/2005/8/layout/cycle1"/>
+    <dgm:cxn modelId="{FFF10480-3848-4FF6-A041-D997D792A226}" type="presParOf" srcId="{451A9233-31CD-45E2-AC1D-DAF68E1B0685}" destId="{EF824CA8-9F91-4887-8756-053483482399}" srcOrd="1" destOrd="0" presId="urn:microsoft.com/office/officeart/2005/8/layout/cycle1"/>
+    <dgm:cxn modelId="{3B591278-F295-4608-ACB8-0F8EE89BD2AE}" type="presParOf" srcId="{451A9233-31CD-45E2-AC1D-DAF68E1B0685}" destId="{BC435A70-C220-4E46-A928-F4F1C184542A}" srcOrd="2" destOrd="0" presId="urn:microsoft.com/office/officeart/2005/8/layout/cycle1"/>
+    <dgm:cxn modelId="{774C75D9-8A94-40F4-A4E6-DC9FC6D39DC0}" type="presParOf" srcId="{451A9233-31CD-45E2-AC1D-DAF68E1B0685}" destId="{F2ABC3E1-7128-4287-998C-BEAF07A1F639}" srcOrd="3" destOrd="0" presId="urn:microsoft.com/office/officeart/2005/8/layout/cycle1"/>
+    <dgm:cxn modelId="{82D0011F-862E-42B1-BB50-3F1509F66FDE}" type="presParOf" srcId="{451A9233-31CD-45E2-AC1D-DAF68E1B0685}" destId="{C0BA17BB-D015-4260-AE29-29ADFD7A68BD}" srcOrd="4" destOrd="0" presId="urn:microsoft.com/office/officeart/2005/8/layout/cycle1"/>
+    <dgm:cxn modelId="{D9297034-137E-4FDD-9964-34CDED76747C}" type="presParOf" srcId="{451A9233-31CD-45E2-AC1D-DAF68E1B0685}" destId="{4E604982-FE1D-4293-B776-416BCDF7EBAB}" srcOrd="5" destOrd="0" presId="urn:microsoft.com/office/officeart/2005/8/layout/cycle1"/>
+  </dgm:cxnLst>
+  <dgm:bg/>
+  <dgm:whole/>
+  <dgm:extLst>
+    <a:ext uri="http://schemas.microsoft.com/office/drawing/2008/diagram">
+      <dsp:dataModelExt xmlns:dsp="http://schemas.microsoft.com/office/drawing/2008/diagram" relId="rId6" minVer="http://schemas.openxmlformats.org/drawingml/2006/diagram"/>
+    </a:ext>
+  </dgm:extLst>
+</dgm:dataModel>
+</file>
+
+<file path=ppt/diagrams/drawing1.xml><?xml version="1.0" encoding="utf-8"?>
+<dsp:drawing xmlns:dgm="http://schemas.openxmlformats.org/drawingml/2006/diagram" xmlns:dsp="http://schemas.microsoft.com/office/drawing/2008/diagram" xmlns:a="http://schemas.openxmlformats.org/drawingml/2006/main">
+  <dsp:spTree>
+    <dsp:nvGrpSpPr>
+      <dsp:cNvPr id="0" name=""/>
+      <dsp:cNvGrpSpPr/>
+    </dsp:nvGrpSpPr>
+    <dsp:grpSpPr/>
+    <dsp:sp modelId="{EF824CA8-9F91-4887-8756-053483482399}">
+      <dsp:nvSpPr>
+        <dsp:cNvPr id="0" name=""/>
+        <dsp:cNvSpPr/>
+      </dsp:nvSpPr>
+      <dsp:spPr>
+        <a:xfrm>
+          <a:off x="1836698" y="835308"/>
+          <a:ext cx="1123478" cy="1123478"/>
+        </a:xfrm>
+        <a:prstGeom prst="rect">
+          <a:avLst/>
+        </a:prstGeom>
+        <a:noFill/>
+        <a:ln>
+          <a:noFill/>
+        </a:ln>
+        <a:effectLst/>
+      </dsp:spPr>
+      <dsp:style>
+        <a:lnRef idx="0">
+          <a:scrgbClr r="0" g="0" b="0"/>
+        </a:lnRef>
+        <a:fillRef idx="0">
+          <a:scrgbClr r="0" g="0" b="0"/>
+        </a:fillRef>
+        <a:effectRef idx="0">
+          <a:scrgbClr r="0" g="0" b="0"/>
+        </a:effectRef>
+        <a:fontRef idx="minor"/>
+      </dsp:style>
+      <dsp:txBody>
+        <a:bodyPr spcFirstLastPara="0" vert="horz" wrap="square" lIns="24130" tIns="24130" rIns="24130" bIns="24130" numCol="1" spcCol="1270" anchor="ctr" anchorCtr="0">
+          <a:noAutofit/>
+        </a:bodyPr>
+        <a:lstStyle/>
+        <a:p>
+          <a:pPr lvl="0" algn="ctr" defTabSz="844550">
+            <a:lnSpc>
+              <a:spcPct val="90000"/>
+            </a:lnSpc>
+            <a:spcBef>
+              <a:spcPct val="0"/>
+            </a:spcBef>
+            <a:spcAft>
+              <a:spcPct val="35000"/>
+            </a:spcAft>
+          </a:pPr>
+          <a:r>
+            <a:rPr lang="en-US" sz="1900" kern="1200" dirty="0"/>
+            <a:t>Complete Abandon Defer </a:t>
+          </a:r>
+          <a:r>
+            <a:rPr lang="en-US" sz="1900" kern="1200" dirty="0" err="1"/>
+            <a:t>Deadletter</a:t>
+          </a:r>
+          <a:endParaRPr lang="en-US" sz="1900" kern="1200" dirty="0"/>
+        </a:p>
+      </dsp:txBody>
+      <dsp:txXfrm>
+        <a:off x="1836698" y="835308"/>
+        <a:ext cx="1123478" cy="1123478"/>
+      </dsp:txXfrm>
+    </dsp:sp>
+    <dsp:sp modelId="{BC435A70-C220-4E46-A928-F4F1C184542A}">
+      <dsp:nvSpPr>
+        <dsp:cNvPr id="0" name=""/>
+        <dsp:cNvSpPr/>
+      </dsp:nvSpPr>
+      <dsp:spPr>
+        <a:xfrm>
+          <a:off x="325467" y="257305"/>
+          <a:ext cx="2310305" cy="2310305"/>
+        </a:xfrm>
+        <a:prstGeom prst="circularArrow">
+          <a:avLst>
+            <a:gd name="adj1" fmla="val 9483"/>
+            <a:gd name="adj2" fmla="val 684942"/>
+            <a:gd name="adj3" fmla="val 7850838"/>
+            <a:gd name="adj4" fmla="val 2264219"/>
+            <a:gd name="adj5" fmla="val 11063"/>
+          </a:avLst>
+        </a:prstGeom>
+        <a:solidFill>
+          <a:schemeClr val="accent1">
+            <a:hueOff val="0"/>
+            <a:satOff val="0"/>
+            <a:lumOff val="0"/>
+            <a:alphaOff val="0"/>
+          </a:schemeClr>
+        </a:solidFill>
+        <a:ln w="12700" cap="flat" cmpd="sng" algn="ctr">
+          <a:solidFill>
+            <a:schemeClr val="lt1">
+              <a:hueOff val="0"/>
+              <a:satOff val="0"/>
+              <a:lumOff val="0"/>
+              <a:alphaOff val="0"/>
+            </a:schemeClr>
+          </a:solidFill>
+          <a:prstDash val="solid"/>
+          <a:miter lim="800000"/>
+        </a:ln>
+        <a:effectLst/>
+      </dsp:spPr>
+      <dsp:style>
+        <a:lnRef idx="2">
+          <a:scrgbClr r="0" g="0" b="0"/>
+        </a:lnRef>
+        <a:fillRef idx="1">
+          <a:scrgbClr r="0" g="0" b="0"/>
+        </a:fillRef>
+        <a:effectRef idx="0">
+          <a:scrgbClr r="0" g="0" b="0"/>
+        </a:effectRef>
+        <a:fontRef idx="minor">
+          <a:schemeClr val="lt1"/>
+        </a:fontRef>
+      </dsp:style>
+    </dsp:sp>
+    <dsp:sp modelId="{C0BA17BB-D015-4260-AE29-29ADFD7A68BD}">
+      <dsp:nvSpPr>
+        <dsp:cNvPr id="0" name=""/>
+        <dsp:cNvSpPr/>
+      </dsp:nvSpPr>
+      <dsp:spPr>
+        <a:xfrm>
+          <a:off x="1063" y="835308"/>
+          <a:ext cx="1123478" cy="1123478"/>
+        </a:xfrm>
+        <a:prstGeom prst="rect">
+          <a:avLst/>
+        </a:prstGeom>
+        <a:noFill/>
+        <a:ln>
+          <a:noFill/>
+        </a:ln>
+        <a:effectLst/>
+      </dsp:spPr>
+      <dsp:style>
+        <a:lnRef idx="0">
+          <a:scrgbClr r="0" g="0" b="0"/>
+        </a:lnRef>
+        <a:fillRef idx="0">
+          <a:scrgbClr r="0" g="0" b="0"/>
+        </a:fillRef>
+        <a:effectRef idx="0">
+          <a:scrgbClr r="0" g="0" b="0"/>
+        </a:effectRef>
+        <a:fontRef idx="minor"/>
+      </dsp:style>
+      <dsp:txBody>
+        <a:bodyPr spcFirstLastPara="0" vert="horz" wrap="square" lIns="24130" tIns="24130" rIns="24130" bIns="24130" numCol="1" spcCol="1270" anchor="ctr" anchorCtr="0">
+          <a:noAutofit/>
+        </a:bodyPr>
+        <a:lstStyle/>
+        <a:p>
+          <a:pPr lvl="0" algn="ctr" defTabSz="844550">
+            <a:lnSpc>
+              <a:spcPct val="90000"/>
+            </a:lnSpc>
+            <a:spcBef>
+              <a:spcPct val="0"/>
+            </a:spcBef>
+            <a:spcAft>
+              <a:spcPct val="35000"/>
+            </a:spcAft>
+          </a:pPr>
+          <a:r>
+            <a:rPr lang="en-US" sz="1900" kern="1200" dirty="0"/>
+            <a:t>Process</a:t>
+          </a:r>
+        </a:p>
+      </dsp:txBody>
+      <dsp:txXfrm>
+        <a:off x="1063" y="835308"/>
+        <a:ext cx="1123478" cy="1123478"/>
+      </dsp:txXfrm>
+    </dsp:sp>
+    <dsp:sp modelId="{4E604982-FE1D-4293-B776-416BCDF7EBAB}">
+      <dsp:nvSpPr>
+        <dsp:cNvPr id="0" name=""/>
+        <dsp:cNvSpPr/>
+      </dsp:nvSpPr>
+      <dsp:spPr>
+        <a:xfrm>
+          <a:off x="325467" y="241895"/>
+          <a:ext cx="2310305" cy="2310305"/>
+        </a:xfrm>
+        <a:prstGeom prst="circularArrow">
+          <a:avLst>
+            <a:gd name="adj1" fmla="val 9483"/>
+            <a:gd name="adj2" fmla="val 684942"/>
+            <a:gd name="adj3" fmla="val 18650838"/>
+            <a:gd name="adj4" fmla="val 13064219"/>
+            <a:gd name="adj5" fmla="val 11063"/>
+          </a:avLst>
+        </a:prstGeom>
+        <a:solidFill>
+          <a:schemeClr val="accent1">
+            <a:hueOff val="0"/>
+            <a:satOff val="0"/>
+            <a:lumOff val="0"/>
+            <a:alphaOff val="0"/>
+          </a:schemeClr>
+        </a:solidFill>
+        <a:ln w="12700" cap="flat" cmpd="sng" algn="ctr">
+          <a:solidFill>
+            <a:schemeClr val="lt1">
+              <a:hueOff val="0"/>
+              <a:satOff val="0"/>
+              <a:lumOff val="0"/>
+              <a:alphaOff val="0"/>
+            </a:schemeClr>
+          </a:solidFill>
+          <a:prstDash val="solid"/>
+          <a:miter lim="800000"/>
+        </a:ln>
+        <a:effectLst/>
+      </dsp:spPr>
+      <dsp:style>
+        <a:lnRef idx="2">
+          <a:scrgbClr r="0" g="0" b="0"/>
+        </a:lnRef>
+        <a:fillRef idx="1">
+          <a:scrgbClr r="0" g="0" b="0"/>
+        </a:fillRef>
+        <a:effectRef idx="0">
+          <a:scrgbClr r="0" g="0" b="0"/>
+        </a:effectRef>
+        <a:fontRef idx="minor">
+          <a:schemeClr val="lt1"/>
+        </a:fontRef>
+      </dsp:style>
+    </dsp:sp>
+  </dsp:spTree>
+</dsp:drawing>
+</file>
+
+<file path=ppt/diagrams/layout1.xml><?xml version="1.0" encoding="utf-8"?>
+<dgm:layoutDef xmlns:dgm="http://schemas.openxmlformats.org/drawingml/2006/diagram" xmlns:a="http://schemas.openxmlformats.org/drawingml/2006/main" uniqueId="urn:microsoft.com/office/officeart/2005/8/layout/cycle1">
+  <dgm:title val=""/>
+  <dgm:desc val=""/>
+  <dgm:catLst>
+    <dgm:cat type="cycle" pri="2000"/>
+  </dgm:catLst>
+  <dgm:sampData>
+    <dgm:dataModel>
+      <dgm:ptLst>
+        <dgm:pt modelId="0" type="doc"/>
+        <dgm:pt modelId="1">
+          <dgm:prSet phldr="1"/>
+        </dgm:pt>
+        <dgm:pt modelId="2">
+          <dgm:prSet phldr="1"/>
+        </dgm:pt>
+        <dgm:pt modelId="3">
+          <dgm:prSet phldr="1"/>
+        </dgm:pt>
+        <dgm:pt modelId="4">
+          <dgm:prSet phldr="1"/>
+        </dgm:pt>
+        <dgm:pt modelId="5">
+          <dgm:prSet phldr="1"/>
+        </dgm:pt>
+      </dgm:ptLst>
+      <dgm:cxnLst>
+        <dgm:cxn modelId="6" srcId="0" destId="1" srcOrd="0" destOrd="0"/>
+        <dgm:cxn modelId="7" srcId="0" destId="2" srcOrd="1" destOrd="0"/>
+        <dgm:cxn modelId="8" srcId="0" destId="3" srcOrd="2" destOrd="0"/>
+        <dgm:cxn modelId="9" srcId="0" destId="4" srcOrd="3" destOrd="0"/>
+        <dgm:cxn modelId="10" srcId="0" destId="5" srcOrd="4" destOrd="0"/>
+      </dgm:cxnLst>
+      <dgm:bg/>
+      <dgm:whole/>
+    </dgm:dataModel>
+  </dgm:sampData>
+  <dgm:styleData>
+    <dgm:dataModel>
+      <dgm:ptLst>
+        <dgm:pt modelId="0" type="doc"/>
+        <dgm:pt modelId="1"/>
+        <dgm:pt modelId="2"/>
+        <dgm:pt modelId="3"/>
+      </dgm:ptLst>
+      <dgm:cxnLst>
+        <dgm:cxn modelId="4" srcId="0" destId="1" srcOrd="0" destOrd="0"/>
+        <dgm:cxn modelId="5" srcId="0" destId="2" srcOrd="1" destOrd="0"/>
+        <dgm:cxn modelId="6" srcId="0" destId="3" srcOrd="2" destOrd="0"/>
+      </dgm:cxnLst>
+      <dgm:bg/>
+      <dgm:whole/>
+    </dgm:dataModel>
+  </dgm:styleData>
+  <dgm:clrData>
+    <dgm:dataModel>
+      <dgm:ptLst>
+        <dgm:pt modelId="0" type="doc"/>
+        <dgm:pt modelId="1"/>
+        <dgm:pt modelId="2"/>
+        <dgm:pt modelId="3"/>
+        <dgm:pt modelId="4"/>
+        <dgm:pt modelId="5"/>
+        <dgm:pt modelId="6"/>
+      </dgm:ptLst>
+      <dgm:cxnLst>
+        <dgm:cxn modelId="7" srcId="0" destId="1" srcOrd="0" destOrd="0"/>
+        <dgm:cxn modelId="8" srcId="0" destId="2" srcOrd="1" destOrd="0"/>
+        <dgm:cxn modelId="9" srcId="0" destId="3" srcOrd="2" destOrd="0"/>
+        <dgm:cxn modelId="10" srcId="0" destId="4" srcOrd="3" destOrd="0"/>
+        <dgm:cxn modelId="11" srcId="0" destId="5" srcOrd="4" destOrd="0"/>
+        <dgm:cxn modelId="12" srcId="0" destId="6" srcOrd="5" destOrd="0"/>
+      </dgm:cxnLst>
+      <dgm:bg/>
+      <dgm:whole/>
+    </dgm:dataModel>
+  </dgm:clrData>
+  <dgm:layoutNode name="cycle">
+    <dgm:varLst>
+      <dgm:dir/>
+      <dgm:resizeHandles val="exact"/>
+    </dgm:varLst>
+    <dgm:choose name="Name0">
+      <dgm:if name="Name1" func="var" arg="dir" op="equ" val="norm">
+        <dgm:alg type="cycle">
+          <dgm:param type="stAng" val="0"/>
+          <dgm:param type="spanAng" val="360"/>
+        </dgm:alg>
+      </dgm:if>
+      <dgm:else name="Name2">
+        <dgm:alg type="cycle">
+          <dgm:param type="stAng" val="0"/>
+          <dgm:param type="spanAng" val="-360"/>
+        </dgm:alg>
+      </dgm:else>
+    </dgm:choose>
+    <dgm:shape xmlns:r="http://schemas.openxmlformats.org/officeDocument/2006/relationships" r:blip="">
+      <dgm:adjLst/>
+    </dgm:shape>
+    <dgm:presOf/>
+    <dgm:choose name="Name3">
+      <dgm:if name="Name4" func="var" arg="dir" op="equ" val="norm">
+        <dgm:constrLst>
+          <dgm:constr type="diam" val="1"/>
+          <dgm:constr type="w" for="ch" forName="node" refType="w"/>
+          <dgm:constr type="w" for="ch" ptType="sibTrans" refType="w" refFor="ch" refForName="node" fact="0.5"/>
+          <dgm:constr type="h" for="ch" ptType="sibTrans" op="equ"/>
+          <dgm:constr type="diam" for="ch" ptType="sibTrans" refType="diam" op="equ"/>
+          <dgm:constr type="sibSp" refType="w" refFor="ch" refForName="node" fact="0.15"/>
+          <dgm:constr type="w" for="ch" forName="dummy" refType="sibSp" fact="2.8"/>
+          <dgm:constr type="primFontSz" for="ch" forName="node" op="equ" val="65"/>
+        </dgm:constrLst>
+      </dgm:if>
+      <dgm:else name="Name5">
+        <dgm:constrLst>
+          <dgm:constr type="diam" val="1"/>
+          <dgm:constr type="w" for="ch" forName="node" refType="w"/>
+          <dgm:constr type="w" for="ch" ptType="sibTrans" refType="w" refFor="ch" refForName="node" fact="0.5"/>
+          <dgm:constr type="h" for="ch" ptType="sibTrans" op="equ"/>
+          <dgm:constr type="diam" for="ch" ptType="sibTrans" refType="diam" op="equ" fact="-1"/>
+          <dgm:constr type="sibSp" refType="w" refFor="ch" refForName="node" fact="0.15"/>
+          <dgm:constr type="w" for="ch" forName="dummy" refType="sibSp" fact="2.8"/>
+          <dgm:constr type="primFontSz" for="ch" forName="node" op="equ" val="65"/>
+        </dgm:constrLst>
+      </dgm:else>
+    </dgm:choose>
+    <dgm:ruleLst>
+      <dgm:rule type="diam" val="INF" fact="NaN" max="NaN"/>
+    </dgm:ruleLst>
+    <dgm:forEach name="nodesForEach" axis="ch" ptType="node">
+      <dgm:choose name="Name6">
+        <dgm:if name="Name7" axis="par ch" ptType="doc node" func="cnt" op="gt" val="1">
+          <dgm:layoutNode name="dummy">
+            <dgm:alg type="sp"/>
+            <dgm:shape xmlns:r="http://schemas.openxmlformats.org/officeDocument/2006/relationships" r:blip="">
+              <dgm:adjLst/>
+            </dgm:shape>
+            <dgm:presOf/>
+            <dgm:constrLst>
+              <dgm:constr type="h" refType="w"/>
+            </dgm:constrLst>
+            <dgm:ruleLst/>
+          </dgm:layoutNode>
+        </dgm:if>
+        <dgm:else name="Name8"/>
+      </dgm:choose>
+      <dgm:layoutNode name="node" styleLbl="revTx">
+        <dgm:varLst>
+          <dgm:bulletEnabled val="1"/>
+        </dgm:varLst>
+        <dgm:alg type="tx">
+          <dgm:param type="txAnchorVertCh" val="mid"/>
+        </dgm:alg>
+        <dgm:shape xmlns:r="http://schemas.openxmlformats.org/officeDocument/2006/relationships" type="rect" r:blip="">
+          <dgm:adjLst/>
+        </dgm:shape>
+        <dgm:presOf axis="desOrSelf" ptType="node"/>
+        <dgm:constrLst>
+          <dgm:constr type="h" refType="w"/>
+          <dgm:constr type="lMarg" refType="primFontSz" fact="0.1"/>
+          <dgm:constr type="rMarg" refType="primFontSz" fact="0.1"/>
+          <dgm:constr type="tMarg" refType="primFontSz" fact="0.1"/>
+          <dgm:constr type="bMarg" refType="primFontSz" fact="0.1"/>
+        </dgm:constrLst>
+        <dgm:ruleLst>
+          <dgm:rule type="primFontSz" val="5" fact="NaN" max="NaN"/>
+        </dgm:ruleLst>
+      </dgm:layoutNode>
+      <dgm:choose name="Name9">
+        <dgm:if name="Name10" axis="par ch" ptType="doc node" func="cnt" op="gt" val="1">
+          <dgm:forEach name="Name11" axis="followSib" ptType="sibTrans" hideLastTrans="0" cnt="1">
+            <dgm:layoutNode name="sibTrans" styleLbl="node1">
+              <dgm:alg type="conn">
+                <dgm:param type="connRout" val="curve"/>
+                <dgm:param type="begPts" val="radial"/>
+                <dgm:param type="endPts" val="radial"/>
+              </dgm:alg>
+              <dgm:shape xmlns:r="http://schemas.openxmlformats.org/officeDocument/2006/relationships" type="conn" r:blip="">
+                <dgm:adjLst/>
+              </dgm:shape>
+              <dgm:presOf axis="self"/>
+              <dgm:constrLst>
+                <dgm:constr type="h" refType="w" fact="0.65"/>
+                <dgm:constr type="begPad"/>
+                <dgm:constr type="endPad"/>
+              </dgm:constrLst>
+              <dgm:ruleLst/>
+            </dgm:layoutNode>
+          </dgm:forEach>
+        </dgm:if>
+        <dgm:else name="Name12"/>
+      </dgm:choose>
+    </dgm:forEach>
+  </dgm:layoutNode>
+</dgm:layoutDef>
+</file>
+
+<file path=ppt/diagrams/quickStyle1.xml><?xml version="1.0" encoding="utf-8"?>
+<dgm:styleDef xmlns:dgm="http://schemas.openxmlformats.org/drawingml/2006/diagram" xmlns:a="http://schemas.openxmlformats.org/drawingml/2006/main" uniqueId="urn:microsoft.com/office/officeart/2005/8/quickstyle/simple1">
+  <dgm:title val=""/>
+  <dgm:desc val=""/>
+  <dgm:catLst>
+    <dgm:cat type="simple" pri="10100"/>
+  </dgm:catLst>
+  <dgm:scene3d>
+    <a:camera prst="orthographicFront"/>
+    <a:lightRig rig="threePt" dir="t"/>
+  </dgm:scene3d>
+  <dgm:styleLbl name="node0">
+    <dgm:scene3d>
+      <a:camera prst="orthographicFront"/>
+      <a:lightRig rig="threePt" dir="t"/>
+    </dgm:scene3d>
+    <dgm:sp3d/>
+    <dgm:txPr/>
+    <dgm:style>
+      <a:lnRef idx="2">
+        <a:scrgbClr r="0" g="0" b="0"/>
+      </a:lnRef>
+      <a:fillRef idx="1">
+        <a:scrgbClr r="0" g="0" b="0"/>
+      </a:fillRef>
+      <a:effectRef idx="0">
+        <a:scrgbClr r="0" g="0" b="0"/>
+      </a:effectRef>
+      <a:fontRef idx="minor">
+        <a:schemeClr val="lt1"/>
+      </a:fontRef>
+    </dgm:style>
+  </dgm:styleLbl>
+  <dgm:styleLbl name="lnNode1">
+    <dgm:scene3d>
+      <a:camera prst="orthographicFront"/>
+      <a:lightRig rig="threePt" dir="t"/>
+    </dgm:scene3d>
+    <dgm:sp3d/>
+    <dgm:txPr/>
+    <dgm:style>
+      <a:lnRef idx="2">
+        <a:scrgbClr r="0" g="0" b="0"/>
+      </a:lnRef>
+      <a:fillRef idx="1">
+        <a:scrgbClr r="0" g="0" b="0"/>
+      </a:fillRef>
+      <a:effectRef idx="0">
+        <a:scrgbClr r="0" g="0" b="0"/>
+      </a:effectRef>
+      <a:fontRef idx="minor">
+        <a:schemeClr val="lt1"/>
+      </a:fontRef>
+    </dgm:style>
+  </dgm:styleLbl>
+  <dgm:styleLbl name="vennNode1">
+    <dgm:scene3d>
+      <a:camera prst="orthographicFront"/>
+      <a:lightRig rig="threePt" dir="t"/>
+    </dgm:scene3d>
+    <dgm:sp3d/>
+    <dgm:txPr/>
+    <dgm:style>
+      <a:lnRef idx="2">
+        <a:scrgbClr r="0" g="0" b="0"/>
+      </a:lnRef>
+      <a:fillRef idx="1">
+        <a:scrgbClr r="0" g="0" b="0"/>
+      </a:fillRef>
+      <a:effectRef idx="0">
+        <a:scrgbClr r="0" g="0" b="0"/>
+      </a:effectRef>
+      <a:fontRef idx="minor">
+        <a:schemeClr val="tx1"/>
+      </a:fontRef>
+    </dgm:style>
+  </dgm:styleLbl>
+  <dgm:styleLbl name="alignNode1">
+    <dgm:scene3d>
+      <a:camera prst="orthographicFront"/>
+      <a:lightRig rig="threePt" dir="t"/>
+    </dgm:scene3d>
+    <dgm:sp3d/>
+    <dgm:txPr/>
+    <dgm:style>
+      <a:lnRef idx="2">
+        <a:scrgbClr r="0" g="0" b="0"/>
+      </a:lnRef>
+      <a:fillRef idx="1">
+        <a:scrgbClr r="0" g="0" b="0"/>
+      </a:fillRef>
+      <a:effectRef idx="0">
+        <a:scrgbClr r="0" g="0" b="0"/>
+      </a:effectRef>
+      <a:fontRef idx="minor">
+        <a:schemeClr val="lt1"/>
+      </a:fontRef>
+    </dgm:style>
+  </dgm:styleLbl>
+  <dgm:styleLbl name="node1">
+    <dgm:scene3d>
+      <a:camera prst="orthographicFront"/>
+      <a:lightRig rig="threePt" dir="t"/>
+    </dgm:scene3d>
+    <dgm:sp3d/>
+    <dgm:txPr/>
+    <dgm:style>
+      <a:lnRef idx="2">
+        <a:scrgbClr r="0" g="0" b="0"/>
+      </a:lnRef>
+      <a:fillRef idx="1">
+        <a:scrgbClr r="0" g="0" b="0"/>
+      </a:fillRef>
+      <a:effectRef idx="0">
+        <a:scrgbClr r="0" g="0" b="0"/>
+      </a:effectRef>
+      <a:fontRef idx="minor">
+        <a:schemeClr val="lt1"/>
+      </a:fontRef>
+    </dgm:style>
+  </dgm:styleLbl>
+  <dgm:styleLbl name="node2">
+    <dgm:scene3d>
+      <a:camera prst="orthographicFront"/>
+      <a:lightRig rig="threePt" dir="t"/>
+    </dgm:scene3d>
+    <dgm:sp3d/>
+    <dgm:txPr/>
+    <dgm:style>
+      <a:lnRef idx="2">
+        <a:scrgbClr r="0" g="0" b="0"/>
+      </a:lnRef>
+      <a:fillRef idx="1">
+        <a:scrgbClr r="0" g="0" b="0"/>
+      </a:fillRef>
+      <a:effectRef idx="0">
+        <a:scrgbClr r="0" g="0" b="0"/>
+      </a:effectRef>
+      <a:fontRef idx="minor">
+        <a:schemeClr val="lt1"/>
+      </a:fontRef>
+    </dgm:style>
+  </dgm:styleLbl>
+  <dgm:styleLbl name="node3">
+    <dgm:scene3d>
+      <a:camera prst="orthographicFront"/>
+      <a:lightRig rig="threePt" dir="t"/>
+    </dgm:scene3d>
+    <dgm:sp3d/>
+    <dgm:txPr/>
+    <dgm:style>
+      <a:lnRef idx="2">
+        <a:scrgbClr r="0" g="0" b="0"/>
+      </a:lnRef>
+      <a:fillRef idx="1">
+        <a:scrgbClr r="0" g="0" b="0"/>
+      </a:fillRef>
+      <a:effectRef idx="0">
+        <a:scrgbClr r="0" g="0" b="0"/>
+      </a:effectRef>
+      <a:fontRef idx="minor">
+        <a:schemeClr val="lt1"/>
+      </a:fontRef>
+    </dgm:style>
+  </dgm:styleLbl>
+  <dgm:styleLbl name="node4">
+    <dgm:scene3d>
+      <a:camera prst="orthographicFront"/>
+      <a:lightRig rig="threePt" dir="t"/>
+    </dgm:scene3d>
+    <dgm:sp3d/>
+    <dgm:txPr/>
+    <dgm:style>
+      <a:lnRef idx="2">
+        <a:scrgbClr r="0" g="0" b="0"/>
+      </a:lnRef>
+      <a:fillRef idx="1">
+        <a:scrgbClr r="0" g="0" b="0"/>
+      </a:fillRef>
+      <a:effectRef idx="0">
+        <a:scrgbClr r="0" g="0" b="0"/>
+      </a:effectRef>
+      <a:fontRef idx="minor">
+        <a:schemeClr val="lt1"/>
+      </a:fontRef>
+    </dgm:style>
+  </dgm:styleLbl>
+  <dgm:styleLbl name="fgImgPlace1">
+    <dgm:scene3d>
+      <a:camera prst="orthographicFront"/>
+      <a:lightRig rig="threePt" dir="t"/>
+    </dgm:scene3d>
+    <dgm:sp3d/>
+    <dgm:txPr/>
+    <dgm:style>
+      <a:lnRef idx="2">
+        <a:scrgbClr r="0" g="0" b="0"/>
+      </a:lnRef>
+      <a:fillRef idx="1">
+        <a:scrgbClr r="0" g="0" b="0"/>
+      </a:fillRef>
+      <a:effectRef idx="0">
+        <a:scrgbClr r="0" g="0" b="0"/>
+      </a:effectRef>
+      <a:fontRef idx="minor"/>
+    </dgm:style>
+  </dgm:styleLbl>
+  <dgm:styleLbl name="alignImgPlace1">
+    <dgm:scene3d>
+      <a:camera prst="orthographicFront"/>
+      <a:lightRig rig="threePt" dir="t"/>
+    </dgm:scene3d>
+    <dgm:sp3d/>
+    <dgm:txPr/>
+    <dgm:style>
+      <a:lnRef idx="2">
+        <a:scrgbClr r="0" g="0" b="0"/>
+      </a:lnRef>
+      <a:fillRef idx="1">
+        <a:scrgbClr r="0" g="0" b="0"/>
+      </a:fillRef>
+      <a:effectRef idx="0">
+        <a:scrgbClr r="0" g="0" b="0"/>
+      </a:effectRef>
+      <a:fontRef idx="minor"/>
+    </dgm:style>
+  </dgm:styleLbl>
+  <dgm:styleLbl name="bgImgPlace1">
+    <dgm:scene3d>
+      <a:camera prst="orthographicFront"/>
+      <a:lightRig rig="threePt" dir="t"/>
+    </dgm:scene3d>
+    <dgm:sp3d/>
+    <dgm:txPr/>
+    <dgm:style>
+      <a:lnRef idx="2">
+        <a:scrgbClr r="0" g="0" b="0"/>
+      </a:lnRef>
+      <a:fillRef idx="1">
+        <a:scrgbClr r="0" g="0" b="0"/>
+      </a:fillRef>
+      <a:effectRef idx="0">
+        <a:scrgbClr r="0" g="0" b="0"/>
+      </a:effectRef>
+      <a:fontRef idx="minor"/>
+    </dgm:style>
+  </dgm:styleLbl>
+  <dgm:styleLbl name="sibTrans2D1">
+    <dgm:scene3d>
+      <a:camera prst="orthographicFront"/>
+      <a:lightRig rig="threePt" dir="t"/>
+    </dgm:scene3d>
+    <dgm:sp3d/>
+    <dgm:txPr/>
+    <dgm:style>
+      <a:lnRef idx="0">
+        <a:scrgbClr r="0" g="0" b="0"/>
+      </a:lnRef>
+      <a:fillRef idx="1">
+        <a:scrgbClr r="0" g="0" b="0"/>
+      </a:fillRef>
+      <a:effectRef idx="0">
+        <a:scrgbClr r="0" g="0" b="0"/>
+      </a:effectRef>
+      <a:fontRef idx="minor">
+        <a:schemeClr val="lt1"/>
+      </a:fontRef>
+    </dgm:style>
+  </dgm:styleLbl>
+  <dgm:styleLbl name="fgSibTrans2D1">
+    <dgm:scene3d>
+      <a:camera prst="orthographicFront"/>
+      <a:lightRig rig="threePt" dir="t"/>
+    </dgm:scene3d>
+    <dgm:sp3d/>
+    <dgm:txPr/>
+    <dgm:style>
+      <a:lnRef idx="0">
+        <a:scrgbClr r="0" g="0" b="0"/>
+      </a:lnRef>
+      <a:fillRef idx="1">
+        <a:scrgbClr r="0" g="0" b="0"/>
+      </a:fillRef>
+      <a:effectRef idx="0">
+        <a:scrgbClr r="0" g="0" b="0"/>
+      </a:effectRef>
+      <a:fontRef idx="minor">
+        <a:schemeClr val="lt1"/>
+      </a:fontRef>
+    </dgm:style>
+  </dgm:styleLbl>
+  <dgm:styleLbl name="bgSibTrans2D1">
+    <dgm:scene3d>
+      <a:camera prst="orthographicFront"/>
+      <a:lightRig rig="threePt" dir="t"/>
+    </dgm:scene3d>
+    <dgm:sp3d/>
+    <dgm:txPr/>
+    <dgm:style>
+      <a:lnRef idx="0">
+        <a:scrgbClr r="0" g="0" b="0"/>
+      </a:lnRef>
+      <a:fillRef idx="1">
+        <a:scrgbClr r="0" g="0" b="0"/>
+      </a:fillRef>
+      <a:effectRef idx="0">
+        <a:scrgbClr r="0" g="0" b="0"/>
+      </a:effectRef>
+      <a:fontRef idx="minor">
+        <a:schemeClr val="lt1"/>
+      </a:fontRef>
+    </dgm:style>
+  </dgm:styleLbl>
+  <dgm:styleLbl name="sibTrans1D1">
+    <dgm:scene3d>
+      <a:camera prst="orthographicFront"/>
+      <a:lightRig rig="threePt" dir="t"/>
+    </dgm:scene3d>
+    <dgm:sp3d/>
+    <dgm:txPr/>
+    <dgm:style>
+      <a:lnRef idx="1">
+        <a:scrgbClr r="0" g="0" b="0"/>
+      </a:lnRef>
+      <a:fillRef idx="0">
+        <a:scrgbClr r="0" g="0" b="0"/>
+      </a:fillRef>
+      <a:effectRef idx="0">
+        <a:scrgbClr r="0" g="0" b="0"/>
+      </a:effectRef>
+      <a:fontRef idx="minor"/>
+    </dgm:style>
+  </dgm:styleLbl>
+  <dgm:styleLbl name="callout">
+    <dgm:scene3d>
+      <a:camera prst="orthographicFront"/>
+      <a:lightRig rig="threePt" dir="t"/>
+    </dgm:scene3d>
+    <dgm:sp3d/>
+    <dgm:txPr/>
+    <dgm:style>
+      <a:lnRef idx="2">
+        <a:scrgbClr r="0" g="0" b="0"/>
+      </a:lnRef>
+      <a:fillRef idx="1">
+        <a:scrgbClr r="0" g="0" b="0"/>
+      </a:fillRef>
+      <a:effectRef idx="0">
+        <a:scrgbClr r="0" g="0" b="0"/>
+      </a:effectRef>
+      <a:fontRef idx="minor"/>
+    </dgm:style>
+  </dgm:styleLbl>
+  <dgm:styleLbl name="asst0">
+    <dgm:scene3d>
+      <a:camera prst="orthographicFront"/>
+      <a:lightRig rig="threePt" dir="t"/>
+    </dgm:scene3d>
+    <dgm:sp3d/>
+    <dgm:txPr/>
+    <dgm:style>
+      <a:lnRef idx="2">
+        <a:scrgbClr r="0" g="0" b="0"/>
+      </a:lnRef>
+      <a:fillRef idx="1">
+        <a:scrgbClr r="0" g="0" b="0"/>
+      </a:fillRef>
+      <a:effectRef idx="0">
+        <a:scrgbClr r="0" g="0" b="0"/>
+      </a:effectRef>
+      <a:fontRef idx="minor">
+        <a:schemeClr val="lt1"/>
+      </a:fontRef>
+    </dgm:style>
+  </dgm:styleLbl>
+  <dgm:styleLbl name="asst1">
+    <dgm:scene3d>
+      <a:camera prst="orthographicFront"/>
+      <a:lightRig rig="threePt" dir="t"/>
+    </dgm:scene3d>
+    <dgm:sp3d/>
+    <dgm:txPr/>
+    <dgm:style>
+      <a:lnRef idx="2">
+        <a:scrgbClr r="0" g="0" b="0"/>
+      </a:lnRef>
+      <a:fillRef idx="1">
+        <a:scrgbClr r="0" g="0" b="0"/>
+      </a:fillRef>
+      <a:effectRef idx="0">
+        <a:scrgbClr r="0" g="0" b="0"/>
+      </a:effectRef>
+      <a:fontRef idx="minor">
+        <a:schemeClr val="lt1"/>
+      </a:fontRef>
+    </dgm:style>
+  </dgm:styleLbl>
+  <dgm:styleLbl name="asst2">
+    <dgm:scene3d>
+      <a:camera prst="orthographicFront"/>
+      <a:lightRig rig="threePt" dir="t"/>
+    </dgm:scene3d>
+    <dgm:sp3d/>
+    <dgm:txPr/>
+    <dgm:style>
+      <a:lnRef idx="2">
+        <a:scrgbClr r="0" g="0" b="0"/>
+      </a:lnRef>
+      <a:fillRef idx="1">
+        <a:scrgbClr r="0" g="0" b="0"/>
+      </a:fillRef>
+      <a:effectRef idx="0">
+        <a:scrgbClr r="0" g="0" b="0"/>
+      </a:effectRef>
+      <a:fontRef idx="minor">
+        <a:schemeClr val="lt1"/>
+      </a:fontRef>
+    </dgm:style>
+  </dgm:styleLbl>
+  <dgm:styleLbl name="asst3">
+    <dgm:scene3d>
+      <a:camera prst="orthographicFront"/>
+      <a:lightRig rig="threePt" dir="t"/>
+    </dgm:scene3d>
+    <dgm:sp3d/>
+    <dgm:txPr/>
+    <dgm:style>
+      <a:lnRef idx="2">
+        <a:scrgbClr r="0" g="0" b="0"/>
+      </a:lnRef>
+      <a:fillRef idx="1">
+        <a:scrgbClr r="0" g="0" b="0"/>
+      </a:fillRef>
+      <a:effectRef idx="0">
+        <a:scrgbClr r="0" g="0" b="0"/>
+      </a:effectRef>
+      <a:fontRef idx="minor">
+        <a:schemeClr val="lt1"/>
+      </a:fontRef>
+    </dgm:style>
+  </dgm:styleLbl>
+  <dgm:styleLbl name="asst4">
+    <dgm:scene3d>
+      <a:camera prst="orthographicFront"/>
+      <a:lightRig rig="threePt" dir="t"/>
+    </dgm:scene3d>
+    <dgm:sp3d/>
+    <dgm:txPr/>
+    <dgm:style>
+      <a:lnRef idx="2">
+        <a:scrgbClr r="0" g="0" b="0"/>
+      </a:lnRef>
+      <a:fillRef idx="1">
+        <a:scrgbClr r="0" g="0" b="0"/>
+      </a:fillRef>
+      <a:effectRef idx="0">
+        <a:scrgbClr r="0" g="0" b="0"/>
+      </a:effectRef>
+      <a:fontRef idx="minor">
+        <a:schemeClr val="lt1"/>
+      </a:fontRef>
+    </dgm:style>
+  </dgm:styleLbl>
+  <dgm:styleLbl name="parChTrans2D1">
+    <dgm:scene3d>
+      <a:camera prst="orthographicFront"/>
+      <a:lightRig rig="threePt" dir="t"/>
+    </dgm:scene3d>
+    <dgm:sp3d/>
+    <dgm:txPr/>
+    <dgm:style>
+      <a:lnRef idx="2">
+        <a:scrgbClr r="0" g="0" b="0"/>
+      </a:lnRef>
+      <a:fillRef idx="1">
+        <a:scrgbClr r="0" g="0" b="0"/>
+      </a:fillRef>
+      <a:effectRef idx="0">
+        <a:scrgbClr r="0" g="0" b="0"/>
+      </a:effectRef>
+      <a:fontRef idx="minor">
+        <a:schemeClr val="lt1"/>
+      </a:fontRef>
+    </dgm:style>
+  </dgm:styleLbl>
+  <dgm:styleLbl name="parChTrans2D2">
+    <dgm:scene3d>
+      <a:camera prst="orthographicFront"/>
+      <a:lightRig rig="threePt" dir="t"/>
+    </dgm:scene3d>
+    <dgm:sp3d/>
+    <dgm:txPr/>
+    <dgm:style>
+      <a:lnRef idx="2">
+        <a:scrgbClr r="0" g="0" b="0"/>
+      </a:lnRef>
+      <a:fillRef idx="1">
+        <a:scrgbClr r="0" g="0" b="0"/>
+      </a:fillRef>
+      <a:effectRef idx="0">
+        <a:scrgbClr r="0" g="0" b="0"/>
+      </a:effectRef>
+      <a:fontRef idx="minor">
+        <a:schemeClr val="lt1"/>
+      </a:fontRef>
+    </dgm:style>
+  </dgm:styleLbl>
+  <dgm:styleLbl name="parChTrans2D3">
+    <dgm:scene3d>
+      <a:camera prst="orthographicFront"/>
+      <a:lightRig rig="threePt" dir="t"/>
+    </dgm:scene3d>
+    <dgm:sp3d/>
+    <dgm:txPr/>
+    <dgm:style>
+      <a:lnRef idx="2">
+        <a:scrgbClr r="0" g="0" b="0"/>
+      </a:lnRef>
+      <a:fillRef idx="1">
+        <a:scrgbClr r="0" g="0" b="0"/>
+      </a:fillRef>
+      <a:effectRef idx="0">
+        <a:scrgbClr r="0" g="0" b="0"/>
+      </a:effectRef>
+      <a:fontRef idx="minor">
+        <a:schemeClr val="lt1"/>
+      </a:fontRef>
+    </dgm:style>
+  </dgm:styleLbl>
+  <dgm:styleLbl name="parChTrans2D4">
+    <dgm:scene3d>
+      <a:camera prst="orthographicFront"/>
+      <a:lightRig rig="threePt" dir="t"/>
+    </dgm:scene3d>
+    <dgm:sp3d/>
+    <dgm:txPr/>
+    <dgm:style>
+      <a:lnRef idx="2">
+        <a:scrgbClr r="0" g="0" b="0"/>
+      </a:lnRef>
+      <a:fillRef idx="1">
+        <a:scrgbClr r="0" g="0" b="0"/>
+      </a:fillRef>
+      <a:effectRef idx="0">
+        <a:scrgbClr r="0" g="0" b="0"/>
+      </a:effectRef>
+      <a:fontRef idx="minor">
+        <a:schemeClr val="lt1"/>
+      </a:fontRef>
+    </dgm:style>
+  </dgm:styleLbl>
+  <dgm:styleLbl name="parChTrans1D1">
+    <dgm:scene3d>
+      <a:camera prst="orthographicFront"/>
+      <a:lightRig rig="threePt" dir="t"/>
+    </dgm:scene3d>
+    <dgm:sp3d/>
+    <dgm:txPr/>
+    <dgm:style>
+      <a:lnRef idx="2">
+        <a:scrgbClr r="0" g="0" b="0"/>
+      </a:lnRef>
+      <a:fillRef idx="0">
+        <a:scrgbClr r="0" g="0" b="0"/>
+      </a:fillRef>
+      <a:effectRef idx="0">
+        <a:scrgbClr r="0" g="0" b="0"/>
+      </a:effectRef>
+      <a:fontRef idx="minor"/>
+    </dgm:style>
+  </dgm:styleLbl>
+  <dgm:styleLbl name="parChTrans1D2">
+    <dgm:scene3d>
+      <a:camera prst="orthographicFront"/>
+      <a:lightRig rig="threePt" dir="t"/>
+    </dgm:scene3d>
+    <dgm:sp3d/>
+    <dgm:txPr/>
+    <dgm:style>
+      <a:lnRef idx="2">
+        <a:scrgbClr r="0" g="0" b="0"/>
+      </a:lnRef>
+      <a:fillRef idx="0">
+        <a:scrgbClr r="0" g="0" b="0"/>
+      </a:fillRef>
+      <a:effectRef idx="0">
+        <a:scrgbClr r="0" g="0" b="0"/>
+      </a:effectRef>
+      <a:fontRef idx="minor"/>
+    </dgm:style>
+  </dgm:styleLbl>
+  <dgm:styleLbl name="parChTrans1D3">
+    <dgm:scene3d>
+      <a:camera prst="orthographicFront"/>
+      <a:lightRig rig="threePt" dir="t"/>
+    </dgm:scene3d>
+    <dgm:sp3d/>
+    <dgm:txPr/>
+    <dgm:style>
+      <a:lnRef idx="2">
+        <a:scrgbClr r="0" g="0" b="0"/>
+      </a:lnRef>
+      <a:fillRef idx="0">
+        <a:scrgbClr r="0" g="0" b="0"/>
+      </a:fillRef>
+      <a:effectRef idx="0">
+        <a:scrgbClr r="0" g="0" b="0"/>
+      </a:effectRef>
+      <a:fontRef idx="minor"/>
+    </dgm:style>
+  </dgm:styleLbl>
+  <dgm:styleLbl name="parChTrans1D4">
+    <dgm:scene3d>
+      <a:camera prst="orthographicFront"/>
+      <a:lightRig rig="threePt" dir="t"/>
+    </dgm:scene3d>
+    <dgm:sp3d/>
+    <dgm:txPr/>
+    <dgm:style>
+      <a:lnRef idx="2">
+        <a:scrgbClr r="0" g="0" b="0"/>
+      </a:lnRef>
+      <a:fillRef idx="0">
+        <a:scrgbClr r="0" g="0" b="0"/>
+      </a:fillRef>
+      <a:effectRef idx="0">
+        <a:scrgbClr r="0" g="0" b="0"/>
+      </a:effectRef>
+      <a:fontRef idx="minor"/>
+    </dgm:style>
+  </dgm:styleLbl>
+  <dgm:styleLbl name="fgAcc1">
+    <dgm:scene3d>
+      <a:camera prst="orthographicFront"/>
+      <a:lightRig rig="threePt" dir="t"/>
+    </dgm:scene3d>
+    <dgm:sp3d/>
+    <dgm:txPr/>
+    <dgm:style>
+      <a:lnRef idx="2">
+        <a:scrgbClr r="0" g="0" b="0"/>
+      </a:lnRef>
+      <a:fillRef idx="1">
+        <a:scrgbClr r="0" g="0" b="0"/>
+      </a:fillRef>
+      <a:effectRef idx="0">
+        <a:scrgbClr r="0" g="0" b="0"/>
+      </a:effectRef>
+      <a:fontRef idx="minor"/>
+    </dgm:style>
+  </dgm:styleLbl>
+  <dgm:styleLbl name="conFgAcc1">
+    <dgm:scene3d>
+      <a:camera prst="orthographicFront"/>
+      <a:lightRig rig="threePt" dir="t"/>
+    </dgm:scene3d>
+    <dgm:sp3d/>
+    <dgm:txPr/>
+    <dgm:style>
+      <a:lnRef idx="2">
+        <a:scrgbClr r="0" g="0" b="0"/>
+      </a:lnRef>
+      <a:fillRef idx="1">
+        <a:scrgbClr r="0" g="0" b="0"/>
+      </a:fillRef>
+      <a:effectRef idx="0">
+        <a:scrgbClr r="0" g="0" b="0"/>
+      </a:effectRef>
+      <a:fontRef idx="minor"/>
+    </dgm:style>
+  </dgm:styleLbl>
+  <dgm:styleLbl name="alignAcc1">
+    <dgm:scene3d>
+      <a:camera prst="orthographicFront"/>
+      <a:lightRig rig="threePt" dir="t"/>
+    </dgm:scene3d>
+    <dgm:sp3d/>
+    <dgm:txPr/>
+    <dgm:style>
+      <a:lnRef idx="2">
+        <a:scrgbClr r="0" g="0" b="0"/>
+      </a:lnRef>
+      <a:fillRef idx="1">
+        <a:scrgbClr r="0" g="0" b="0"/>
+      </a:fillRef>
+      <a:effectRef idx="0">
+        <a:scrgbClr r="0" g="0" b="0"/>
+      </a:effectRef>
+      <a:fontRef idx="minor"/>
+    </dgm:style>
+  </dgm:styleLbl>
+  <dgm:styleLbl name="trAlignAcc1">
+    <dgm:scene3d>
+      <a:camera prst="orthographicFront"/>
+      <a:lightRig rig="threePt" dir="t"/>
+    </dgm:scene3d>
+    <dgm:sp3d/>
+    <dgm:txPr/>
+    <dgm:style>
+      <a:lnRef idx="1">
+        <a:scrgbClr r="0" g="0" b="0"/>
+      </a:lnRef>
+      <a:fillRef idx="1">
+        <a:scrgbClr r="0" g="0" b="0"/>
+      </a:fillRef>
+      <a:effectRef idx="0">
+        <a:scrgbClr r="0" g="0" b="0"/>
+      </a:effectRef>
+      <a:fontRef idx="minor"/>
+    </dgm:style>
+  </dgm:styleLbl>
+  <dgm:styleLbl name="bgAcc1">
+    <dgm:scene3d>
+      <a:camera prst="orthographicFront"/>
+      <a:lightRig rig="threePt" dir="t"/>
+    </dgm:scene3d>
+    <dgm:sp3d/>
+    <dgm:txPr/>
+    <dgm:style>
+      <a:lnRef idx="2">
+        <a:scrgbClr r="0" g="0" b="0"/>
+      </a:lnRef>
+      <a:fillRef idx="1">
+        <a:scrgbClr r="0" g="0" b="0"/>
+      </a:fillRef>
+      <a:effectRef idx="0">
+        <a:scrgbClr r="0" g="0" b="0"/>
+      </a:effectRef>
+      <a:fontRef idx="minor"/>
+    </dgm:style>
+  </dgm:styleLbl>
+  <dgm:styleLbl name="solidFgAcc1">
+    <dgm:scene3d>
+      <a:camera prst="orthographicFront"/>
+      <a:lightRig rig="threePt" dir="t"/>
+    </dgm:scene3d>
+    <dgm:sp3d/>
+    <dgm:txPr/>
+    <dgm:style>
+      <a:lnRef idx="2">
+        <a:scrgbClr r="0" g="0" b="0"/>
+      </a:lnRef>
+      <a:fillRef idx="1">
+        <a:scrgbClr r="0" g="0" b="0"/>
+      </a:fillRef>
+      <a:effectRef idx="0">
+        <a:scrgbClr r="0" g="0" b="0"/>
+      </a:effectRef>
+      <a:fontRef idx="minor"/>
+    </dgm:style>
+  </dgm:styleLbl>
+  <dgm:styleLbl name="solidAlignAcc1">
+    <dgm:scene3d>
+      <a:camera prst="orthographicFront"/>
+      <a:lightRig rig="threePt" dir="t"/>
+    </dgm:scene3d>
+    <dgm:sp3d/>
+    <dgm:txPr/>
+    <dgm:style>
+      <a:lnRef idx="2">
+        <a:scrgbClr r="0" g="0" b="0"/>
+      </a:lnRef>
+      <a:fillRef idx="1">
+        <a:scrgbClr r="0" g="0" b="0"/>
+      </a:fillRef>
+      <a:effectRef idx="0">
+        <a:scrgbClr r="0" g="0" b="0"/>
+      </a:effectRef>
+      <a:fontRef idx="minor"/>
+    </dgm:style>
+  </dgm:styleLbl>
+  <dgm:styleLbl name="solidBgAcc1">
+    <dgm:scene3d>
+      <a:camera prst="orthographicFront"/>
+      <a:lightRig rig="threePt" dir="t"/>
+    </dgm:scene3d>
+    <dgm:sp3d/>
+    <dgm:txPr/>
+    <dgm:style>
+      <a:lnRef idx="2">
+        <a:scrgbClr r="0" g="0" b="0"/>
+      </a:lnRef>
+      <a:fillRef idx="1">
+        <a:scrgbClr r="0" g="0" b="0"/>
+      </a:fillRef>
+      <a:effectRef idx="0">
+        <a:scrgbClr r="0" g="0" b="0"/>
+      </a:effectRef>
+      <a:fontRef idx="minor"/>
+    </dgm:style>
+  </dgm:styleLbl>
+  <dgm:styleLbl name="fgAccFollowNode1">
+    <dgm:scene3d>
+      <a:camera prst="orthographicFront"/>
+      <a:lightRig rig="threePt" dir="t"/>
+    </dgm:scene3d>
+    <dgm:sp3d/>
+    <dgm:txPr/>
+    <dgm:style>
+      <a:lnRef idx="2">
+        <a:scrgbClr r="0" g="0" b="0"/>
+      </a:lnRef>
+      <a:fillRef idx="1">
+        <a:scrgbClr r="0" g="0" b="0"/>
+      </a:fillRef>
+      <a:effectRef idx="0">
+        <a:scrgbClr r="0" g="0" b="0"/>
+      </a:effectRef>
+      <a:fontRef idx="minor"/>
+    </dgm:style>
+  </dgm:styleLbl>
+  <dgm:styleLbl name="alignAccFollowNode1">
+    <dgm:scene3d>
+      <a:camera prst="orthographicFront"/>
+      <a:lightRig rig="threePt" dir="t"/>
+    </dgm:scene3d>
+    <dgm:sp3d/>
+    <dgm:txPr/>
+    <dgm:style>
+      <a:lnRef idx="2">
+        <a:scrgbClr r="0" g="0" b="0"/>
+      </a:lnRef>
+      <a:fillRef idx="1">
+        <a:scrgbClr r="0" g="0" b="0"/>
+      </a:fillRef>
+      <a:effectRef idx="0">
+        <a:scrgbClr r="0" g="0" b="0"/>
+      </a:effectRef>
+      <a:fontRef idx="minor"/>
+    </dgm:style>
+  </dgm:styleLbl>
+  <dgm:styleLbl name="bgAccFollowNode1">
+    <dgm:scene3d>
+      <a:camera prst="orthographicFront"/>
+      <a:lightRig rig="threePt" dir="t"/>
+    </dgm:scene3d>
+    <dgm:sp3d/>
+    <dgm:txPr/>
+    <dgm:style>
+      <a:lnRef idx="2">
+        <a:scrgbClr r="0" g="0" b="0"/>
+      </a:lnRef>
+      <a:fillRef idx="1">
+        <a:scrgbClr r="0" g="0" b="0"/>
+      </a:fillRef>
+      <a:effectRef idx="0">
+        <a:scrgbClr r="0" g="0" b="0"/>
+      </a:effectRef>
+      <a:fontRef idx="minor"/>
+    </dgm:style>
+  </dgm:styleLbl>
+  <dgm:styleLbl name="fgAcc0">
+    <dgm:scene3d>
+      <a:camera prst="orthographicFront"/>
+      <a:lightRig rig="threePt" dir="t"/>
+    </dgm:scene3d>
+    <dgm:sp3d/>
+    <dgm:txPr/>
+    <dgm:style>
+      <a:lnRef idx="2">
+        <a:scrgbClr r="0" g="0" b="0"/>
+      </a:lnRef>
+      <a:fillRef idx="1">
+        <a:scrgbClr r="0" g="0" b="0"/>
+      </a:fillRef>
+      <a:effectRef idx="0">
+        <a:scrgbClr r="0" g="0" b="0"/>
+      </a:effectRef>
+      <a:fontRef idx="minor"/>
+    </dgm:style>
+  </dgm:styleLbl>
+  <dgm:styleLbl name="fgAcc2">
+    <dgm:scene3d>
+      <a:camera prst="orthographicFront"/>
+      <a:lightRig rig="threePt" dir="t"/>
+    </dgm:scene3d>
+    <dgm:sp3d/>
+    <dgm:txPr/>
+    <dgm:style>
+      <a:lnRef idx="2">
+        <a:scrgbClr r="0" g="0" b="0"/>
+      </a:lnRef>
+      <a:fillRef idx="1">
+        <a:scrgbClr r="0" g="0" b="0"/>
+      </a:fillRef>
+      <a:effectRef idx="0">
+        <a:scrgbClr r="0" g="0" b="0"/>
+      </a:effectRef>
+      <a:fontRef idx="minor"/>
+    </dgm:style>
+  </dgm:styleLbl>
+  <dgm:styleLbl name="fgAcc3">
+    <dgm:scene3d>
+      <a:camera prst="orthographicFront"/>
+      <a:lightRig rig="threePt" dir="t"/>
+    </dgm:scene3d>
+    <dgm:sp3d/>
+    <dgm:txPr/>
+    <dgm:style>
+      <a:lnRef idx="2">
+        <a:scrgbClr r="0" g="0" b="0"/>
+      </a:lnRef>
+      <a:fillRef idx="1">
+        <a:scrgbClr r="0" g="0" b="0"/>
+      </a:fillRef>
+      <a:effectRef idx="0">
+        <a:scrgbClr r="0" g="0" b="0"/>
+      </a:effectRef>
+      <a:fontRef idx="minor"/>
+    </dgm:style>
+  </dgm:styleLbl>
+  <dgm:styleLbl name="fgAcc4">
+    <dgm:scene3d>
+      <a:camera prst="orthographicFront"/>
+      <a:lightRig rig="threePt" dir="t"/>
+    </dgm:scene3d>
+    <dgm:sp3d/>
+    <dgm:txPr/>
+    <dgm:style>
+      <a:lnRef idx="2">
+        <a:scrgbClr r="0" g="0" b="0"/>
+      </a:lnRef>
+      <a:fillRef idx="1">
+        <a:scrgbClr r="0" g="0" b="0"/>
+      </a:fillRef>
+      <a:effectRef idx="0">
+        <a:scrgbClr r="0" g="0" b="0"/>
+      </a:effectRef>
+      <a:fontRef idx="minor"/>
+    </dgm:style>
+  </dgm:styleLbl>
+  <dgm:styleLbl name="bgShp">
+    <dgm:scene3d>
+      <a:camera prst="orthographicFront"/>
+      <a:lightRig rig="threePt" dir="t"/>
+    </dgm:scene3d>
+    <dgm:sp3d/>
+    <dgm:txPr/>
+    <dgm:style>
+      <a:lnRef idx="0">
+        <a:scrgbClr r="0" g="0" b="0"/>
+      </a:lnRef>
+      <a:fillRef idx="1">
+        <a:scrgbClr r="0" g="0" b="0"/>
+      </a:fillRef>
+      <a:effectRef idx="0">
+        <a:scrgbClr r="0" g="0" b="0"/>
+      </a:effectRef>
+      <a:fontRef idx="minor"/>
+    </dgm:style>
+  </dgm:styleLbl>
+  <dgm:styleLbl name="dkBgShp">
+    <dgm:scene3d>
+      <a:camera prst="orthographicFront"/>
+      <a:lightRig rig="threePt" dir="t"/>
+    </dgm:scene3d>
+    <dgm:sp3d/>
+    <dgm:txPr/>
+    <dgm:style>
+      <a:lnRef idx="0">
+        <a:scrgbClr r="0" g="0" b="0"/>
+      </a:lnRef>
+      <a:fillRef idx="1">
+        <a:scrgbClr r="0" g="0" b="0"/>
+      </a:fillRef>
+      <a:effectRef idx="0">
+        <a:scrgbClr r="0" g="0" b="0"/>
+      </a:effectRef>
+      <a:fontRef idx="minor"/>
+    </dgm:style>
+  </dgm:styleLbl>
+  <dgm:styleLbl name="trBgShp">
+    <dgm:scene3d>
+      <a:camera prst="orthographicFront"/>
+      <a:lightRig rig="threePt" dir="t"/>
+    </dgm:scene3d>
+    <dgm:sp3d/>
+    <dgm:txPr/>
+    <dgm:style>
+      <a:lnRef idx="0">
+        <a:scrgbClr r="0" g="0" b="0"/>
+      </a:lnRef>
+      <a:fillRef idx="1">
+        <a:scrgbClr r="0" g="0" b="0"/>
+      </a:fillRef>
+      <a:effectRef idx="0">
+        <a:scrgbClr r="0" g="0" b="0"/>
+      </a:effectRef>
+      <a:fontRef idx="minor"/>
+    </dgm:style>
+  </dgm:styleLbl>
+  <dgm:styleLbl name="fgShp">
+    <dgm:scene3d>
+      <a:camera prst="orthographicFront"/>
+      <a:lightRig rig="threePt" dir="t"/>
+    </dgm:scene3d>
+    <dgm:sp3d/>
+    <dgm:txPr/>
+    <dgm:style>
+      <a:lnRef idx="2">
+        <a:scrgbClr r="0" g="0" b="0"/>
+      </a:lnRef>
+      <a:fillRef idx="1">
+        <a:scrgbClr r="0" g="0" b="0"/>
+      </a:fillRef>
+      <a:effectRef idx="0">
+        <a:scrgbClr r="0" g="0" b="0"/>
+      </a:effectRef>
+      <a:fontRef idx="minor"/>
+    </dgm:style>
+  </dgm:styleLbl>
+  <dgm:styleLbl name="revTx">
+    <dgm:scene3d>
+      <a:camera prst="orthographicFront"/>
+      <a:lightRig rig="threePt" dir="t"/>
+    </dgm:scene3d>
+    <dgm:sp3d/>
+    <dgm:txPr/>
+    <dgm:style>
+      <a:lnRef idx="0">
+        <a:scrgbClr r="0" g="0" b="0"/>
+      </a:lnRef>
+      <a:fillRef idx="0">
+        <a:scrgbClr r="0" g="0" b="0"/>
+      </a:fillRef>
+      <a:effectRef idx="0">
+        <a:scrgbClr r="0" g="0" b="0"/>
+      </a:effectRef>
+      <a:fontRef idx="minor"/>
+    </dgm:style>
+  </dgm:styleLbl>
+</dgm:styleDef>
+</file>
+
 <file path=ppt/notesMasters/notesMaster1.xml><?xml version="1.0" encoding="utf-8"?>
 <p:notesMaster xmlns:a="http://schemas.openxmlformats.org/drawingml/2006/main" xmlns:r="http://schemas.openxmlformats.org/officeDocument/2006/relationships" xmlns:p="http://schemas.openxmlformats.org/presentationml/2006/main">
   <p:cSld>
@@ -217,7 +2601,7 @@
           <a:p>
             <a:fld id="{1639318F-A11E-4632-BF99-F8A6CDC302CB}" type="datetimeFigureOut">
               <a:rPr lang="en-CA" smtClean="0"/>
-              <a:t>2016-03-23</a:t>
+              <a:t>2016-03-24</a:t>
             </a:fld>
             <a:endParaRPr lang="en-CA"/>
           </a:p>
@@ -700,7 +3084,7 @@
           <a:p>
             <a:fld id="{91F17509-A3DD-4616-9315-DE1FA9D0E286}" type="datetimeFigureOut">
               <a:rPr lang="en-CA" smtClean="0"/>
-              <a:t>2016-03-23</a:t>
+              <a:t>2016-03-24</a:t>
             </a:fld>
             <a:endParaRPr lang="en-CA"/>
           </a:p>
@@ -870,7 +3254,7 @@
           <a:p>
             <a:fld id="{91F17509-A3DD-4616-9315-DE1FA9D0E286}" type="datetimeFigureOut">
               <a:rPr lang="en-CA" smtClean="0"/>
-              <a:t>2016-03-23</a:t>
+              <a:t>2016-03-24</a:t>
             </a:fld>
             <a:endParaRPr lang="en-CA"/>
           </a:p>
@@ -1050,7 +3434,7 @@
           <a:p>
             <a:fld id="{91F17509-A3DD-4616-9315-DE1FA9D0E286}" type="datetimeFigureOut">
               <a:rPr lang="en-CA" smtClean="0"/>
-              <a:t>2016-03-23</a:t>
+              <a:t>2016-03-24</a:t>
             </a:fld>
             <a:endParaRPr lang="en-CA"/>
           </a:p>
@@ -1220,7 +3604,7 @@
           <a:p>
             <a:fld id="{91F17509-A3DD-4616-9315-DE1FA9D0E286}" type="datetimeFigureOut">
               <a:rPr lang="en-CA" smtClean="0"/>
-              <a:t>2016-03-23</a:t>
+              <a:t>2016-03-24</a:t>
             </a:fld>
             <a:endParaRPr lang="en-CA"/>
           </a:p>
@@ -1466,7 +3850,7 @@
           <a:p>
             <a:fld id="{91F17509-A3DD-4616-9315-DE1FA9D0E286}" type="datetimeFigureOut">
               <a:rPr lang="en-CA" smtClean="0"/>
-              <a:t>2016-03-23</a:t>
+              <a:t>2016-03-24</a:t>
             </a:fld>
             <a:endParaRPr lang="en-CA"/>
           </a:p>
@@ -1698,7 +4082,7 @@
           <a:p>
             <a:fld id="{91F17509-A3DD-4616-9315-DE1FA9D0E286}" type="datetimeFigureOut">
               <a:rPr lang="en-CA" smtClean="0"/>
-              <a:t>2016-03-23</a:t>
+              <a:t>2016-03-24</a:t>
             </a:fld>
             <a:endParaRPr lang="en-CA"/>
           </a:p>
@@ -2065,7 +4449,7 @@
           <a:p>
             <a:fld id="{91F17509-A3DD-4616-9315-DE1FA9D0E286}" type="datetimeFigureOut">
               <a:rPr lang="en-CA" smtClean="0"/>
-              <a:t>2016-03-23</a:t>
+              <a:t>2016-03-24</a:t>
             </a:fld>
             <a:endParaRPr lang="en-CA"/>
           </a:p>
@@ -2183,7 +4567,7 @@
           <a:p>
             <a:fld id="{91F17509-A3DD-4616-9315-DE1FA9D0E286}" type="datetimeFigureOut">
               <a:rPr lang="en-CA" smtClean="0"/>
-              <a:t>2016-03-23</a:t>
+              <a:t>2016-03-24</a:t>
             </a:fld>
             <a:endParaRPr lang="en-CA"/>
           </a:p>
@@ -2278,7 +4662,7 @@
           <a:p>
             <a:fld id="{91F17509-A3DD-4616-9315-DE1FA9D0E286}" type="datetimeFigureOut">
               <a:rPr lang="en-CA" smtClean="0"/>
-              <a:t>2016-03-23</a:t>
+              <a:t>2016-03-24</a:t>
             </a:fld>
             <a:endParaRPr lang="en-CA"/>
           </a:p>
@@ -2555,7 +4939,7 @@
           <a:p>
             <a:fld id="{91F17509-A3DD-4616-9315-DE1FA9D0E286}" type="datetimeFigureOut">
               <a:rPr lang="en-CA" smtClean="0"/>
-              <a:t>2016-03-23</a:t>
+              <a:t>2016-03-24</a:t>
             </a:fld>
             <a:endParaRPr lang="en-CA"/>
           </a:p>
@@ -2808,7 +5192,7 @@
           <a:p>
             <a:fld id="{91F17509-A3DD-4616-9315-DE1FA9D0E286}" type="datetimeFigureOut">
               <a:rPr lang="en-CA" smtClean="0"/>
-              <a:t>2016-03-23</a:t>
+              <a:t>2016-03-24</a:t>
             </a:fld>
             <a:endParaRPr lang="en-CA"/>
           </a:p>
@@ -3021,7 +5405,7 @@
           <a:p>
             <a:fld id="{91F17509-A3DD-4616-9315-DE1FA9D0E286}" type="datetimeFigureOut">
               <a:rPr lang="en-CA" smtClean="0"/>
-              <a:t>2016-03-23</a:t>
+              <a:t>2016-03-24</a:t>
             </a:fld>
             <a:endParaRPr lang="en-CA"/>
           </a:p>
@@ -8770,7 +11154,7 @@
         </p:nvSpPr>
         <p:spPr>
           <a:xfrm>
-            <a:off x="0" y="0"/>
+            <a:off x="0" y="-15411"/>
             <a:ext cx="12192000" cy="1325563"/>
           </a:xfrm>
           <a:solidFill>
@@ -8787,7 +11171,7 @@
                   <a:schemeClr val="bg1"/>
                 </a:solidFill>
               </a:rPr>
-              <a:t>Send/Receive Message</a:t>
+              <a:t>Send/Receive Messages</a:t>
             </a:r>
           </a:p>
         </p:txBody>
@@ -9805,19 +12189,29 @@
           <a:prstGeom prst="rect">
             <a:avLst/>
           </a:prstGeom>
+          <a:noFill/>
+          <a:ln w="9525" cap="flat" cmpd="sng" algn="ctr">
+            <a:solidFill>
+              <a:schemeClr val="accent3"/>
+            </a:solidFill>
+            <a:prstDash val="solid"/>
+            <a:round/>
+            <a:headEnd type="none" w="med" len="med"/>
+            <a:tailEnd type="none" w="med" len="med"/>
+          </a:ln>
         </p:spPr>
         <p:style>
-          <a:lnRef idx="1">
-            <a:schemeClr val="accent3"/>
+          <a:lnRef idx="0">
+            <a:scrgbClr r="0" g="0" b="0"/>
           </a:lnRef>
-          <a:fillRef idx="2">
-            <a:schemeClr val="accent3"/>
+          <a:fillRef idx="0">
+            <a:scrgbClr r="0" g="0" b="0"/>
           </a:fillRef>
-          <a:effectRef idx="1">
-            <a:schemeClr val="accent3"/>
+          <a:effectRef idx="0">
+            <a:scrgbClr r="0" g="0" b="0"/>
           </a:effectRef>
           <a:fontRef idx="minor">
-            <a:schemeClr val="dk1"/>
+            <a:schemeClr val="accent3"/>
           </a:fontRef>
         </p:style>
         <p:txBody>
@@ -10815,7 +13209,7 @@
         </p:nvSpPr>
         <p:spPr>
           <a:xfrm>
-            <a:off x="0" y="0"/>
+            <a:off x="0" y="-15412"/>
             <a:ext cx="12192000" cy="1325563"/>
           </a:xfrm>
           <a:solidFill>
@@ -10842,6 +13236,98 @@
               </a:rPr>
               <a:t> API</a:t>
             </a:r>
+          </a:p>
+        </p:txBody>
+      </p:sp>
+      <p:graphicFrame>
+        <p:nvGraphicFramePr>
+          <p:cNvPr id="5" name="Diagram 4"/>
+          <p:cNvGraphicFramePr/>
+          <p:nvPr>
+            <p:extLst>
+              <p:ext uri="{D42A27DB-BD31-4B8C-83A1-F6EECF244321}">
+                <p14:modId xmlns:p14="http://schemas.microsoft.com/office/powerpoint/2010/main" val="3185492059"/>
+              </p:ext>
+            </p:extLst>
+          </p:nvPr>
+        </p:nvGraphicFramePr>
+        <p:xfrm>
+          <a:off x="506288" y="2646071"/>
+          <a:ext cx="2961240" cy="2794096"/>
+        </p:xfrm>
+        <a:graphic>
+          <a:graphicData uri="http://schemas.openxmlformats.org/drawingml/2006/diagram">
+            <dgm:relIds xmlns:dgm="http://schemas.openxmlformats.org/drawingml/2006/diagram" xmlns:r="http://schemas.openxmlformats.org/officeDocument/2006/relationships" r:dm="rId2" r:lo="rId3" r:qs="rId4" r:cs="rId5"/>
+          </a:graphicData>
+        </a:graphic>
+      </p:graphicFrame>
+      <p:sp>
+        <p:nvSpPr>
+          <p:cNvPr id="7" name="Content Placeholder 2"/>
+          <p:cNvSpPr>
+            <a:spLocks noGrp="1"/>
+          </p:cNvSpPr>
+          <p:nvPr>
+            <p:ph idx="1"/>
+          </p:nvPr>
+        </p:nvSpPr>
+        <p:spPr>
+          <a:xfrm>
+            <a:off x="4474396" y="3187915"/>
+            <a:ext cx="6879403" cy="1710407"/>
+          </a:xfrm>
+        </p:spPr>
+        <p:txBody>
+          <a:bodyPr/>
+          <a:lstStyle/>
+          <a:p>
+            <a:pPr marL="514350" indent="-514350">
+              <a:buFont typeface="+mj-lt"/>
+              <a:buAutoNum type="arabicPeriod"/>
+            </a:pPr>
+            <a:r>
+              <a:rPr lang="en-CA" dirty="0" err="1"/>
+              <a:t>OnMessageOptions</a:t>
+            </a:r>
+            <a:endParaRPr lang="en-CA" dirty="0"/>
+          </a:p>
+          <a:p>
+            <a:pPr marL="514350" indent="-514350">
+              <a:buFont typeface="+mj-lt"/>
+              <a:buAutoNum type="arabicPeriod"/>
+            </a:pPr>
+            <a:r>
+              <a:rPr lang="en-CA" dirty="0" err="1"/>
+              <a:t>OnMessageOptions.</a:t>
+            </a:r>
+            <a:r>
+              <a:rPr lang="en-CA" b="1" dirty="0" err="1"/>
+              <a:t>ExceptionReceived</a:t>
+            </a:r>
+            <a:endParaRPr lang="en-CA" b="1" dirty="0"/>
+          </a:p>
+          <a:p>
+            <a:pPr marL="514350" indent="-514350">
+              <a:buFont typeface="+mj-lt"/>
+              <a:buAutoNum type="arabicPeriod"/>
+            </a:pPr>
+            <a:r>
+              <a:rPr lang="en-CA" dirty="0" err="1"/>
+              <a:t>MessageReceivier</a:t>
+            </a:r>
+            <a:r>
+              <a:rPr lang="en-CA" dirty="0"/>
+              <a:t>/</a:t>
+            </a:r>
+            <a:r>
+              <a:rPr lang="en-CA" dirty="0" err="1"/>
+              <a:t>client.</a:t>
+            </a:r>
+            <a:r>
+              <a:rPr lang="en-CA" b="1" dirty="0" err="1"/>
+              <a:t>OnMessageAsync</a:t>
+            </a:r>
+            <a:endParaRPr lang="en-CA" b="1" dirty="0"/>
           </a:p>
         </p:txBody>
       </p:sp>
@@ -10855,6 +13341,186 @@
   <p:clrMapOvr>
     <a:masterClrMapping/>
   </p:clrMapOvr>
+  <p:timing>
+    <p:tnLst>
+      <p:par>
+        <p:cTn id="1" dur="indefinite" restart="never" nodeType="tmRoot">
+          <p:childTnLst>
+            <p:seq concurrent="1" nextAc="seek">
+              <p:cTn id="2" dur="indefinite" nodeType="mainSeq">
+                <p:childTnLst>
+                  <p:par>
+                    <p:cTn id="3" fill="hold">
+                      <p:stCondLst>
+                        <p:cond delay="indefinite"/>
+                      </p:stCondLst>
+                      <p:childTnLst>
+                        <p:par>
+                          <p:cTn id="4" fill="hold">
+                            <p:stCondLst>
+                              <p:cond delay="0"/>
+                            </p:stCondLst>
+                            <p:childTnLst>
+                              <p:par>
+                                <p:cTn id="5" presetID="1" presetClass="entr" presetSubtype="0" fill="hold" grpId="0" nodeType="clickEffect">
+                                  <p:stCondLst>
+                                    <p:cond delay="0"/>
+                                  </p:stCondLst>
+                                  <p:childTnLst>
+                                    <p:set>
+                                      <p:cBhvr>
+                                        <p:cTn id="6" dur="1" fill="hold">
+                                          <p:stCondLst>
+                                            <p:cond delay="0"/>
+                                          </p:stCondLst>
+                                        </p:cTn>
+                                        <p:tgtEl>
+                                          <p:spTgt spid="7">
+                                            <p:txEl>
+                                              <p:pRg st="0" end="0"/>
+                                            </p:txEl>
+                                          </p:spTgt>
+                                        </p:tgtEl>
+                                        <p:attrNameLst>
+                                          <p:attrName>style.visibility</p:attrName>
+                                        </p:attrNameLst>
+                                      </p:cBhvr>
+                                      <p:to>
+                                        <p:strVal val="visible"/>
+                                      </p:to>
+                                    </p:set>
+                                  </p:childTnLst>
+                                </p:cTn>
+                              </p:par>
+                            </p:childTnLst>
+                          </p:cTn>
+                        </p:par>
+                      </p:childTnLst>
+                    </p:cTn>
+                  </p:par>
+                  <p:par>
+                    <p:cTn id="7" fill="hold">
+                      <p:stCondLst>
+                        <p:cond delay="indefinite"/>
+                      </p:stCondLst>
+                      <p:childTnLst>
+                        <p:par>
+                          <p:cTn id="8" fill="hold">
+                            <p:stCondLst>
+                              <p:cond delay="0"/>
+                            </p:stCondLst>
+                            <p:childTnLst>
+                              <p:par>
+                                <p:cTn id="9" presetID="1" presetClass="entr" presetSubtype="0" fill="hold" grpId="0" nodeType="clickEffect">
+                                  <p:stCondLst>
+                                    <p:cond delay="0"/>
+                                  </p:stCondLst>
+                                  <p:childTnLst>
+                                    <p:set>
+                                      <p:cBhvr>
+                                        <p:cTn id="10" dur="1" fill="hold">
+                                          <p:stCondLst>
+                                            <p:cond delay="0"/>
+                                          </p:stCondLst>
+                                        </p:cTn>
+                                        <p:tgtEl>
+                                          <p:spTgt spid="7">
+                                            <p:txEl>
+                                              <p:pRg st="1" end="1"/>
+                                            </p:txEl>
+                                          </p:spTgt>
+                                        </p:tgtEl>
+                                        <p:attrNameLst>
+                                          <p:attrName>style.visibility</p:attrName>
+                                        </p:attrNameLst>
+                                      </p:cBhvr>
+                                      <p:to>
+                                        <p:strVal val="visible"/>
+                                      </p:to>
+                                    </p:set>
+                                  </p:childTnLst>
+                                </p:cTn>
+                              </p:par>
+                            </p:childTnLst>
+                          </p:cTn>
+                        </p:par>
+                      </p:childTnLst>
+                    </p:cTn>
+                  </p:par>
+                  <p:par>
+                    <p:cTn id="11" fill="hold">
+                      <p:stCondLst>
+                        <p:cond delay="indefinite"/>
+                      </p:stCondLst>
+                      <p:childTnLst>
+                        <p:par>
+                          <p:cTn id="12" fill="hold">
+                            <p:stCondLst>
+                              <p:cond delay="0"/>
+                            </p:stCondLst>
+                            <p:childTnLst>
+                              <p:par>
+                                <p:cTn id="13" presetID="1" presetClass="entr" presetSubtype="0" fill="hold" grpId="0" nodeType="clickEffect">
+                                  <p:stCondLst>
+                                    <p:cond delay="0"/>
+                                  </p:stCondLst>
+                                  <p:childTnLst>
+                                    <p:set>
+                                      <p:cBhvr>
+                                        <p:cTn id="14" dur="1" fill="hold">
+                                          <p:stCondLst>
+                                            <p:cond delay="0"/>
+                                          </p:stCondLst>
+                                        </p:cTn>
+                                        <p:tgtEl>
+                                          <p:spTgt spid="7">
+                                            <p:txEl>
+                                              <p:pRg st="2" end="2"/>
+                                            </p:txEl>
+                                          </p:spTgt>
+                                        </p:tgtEl>
+                                        <p:attrNameLst>
+                                          <p:attrName>style.visibility</p:attrName>
+                                        </p:attrNameLst>
+                                      </p:cBhvr>
+                                      <p:to>
+                                        <p:strVal val="visible"/>
+                                      </p:to>
+                                    </p:set>
+                                  </p:childTnLst>
+                                </p:cTn>
+                              </p:par>
+                            </p:childTnLst>
+                          </p:cTn>
+                        </p:par>
+                      </p:childTnLst>
+                    </p:cTn>
+                  </p:par>
+                </p:childTnLst>
+              </p:cTn>
+              <p:prevCondLst>
+                <p:cond evt="onPrev" delay="0">
+                  <p:tgtEl>
+                    <p:sldTgt/>
+                  </p:tgtEl>
+                </p:cond>
+              </p:prevCondLst>
+              <p:nextCondLst>
+                <p:cond evt="onNext" delay="0">
+                  <p:tgtEl>
+                    <p:sldTgt/>
+                  </p:tgtEl>
+                </p:cond>
+              </p:nextCondLst>
+            </p:seq>
+          </p:childTnLst>
+        </p:cTn>
+      </p:par>
+    </p:tnLst>
+    <p:bldLst>
+      <p:bldP spid="7" grpId="0" build="p"/>
+    </p:bldLst>
+  </p:timing>
 </p:sld>
 </file>
 
@@ -11600,6 +14266,990 @@
           </a:p>
         </p:txBody>
       </p:sp>
+      <p:sp>
+        <p:nvSpPr>
+          <p:cNvPr id="5" name="TextBox 4"/>
+          <p:cNvSpPr txBox="1"/>
+          <p:nvPr/>
+        </p:nvSpPr>
+        <p:spPr>
+          <a:xfrm>
+            <a:off x="1818231" y="1950367"/>
+            <a:ext cx="1596236" cy="375274"/>
+          </a:xfrm>
+          <a:prstGeom prst="rect">
+            <a:avLst/>
+          </a:prstGeom>
+          <a:solidFill>
+            <a:schemeClr val="accent1">
+              <a:lumMod val="20000"/>
+              <a:lumOff val="80000"/>
+            </a:schemeClr>
+          </a:solidFill>
+          <a:ln>
+            <a:solidFill>
+              <a:schemeClr val="tx1"/>
+            </a:solidFill>
+            <a:prstDash val="solid"/>
+          </a:ln>
+        </p:spPr>
+        <p:txBody>
+          <a:bodyPr wrap="square" rtlCol="0">
+            <a:spAutoFit/>
+          </a:bodyPr>
+          <a:lstStyle/>
+          <a:p>
+            <a:r>
+              <a:rPr lang="en-CA" dirty="0"/>
+              <a:t>Topic: </a:t>
+            </a:r>
+            <a:r>
+              <a:rPr lang="en-CA" dirty="0" err="1"/>
+              <a:t>mytopic</a:t>
+            </a:r>
+            <a:endParaRPr lang="en-CA" dirty="0"/>
+          </a:p>
+        </p:txBody>
+      </p:sp>
+      <p:sp>
+        <p:nvSpPr>
+          <p:cNvPr id="6" name="TextBox 5"/>
+          <p:cNvSpPr txBox="1"/>
+          <p:nvPr/>
+        </p:nvSpPr>
+        <p:spPr>
+          <a:xfrm>
+            <a:off x="2780200" y="2580458"/>
+            <a:ext cx="2214644" cy="369332"/>
+          </a:xfrm>
+          <a:prstGeom prst="rect">
+            <a:avLst/>
+          </a:prstGeom>
+          <a:solidFill>
+            <a:schemeClr val="accent1">
+              <a:lumMod val="20000"/>
+              <a:lumOff val="80000"/>
+            </a:schemeClr>
+          </a:solidFill>
+          <a:ln>
+            <a:solidFill>
+              <a:schemeClr val="tx1"/>
+            </a:solidFill>
+            <a:prstDash val="solid"/>
+          </a:ln>
+        </p:spPr>
+        <p:txBody>
+          <a:bodyPr wrap="square" rtlCol="0">
+            <a:spAutoFit/>
+          </a:bodyPr>
+          <a:lstStyle/>
+          <a:p>
+            <a:r>
+              <a:rPr lang="en-CA" dirty="0"/>
+              <a:t>Subscription: mysub1</a:t>
+            </a:r>
+          </a:p>
+        </p:txBody>
+      </p:sp>
+      <p:sp>
+        <p:nvSpPr>
+          <p:cNvPr id="8" name="TextBox 7"/>
+          <p:cNvSpPr txBox="1"/>
+          <p:nvPr/>
+        </p:nvSpPr>
+        <p:spPr>
+          <a:xfrm>
+            <a:off x="4122730" y="3204607"/>
+            <a:ext cx="872114" cy="369332"/>
+          </a:xfrm>
+          <a:prstGeom prst="rect">
+            <a:avLst/>
+          </a:prstGeom>
+          <a:solidFill>
+            <a:schemeClr val="accent1">
+              <a:lumMod val="20000"/>
+              <a:lumOff val="80000"/>
+            </a:schemeClr>
+          </a:solidFill>
+          <a:ln>
+            <a:solidFill>
+              <a:schemeClr val="tx1"/>
+            </a:solidFill>
+            <a:prstDash val="solid"/>
+          </a:ln>
+        </p:spPr>
+        <p:txBody>
+          <a:bodyPr wrap="square" rtlCol="0">
+            <a:spAutoFit/>
+          </a:bodyPr>
+          <a:lstStyle/>
+          <a:p>
+            <a:r>
+              <a:rPr lang="en-CA" dirty="0"/>
+              <a:t>Rules</a:t>
+            </a:r>
+          </a:p>
+        </p:txBody>
+      </p:sp>
+      <p:sp>
+        <p:nvSpPr>
+          <p:cNvPr id="9" name="TextBox 8"/>
+          <p:cNvSpPr txBox="1"/>
+          <p:nvPr/>
+        </p:nvSpPr>
+        <p:spPr>
+          <a:xfrm>
+            <a:off x="4994845" y="3865754"/>
+            <a:ext cx="1569806" cy="369332"/>
+          </a:xfrm>
+          <a:prstGeom prst="rect">
+            <a:avLst/>
+          </a:prstGeom>
+          <a:solidFill>
+            <a:schemeClr val="accent1">
+              <a:lumMod val="20000"/>
+              <a:lumOff val="80000"/>
+            </a:schemeClr>
+          </a:solidFill>
+          <a:ln>
+            <a:solidFill>
+              <a:schemeClr val="tx1"/>
+            </a:solidFill>
+            <a:prstDash val="solid"/>
+          </a:ln>
+        </p:spPr>
+        <p:txBody>
+          <a:bodyPr wrap="square" rtlCol="0">
+            <a:spAutoFit/>
+          </a:bodyPr>
+          <a:lstStyle/>
+          <a:p>
+            <a:r>
+              <a:rPr lang="en-CA" dirty="0" err="1"/>
+              <a:t>HighPriority</a:t>
+            </a:r>
+            <a:endParaRPr lang="en-CA" dirty="0"/>
+          </a:p>
+        </p:txBody>
+      </p:sp>
+      <p:sp>
+        <p:nvSpPr>
+          <p:cNvPr id="10" name="TextBox 9"/>
+          <p:cNvSpPr txBox="1"/>
+          <p:nvPr/>
+        </p:nvSpPr>
+        <p:spPr>
+          <a:xfrm>
+            <a:off x="4994844" y="4770040"/>
+            <a:ext cx="1569807" cy="369332"/>
+          </a:xfrm>
+          <a:prstGeom prst="rect">
+            <a:avLst/>
+          </a:prstGeom>
+          <a:solidFill>
+            <a:schemeClr val="accent1">
+              <a:lumMod val="20000"/>
+              <a:lumOff val="80000"/>
+            </a:schemeClr>
+          </a:solidFill>
+          <a:ln>
+            <a:solidFill>
+              <a:schemeClr val="tx1"/>
+            </a:solidFill>
+            <a:prstDash val="solid"/>
+          </a:ln>
+        </p:spPr>
+        <p:txBody>
+          <a:bodyPr wrap="square" rtlCol="0">
+            <a:spAutoFit/>
+          </a:bodyPr>
+          <a:lstStyle/>
+          <a:p>
+            <a:r>
+              <a:rPr lang="en-CA" dirty="0" err="1"/>
+              <a:t>NormalPriority</a:t>
+            </a:r>
+            <a:endParaRPr lang="en-CA" dirty="0"/>
+          </a:p>
+        </p:txBody>
+      </p:sp>
+      <p:cxnSp>
+        <p:nvCxnSpPr>
+          <p:cNvPr id="12" name="Elbow Connector 11"/>
+          <p:cNvCxnSpPr>
+            <a:stCxn id="5" idx="2"/>
+            <a:endCxn id="6" idx="1"/>
+          </p:cNvCxnSpPr>
+          <p:nvPr/>
+        </p:nvCxnSpPr>
+        <p:spPr>
+          <a:xfrm rot="16200000" flipH="1">
+            <a:off x="2478533" y="2463456"/>
+            <a:ext cx="439483" cy="163851"/>
+          </a:xfrm>
+          <a:prstGeom prst="bentConnector2">
+            <a:avLst/>
+          </a:prstGeom>
+          <a:ln w="19050">
+            <a:solidFill>
+              <a:schemeClr val="tx1"/>
+            </a:solidFill>
+          </a:ln>
+        </p:spPr>
+        <p:style>
+          <a:lnRef idx="1">
+            <a:schemeClr val="accent1"/>
+          </a:lnRef>
+          <a:fillRef idx="0">
+            <a:schemeClr val="accent1"/>
+          </a:fillRef>
+          <a:effectRef idx="0">
+            <a:schemeClr val="accent1"/>
+          </a:effectRef>
+          <a:fontRef idx="minor">
+            <a:schemeClr val="tx1"/>
+          </a:fontRef>
+        </p:style>
+      </p:cxnSp>
+      <p:cxnSp>
+        <p:nvCxnSpPr>
+          <p:cNvPr id="13" name="Elbow Connector 12"/>
+          <p:cNvCxnSpPr>
+            <a:stCxn id="8" idx="1"/>
+            <a:endCxn id="6" idx="2"/>
+          </p:cNvCxnSpPr>
+          <p:nvPr/>
+        </p:nvCxnSpPr>
+        <p:spPr>
+          <a:xfrm rot="10800000">
+            <a:off x="3887522" y="2949791"/>
+            <a:ext cx="235208" cy="439483"/>
+          </a:xfrm>
+          <a:prstGeom prst="bentConnector2">
+            <a:avLst/>
+          </a:prstGeom>
+          <a:ln w="19050">
+            <a:solidFill>
+              <a:schemeClr val="tx1"/>
+            </a:solidFill>
+          </a:ln>
+        </p:spPr>
+        <p:style>
+          <a:lnRef idx="1">
+            <a:schemeClr val="accent1"/>
+          </a:lnRef>
+          <a:fillRef idx="0">
+            <a:schemeClr val="accent1"/>
+          </a:fillRef>
+          <a:effectRef idx="0">
+            <a:schemeClr val="accent1"/>
+          </a:effectRef>
+          <a:fontRef idx="minor">
+            <a:schemeClr val="tx1"/>
+          </a:fontRef>
+        </p:style>
+      </p:cxnSp>
+      <p:grpSp>
+        <p:nvGrpSpPr>
+          <p:cNvPr id="22" name="Group 21"/>
+          <p:cNvGrpSpPr/>
+          <p:nvPr/>
+        </p:nvGrpSpPr>
+        <p:grpSpPr>
+          <a:xfrm>
+            <a:off x="4558787" y="3573940"/>
+            <a:ext cx="436058" cy="1380767"/>
+            <a:chOff x="4902350" y="3954502"/>
+            <a:chExt cx="436058" cy="1380767"/>
+          </a:xfrm>
+        </p:grpSpPr>
+        <p:cxnSp>
+          <p:nvCxnSpPr>
+            <p:cNvPr id="16" name="Elbow Connector 15"/>
+            <p:cNvCxnSpPr>
+              <a:stCxn id="10" idx="1"/>
+              <a:endCxn id="8" idx="2"/>
+            </p:cNvCxnSpPr>
+            <p:nvPr/>
+          </p:nvCxnSpPr>
+          <p:spPr>
+            <a:xfrm rot="10800000">
+              <a:off x="4902351" y="3954502"/>
+              <a:ext cx="436057" cy="1380767"/>
+            </a:xfrm>
+            <a:prstGeom prst="bentConnector2">
+              <a:avLst/>
+            </a:prstGeom>
+            <a:ln w="19050">
+              <a:solidFill>
+                <a:schemeClr val="tx1"/>
+              </a:solidFill>
+            </a:ln>
+          </p:spPr>
+          <p:style>
+            <a:lnRef idx="1">
+              <a:schemeClr val="accent1"/>
+            </a:lnRef>
+            <a:fillRef idx="0">
+              <a:schemeClr val="accent1"/>
+            </a:fillRef>
+            <a:effectRef idx="0">
+              <a:schemeClr val="accent1"/>
+            </a:effectRef>
+            <a:fontRef idx="minor">
+              <a:schemeClr val="tx1"/>
+            </a:fontRef>
+          </p:style>
+        </p:cxnSp>
+        <p:cxnSp>
+          <p:nvCxnSpPr>
+            <p:cNvPr id="19" name="Elbow Connector 18"/>
+            <p:cNvCxnSpPr>
+              <a:stCxn id="9" idx="1"/>
+              <a:endCxn id="8" idx="2"/>
+            </p:cNvCxnSpPr>
+            <p:nvPr/>
+          </p:nvCxnSpPr>
+          <p:spPr>
+            <a:xfrm rot="10800000">
+              <a:off x="4902350" y="3954502"/>
+              <a:ext cx="436058" cy="476481"/>
+            </a:xfrm>
+            <a:prstGeom prst="bentConnector2">
+              <a:avLst/>
+            </a:prstGeom>
+            <a:ln w="19050">
+              <a:solidFill>
+                <a:schemeClr val="tx1"/>
+              </a:solidFill>
+            </a:ln>
+          </p:spPr>
+          <p:style>
+            <a:lnRef idx="1">
+              <a:schemeClr val="accent1"/>
+            </a:lnRef>
+            <a:fillRef idx="0">
+              <a:schemeClr val="accent1"/>
+            </a:fillRef>
+            <a:effectRef idx="0">
+              <a:schemeClr val="accent1"/>
+            </a:effectRef>
+            <a:fontRef idx="minor">
+              <a:schemeClr val="tx1"/>
+            </a:fontRef>
+          </p:style>
+        </p:cxnSp>
+      </p:grpSp>
+      <p:sp>
+        <p:nvSpPr>
+          <p:cNvPr id="26" name="TextBox 25"/>
+          <p:cNvSpPr txBox="1"/>
+          <p:nvPr/>
+        </p:nvSpPr>
+        <p:spPr>
+          <a:xfrm>
+            <a:off x="6776071" y="3681088"/>
+            <a:ext cx="782262" cy="369332"/>
+          </a:xfrm>
+          <a:prstGeom prst="rect">
+            <a:avLst/>
+          </a:prstGeom>
+          <a:solidFill>
+            <a:schemeClr val="accent1">
+              <a:lumMod val="20000"/>
+              <a:lumOff val="80000"/>
+            </a:schemeClr>
+          </a:solidFill>
+          <a:ln>
+            <a:solidFill>
+              <a:schemeClr val="tx1"/>
+            </a:solidFill>
+            <a:prstDash val="solid"/>
+          </a:ln>
+        </p:spPr>
+        <p:txBody>
+          <a:bodyPr wrap="square" rtlCol="0">
+            <a:spAutoFit/>
+          </a:bodyPr>
+          <a:lstStyle/>
+          <a:p>
+            <a:r>
+              <a:rPr lang="en-CA" dirty="0"/>
+              <a:t>Filter</a:t>
+            </a:r>
+          </a:p>
+        </p:txBody>
+      </p:sp>
+      <p:sp>
+        <p:nvSpPr>
+          <p:cNvPr id="27" name="TextBox 26"/>
+          <p:cNvSpPr txBox="1"/>
+          <p:nvPr/>
+        </p:nvSpPr>
+        <p:spPr>
+          <a:xfrm>
+            <a:off x="6776071" y="4103995"/>
+            <a:ext cx="782262" cy="369332"/>
+          </a:xfrm>
+          <a:prstGeom prst="rect">
+            <a:avLst/>
+          </a:prstGeom>
+          <a:solidFill>
+            <a:schemeClr val="accent1">
+              <a:lumMod val="20000"/>
+              <a:lumOff val="80000"/>
+            </a:schemeClr>
+          </a:solidFill>
+          <a:ln>
+            <a:solidFill>
+              <a:schemeClr val="tx1"/>
+            </a:solidFill>
+            <a:prstDash val="solid"/>
+          </a:ln>
+        </p:spPr>
+        <p:txBody>
+          <a:bodyPr wrap="square" rtlCol="0">
+            <a:spAutoFit/>
+          </a:bodyPr>
+          <a:lstStyle/>
+          <a:p>
+            <a:r>
+              <a:rPr lang="en-CA" dirty="0"/>
+              <a:t>Action</a:t>
+            </a:r>
+          </a:p>
+        </p:txBody>
+      </p:sp>
+      <p:sp>
+        <p:nvSpPr>
+          <p:cNvPr id="29" name="TextBox 28"/>
+          <p:cNvSpPr txBox="1"/>
+          <p:nvPr/>
+        </p:nvSpPr>
+        <p:spPr>
+          <a:xfrm>
+            <a:off x="6776071" y="4595488"/>
+            <a:ext cx="782262" cy="369332"/>
+          </a:xfrm>
+          <a:prstGeom prst="rect">
+            <a:avLst/>
+          </a:prstGeom>
+          <a:solidFill>
+            <a:schemeClr val="accent1">
+              <a:lumMod val="20000"/>
+              <a:lumOff val="80000"/>
+            </a:schemeClr>
+          </a:solidFill>
+          <a:ln>
+            <a:solidFill>
+              <a:schemeClr val="tx1"/>
+            </a:solidFill>
+            <a:prstDash val="solid"/>
+          </a:ln>
+        </p:spPr>
+        <p:txBody>
+          <a:bodyPr wrap="square" rtlCol="0">
+            <a:spAutoFit/>
+          </a:bodyPr>
+          <a:lstStyle/>
+          <a:p>
+            <a:r>
+              <a:rPr lang="en-CA" dirty="0"/>
+              <a:t>Filter</a:t>
+            </a:r>
+          </a:p>
+        </p:txBody>
+      </p:sp>
+      <p:sp>
+        <p:nvSpPr>
+          <p:cNvPr id="30" name="TextBox 29"/>
+          <p:cNvSpPr txBox="1"/>
+          <p:nvPr/>
+        </p:nvSpPr>
+        <p:spPr>
+          <a:xfrm>
+            <a:off x="6776071" y="5018395"/>
+            <a:ext cx="782262" cy="369332"/>
+          </a:xfrm>
+          <a:prstGeom prst="rect">
+            <a:avLst/>
+          </a:prstGeom>
+          <a:solidFill>
+            <a:schemeClr val="accent1">
+              <a:lumMod val="20000"/>
+              <a:lumOff val="80000"/>
+            </a:schemeClr>
+          </a:solidFill>
+          <a:ln>
+            <a:solidFill>
+              <a:schemeClr val="tx1"/>
+            </a:solidFill>
+            <a:prstDash val="solid"/>
+          </a:ln>
+        </p:spPr>
+        <p:txBody>
+          <a:bodyPr wrap="square" rtlCol="0">
+            <a:spAutoFit/>
+          </a:bodyPr>
+          <a:lstStyle/>
+          <a:p>
+            <a:r>
+              <a:rPr lang="en-CA" dirty="0"/>
+              <a:t>Action</a:t>
+            </a:r>
+          </a:p>
+        </p:txBody>
+      </p:sp>
+      <p:grpSp>
+        <p:nvGrpSpPr>
+          <p:cNvPr id="37" name="Group 36"/>
+          <p:cNvGrpSpPr/>
+          <p:nvPr/>
+        </p:nvGrpSpPr>
+        <p:grpSpPr>
+          <a:xfrm>
+            <a:off x="6564651" y="3865754"/>
+            <a:ext cx="211420" cy="422908"/>
+            <a:chOff x="6908214" y="4246316"/>
+            <a:chExt cx="211420" cy="422908"/>
+          </a:xfrm>
+        </p:grpSpPr>
+        <p:cxnSp>
+          <p:nvCxnSpPr>
+            <p:cNvPr id="31" name="Elbow Connector 30"/>
+            <p:cNvCxnSpPr>
+              <a:stCxn id="26" idx="1"/>
+              <a:endCxn id="9" idx="3"/>
+            </p:cNvCxnSpPr>
+            <p:nvPr/>
+          </p:nvCxnSpPr>
+          <p:spPr>
+            <a:xfrm rot="10800000" flipV="1">
+              <a:off x="6908214" y="4246316"/>
+              <a:ext cx="211420" cy="184666"/>
+            </a:xfrm>
+            <a:prstGeom prst="bentConnector3">
+              <a:avLst>
+                <a:gd name="adj1" fmla="val 50000"/>
+              </a:avLst>
+            </a:prstGeom>
+            <a:ln w="19050">
+              <a:solidFill>
+                <a:schemeClr val="tx1"/>
+              </a:solidFill>
+            </a:ln>
+          </p:spPr>
+          <p:style>
+            <a:lnRef idx="1">
+              <a:schemeClr val="accent1"/>
+            </a:lnRef>
+            <a:fillRef idx="0">
+              <a:schemeClr val="accent1"/>
+            </a:fillRef>
+            <a:effectRef idx="0">
+              <a:schemeClr val="accent1"/>
+            </a:effectRef>
+            <a:fontRef idx="minor">
+              <a:schemeClr val="tx1"/>
+            </a:fontRef>
+          </p:style>
+        </p:cxnSp>
+        <p:cxnSp>
+          <p:nvCxnSpPr>
+            <p:cNvPr id="34" name="Elbow Connector 33"/>
+            <p:cNvCxnSpPr>
+              <a:stCxn id="27" idx="1"/>
+              <a:endCxn id="9" idx="3"/>
+            </p:cNvCxnSpPr>
+            <p:nvPr/>
+          </p:nvCxnSpPr>
+          <p:spPr>
+            <a:xfrm rot="10800000">
+              <a:off x="6908214" y="4430983"/>
+              <a:ext cx="211420" cy="238241"/>
+            </a:xfrm>
+            <a:prstGeom prst="bentConnector3">
+              <a:avLst>
+                <a:gd name="adj1" fmla="val 50000"/>
+              </a:avLst>
+            </a:prstGeom>
+            <a:ln w="19050">
+              <a:solidFill>
+                <a:schemeClr val="tx1"/>
+              </a:solidFill>
+            </a:ln>
+          </p:spPr>
+          <p:style>
+            <a:lnRef idx="1">
+              <a:schemeClr val="accent1"/>
+            </a:lnRef>
+            <a:fillRef idx="0">
+              <a:schemeClr val="accent1"/>
+            </a:fillRef>
+            <a:effectRef idx="0">
+              <a:schemeClr val="accent1"/>
+            </a:effectRef>
+            <a:fontRef idx="minor">
+              <a:schemeClr val="tx1"/>
+            </a:fontRef>
+          </p:style>
+        </p:cxnSp>
+      </p:grpSp>
+      <p:grpSp>
+        <p:nvGrpSpPr>
+          <p:cNvPr id="38" name="Group 37"/>
+          <p:cNvGrpSpPr/>
+          <p:nvPr/>
+        </p:nvGrpSpPr>
+        <p:grpSpPr>
+          <a:xfrm>
+            <a:off x="6564650" y="4753366"/>
+            <a:ext cx="211421" cy="422908"/>
+            <a:chOff x="6908214" y="4246316"/>
+            <a:chExt cx="211421" cy="422908"/>
+          </a:xfrm>
+        </p:grpSpPr>
+        <p:cxnSp>
+          <p:nvCxnSpPr>
+            <p:cNvPr id="39" name="Elbow Connector 38"/>
+            <p:cNvCxnSpPr/>
+            <p:nvPr/>
+          </p:nvCxnSpPr>
+          <p:spPr>
+            <a:xfrm rot="10800000" flipV="1">
+              <a:off x="6908214" y="4246316"/>
+              <a:ext cx="211421" cy="184666"/>
+            </a:xfrm>
+            <a:prstGeom prst="bentConnector3">
+              <a:avLst>
+                <a:gd name="adj1" fmla="val 50000"/>
+              </a:avLst>
+            </a:prstGeom>
+            <a:ln w="19050">
+              <a:solidFill>
+                <a:schemeClr val="tx1"/>
+              </a:solidFill>
+            </a:ln>
+          </p:spPr>
+          <p:style>
+            <a:lnRef idx="1">
+              <a:schemeClr val="accent1"/>
+            </a:lnRef>
+            <a:fillRef idx="0">
+              <a:schemeClr val="accent1"/>
+            </a:fillRef>
+            <a:effectRef idx="0">
+              <a:schemeClr val="accent1"/>
+            </a:effectRef>
+            <a:fontRef idx="minor">
+              <a:schemeClr val="tx1"/>
+            </a:fontRef>
+          </p:style>
+        </p:cxnSp>
+        <p:cxnSp>
+          <p:nvCxnSpPr>
+            <p:cNvPr id="40" name="Elbow Connector 39"/>
+            <p:cNvCxnSpPr/>
+            <p:nvPr/>
+          </p:nvCxnSpPr>
+          <p:spPr>
+            <a:xfrm rot="10800000">
+              <a:off x="6908214" y="4430983"/>
+              <a:ext cx="211421" cy="238241"/>
+            </a:xfrm>
+            <a:prstGeom prst="bentConnector3">
+              <a:avLst>
+                <a:gd name="adj1" fmla="val 50000"/>
+              </a:avLst>
+            </a:prstGeom>
+            <a:ln w="19050">
+              <a:solidFill>
+                <a:schemeClr val="tx1"/>
+              </a:solidFill>
+            </a:ln>
+          </p:spPr>
+          <p:style>
+            <a:lnRef idx="1">
+              <a:schemeClr val="accent1"/>
+            </a:lnRef>
+            <a:fillRef idx="0">
+              <a:schemeClr val="accent1"/>
+            </a:fillRef>
+            <a:effectRef idx="0">
+              <a:schemeClr val="accent1"/>
+            </a:effectRef>
+            <a:fontRef idx="minor">
+              <a:schemeClr val="tx1"/>
+            </a:fontRef>
+          </p:style>
+        </p:cxnSp>
+      </p:grpSp>
+      <p:sp>
+        <p:nvSpPr>
+          <p:cNvPr id="41" name="Rounded Rectangular Callout 40"/>
+          <p:cNvSpPr/>
+          <p:nvPr/>
+        </p:nvSpPr>
+        <p:spPr>
+          <a:xfrm>
+            <a:off x="8018176" y="2622743"/>
+            <a:ext cx="3192471" cy="951196"/>
+          </a:xfrm>
+          <a:prstGeom prst="wedgeRoundRectCallout">
+            <a:avLst>
+              <a:gd name="adj1" fmla="val -63051"/>
+              <a:gd name="adj2" fmla="val 80791"/>
+              <a:gd name="adj3" fmla="val 16667"/>
+            </a:avLst>
+          </a:prstGeom>
+        </p:spPr>
+        <p:style>
+          <a:lnRef idx="1">
+            <a:schemeClr val="accent1"/>
+          </a:lnRef>
+          <a:fillRef idx="2">
+            <a:schemeClr val="accent1"/>
+          </a:fillRef>
+          <a:effectRef idx="1">
+            <a:schemeClr val="accent1"/>
+          </a:effectRef>
+          <a:fontRef idx="minor">
+            <a:schemeClr val="dk1"/>
+          </a:fontRef>
+        </p:style>
+        <p:txBody>
+          <a:bodyPr rtlCol="0" anchor="ctr"/>
+          <a:lstStyle/>
+          <a:p>
+            <a:pPr algn="ctr"/>
+            <a:r>
+              <a:rPr lang="en-CA" dirty="0" err="1"/>
+              <a:t>sys.Label</a:t>
+            </a:r>
+            <a:r>
+              <a:rPr lang="en-CA" dirty="0"/>
+              <a:t> LIKE ‘%rush%’ OR Amount &gt;= 100</a:t>
+            </a:r>
+          </a:p>
+        </p:txBody>
+      </p:sp>
+      <p:sp>
+        <p:nvSpPr>
+          <p:cNvPr id="43" name="Rounded Rectangular Callout 42"/>
+          <p:cNvSpPr/>
+          <p:nvPr/>
+        </p:nvSpPr>
+        <p:spPr>
+          <a:xfrm>
+            <a:off x="8018176" y="4656565"/>
+            <a:ext cx="3192471" cy="688873"/>
+          </a:xfrm>
+          <a:prstGeom prst="wedgeRoundRectCallout">
+            <a:avLst>
+              <a:gd name="adj1" fmla="val -63713"/>
+              <a:gd name="adj2" fmla="val -25214"/>
+              <a:gd name="adj3" fmla="val 16667"/>
+            </a:avLst>
+          </a:prstGeom>
+        </p:spPr>
+        <p:style>
+          <a:lnRef idx="1">
+            <a:schemeClr val="accent1"/>
+          </a:lnRef>
+          <a:fillRef idx="2">
+            <a:schemeClr val="accent1"/>
+          </a:fillRef>
+          <a:effectRef idx="1">
+            <a:schemeClr val="accent1"/>
+          </a:effectRef>
+          <a:fontRef idx="minor">
+            <a:schemeClr val="dk1"/>
+          </a:fontRef>
+        </p:style>
+        <p:txBody>
+          <a:bodyPr rtlCol="0" anchor="ctr"/>
+          <a:lstStyle/>
+          <a:p>
+            <a:pPr algn="ctr"/>
+            <a:r>
+              <a:rPr lang="en-CA" dirty="0"/>
+              <a:t>(Amount &lt; 100) AND (</a:t>
+            </a:r>
+            <a:r>
+              <a:rPr lang="en-CA" dirty="0" err="1"/>
+              <a:t>sys.Label</a:t>
+            </a:r>
+            <a:r>
+              <a:rPr lang="en-CA" dirty="0"/>
+              <a:t> NOT LIKE '%rush%')</a:t>
+            </a:r>
+          </a:p>
+        </p:txBody>
+      </p:sp>
+      <p:sp>
+        <p:nvSpPr>
+          <p:cNvPr id="44" name="Rounded Rectangular Callout 43"/>
+          <p:cNvSpPr/>
+          <p:nvPr/>
+        </p:nvSpPr>
+        <p:spPr>
+          <a:xfrm>
+            <a:off x="8018176" y="3938637"/>
+            <a:ext cx="3192471" cy="529173"/>
+          </a:xfrm>
+          <a:prstGeom prst="wedgeRoundRectCallout">
+            <a:avLst>
+              <a:gd name="adj1" fmla="val -62224"/>
+              <a:gd name="adj2" fmla="val 23857"/>
+              <a:gd name="adj3" fmla="val 16667"/>
+            </a:avLst>
+          </a:prstGeom>
+        </p:spPr>
+        <p:style>
+          <a:lnRef idx="1">
+            <a:schemeClr val="accent1"/>
+          </a:lnRef>
+          <a:fillRef idx="2">
+            <a:schemeClr val="accent1"/>
+          </a:fillRef>
+          <a:effectRef idx="1">
+            <a:schemeClr val="accent1"/>
+          </a:effectRef>
+          <a:fontRef idx="minor">
+            <a:schemeClr val="dk1"/>
+          </a:fontRef>
+        </p:style>
+        <p:txBody>
+          <a:bodyPr rtlCol="0" anchor="ctr"/>
+          <a:lstStyle/>
+          <a:p>
+            <a:pPr algn="ctr"/>
+            <a:r>
+              <a:rPr lang="en-CA" dirty="0"/>
+              <a:t>SET Priority=‘high’</a:t>
+            </a:r>
+          </a:p>
+        </p:txBody>
+      </p:sp>
+      <p:sp>
+        <p:nvSpPr>
+          <p:cNvPr id="45" name="Rounded Rectangular Callout 44"/>
+          <p:cNvSpPr/>
+          <p:nvPr/>
+        </p:nvSpPr>
+        <p:spPr>
+          <a:xfrm>
+            <a:off x="8018176" y="5661724"/>
+            <a:ext cx="3192471" cy="529173"/>
+          </a:xfrm>
+          <a:prstGeom prst="wedgeRoundRectCallout">
+            <a:avLst>
+              <a:gd name="adj1" fmla="val -64874"/>
+              <a:gd name="adj2" fmla="val -120973"/>
+              <a:gd name="adj3" fmla="val 16667"/>
+            </a:avLst>
+          </a:prstGeom>
+        </p:spPr>
+        <p:style>
+          <a:lnRef idx="1">
+            <a:schemeClr val="accent1"/>
+          </a:lnRef>
+          <a:fillRef idx="2">
+            <a:schemeClr val="accent1"/>
+          </a:fillRef>
+          <a:effectRef idx="1">
+            <a:schemeClr val="accent1"/>
+          </a:effectRef>
+          <a:fontRef idx="minor">
+            <a:schemeClr val="dk1"/>
+          </a:fontRef>
+        </p:style>
+        <p:txBody>
+          <a:bodyPr rtlCol="0" anchor="ctr"/>
+          <a:lstStyle/>
+          <a:p>
+            <a:pPr algn="ctr"/>
+            <a:r>
+              <a:rPr lang="en-CA" dirty="0"/>
+              <a:t>SET Priority=‘normal’</a:t>
+            </a:r>
+          </a:p>
+        </p:txBody>
+      </p:sp>
+      <p:grpSp>
+        <p:nvGrpSpPr>
+          <p:cNvPr id="76" name="Group 75"/>
+          <p:cNvGrpSpPr/>
+          <p:nvPr/>
+        </p:nvGrpSpPr>
+        <p:grpSpPr>
+          <a:xfrm>
+            <a:off x="5222832" y="6022612"/>
+            <a:ext cx="1113830" cy="752665"/>
+            <a:chOff x="5222832" y="6022612"/>
+            <a:chExt cx="1113830" cy="752665"/>
+          </a:xfrm>
+        </p:grpSpPr>
+        <p:pic>
+          <p:nvPicPr>
+            <p:cNvPr id="74" name="Picture 73">
+              <a:hlinkClick r:id="rId2" action="ppaction://program"/>
+            </p:cNvPr>
+            <p:cNvPicPr>
+              <a:picLocks noChangeAspect="1"/>
+            </p:cNvPicPr>
+            <p:nvPr/>
+          </p:nvPicPr>
+          <p:blipFill>
+            <a:blip r:embed="rId3"/>
+            <a:stretch>
+              <a:fillRect/>
+            </a:stretch>
+          </p:blipFill>
+          <p:spPr>
+            <a:xfrm>
+              <a:off x="5222832" y="6022612"/>
+              <a:ext cx="1113830" cy="752665"/>
+            </a:xfrm>
+            <a:prstGeom prst="rect">
+              <a:avLst/>
+            </a:prstGeom>
+          </p:spPr>
+        </p:pic>
+        <p:sp>
+          <p:nvSpPr>
+            <p:cNvPr id="75" name="TextBox 74"/>
+            <p:cNvSpPr txBox="1"/>
+            <p:nvPr/>
+          </p:nvSpPr>
+          <p:spPr>
+            <a:xfrm>
+              <a:off x="5364832" y="6273947"/>
+              <a:ext cx="845688" cy="369332"/>
+            </a:xfrm>
+            <a:prstGeom prst="rect">
+              <a:avLst/>
+            </a:prstGeom>
+            <a:noFill/>
+          </p:spPr>
+          <p:txBody>
+            <a:bodyPr wrap="square" rtlCol="0">
+              <a:spAutoFit/>
+            </a:bodyPr>
+            <a:lstStyle/>
+            <a:p>
+              <a:pPr algn="ctr"/>
+              <a:r>
+                <a:rPr lang="en-CA" b="1" dirty="0">
+                  <a:hlinkClick r:id="rId2" action="ppaction://program"/>
+                </a:rPr>
+                <a:t>Demo</a:t>
+              </a:r>
+              <a:endParaRPr lang="en-CA" b="1" dirty="0"/>
+            </a:p>
+          </p:txBody>
+        </p:sp>
+      </p:grpSp>
     </p:spTree>
     <p:extLst>
       <p:ext uri="{BB962C8B-B14F-4D97-AF65-F5344CB8AC3E}">
@@ -11610,6 +15260,789 @@
   <p:clrMapOvr>
     <a:masterClrMapping/>
   </p:clrMapOvr>
+  <p:timing>
+    <p:tnLst>
+      <p:par>
+        <p:cTn id="1" dur="indefinite" restart="never" nodeType="tmRoot">
+          <p:childTnLst>
+            <p:seq concurrent="1" nextAc="seek">
+              <p:cTn id="2" dur="indefinite" nodeType="mainSeq">
+                <p:childTnLst>
+                  <p:par>
+                    <p:cTn id="3" fill="hold">
+                      <p:stCondLst>
+                        <p:cond delay="indefinite"/>
+                      </p:stCondLst>
+                      <p:childTnLst>
+                        <p:par>
+                          <p:cTn id="4" fill="hold">
+                            <p:stCondLst>
+                              <p:cond delay="0"/>
+                            </p:stCondLst>
+                            <p:childTnLst>
+                              <p:par>
+                                <p:cTn id="5" presetID="1" presetClass="entr" presetSubtype="0" fill="hold" grpId="0" nodeType="clickEffect">
+                                  <p:stCondLst>
+                                    <p:cond delay="0"/>
+                                  </p:stCondLst>
+                                  <p:childTnLst>
+                                    <p:set>
+                                      <p:cBhvr>
+                                        <p:cTn id="6" dur="1" fill="hold">
+                                          <p:stCondLst>
+                                            <p:cond delay="0"/>
+                                          </p:stCondLst>
+                                        </p:cTn>
+                                        <p:tgtEl>
+                                          <p:spTgt spid="5"/>
+                                        </p:tgtEl>
+                                        <p:attrNameLst>
+                                          <p:attrName>style.visibility</p:attrName>
+                                        </p:attrNameLst>
+                                      </p:cBhvr>
+                                      <p:to>
+                                        <p:strVal val="visible"/>
+                                      </p:to>
+                                    </p:set>
+                                  </p:childTnLst>
+                                </p:cTn>
+                              </p:par>
+                            </p:childTnLst>
+                          </p:cTn>
+                        </p:par>
+                      </p:childTnLst>
+                    </p:cTn>
+                  </p:par>
+                  <p:par>
+                    <p:cTn id="7" fill="hold">
+                      <p:stCondLst>
+                        <p:cond delay="indefinite"/>
+                      </p:stCondLst>
+                      <p:childTnLst>
+                        <p:par>
+                          <p:cTn id="8" fill="hold">
+                            <p:stCondLst>
+                              <p:cond delay="0"/>
+                            </p:stCondLst>
+                            <p:childTnLst>
+                              <p:par>
+                                <p:cTn id="9" presetID="1" presetClass="entr" presetSubtype="0" fill="hold" nodeType="clickEffect">
+                                  <p:stCondLst>
+                                    <p:cond delay="0"/>
+                                  </p:stCondLst>
+                                  <p:childTnLst>
+                                    <p:set>
+                                      <p:cBhvr>
+                                        <p:cTn id="10" dur="1" fill="hold">
+                                          <p:stCondLst>
+                                            <p:cond delay="0"/>
+                                          </p:stCondLst>
+                                        </p:cTn>
+                                        <p:tgtEl>
+                                          <p:spTgt spid="12"/>
+                                        </p:tgtEl>
+                                        <p:attrNameLst>
+                                          <p:attrName>style.visibility</p:attrName>
+                                        </p:attrNameLst>
+                                      </p:cBhvr>
+                                      <p:to>
+                                        <p:strVal val="visible"/>
+                                      </p:to>
+                                    </p:set>
+                                  </p:childTnLst>
+                                </p:cTn>
+                              </p:par>
+                            </p:childTnLst>
+                          </p:cTn>
+                        </p:par>
+                        <p:par>
+                          <p:cTn id="11" fill="hold">
+                            <p:stCondLst>
+                              <p:cond delay="0"/>
+                            </p:stCondLst>
+                            <p:childTnLst>
+                              <p:par>
+                                <p:cTn id="12" presetID="1" presetClass="entr" presetSubtype="0" fill="hold" grpId="0" nodeType="afterEffect">
+                                  <p:stCondLst>
+                                    <p:cond delay="0"/>
+                                  </p:stCondLst>
+                                  <p:childTnLst>
+                                    <p:set>
+                                      <p:cBhvr>
+                                        <p:cTn id="13" dur="1" fill="hold">
+                                          <p:stCondLst>
+                                            <p:cond delay="0"/>
+                                          </p:stCondLst>
+                                        </p:cTn>
+                                        <p:tgtEl>
+                                          <p:spTgt spid="6"/>
+                                        </p:tgtEl>
+                                        <p:attrNameLst>
+                                          <p:attrName>style.visibility</p:attrName>
+                                        </p:attrNameLst>
+                                      </p:cBhvr>
+                                      <p:to>
+                                        <p:strVal val="visible"/>
+                                      </p:to>
+                                    </p:set>
+                                  </p:childTnLst>
+                                </p:cTn>
+                              </p:par>
+                            </p:childTnLst>
+                          </p:cTn>
+                        </p:par>
+                      </p:childTnLst>
+                    </p:cTn>
+                  </p:par>
+                  <p:par>
+                    <p:cTn id="14" fill="hold">
+                      <p:stCondLst>
+                        <p:cond delay="indefinite"/>
+                      </p:stCondLst>
+                      <p:childTnLst>
+                        <p:par>
+                          <p:cTn id="15" fill="hold">
+                            <p:stCondLst>
+                              <p:cond delay="0"/>
+                            </p:stCondLst>
+                            <p:childTnLst>
+                              <p:par>
+                                <p:cTn id="16" presetID="1" presetClass="entr" presetSubtype="0" fill="hold" nodeType="clickEffect">
+                                  <p:stCondLst>
+                                    <p:cond delay="0"/>
+                                  </p:stCondLst>
+                                  <p:childTnLst>
+                                    <p:set>
+                                      <p:cBhvr>
+                                        <p:cTn id="17" dur="1" fill="hold">
+                                          <p:stCondLst>
+                                            <p:cond delay="0"/>
+                                          </p:stCondLst>
+                                        </p:cTn>
+                                        <p:tgtEl>
+                                          <p:spTgt spid="13"/>
+                                        </p:tgtEl>
+                                        <p:attrNameLst>
+                                          <p:attrName>style.visibility</p:attrName>
+                                        </p:attrNameLst>
+                                      </p:cBhvr>
+                                      <p:to>
+                                        <p:strVal val="visible"/>
+                                      </p:to>
+                                    </p:set>
+                                  </p:childTnLst>
+                                </p:cTn>
+                              </p:par>
+                              <p:par>
+                                <p:cTn id="18" presetID="1" presetClass="entr" presetSubtype="0" fill="hold" grpId="0" nodeType="withEffect">
+                                  <p:stCondLst>
+                                    <p:cond delay="0"/>
+                                  </p:stCondLst>
+                                  <p:childTnLst>
+                                    <p:set>
+                                      <p:cBhvr>
+                                        <p:cTn id="19" dur="1" fill="hold">
+                                          <p:stCondLst>
+                                            <p:cond delay="0"/>
+                                          </p:stCondLst>
+                                        </p:cTn>
+                                        <p:tgtEl>
+                                          <p:spTgt spid="8"/>
+                                        </p:tgtEl>
+                                        <p:attrNameLst>
+                                          <p:attrName>style.visibility</p:attrName>
+                                        </p:attrNameLst>
+                                      </p:cBhvr>
+                                      <p:to>
+                                        <p:strVal val="visible"/>
+                                      </p:to>
+                                    </p:set>
+                                  </p:childTnLst>
+                                </p:cTn>
+                              </p:par>
+                            </p:childTnLst>
+                          </p:cTn>
+                        </p:par>
+                      </p:childTnLst>
+                    </p:cTn>
+                  </p:par>
+                  <p:par>
+                    <p:cTn id="20" fill="hold">
+                      <p:stCondLst>
+                        <p:cond delay="indefinite"/>
+                      </p:stCondLst>
+                      <p:childTnLst>
+                        <p:par>
+                          <p:cTn id="21" fill="hold">
+                            <p:stCondLst>
+                              <p:cond delay="0"/>
+                            </p:stCondLst>
+                            <p:childTnLst>
+                              <p:par>
+                                <p:cTn id="22" presetID="1" presetClass="entr" presetSubtype="0" fill="hold" nodeType="clickEffect">
+                                  <p:stCondLst>
+                                    <p:cond delay="0"/>
+                                  </p:stCondLst>
+                                  <p:childTnLst>
+                                    <p:set>
+                                      <p:cBhvr>
+                                        <p:cTn id="23" dur="1" fill="hold">
+                                          <p:stCondLst>
+                                            <p:cond delay="0"/>
+                                          </p:stCondLst>
+                                        </p:cTn>
+                                        <p:tgtEl>
+                                          <p:spTgt spid="22"/>
+                                        </p:tgtEl>
+                                        <p:attrNameLst>
+                                          <p:attrName>style.visibility</p:attrName>
+                                        </p:attrNameLst>
+                                      </p:cBhvr>
+                                      <p:to>
+                                        <p:strVal val="visible"/>
+                                      </p:to>
+                                    </p:set>
+                                  </p:childTnLst>
+                                </p:cTn>
+                              </p:par>
+                              <p:par>
+                                <p:cTn id="24" presetID="1" presetClass="entr" presetSubtype="0" fill="hold" grpId="0" nodeType="withEffect">
+                                  <p:stCondLst>
+                                    <p:cond delay="0"/>
+                                  </p:stCondLst>
+                                  <p:childTnLst>
+                                    <p:set>
+                                      <p:cBhvr>
+                                        <p:cTn id="25" dur="1" fill="hold">
+                                          <p:stCondLst>
+                                            <p:cond delay="0"/>
+                                          </p:stCondLst>
+                                        </p:cTn>
+                                        <p:tgtEl>
+                                          <p:spTgt spid="9"/>
+                                        </p:tgtEl>
+                                        <p:attrNameLst>
+                                          <p:attrName>style.visibility</p:attrName>
+                                        </p:attrNameLst>
+                                      </p:cBhvr>
+                                      <p:to>
+                                        <p:strVal val="visible"/>
+                                      </p:to>
+                                    </p:set>
+                                  </p:childTnLst>
+                                </p:cTn>
+                              </p:par>
+                              <p:par>
+                                <p:cTn id="26" presetID="1" presetClass="entr" presetSubtype="0" fill="hold" grpId="0" nodeType="withEffect">
+                                  <p:stCondLst>
+                                    <p:cond delay="0"/>
+                                  </p:stCondLst>
+                                  <p:childTnLst>
+                                    <p:set>
+                                      <p:cBhvr>
+                                        <p:cTn id="27" dur="1" fill="hold">
+                                          <p:stCondLst>
+                                            <p:cond delay="0"/>
+                                          </p:stCondLst>
+                                        </p:cTn>
+                                        <p:tgtEl>
+                                          <p:spTgt spid="10"/>
+                                        </p:tgtEl>
+                                        <p:attrNameLst>
+                                          <p:attrName>style.visibility</p:attrName>
+                                        </p:attrNameLst>
+                                      </p:cBhvr>
+                                      <p:to>
+                                        <p:strVal val="visible"/>
+                                      </p:to>
+                                    </p:set>
+                                  </p:childTnLst>
+                                </p:cTn>
+                              </p:par>
+                            </p:childTnLst>
+                          </p:cTn>
+                        </p:par>
+                      </p:childTnLst>
+                    </p:cTn>
+                  </p:par>
+                  <p:par>
+                    <p:cTn id="28" fill="hold">
+                      <p:stCondLst>
+                        <p:cond delay="indefinite"/>
+                      </p:stCondLst>
+                      <p:childTnLst>
+                        <p:par>
+                          <p:cTn id="29" fill="hold">
+                            <p:stCondLst>
+                              <p:cond delay="0"/>
+                            </p:stCondLst>
+                            <p:childTnLst>
+                              <p:par>
+                                <p:cTn id="30" presetID="1" presetClass="entr" presetSubtype="0" fill="hold" nodeType="clickEffect">
+                                  <p:stCondLst>
+                                    <p:cond delay="0"/>
+                                  </p:stCondLst>
+                                  <p:childTnLst>
+                                    <p:set>
+                                      <p:cBhvr>
+                                        <p:cTn id="31" dur="1" fill="hold">
+                                          <p:stCondLst>
+                                            <p:cond delay="0"/>
+                                          </p:stCondLst>
+                                        </p:cTn>
+                                        <p:tgtEl>
+                                          <p:spTgt spid="37"/>
+                                        </p:tgtEl>
+                                        <p:attrNameLst>
+                                          <p:attrName>style.visibility</p:attrName>
+                                        </p:attrNameLst>
+                                      </p:cBhvr>
+                                      <p:to>
+                                        <p:strVal val="visible"/>
+                                      </p:to>
+                                    </p:set>
+                                  </p:childTnLst>
+                                </p:cTn>
+                              </p:par>
+                            </p:childTnLst>
+                          </p:cTn>
+                        </p:par>
+                        <p:par>
+                          <p:cTn id="32" fill="hold">
+                            <p:stCondLst>
+                              <p:cond delay="0"/>
+                            </p:stCondLst>
+                            <p:childTnLst>
+                              <p:par>
+                                <p:cTn id="33" presetID="1" presetClass="entr" presetSubtype="0" fill="hold" grpId="0" nodeType="afterEffect">
+                                  <p:stCondLst>
+                                    <p:cond delay="0"/>
+                                  </p:stCondLst>
+                                  <p:childTnLst>
+                                    <p:set>
+                                      <p:cBhvr>
+                                        <p:cTn id="34" dur="1" fill="hold">
+                                          <p:stCondLst>
+                                            <p:cond delay="0"/>
+                                          </p:stCondLst>
+                                        </p:cTn>
+                                        <p:tgtEl>
+                                          <p:spTgt spid="26"/>
+                                        </p:tgtEl>
+                                        <p:attrNameLst>
+                                          <p:attrName>style.visibility</p:attrName>
+                                        </p:attrNameLst>
+                                      </p:cBhvr>
+                                      <p:to>
+                                        <p:strVal val="visible"/>
+                                      </p:to>
+                                    </p:set>
+                                  </p:childTnLst>
+                                </p:cTn>
+                              </p:par>
+                            </p:childTnLst>
+                          </p:cTn>
+                        </p:par>
+                        <p:par>
+                          <p:cTn id="35" fill="hold">
+                            <p:stCondLst>
+                              <p:cond delay="0"/>
+                            </p:stCondLst>
+                            <p:childTnLst>
+                              <p:par>
+                                <p:cTn id="36" presetID="1" presetClass="entr" presetSubtype="0" fill="hold" grpId="0" nodeType="afterEffect">
+                                  <p:stCondLst>
+                                    <p:cond delay="0"/>
+                                  </p:stCondLst>
+                                  <p:childTnLst>
+                                    <p:set>
+                                      <p:cBhvr>
+                                        <p:cTn id="37" dur="1" fill="hold">
+                                          <p:stCondLst>
+                                            <p:cond delay="0"/>
+                                          </p:stCondLst>
+                                        </p:cTn>
+                                        <p:tgtEl>
+                                          <p:spTgt spid="27"/>
+                                        </p:tgtEl>
+                                        <p:attrNameLst>
+                                          <p:attrName>style.visibility</p:attrName>
+                                        </p:attrNameLst>
+                                      </p:cBhvr>
+                                      <p:to>
+                                        <p:strVal val="visible"/>
+                                      </p:to>
+                                    </p:set>
+                                  </p:childTnLst>
+                                </p:cTn>
+                              </p:par>
+                            </p:childTnLst>
+                          </p:cTn>
+                        </p:par>
+                      </p:childTnLst>
+                    </p:cTn>
+                  </p:par>
+                  <p:par>
+                    <p:cTn id="38" fill="hold">
+                      <p:stCondLst>
+                        <p:cond delay="indefinite"/>
+                      </p:stCondLst>
+                      <p:childTnLst>
+                        <p:par>
+                          <p:cTn id="39" fill="hold">
+                            <p:stCondLst>
+                              <p:cond delay="0"/>
+                            </p:stCondLst>
+                            <p:childTnLst>
+                              <p:par>
+                                <p:cTn id="40" presetID="1" presetClass="entr" presetSubtype="0" fill="hold" nodeType="clickEffect">
+                                  <p:stCondLst>
+                                    <p:cond delay="0"/>
+                                  </p:stCondLst>
+                                  <p:childTnLst>
+                                    <p:set>
+                                      <p:cBhvr>
+                                        <p:cTn id="41" dur="1" fill="hold">
+                                          <p:stCondLst>
+                                            <p:cond delay="0"/>
+                                          </p:stCondLst>
+                                        </p:cTn>
+                                        <p:tgtEl>
+                                          <p:spTgt spid="38"/>
+                                        </p:tgtEl>
+                                        <p:attrNameLst>
+                                          <p:attrName>style.visibility</p:attrName>
+                                        </p:attrNameLst>
+                                      </p:cBhvr>
+                                      <p:to>
+                                        <p:strVal val="visible"/>
+                                      </p:to>
+                                    </p:set>
+                                  </p:childTnLst>
+                                </p:cTn>
+                              </p:par>
+                              <p:par>
+                                <p:cTn id="42" presetID="1" presetClass="entr" presetSubtype="0" fill="hold" grpId="0" nodeType="withEffect">
+                                  <p:stCondLst>
+                                    <p:cond delay="0"/>
+                                  </p:stCondLst>
+                                  <p:childTnLst>
+                                    <p:set>
+                                      <p:cBhvr>
+                                        <p:cTn id="43" dur="1" fill="hold">
+                                          <p:stCondLst>
+                                            <p:cond delay="0"/>
+                                          </p:stCondLst>
+                                        </p:cTn>
+                                        <p:tgtEl>
+                                          <p:spTgt spid="29"/>
+                                        </p:tgtEl>
+                                        <p:attrNameLst>
+                                          <p:attrName>style.visibility</p:attrName>
+                                        </p:attrNameLst>
+                                      </p:cBhvr>
+                                      <p:to>
+                                        <p:strVal val="visible"/>
+                                      </p:to>
+                                    </p:set>
+                                  </p:childTnLst>
+                                </p:cTn>
+                              </p:par>
+                              <p:par>
+                                <p:cTn id="44" presetID="1" presetClass="entr" presetSubtype="0" fill="hold" grpId="0" nodeType="withEffect">
+                                  <p:stCondLst>
+                                    <p:cond delay="0"/>
+                                  </p:stCondLst>
+                                  <p:childTnLst>
+                                    <p:set>
+                                      <p:cBhvr>
+                                        <p:cTn id="45" dur="1" fill="hold">
+                                          <p:stCondLst>
+                                            <p:cond delay="0"/>
+                                          </p:stCondLst>
+                                        </p:cTn>
+                                        <p:tgtEl>
+                                          <p:spTgt spid="30"/>
+                                        </p:tgtEl>
+                                        <p:attrNameLst>
+                                          <p:attrName>style.visibility</p:attrName>
+                                        </p:attrNameLst>
+                                      </p:cBhvr>
+                                      <p:to>
+                                        <p:strVal val="visible"/>
+                                      </p:to>
+                                    </p:set>
+                                  </p:childTnLst>
+                                </p:cTn>
+                              </p:par>
+                            </p:childTnLst>
+                          </p:cTn>
+                        </p:par>
+                      </p:childTnLst>
+                    </p:cTn>
+                  </p:par>
+                  <p:par>
+                    <p:cTn id="46" fill="hold">
+                      <p:stCondLst>
+                        <p:cond delay="indefinite"/>
+                      </p:stCondLst>
+                      <p:childTnLst>
+                        <p:par>
+                          <p:cTn id="47" fill="hold">
+                            <p:stCondLst>
+                              <p:cond delay="0"/>
+                            </p:stCondLst>
+                            <p:childTnLst>
+                              <p:par>
+                                <p:cTn id="48" presetID="1" presetClass="entr" presetSubtype="0" fill="hold" grpId="0" nodeType="clickEffect">
+                                  <p:stCondLst>
+                                    <p:cond delay="0"/>
+                                  </p:stCondLst>
+                                  <p:childTnLst>
+                                    <p:set>
+                                      <p:cBhvr>
+                                        <p:cTn id="49" dur="1" fill="hold">
+                                          <p:stCondLst>
+                                            <p:cond delay="0"/>
+                                          </p:stCondLst>
+                                        </p:cTn>
+                                        <p:tgtEl>
+                                          <p:spTgt spid="41"/>
+                                        </p:tgtEl>
+                                        <p:attrNameLst>
+                                          <p:attrName>style.visibility</p:attrName>
+                                        </p:attrNameLst>
+                                      </p:cBhvr>
+                                      <p:to>
+                                        <p:strVal val="visible"/>
+                                      </p:to>
+                                    </p:set>
+                                  </p:childTnLst>
+                                </p:cTn>
+                              </p:par>
+                            </p:childTnLst>
+                          </p:cTn>
+                        </p:par>
+                      </p:childTnLst>
+                    </p:cTn>
+                  </p:par>
+                  <p:par>
+                    <p:cTn id="50" fill="hold">
+                      <p:stCondLst>
+                        <p:cond delay="indefinite"/>
+                      </p:stCondLst>
+                      <p:childTnLst>
+                        <p:par>
+                          <p:cTn id="51" fill="hold">
+                            <p:stCondLst>
+                              <p:cond delay="0"/>
+                            </p:stCondLst>
+                            <p:childTnLst>
+                              <p:par>
+                                <p:cTn id="52" presetID="1" presetClass="entr" presetSubtype="0" fill="hold" grpId="0" nodeType="clickEffect">
+                                  <p:stCondLst>
+                                    <p:cond delay="0"/>
+                                  </p:stCondLst>
+                                  <p:childTnLst>
+                                    <p:set>
+                                      <p:cBhvr>
+                                        <p:cTn id="53" dur="1" fill="hold">
+                                          <p:stCondLst>
+                                            <p:cond delay="0"/>
+                                          </p:stCondLst>
+                                        </p:cTn>
+                                        <p:tgtEl>
+                                          <p:spTgt spid="44"/>
+                                        </p:tgtEl>
+                                        <p:attrNameLst>
+                                          <p:attrName>style.visibility</p:attrName>
+                                        </p:attrNameLst>
+                                      </p:cBhvr>
+                                      <p:to>
+                                        <p:strVal val="visible"/>
+                                      </p:to>
+                                    </p:set>
+                                  </p:childTnLst>
+                                </p:cTn>
+                              </p:par>
+                            </p:childTnLst>
+                          </p:cTn>
+                        </p:par>
+                      </p:childTnLst>
+                    </p:cTn>
+                  </p:par>
+                  <p:par>
+                    <p:cTn id="54" fill="hold">
+                      <p:stCondLst>
+                        <p:cond delay="indefinite"/>
+                      </p:stCondLst>
+                      <p:childTnLst>
+                        <p:par>
+                          <p:cTn id="55" fill="hold">
+                            <p:stCondLst>
+                              <p:cond delay="0"/>
+                            </p:stCondLst>
+                            <p:childTnLst>
+                              <p:par>
+                                <p:cTn id="56" presetID="1" presetClass="entr" presetSubtype="0" fill="hold" grpId="0" nodeType="clickEffect">
+                                  <p:stCondLst>
+                                    <p:cond delay="0"/>
+                                  </p:stCondLst>
+                                  <p:childTnLst>
+                                    <p:set>
+                                      <p:cBhvr>
+                                        <p:cTn id="57" dur="1" fill="hold">
+                                          <p:stCondLst>
+                                            <p:cond delay="0"/>
+                                          </p:stCondLst>
+                                        </p:cTn>
+                                        <p:tgtEl>
+                                          <p:spTgt spid="43"/>
+                                        </p:tgtEl>
+                                        <p:attrNameLst>
+                                          <p:attrName>style.visibility</p:attrName>
+                                        </p:attrNameLst>
+                                      </p:cBhvr>
+                                      <p:to>
+                                        <p:strVal val="visible"/>
+                                      </p:to>
+                                    </p:set>
+                                  </p:childTnLst>
+                                </p:cTn>
+                              </p:par>
+                            </p:childTnLst>
+                          </p:cTn>
+                        </p:par>
+                      </p:childTnLst>
+                    </p:cTn>
+                  </p:par>
+                  <p:par>
+                    <p:cTn id="58" fill="hold">
+                      <p:stCondLst>
+                        <p:cond delay="indefinite"/>
+                      </p:stCondLst>
+                      <p:childTnLst>
+                        <p:par>
+                          <p:cTn id="59" fill="hold">
+                            <p:stCondLst>
+                              <p:cond delay="0"/>
+                            </p:stCondLst>
+                            <p:childTnLst>
+                              <p:par>
+                                <p:cTn id="60" presetID="1" presetClass="entr" presetSubtype="0" fill="hold" grpId="0" nodeType="clickEffect">
+                                  <p:stCondLst>
+                                    <p:cond delay="0"/>
+                                  </p:stCondLst>
+                                  <p:childTnLst>
+                                    <p:set>
+                                      <p:cBhvr>
+                                        <p:cTn id="61" dur="1" fill="hold">
+                                          <p:stCondLst>
+                                            <p:cond delay="0"/>
+                                          </p:stCondLst>
+                                        </p:cTn>
+                                        <p:tgtEl>
+                                          <p:spTgt spid="45"/>
+                                        </p:tgtEl>
+                                        <p:attrNameLst>
+                                          <p:attrName>style.visibility</p:attrName>
+                                        </p:attrNameLst>
+                                      </p:cBhvr>
+                                      <p:to>
+                                        <p:strVal val="visible"/>
+                                      </p:to>
+                                    </p:set>
+                                  </p:childTnLst>
+                                </p:cTn>
+                              </p:par>
+                            </p:childTnLst>
+                          </p:cTn>
+                        </p:par>
+                      </p:childTnLst>
+                    </p:cTn>
+                  </p:par>
+                  <p:par>
+                    <p:cTn id="62" fill="hold">
+                      <p:stCondLst>
+                        <p:cond delay="indefinite"/>
+                      </p:stCondLst>
+                      <p:childTnLst>
+                        <p:par>
+                          <p:cTn id="63" fill="hold">
+                            <p:stCondLst>
+                              <p:cond delay="0"/>
+                            </p:stCondLst>
+                            <p:childTnLst>
+                              <p:par>
+                                <p:cTn id="64" presetID="1" presetClass="entr" presetSubtype="0" fill="hold" nodeType="clickEffect">
+                                  <p:stCondLst>
+                                    <p:cond delay="0"/>
+                                  </p:stCondLst>
+                                  <p:childTnLst>
+                                    <p:set>
+                                      <p:cBhvr>
+                                        <p:cTn id="65" dur="1" fill="hold">
+                                          <p:stCondLst>
+                                            <p:cond delay="0"/>
+                                          </p:stCondLst>
+                                        </p:cTn>
+                                        <p:tgtEl>
+                                          <p:spTgt spid="76"/>
+                                        </p:tgtEl>
+                                        <p:attrNameLst>
+                                          <p:attrName>style.visibility</p:attrName>
+                                        </p:attrNameLst>
+                                      </p:cBhvr>
+                                      <p:to>
+                                        <p:strVal val="visible"/>
+                                      </p:to>
+                                    </p:set>
+                                  </p:childTnLst>
+                                </p:cTn>
+                              </p:par>
+                            </p:childTnLst>
+                          </p:cTn>
+                        </p:par>
+                      </p:childTnLst>
+                    </p:cTn>
+                  </p:par>
+                </p:childTnLst>
+              </p:cTn>
+              <p:prevCondLst>
+                <p:cond evt="onPrev" delay="0">
+                  <p:tgtEl>
+                    <p:sldTgt/>
+                  </p:tgtEl>
+                </p:cond>
+              </p:prevCondLst>
+              <p:nextCondLst>
+                <p:cond evt="onNext" delay="0">
+                  <p:tgtEl>
+                    <p:sldTgt/>
+                  </p:tgtEl>
+                </p:cond>
+              </p:nextCondLst>
+            </p:seq>
+          </p:childTnLst>
+        </p:cTn>
+      </p:par>
+    </p:tnLst>
+    <p:bldLst>
+      <p:bldP spid="5" grpId="0" animBg="1"/>
+      <p:bldP spid="6" grpId="0" animBg="1"/>
+      <p:bldP spid="8" grpId="0" animBg="1"/>
+      <p:bldP spid="9" grpId="0" animBg="1"/>
+      <p:bldP spid="10" grpId="0" animBg="1"/>
+      <p:bldP spid="26" grpId="0" animBg="1"/>
+      <p:bldP spid="27" grpId="0" animBg="1"/>
+      <p:bldP spid="29" grpId="0" animBg="1"/>
+      <p:bldP spid="30" grpId="0" animBg="1"/>
+      <p:bldP spid="41" grpId="0" animBg="1"/>
+      <p:bldP spid="43" grpId="0" animBg="1"/>
+      <p:bldP spid="44" grpId="0" animBg="1"/>
+      <p:bldP spid="45" grpId="0" animBg="1"/>
+    </p:bldLst>
+  </p:timing>
 </p:sld>
 </file>
 

--- a/Azure Service Bus Calgary .NET usergroup 2016-03-24.pptx
+++ b/Azure Service Bus Calgary .NET usergroup 2016-03-24.pptx
@@ -882,7 +882,1885 @@
 </dgm:colorsDef>
 </file>
 
+<file path=ppt/diagrams/colors2.xml><?xml version="1.0" encoding="utf-8"?>
+<dgm:colorsDef xmlns:dgm="http://schemas.openxmlformats.org/drawingml/2006/diagram" xmlns:a="http://schemas.openxmlformats.org/drawingml/2006/main" uniqueId="urn:microsoft.com/office/officeart/2005/8/colors/accent1_2">
+  <dgm:title val=""/>
+  <dgm:desc val=""/>
+  <dgm:catLst>
+    <dgm:cat type="accent1" pri="11200"/>
+  </dgm:catLst>
+  <dgm:styleLbl name="node0">
+    <dgm:fillClrLst meth="repeat">
+      <a:schemeClr val="accent1"/>
+    </dgm:fillClrLst>
+    <dgm:linClrLst meth="repeat">
+      <a:schemeClr val="lt1"/>
+    </dgm:linClrLst>
+    <dgm:effectClrLst/>
+    <dgm:txLinClrLst/>
+    <dgm:txFillClrLst/>
+    <dgm:txEffectClrLst/>
+  </dgm:styleLbl>
+  <dgm:styleLbl name="alignNode1">
+    <dgm:fillClrLst meth="repeat">
+      <a:schemeClr val="accent1"/>
+    </dgm:fillClrLst>
+    <dgm:linClrLst meth="repeat">
+      <a:schemeClr val="accent1"/>
+    </dgm:linClrLst>
+    <dgm:effectClrLst/>
+    <dgm:txLinClrLst/>
+    <dgm:txFillClrLst/>
+    <dgm:txEffectClrLst/>
+  </dgm:styleLbl>
+  <dgm:styleLbl name="node1">
+    <dgm:fillClrLst meth="repeat">
+      <a:schemeClr val="accent1"/>
+    </dgm:fillClrLst>
+    <dgm:linClrLst meth="repeat">
+      <a:schemeClr val="lt1"/>
+    </dgm:linClrLst>
+    <dgm:effectClrLst/>
+    <dgm:txLinClrLst/>
+    <dgm:txFillClrLst/>
+    <dgm:txEffectClrLst/>
+  </dgm:styleLbl>
+  <dgm:styleLbl name="lnNode1">
+    <dgm:fillClrLst meth="repeat">
+      <a:schemeClr val="accent1"/>
+    </dgm:fillClrLst>
+    <dgm:linClrLst meth="repeat">
+      <a:schemeClr val="lt1"/>
+    </dgm:linClrLst>
+    <dgm:effectClrLst/>
+    <dgm:txLinClrLst/>
+    <dgm:txFillClrLst/>
+    <dgm:txEffectClrLst/>
+  </dgm:styleLbl>
+  <dgm:styleLbl name="vennNode1">
+    <dgm:fillClrLst meth="repeat">
+      <a:schemeClr val="accent1">
+        <a:alpha val="50000"/>
+      </a:schemeClr>
+    </dgm:fillClrLst>
+    <dgm:linClrLst meth="repeat">
+      <a:schemeClr val="lt1"/>
+    </dgm:linClrLst>
+    <dgm:effectClrLst/>
+    <dgm:txLinClrLst/>
+    <dgm:txFillClrLst/>
+    <dgm:txEffectClrLst/>
+  </dgm:styleLbl>
+  <dgm:styleLbl name="node2">
+    <dgm:fillClrLst meth="repeat">
+      <a:schemeClr val="accent1"/>
+    </dgm:fillClrLst>
+    <dgm:linClrLst meth="repeat">
+      <a:schemeClr val="lt1"/>
+    </dgm:linClrLst>
+    <dgm:effectClrLst/>
+    <dgm:txLinClrLst/>
+    <dgm:txFillClrLst/>
+    <dgm:txEffectClrLst/>
+  </dgm:styleLbl>
+  <dgm:styleLbl name="node3">
+    <dgm:fillClrLst meth="repeat">
+      <a:schemeClr val="accent1"/>
+    </dgm:fillClrLst>
+    <dgm:linClrLst meth="repeat">
+      <a:schemeClr val="lt1"/>
+    </dgm:linClrLst>
+    <dgm:effectClrLst/>
+    <dgm:txLinClrLst/>
+    <dgm:txFillClrLst/>
+    <dgm:txEffectClrLst/>
+  </dgm:styleLbl>
+  <dgm:styleLbl name="node4">
+    <dgm:fillClrLst meth="repeat">
+      <a:schemeClr val="accent1"/>
+    </dgm:fillClrLst>
+    <dgm:linClrLst meth="repeat">
+      <a:schemeClr val="lt1"/>
+    </dgm:linClrLst>
+    <dgm:effectClrLst/>
+    <dgm:txLinClrLst/>
+    <dgm:txFillClrLst/>
+    <dgm:txEffectClrLst/>
+  </dgm:styleLbl>
+  <dgm:styleLbl name="fgImgPlace1">
+    <dgm:fillClrLst meth="repeat">
+      <a:schemeClr val="accent1">
+        <a:tint val="50000"/>
+      </a:schemeClr>
+    </dgm:fillClrLst>
+    <dgm:linClrLst meth="repeat">
+      <a:schemeClr val="lt1"/>
+    </dgm:linClrLst>
+    <dgm:effectClrLst/>
+    <dgm:txLinClrLst/>
+    <dgm:txFillClrLst meth="repeat">
+      <a:schemeClr val="lt1"/>
+    </dgm:txFillClrLst>
+    <dgm:txEffectClrLst/>
+  </dgm:styleLbl>
+  <dgm:styleLbl name="alignImgPlace1">
+    <dgm:fillClrLst meth="repeat">
+      <a:schemeClr val="accent1">
+        <a:tint val="50000"/>
+      </a:schemeClr>
+    </dgm:fillClrLst>
+    <dgm:linClrLst meth="repeat">
+      <a:schemeClr val="lt1"/>
+    </dgm:linClrLst>
+    <dgm:effectClrLst/>
+    <dgm:txLinClrLst/>
+    <dgm:txFillClrLst meth="repeat">
+      <a:schemeClr val="lt1"/>
+    </dgm:txFillClrLst>
+    <dgm:txEffectClrLst/>
+  </dgm:styleLbl>
+  <dgm:styleLbl name="bgImgPlace1">
+    <dgm:fillClrLst meth="repeat">
+      <a:schemeClr val="accent1">
+        <a:tint val="50000"/>
+      </a:schemeClr>
+    </dgm:fillClrLst>
+    <dgm:linClrLst meth="repeat">
+      <a:schemeClr val="lt1"/>
+    </dgm:linClrLst>
+    <dgm:effectClrLst/>
+    <dgm:txLinClrLst/>
+    <dgm:txFillClrLst meth="repeat">
+      <a:schemeClr val="lt1"/>
+    </dgm:txFillClrLst>
+    <dgm:txEffectClrLst/>
+  </dgm:styleLbl>
+  <dgm:styleLbl name="sibTrans2D1">
+    <dgm:fillClrLst meth="repeat">
+      <a:schemeClr val="accent1">
+        <a:tint val="60000"/>
+      </a:schemeClr>
+    </dgm:fillClrLst>
+    <dgm:linClrLst meth="repeat">
+      <a:schemeClr val="accent1">
+        <a:tint val="60000"/>
+      </a:schemeClr>
+    </dgm:linClrLst>
+    <dgm:effectClrLst/>
+    <dgm:txLinClrLst/>
+    <dgm:txFillClrLst/>
+    <dgm:txEffectClrLst/>
+  </dgm:styleLbl>
+  <dgm:styleLbl name="fgSibTrans2D1">
+    <dgm:fillClrLst meth="repeat">
+      <a:schemeClr val="accent1">
+        <a:tint val="60000"/>
+      </a:schemeClr>
+    </dgm:fillClrLst>
+    <dgm:linClrLst meth="repeat">
+      <a:schemeClr val="accent1">
+        <a:tint val="60000"/>
+      </a:schemeClr>
+    </dgm:linClrLst>
+    <dgm:effectClrLst/>
+    <dgm:txLinClrLst/>
+    <dgm:txFillClrLst/>
+    <dgm:txEffectClrLst/>
+  </dgm:styleLbl>
+  <dgm:styleLbl name="bgSibTrans2D1">
+    <dgm:fillClrLst meth="repeat">
+      <a:schemeClr val="accent1">
+        <a:tint val="60000"/>
+      </a:schemeClr>
+    </dgm:fillClrLst>
+    <dgm:linClrLst meth="repeat">
+      <a:schemeClr val="accent1">
+        <a:tint val="60000"/>
+      </a:schemeClr>
+    </dgm:linClrLst>
+    <dgm:effectClrLst/>
+    <dgm:txLinClrLst/>
+    <dgm:txFillClrLst/>
+    <dgm:txEffectClrLst/>
+  </dgm:styleLbl>
+  <dgm:styleLbl name="sibTrans1D1">
+    <dgm:fillClrLst meth="repeat">
+      <a:schemeClr val="accent1"/>
+    </dgm:fillClrLst>
+    <dgm:linClrLst meth="repeat">
+      <a:schemeClr val="accent1"/>
+    </dgm:linClrLst>
+    <dgm:effectClrLst/>
+    <dgm:txLinClrLst/>
+    <dgm:txFillClrLst meth="repeat">
+      <a:schemeClr val="tx1"/>
+    </dgm:txFillClrLst>
+    <dgm:txEffectClrLst/>
+  </dgm:styleLbl>
+  <dgm:styleLbl name="callout">
+    <dgm:fillClrLst meth="repeat">
+      <a:schemeClr val="accent1"/>
+    </dgm:fillClrLst>
+    <dgm:linClrLst meth="repeat">
+      <a:schemeClr val="accent1">
+        <a:tint val="50000"/>
+      </a:schemeClr>
+    </dgm:linClrLst>
+    <dgm:effectClrLst/>
+    <dgm:txLinClrLst/>
+    <dgm:txFillClrLst meth="repeat">
+      <a:schemeClr val="tx1"/>
+    </dgm:txFillClrLst>
+    <dgm:txEffectClrLst/>
+  </dgm:styleLbl>
+  <dgm:styleLbl name="asst0">
+    <dgm:fillClrLst meth="repeat">
+      <a:schemeClr val="accent1"/>
+    </dgm:fillClrLst>
+    <dgm:linClrLst meth="repeat">
+      <a:schemeClr val="lt1"/>
+    </dgm:linClrLst>
+    <dgm:effectClrLst/>
+    <dgm:txLinClrLst/>
+    <dgm:txFillClrLst/>
+    <dgm:txEffectClrLst/>
+  </dgm:styleLbl>
+  <dgm:styleLbl name="asst1">
+    <dgm:fillClrLst meth="repeat">
+      <a:schemeClr val="accent1"/>
+    </dgm:fillClrLst>
+    <dgm:linClrLst meth="repeat">
+      <a:schemeClr val="lt1"/>
+    </dgm:linClrLst>
+    <dgm:effectClrLst/>
+    <dgm:txLinClrLst/>
+    <dgm:txFillClrLst/>
+    <dgm:txEffectClrLst/>
+  </dgm:styleLbl>
+  <dgm:styleLbl name="asst2">
+    <dgm:fillClrLst meth="repeat">
+      <a:schemeClr val="accent1"/>
+    </dgm:fillClrLst>
+    <dgm:linClrLst meth="repeat">
+      <a:schemeClr val="lt1"/>
+    </dgm:linClrLst>
+    <dgm:effectClrLst/>
+    <dgm:txLinClrLst/>
+    <dgm:txFillClrLst/>
+    <dgm:txEffectClrLst/>
+  </dgm:styleLbl>
+  <dgm:styleLbl name="asst3">
+    <dgm:fillClrLst meth="repeat">
+      <a:schemeClr val="accent1"/>
+    </dgm:fillClrLst>
+    <dgm:linClrLst meth="repeat">
+      <a:schemeClr val="lt1"/>
+    </dgm:linClrLst>
+    <dgm:effectClrLst/>
+    <dgm:txLinClrLst/>
+    <dgm:txFillClrLst/>
+    <dgm:txEffectClrLst/>
+  </dgm:styleLbl>
+  <dgm:styleLbl name="asst4">
+    <dgm:fillClrLst meth="repeat">
+      <a:schemeClr val="accent1"/>
+    </dgm:fillClrLst>
+    <dgm:linClrLst meth="repeat">
+      <a:schemeClr val="lt1"/>
+    </dgm:linClrLst>
+    <dgm:effectClrLst/>
+    <dgm:txLinClrLst/>
+    <dgm:txFillClrLst/>
+    <dgm:txEffectClrLst/>
+  </dgm:styleLbl>
+  <dgm:styleLbl name="parChTrans2D1">
+    <dgm:fillClrLst meth="repeat">
+      <a:schemeClr val="accent1">
+        <a:tint val="60000"/>
+      </a:schemeClr>
+    </dgm:fillClrLst>
+    <dgm:linClrLst meth="repeat">
+      <a:schemeClr val="accent1">
+        <a:tint val="60000"/>
+      </a:schemeClr>
+    </dgm:linClrLst>
+    <dgm:effectClrLst/>
+    <dgm:txLinClrLst/>
+    <dgm:txFillClrLst meth="repeat">
+      <a:schemeClr val="lt1"/>
+    </dgm:txFillClrLst>
+    <dgm:txEffectClrLst/>
+  </dgm:styleLbl>
+  <dgm:styleLbl name="parChTrans2D2">
+    <dgm:fillClrLst meth="repeat">
+      <a:schemeClr val="accent1"/>
+    </dgm:fillClrLst>
+    <dgm:linClrLst meth="repeat">
+      <a:schemeClr val="accent1"/>
+    </dgm:linClrLst>
+    <dgm:effectClrLst/>
+    <dgm:txLinClrLst/>
+    <dgm:txFillClrLst meth="repeat">
+      <a:schemeClr val="lt1"/>
+    </dgm:txFillClrLst>
+    <dgm:txEffectClrLst/>
+  </dgm:styleLbl>
+  <dgm:styleLbl name="parChTrans2D3">
+    <dgm:fillClrLst meth="repeat">
+      <a:schemeClr val="accent1"/>
+    </dgm:fillClrLst>
+    <dgm:linClrLst meth="repeat">
+      <a:schemeClr val="accent1"/>
+    </dgm:linClrLst>
+    <dgm:effectClrLst/>
+    <dgm:txLinClrLst/>
+    <dgm:txFillClrLst meth="repeat">
+      <a:schemeClr val="lt1"/>
+    </dgm:txFillClrLst>
+    <dgm:txEffectClrLst/>
+  </dgm:styleLbl>
+  <dgm:styleLbl name="parChTrans2D4">
+    <dgm:fillClrLst meth="repeat">
+      <a:schemeClr val="accent1"/>
+    </dgm:fillClrLst>
+    <dgm:linClrLst meth="repeat">
+      <a:schemeClr val="accent1"/>
+    </dgm:linClrLst>
+    <dgm:effectClrLst/>
+    <dgm:txLinClrLst/>
+    <dgm:txFillClrLst meth="repeat">
+      <a:schemeClr val="lt1"/>
+    </dgm:txFillClrLst>
+    <dgm:txEffectClrLst/>
+  </dgm:styleLbl>
+  <dgm:styleLbl name="parChTrans1D1">
+    <dgm:fillClrLst meth="repeat">
+      <a:schemeClr val="accent1"/>
+    </dgm:fillClrLst>
+    <dgm:linClrLst meth="repeat">
+      <a:schemeClr val="accent1">
+        <a:shade val="60000"/>
+      </a:schemeClr>
+    </dgm:linClrLst>
+    <dgm:effectClrLst/>
+    <dgm:txLinClrLst/>
+    <dgm:txFillClrLst meth="repeat">
+      <a:schemeClr val="tx1"/>
+    </dgm:txFillClrLst>
+    <dgm:txEffectClrLst/>
+  </dgm:styleLbl>
+  <dgm:styleLbl name="parChTrans1D2">
+    <dgm:fillClrLst meth="repeat">
+      <a:schemeClr val="accent1"/>
+    </dgm:fillClrLst>
+    <dgm:linClrLst meth="repeat">
+      <a:schemeClr val="accent1">
+        <a:shade val="60000"/>
+      </a:schemeClr>
+    </dgm:linClrLst>
+    <dgm:effectClrLst/>
+    <dgm:txLinClrLst/>
+    <dgm:txFillClrLst meth="repeat">
+      <a:schemeClr val="tx1"/>
+    </dgm:txFillClrLst>
+    <dgm:txEffectClrLst/>
+  </dgm:styleLbl>
+  <dgm:styleLbl name="parChTrans1D3">
+    <dgm:fillClrLst meth="repeat">
+      <a:schemeClr val="accent1"/>
+    </dgm:fillClrLst>
+    <dgm:linClrLst meth="repeat">
+      <a:schemeClr val="accent1">
+        <a:shade val="80000"/>
+      </a:schemeClr>
+    </dgm:linClrLst>
+    <dgm:effectClrLst/>
+    <dgm:txLinClrLst/>
+    <dgm:txFillClrLst meth="repeat">
+      <a:schemeClr val="tx1"/>
+    </dgm:txFillClrLst>
+    <dgm:txEffectClrLst/>
+  </dgm:styleLbl>
+  <dgm:styleLbl name="parChTrans1D4">
+    <dgm:fillClrLst meth="repeat">
+      <a:schemeClr val="accent1"/>
+    </dgm:fillClrLst>
+    <dgm:linClrLst meth="repeat">
+      <a:schemeClr val="accent1">
+        <a:shade val="80000"/>
+      </a:schemeClr>
+    </dgm:linClrLst>
+    <dgm:effectClrLst/>
+    <dgm:txLinClrLst/>
+    <dgm:txFillClrLst meth="repeat">
+      <a:schemeClr val="tx1"/>
+    </dgm:txFillClrLst>
+    <dgm:txEffectClrLst/>
+  </dgm:styleLbl>
+  <dgm:styleLbl name="fgAcc1">
+    <dgm:fillClrLst meth="repeat">
+      <a:schemeClr val="lt1">
+        <a:alpha val="90000"/>
+      </a:schemeClr>
+    </dgm:fillClrLst>
+    <dgm:linClrLst meth="repeat">
+      <a:schemeClr val="accent1"/>
+    </dgm:linClrLst>
+    <dgm:effectClrLst/>
+    <dgm:txLinClrLst/>
+    <dgm:txFillClrLst meth="repeat">
+      <a:schemeClr val="dk1"/>
+    </dgm:txFillClrLst>
+    <dgm:txEffectClrLst/>
+  </dgm:styleLbl>
+  <dgm:styleLbl name="conFgAcc1">
+    <dgm:fillClrLst meth="repeat">
+      <a:schemeClr val="lt1">
+        <a:alpha val="90000"/>
+      </a:schemeClr>
+    </dgm:fillClrLst>
+    <dgm:linClrLst meth="repeat">
+      <a:schemeClr val="accent1"/>
+    </dgm:linClrLst>
+    <dgm:effectClrLst/>
+    <dgm:txLinClrLst/>
+    <dgm:txFillClrLst meth="repeat">
+      <a:schemeClr val="dk1"/>
+    </dgm:txFillClrLst>
+    <dgm:txEffectClrLst/>
+  </dgm:styleLbl>
+  <dgm:styleLbl name="alignAcc1">
+    <dgm:fillClrLst meth="repeat">
+      <a:schemeClr val="lt1">
+        <a:alpha val="90000"/>
+      </a:schemeClr>
+    </dgm:fillClrLst>
+    <dgm:linClrLst meth="repeat">
+      <a:schemeClr val="accent1"/>
+    </dgm:linClrLst>
+    <dgm:effectClrLst/>
+    <dgm:txLinClrLst/>
+    <dgm:txFillClrLst meth="repeat">
+      <a:schemeClr val="dk1"/>
+    </dgm:txFillClrLst>
+    <dgm:txEffectClrLst/>
+  </dgm:styleLbl>
+  <dgm:styleLbl name="trAlignAcc1">
+    <dgm:fillClrLst meth="repeat">
+      <a:schemeClr val="lt1">
+        <a:alpha val="40000"/>
+      </a:schemeClr>
+    </dgm:fillClrLst>
+    <dgm:linClrLst meth="repeat">
+      <a:schemeClr val="accent1"/>
+    </dgm:linClrLst>
+    <dgm:effectClrLst/>
+    <dgm:txLinClrLst/>
+    <dgm:txFillClrLst meth="repeat">
+      <a:schemeClr val="dk1"/>
+    </dgm:txFillClrLst>
+    <dgm:txEffectClrLst/>
+  </dgm:styleLbl>
+  <dgm:styleLbl name="bgAcc1">
+    <dgm:fillClrLst meth="repeat">
+      <a:schemeClr val="lt1">
+        <a:alpha val="90000"/>
+      </a:schemeClr>
+    </dgm:fillClrLst>
+    <dgm:linClrLst meth="repeat">
+      <a:schemeClr val="accent1"/>
+    </dgm:linClrLst>
+    <dgm:effectClrLst/>
+    <dgm:txLinClrLst/>
+    <dgm:txFillClrLst meth="repeat">
+      <a:schemeClr val="dk1"/>
+    </dgm:txFillClrLst>
+    <dgm:txEffectClrLst/>
+  </dgm:styleLbl>
+  <dgm:styleLbl name="solidFgAcc1">
+    <dgm:fillClrLst meth="repeat">
+      <a:schemeClr val="lt1"/>
+    </dgm:fillClrLst>
+    <dgm:linClrLst meth="repeat">
+      <a:schemeClr val="accent1"/>
+    </dgm:linClrLst>
+    <dgm:effectClrLst/>
+    <dgm:txLinClrLst/>
+    <dgm:txFillClrLst meth="repeat">
+      <a:schemeClr val="dk1"/>
+    </dgm:txFillClrLst>
+    <dgm:txEffectClrLst/>
+  </dgm:styleLbl>
+  <dgm:styleLbl name="solidAlignAcc1">
+    <dgm:fillClrLst meth="repeat">
+      <a:schemeClr val="lt1"/>
+    </dgm:fillClrLst>
+    <dgm:linClrLst meth="repeat">
+      <a:schemeClr val="accent1"/>
+    </dgm:linClrLst>
+    <dgm:effectClrLst/>
+    <dgm:txLinClrLst/>
+    <dgm:txFillClrLst meth="repeat">
+      <a:schemeClr val="dk1"/>
+    </dgm:txFillClrLst>
+    <dgm:txEffectClrLst/>
+  </dgm:styleLbl>
+  <dgm:styleLbl name="solidBgAcc1">
+    <dgm:fillClrLst meth="repeat">
+      <a:schemeClr val="lt1"/>
+    </dgm:fillClrLst>
+    <dgm:linClrLst meth="repeat">
+      <a:schemeClr val="accent1"/>
+    </dgm:linClrLst>
+    <dgm:effectClrLst/>
+    <dgm:txLinClrLst/>
+    <dgm:txFillClrLst meth="repeat">
+      <a:schemeClr val="dk1"/>
+    </dgm:txFillClrLst>
+    <dgm:txEffectClrLst/>
+  </dgm:styleLbl>
+  <dgm:styleLbl name="fgAccFollowNode1">
+    <dgm:fillClrLst meth="repeat">
+      <a:schemeClr val="accent1">
+        <a:alpha val="90000"/>
+        <a:tint val="40000"/>
+      </a:schemeClr>
+    </dgm:fillClrLst>
+    <dgm:linClrLst meth="repeat">
+      <a:schemeClr val="accent1">
+        <a:alpha val="90000"/>
+        <a:tint val="40000"/>
+      </a:schemeClr>
+    </dgm:linClrLst>
+    <dgm:effectClrLst/>
+    <dgm:txLinClrLst/>
+    <dgm:txFillClrLst meth="repeat">
+      <a:schemeClr val="dk1"/>
+    </dgm:txFillClrLst>
+    <dgm:txEffectClrLst/>
+  </dgm:styleLbl>
+  <dgm:styleLbl name="alignAccFollowNode1">
+    <dgm:fillClrLst meth="repeat">
+      <a:schemeClr val="accent1">
+        <a:alpha val="90000"/>
+        <a:tint val="40000"/>
+      </a:schemeClr>
+    </dgm:fillClrLst>
+    <dgm:linClrLst meth="repeat">
+      <a:schemeClr val="accent1">
+        <a:alpha val="90000"/>
+        <a:tint val="40000"/>
+      </a:schemeClr>
+    </dgm:linClrLst>
+    <dgm:effectClrLst/>
+    <dgm:txLinClrLst/>
+    <dgm:txFillClrLst meth="repeat">
+      <a:schemeClr val="dk1"/>
+    </dgm:txFillClrLst>
+    <dgm:txEffectClrLst/>
+  </dgm:styleLbl>
+  <dgm:styleLbl name="bgAccFollowNode1">
+    <dgm:fillClrLst meth="repeat">
+      <a:schemeClr val="accent1">
+        <a:alpha val="90000"/>
+        <a:tint val="40000"/>
+      </a:schemeClr>
+    </dgm:fillClrLst>
+    <dgm:linClrLst meth="repeat">
+      <a:schemeClr val="accent1">
+        <a:alpha val="90000"/>
+        <a:tint val="40000"/>
+      </a:schemeClr>
+    </dgm:linClrLst>
+    <dgm:effectClrLst/>
+    <dgm:txLinClrLst/>
+    <dgm:txFillClrLst meth="repeat">
+      <a:schemeClr val="dk1"/>
+    </dgm:txFillClrLst>
+    <dgm:txEffectClrLst/>
+  </dgm:styleLbl>
+  <dgm:styleLbl name="fgAcc0">
+    <dgm:fillClrLst meth="repeat">
+      <a:schemeClr val="lt1">
+        <a:alpha val="90000"/>
+      </a:schemeClr>
+    </dgm:fillClrLst>
+    <dgm:linClrLst meth="repeat">
+      <a:schemeClr val="accent1"/>
+    </dgm:linClrLst>
+    <dgm:effectClrLst/>
+    <dgm:txLinClrLst/>
+    <dgm:txFillClrLst meth="repeat">
+      <a:schemeClr val="dk1"/>
+    </dgm:txFillClrLst>
+    <dgm:txEffectClrLst/>
+  </dgm:styleLbl>
+  <dgm:styleLbl name="fgAcc2">
+    <dgm:fillClrLst meth="repeat">
+      <a:schemeClr val="lt1">
+        <a:alpha val="90000"/>
+      </a:schemeClr>
+    </dgm:fillClrLst>
+    <dgm:linClrLst meth="repeat">
+      <a:schemeClr val="accent1"/>
+    </dgm:linClrLst>
+    <dgm:effectClrLst/>
+    <dgm:txLinClrLst/>
+    <dgm:txFillClrLst meth="repeat">
+      <a:schemeClr val="dk1"/>
+    </dgm:txFillClrLst>
+    <dgm:txEffectClrLst/>
+  </dgm:styleLbl>
+  <dgm:styleLbl name="fgAcc3">
+    <dgm:fillClrLst meth="repeat">
+      <a:schemeClr val="lt1">
+        <a:alpha val="90000"/>
+      </a:schemeClr>
+    </dgm:fillClrLst>
+    <dgm:linClrLst meth="repeat">
+      <a:schemeClr val="accent1"/>
+    </dgm:linClrLst>
+    <dgm:effectClrLst/>
+    <dgm:txLinClrLst/>
+    <dgm:txFillClrLst meth="repeat">
+      <a:schemeClr val="dk1"/>
+    </dgm:txFillClrLst>
+    <dgm:txEffectClrLst/>
+  </dgm:styleLbl>
+  <dgm:styleLbl name="fgAcc4">
+    <dgm:fillClrLst meth="repeat">
+      <a:schemeClr val="lt1">
+        <a:alpha val="90000"/>
+      </a:schemeClr>
+    </dgm:fillClrLst>
+    <dgm:linClrLst meth="repeat">
+      <a:schemeClr val="accent1"/>
+    </dgm:linClrLst>
+    <dgm:effectClrLst/>
+    <dgm:txLinClrLst/>
+    <dgm:txFillClrLst meth="repeat">
+      <a:schemeClr val="dk1"/>
+    </dgm:txFillClrLst>
+    <dgm:txEffectClrLst/>
+  </dgm:styleLbl>
+  <dgm:styleLbl name="bgShp">
+    <dgm:fillClrLst meth="repeat">
+      <a:schemeClr val="accent1">
+        <a:tint val="40000"/>
+      </a:schemeClr>
+    </dgm:fillClrLst>
+    <dgm:linClrLst meth="repeat">
+      <a:schemeClr val="accent1"/>
+    </dgm:linClrLst>
+    <dgm:effectClrLst/>
+    <dgm:txLinClrLst/>
+    <dgm:txFillClrLst meth="repeat">
+      <a:schemeClr val="dk1"/>
+    </dgm:txFillClrLst>
+    <dgm:txEffectClrLst/>
+  </dgm:styleLbl>
+  <dgm:styleLbl name="dkBgShp">
+    <dgm:fillClrLst meth="repeat">
+      <a:schemeClr val="accent1">
+        <a:shade val="80000"/>
+      </a:schemeClr>
+    </dgm:fillClrLst>
+    <dgm:linClrLst meth="repeat">
+      <a:schemeClr val="accent1"/>
+    </dgm:linClrLst>
+    <dgm:effectClrLst/>
+    <dgm:txLinClrLst/>
+    <dgm:txFillClrLst meth="repeat">
+      <a:schemeClr val="lt1"/>
+    </dgm:txFillClrLst>
+    <dgm:txEffectClrLst/>
+  </dgm:styleLbl>
+  <dgm:styleLbl name="trBgShp">
+    <dgm:fillClrLst meth="repeat">
+      <a:schemeClr val="accent1">
+        <a:tint val="50000"/>
+        <a:alpha val="40000"/>
+      </a:schemeClr>
+    </dgm:fillClrLst>
+    <dgm:linClrLst meth="repeat">
+      <a:schemeClr val="accent1"/>
+    </dgm:linClrLst>
+    <dgm:effectClrLst/>
+    <dgm:txLinClrLst/>
+    <dgm:txFillClrLst meth="repeat">
+      <a:schemeClr val="lt1"/>
+    </dgm:txFillClrLst>
+    <dgm:txEffectClrLst/>
+  </dgm:styleLbl>
+  <dgm:styleLbl name="fgShp">
+    <dgm:fillClrLst meth="repeat">
+      <a:schemeClr val="accent1">
+        <a:tint val="60000"/>
+      </a:schemeClr>
+    </dgm:fillClrLst>
+    <dgm:linClrLst meth="repeat">
+      <a:schemeClr val="lt1"/>
+    </dgm:linClrLst>
+    <dgm:effectClrLst/>
+    <dgm:txLinClrLst/>
+    <dgm:txFillClrLst meth="repeat">
+      <a:schemeClr val="dk1"/>
+    </dgm:txFillClrLst>
+    <dgm:txEffectClrLst/>
+  </dgm:styleLbl>
+  <dgm:styleLbl name="revTx">
+    <dgm:fillClrLst meth="repeat">
+      <a:schemeClr val="lt1">
+        <a:alpha val="0"/>
+      </a:schemeClr>
+    </dgm:fillClrLst>
+    <dgm:linClrLst meth="repeat">
+      <a:schemeClr val="dk1">
+        <a:alpha val="0"/>
+      </a:schemeClr>
+    </dgm:linClrLst>
+    <dgm:effectClrLst/>
+    <dgm:txLinClrLst/>
+    <dgm:txFillClrLst meth="repeat">
+      <a:schemeClr val="tx1"/>
+    </dgm:txFillClrLst>
+    <dgm:txEffectClrLst/>
+  </dgm:styleLbl>
+</dgm:colorsDef>
+</file>
+
+<file path=ppt/diagrams/colors3.xml><?xml version="1.0" encoding="utf-8"?>
+<dgm:colorsDef xmlns:dgm="http://schemas.openxmlformats.org/drawingml/2006/diagram" xmlns:a="http://schemas.openxmlformats.org/drawingml/2006/main" uniqueId="urn:microsoft.com/office/officeart/2005/8/colors/accent1_2">
+  <dgm:title val=""/>
+  <dgm:desc val=""/>
+  <dgm:catLst>
+    <dgm:cat type="accent1" pri="11200"/>
+  </dgm:catLst>
+  <dgm:styleLbl name="node0">
+    <dgm:fillClrLst meth="repeat">
+      <a:schemeClr val="accent1"/>
+    </dgm:fillClrLst>
+    <dgm:linClrLst meth="repeat">
+      <a:schemeClr val="lt1"/>
+    </dgm:linClrLst>
+    <dgm:effectClrLst/>
+    <dgm:txLinClrLst/>
+    <dgm:txFillClrLst/>
+    <dgm:txEffectClrLst/>
+  </dgm:styleLbl>
+  <dgm:styleLbl name="alignNode1">
+    <dgm:fillClrLst meth="repeat">
+      <a:schemeClr val="accent1"/>
+    </dgm:fillClrLst>
+    <dgm:linClrLst meth="repeat">
+      <a:schemeClr val="accent1"/>
+    </dgm:linClrLst>
+    <dgm:effectClrLst/>
+    <dgm:txLinClrLst/>
+    <dgm:txFillClrLst/>
+    <dgm:txEffectClrLst/>
+  </dgm:styleLbl>
+  <dgm:styleLbl name="node1">
+    <dgm:fillClrLst meth="repeat">
+      <a:schemeClr val="accent1"/>
+    </dgm:fillClrLst>
+    <dgm:linClrLst meth="repeat">
+      <a:schemeClr val="lt1"/>
+    </dgm:linClrLst>
+    <dgm:effectClrLst/>
+    <dgm:txLinClrLst/>
+    <dgm:txFillClrLst/>
+    <dgm:txEffectClrLst/>
+  </dgm:styleLbl>
+  <dgm:styleLbl name="lnNode1">
+    <dgm:fillClrLst meth="repeat">
+      <a:schemeClr val="accent1"/>
+    </dgm:fillClrLst>
+    <dgm:linClrLst meth="repeat">
+      <a:schemeClr val="lt1"/>
+    </dgm:linClrLst>
+    <dgm:effectClrLst/>
+    <dgm:txLinClrLst/>
+    <dgm:txFillClrLst/>
+    <dgm:txEffectClrLst/>
+  </dgm:styleLbl>
+  <dgm:styleLbl name="vennNode1">
+    <dgm:fillClrLst meth="repeat">
+      <a:schemeClr val="accent1">
+        <a:alpha val="50000"/>
+      </a:schemeClr>
+    </dgm:fillClrLst>
+    <dgm:linClrLst meth="repeat">
+      <a:schemeClr val="lt1"/>
+    </dgm:linClrLst>
+    <dgm:effectClrLst/>
+    <dgm:txLinClrLst/>
+    <dgm:txFillClrLst/>
+    <dgm:txEffectClrLst/>
+  </dgm:styleLbl>
+  <dgm:styleLbl name="node2">
+    <dgm:fillClrLst meth="repeat">
+      <a:schemeClr val="accent1"/>
+    </dgm:fillClrLst>
+    <dgm:linClrLst meth="repeat">
+      <a:schemeClr val="lt1"/>
+    </dgm:linClrLst>
+    <dgm:effectClrLst/>
+    <dgm:txLinClrLst/>
+    <dgm:txFillClrLst/>
+    <dgm:txEffectClrLst/>
+  </dgm:styleLbl>
+  <dgm:styleLbl name="node3">
+    <dgm:fillClrLst meth="repeat">
+      <a:schemeClr val="accent1"/>
+    </dgm:fillClrLst>
+    <dgm:linClrLst meth="repeat">
+      <a:schemeClr val="lt1"/>
+    </dgm:linClrLst>
+    <dgm:effectClrLst/>
+    <dgm:txLinClrLst/>
+    <dgm:txFillClrLst/>
+    <dgm:txEffectClrLst/>
+  </dgm:styleLbl>
+  <dgm:styleLbl name="node4">
+    <dgm:fillClrLst meth="repeat">
+      <a:schemeClr val="accent1"/>
+    </dgm:fillClrLst>
+    <dgm:linClrLst meth="repeat">
+      <a:schemeClr val="lt1"/>
+    </dgm:linClrLst>
+    <dgm:effectClrLst/>
+    <dgm:txLinClrLst/>
+    <dgm:txFillClrLst/>
+    <dgm:txEffectClrLst/>
+  </dgm:styleLbl>
+  <dgm:styleLbl name="fgImgPlace1">
+    <dgm:fillClrLst meth="repeat">
+      <a:schemeClr val="accent1">
+        <a:tint val="50000"/>
+      </a:schemeClr>
+    </dgm:fillClrLst>
+    <dgm:linClrLst meth="repeat">
+      <a:schemeClr val="lt1"/>
+    </dgm:linClrLst>
+    <dgm:effectClrLst/>
+    <dgm:txLinClrLst/>
+    <dgm:txFillClrLst meth="repeat">
+      <a:schemeClr val="lt1"/>
+    </dgm:txFillClrLst>
+    <dgm:txEffectClrLst/>
+  </dgm:styleLbl>
+  <dgm:styleLbl name="alignImgPlace1">
+    <dgm:fillClrLst meth="repeat">
+      <a:schemeClr val="accent1">
+        <a:tint val="50000"/>
+      </a:schemeClr>
+    </dgm:fillClrLst>
+    <dgm:linClrLst meth="repeat">
+      <a:schemeClr val="lt1"/>
+    </dgm:linClrLst>
+    <dgm:effectClrLst/>
+    <dgm:txLinClrLst/>
+    <dgm:txFillClrLst meth="repeat">
+      <a:schemeClr val="lt1"/>
+    </dgm:txFillClrLst>
+    <dgm:txEffectClrLst/>
+  </dgm:styleLbl>
+  <dgm:styleLbl name="bgImgPlace1">
+    <dgm:fillClrLst meth="repeat">
+      <a:schemeClr val="accent1">
+        <a:tint val="50000"/>
+      </a:schemeClr>
+    </dgm:fillClrLst>
+    <dgm:linClrLst meth="repeat">
+      <a:schemeClr val="lt1"/>
+    </dgm:linClrLst>
+    <dgm:effectClrLst/>
+    <dgm:txLinClrLst/>
+    <dgm:txFillClrLst meth="repeat">
+      <a:schemeClr val="lt1"/>
+    </dgm:txFillClrLst>
+    <dgm:txEffectClrLst/>
+  </dgm:styleLbl>
+  <dgm:styleLbl name="sibTrans2D1">
+    <dgm:fillClrLst meth="repeat">
+      <a:schemeClr val="accent1">
+        <a:tint val="60000"/>
+      </a:schemeClr>
+    </dgm:fillClrLst>
+    <dgm:linClrLst meth="repeat">
+      <a:schemeClr val="accent1">
+        <a:tint val="60000"/>
+      </a:schemeClr>
+    </dgm:linClrLst>
+    <dgm:effectClrLst/>
+    <dgm:txLinClrLst/>
+    <dgm:txFillClrLst/>
+    <dgm:txEffectClrLst/>
+  </dgm:styleLbl>
+  <dgm:styleLbl name="fgSibTrans2D1">
+    <dgm:fillClrLst meth="repeat">
+      <a:schemeClr val="accent1">
+        <a:tint val="60000"/>
+      </a:schemeClr>
+    </dgm:fillClrLst>
+    <dgm:linClrLst meth="repeat">
+      <a:schemeClr val="accent1">
+        <a:tint val="60000"/>
+      </a:schemeClr>
+    </dgm:linClrLst>
+    <dgm:effectClrLst/>
+    <dgm:txLinClrLst/>
+    <dgm:txFillClrLst/>
+    <dgm:txEffectClrLst/>
+  </dgm:styleLbl>
+  <dgm:styleLbl name="bgSibTrans2D1">
+    <dgm:fillClrLst meth="repeat">
+      <a:schemeClr val="accent1">
+        <a:tint val="60000"/>
+      </a:schemeClr>
+    </dgm:fillClrLst>
+    <dgm:linClrLst meth="repeat">
+      <a:schemeClr val="accent1">
+        <a:tint val="60000"/>
+      </a:schemeClr>
+    </dgm:linClrLst>
+    <dgm:effectClrLst/>
+    <dgm:txLinClrLst/>
+    <dgm:txFillClrLst/>
+    <dgm:txEffectClrLst/>
+  </dgm:styleLbl>
+  <dgm:styleLbl name="sibTrans1D1">
+    <dgm:fillClrLst meth="repeat">
+      <a:schemeClr val="accent1"/>
+    </dgm:fillClrLst>
+    <dgm:linClrLst meth="repeat">
+      <a:schemeClr val="accent1"/>
+    </dgm:linClrLst>
+    <dgm:effectClrLst/>
+    <dgm:txLinClrLst/>
+    <dgm:txFillClrLst meth="repeat">
+      <a:schemeClr val="tx1"/>
+    </dgm:txFillClrLst>
+    <dgm:txEffectClrLst/>
+  </dgm:styleLbl>
+  <dgm:styleLbl name="callout">
+    <dgm:fillClrLst meth="repeat">
+      <a:schemeClr val="accent1"/>
+    </dgm:fillClrLst>
+    <dgm:linClrLst meth="repeat">
+      <a:schemeClr val="accent1">
+        <a:tint val="50000"/>
+      </a:schemeClr>
+    </dgm:linClrLst>
+    <dgm:effectClrLst/>
+    <dgm:txLinClrLst/>
+    <dgm:txFillClrLst meth="repeat">
+      <a:schemeClr val="tx1"/>
+    </dgm:txFillClrLst>
+    <dgm:txEffectClrLst/>
+  </dgm:styleLbl>
+  <dgm:styleLbl name="asst0">
+    <dgm:fillClrLst meth="repeat">
+      <a:schemeClr val="accent1"/>
+    </dgm:fillClrLst>
+    <dgm:linClrLst meth="repeat">
+      <a:schemeClr val="lt1"/>
+    </dgm:linClrLst>
+    <dgm:effectClrLst/>
+    <dgm:txLinClrLst/>
+    <dgm:txFillClrLst/>
+    <dgm:txEffectClrLst/>
+  </dgm:styleLbl>
+  <dgm:styleLbl name="asst1">
+    <dgm:fillClrLst meth="repeat">
+      <a:schemeClr val="accent1"/>
+    </dgm:fillClrLst>
+    <dgm:linClrLst meth="repeat">
+      <a:schemeClr val="lt1"/>
+    </dgm:linClrLst>
+    <dgm:effectClrLst/>
+    <dgm:txLinClrLst/>
+    <dgm:txFillClrLst/>
+    <dgm:txEffectClrLst/>
+  </dgm:styleLbl>
+  <dgm:styleLbl name="asst2">
+    <dgm:fillClrLst meth="repeat">
+      <a:schemeClr val="accent1"/>
+    </dgm:fillClrLst>
+    <dgm:linClrLst meth="repeat">
+      <a:schemeClr val="lt1"/>
+    </dgm:linClrLst>
+    <dgm:effectClrLst/>
+    <dgm:txLinClrLst/>
+    <dgm:txFillClrLst/>
+    <dgm:txEffectClrLst/>
+  </dgm:styleLbl>
+  <dgm:styleLbl name="asst3">
+    <dgm:fillClrLst meth="repeat">
+      <a:schemeClr val="accent1"/>
+    </dgm:fillClrLst>
+    <dgm:linClrLst meth="repeat">
+      <a:schemeClr val="lt1"/>
+    </dgm:linClrLst>
+    <dgm:effectClrLst/>
+    <dgm:txLinClrLst/>
+    <dgm:txFillClrLst/>
+    <dgm:txEffectClrLst/>
+  </dgm:styleLbl>
+  <dgm:styleLbl name="asst4">
+    <dgm:fillClrLst meth="repeat">
+      <a:schemeClr val="accent1"/>
+    </dgm:fillClrLst>
+    <dgm:linClrLst meth="repeat">
+      <a:schemeClr val="lt1"/>
+    </dgm:linClrLst>
+    <dgm:effectClrLst/>
+    <dgm:txLinClrLst/>
+    <dgm:txFillClrLst/>
+    <dgm:txEffectClrLst/>
+  </dgm:styleLbl>
+  <dgm:styleLbl name="parChTrans2D1">
+    <dgm:fillClrLst meth="repeat">
+      <a:schemeClr val="accent1">
+        <a:tint val="60000"/>
+      </a:schemeClr>
+    </dgm:fillClrLst>
+    <dgm:linClrLst meth="repeat">
+      <a:schemeClr val="accent1">
+        <a:tint val="60000"/>
+      </a:schemeClr>
+    </dgm:linClrLst>
+    <dgm:effectClrLst/>
+    <dgm:txLinClrLst/>
+    <dgm:txFillClrLst meth="repeat">
+      <a:schemeClr val="lt1"/>
+    </dgm:txFillClrLst>
+    <dgm:txEffectClrLst/>
+  </dgm:styleLbl>
+  <dgm:styleLbl name="parChTrans2D2">
+    <dgm:fillClrLst meth="repeat">
+      <a:schemeClr val="accent1"/>
+    </dgm:fillClrLst>
+    <dgm:linClrLst meth="repeat">
+      <a:schemeClr val="accent1"/>
+    </dgm:linClrLst>
+    <dgm:effectClrLst/>
+    <dgm:txLinClrLst/>
+    <dgm:txFillClrLst meth="repeat">
+      <a:schemeClr val="lt1"/>
+    </dgm:txFillClrLst>
+    <dgm:txEffectClrLst/>
+  </dgm:styleLbl>
+  <dgm:styleLbl name="parChTrans2D3">
+    <dgm:fillClrLst meth="repeat">
+      <a:schemeClr val="accent1"/>
+    </dgm:fillClrLst>
+    <dgm:linClrLst meth="repeat">
+      <a:schemeClr val="accent1"/>
+    </dgm:linClrLst>
+    <dgm:effectClrLst/>
+    <dgm:txLinClrLst/>
+    <dgm:txFillClrLst meth="repeat">
+      <a:schemeClr val="lt1"/>
+    </dgm:txFillClrLst>
+    <dgm:txEffectClrLst/>
+  </dgm:styleLbl>
+  <dgm:styleLbl name="parChTrans2D4">
+    <dgm:fillClrLst meth="repeat">
+      <a:schemeClr val="accent1"/>
+    </dgm:fillClrLst>
+    <dgm:linClrLst meth="repeat">
+      <a:schemeClr val="accent1"/>
+    </dgm:linClrLst>
+    <dgm:effectClrLst/>
+    <dgm:txLinClrLst/>
+    <dgm:txFillClrLst meth="repeat">
+      <a:schemeClr val="lt1"/>
+    </dgm:txFillClrLst>
+    <dgm:txEffectClrLst/>
+  </dgm:styleLbl>
+  <dgm:styleLbl name="parChTrans1D1">
+    <dgm:fillClrLst meth="repeat">
+      <a:schemeClr val="accent1"/>
+    </dgm:fillClrLst>
+    <dgm:linClrLst meth="repeat">
+      <a:schemeClr val="accent1">
+        <a:shade val="60000"/>
+      </a:schemeClr>
+    </dgm:linClrLst>
+    <dgm:effectClrLst/>
+    <dgm:txLinClrLst/>
+    <dgm:txFillClrLst meth="repeat">
+      <a:schemeClr val="tx1"/>
+    </dgm:txFillClrLst>
+    <dgm:txEffectClrLst/>
+  </dgm:styleLbl>
+  <dgm:styleLbl name="parChTrans1D2">
+    <dgm:fillClrLst meth="repeat">
+      <a:schemeClr val="accent1"/>
+    </dgm:fillClrLst>
+    <dgm:linClrLst meth="repeat">
+      <a:schemeClr val="accent1">
+        <a:shade val="60000"/>
+      </a:schemeClr>
+    </dgm:linClrLst>
+    <dgm:effectClrLst/>
+    <dgm:txLinClrLst/>
+    <dgm:txFillClrLst meth="repeat">
+      <a:schemeClr val="tx1"/>
+    </dgm:txFillClrLst>
+    <dgm:txEffectClrLst/>
+  </dgm:styleLbl>
+  <dgm:styleLbl name="parChTrans1D3">
+    <dgm:fillClrLst meth="repeat">
+      <a:schemeClr val="accent1"/>
+    </dgm:fillClrLst>
+    <dgm:linClrLst meth="repeat">
+      <a:schemeClr val="accent1">
+        <a:shade val="80000"/>
+      </a:schemeClr>
+    </dgm:linClrLst>
+    <dgm:effectClrLst/>
+    <dgm:txLinClrLst/>
+    <dgm:txFillClrLst meth="repeat">
+      <a:schemeClr val="tx1"/>
+    </dgm:txFillClrLst>
+    <dgm:txEffectClrLst/>
+  </dgm:styleLbl>
+  <dgm:styleLbl name="parChTrans1D4">
+    <dgm:fillClrLst meth="repeat">
+      <a:schemeClr val="accent1"/>
+    </dgm:fillClrLst>
+    <dgm:linClrLst meth="repeat">
+      <a:schemeClr val="accent1">
+        <a:shade val="80000"/>
+      </a:schemeClr>
+    </dgm:linClrLst>
+    <dgm:effectClrLst/>
+    <dgm:txLinClrLst/>
+    <dgm:txFillClrLst meth="repeat">
+      <a:schemeClr val="tx1"/>
+    </dgm:txFillClrLst>
+    <dgm:txEffectClrLst/>
+  </dgm:styleLbl>
+  <dgm:styleLbl name="fgAcc1">
+    <dgm:fillClrLst meth="repeat">
+      <a:schemeClr val="lt1">
+        <a:alpha val="90000"/>
+      </a:schemeClr>
+    </dgm:fillClrLst>
+    <dgm:linClrLst meth="repeat">
+      <a:schemeClr val="accent1"/>
+    </dgm:linClrLst>
+    <dgm:effectClrLst/>
+    <dgm:txLinClrLst/>
+    <dgm:txFillClrLst meth="repeat">
+      <a:schemeClr val="dk1"/>
+    </dgm:txFillClrLst>
+    <dgm:txEffectClrLst/>
+  </dgm:styleLbl>
+  <dgm:styleLbl name="conFgAcc1">
+    <dgm:fillClrLst meth="repeat">
+      <a:schemeClr val="lt1">
+        <a:alpha val="90000"/>
+      </a:schemeClr>
+    </dgm:fillClrLst>
+    <dgm:linClrLst meth="repeat">
+      <a:schemeClr val="accent1"/>
+    </dgm:linClrLst>
+    <dgm:effectClrLst/>
+    <dgm:txLinClrLst/>
+    <dgm:txFillClrLst meth="repeat">
+      <a:schemeClr val="dk1"/>
+    </dgm:txFillClrLst>
+    <dgm:txEffectClrLst/>
+  </dgm:styleLbl>
+  <dgm:styleLbl name="alignAcc1">
+    <dgm:fillClrLst meth="repeat">
+      <a:schemeClr val="lt1">
+        <a:alpha val="90000"/>
+      </a:schemeClr>
+    </dgm:fillClrLst>
+    <dgm:linClrLst meth="repeat">
+      <a:schemeClr val="accent1"/>
+    </dgm:linClrLst>
+    <dgm:effectClrLst/>
+    <dgm:txLinClrLst/>
+    <dgm:txFillClrLst meth="repeat">
+      <a:schemeClr val="dk1"/>
+    </dgm:txFillClrLst>
+    <dgm:txEffectClrLst/>
+  </dgm:styleLbl>
+  <dgm:styleLbl name="trAlignAcc1">
+    <dgm:fillClrLst meth="repeat">
+      <a:schemeClr val="lt1">
+        <a:alpha val="40000"/>
+      </a:schemeClr>
+    </dgm:fillClrLst>
+    <dgm:linClrLst meth="repeat">
+      <a:schemeClr val="accent1"/>
+    </dgm:linClrLst>
+    <dgm:effectClrLst/>
+    <dgm:txLinClrLst/>
+    <dgm:txFillClrLst meth="repeat">
+      <a:schemeClr val="dk1"/>
+    </dgm:txFillClrLst>
+    <dgm:txEffectClrLst/>
+  </dgm:styleLbl>
+  <dgm:styleLbl name="bgAcc1">
+    <dgm:fillClrLst meth="repeat">
+      <a:schemeClr val="lt1">
+        <a:alpha val="90000"/>
+      </a:schemeClr>
+    </dgm:fillClrLst>
+    <dgm:linClrLst meth="repeat">
+      <a:schemeClr val="accent1"/>
+    </dgm:linClrLst>
+    <dgm:effectClrLst/>
+    <dgm:txLinClrLst/>
+    <dgm:txFillClrLst meth="repeat">
+      <a:schemeClr val="dk1"/>
+    </dgm:txFillClrLst>
+    <dgm:txEffectClrLst/>
+  </dgm:styleLbl>
+  <dgm:styleLbl name="solidFgAcc1">
+    <dgm:fillClrLst meth="repeat">
+      <a:schemeClr val="lt1"/>
+    </dgm:fillClrLst>
+    <dgm:linClrLst meth="repeat">
+      <a:schemeClr val="accent1"/>
+    </dgm:linClrLst>
+    <dgm:effectClrLst/>
+    <dgm:txLinClrLst/>
+    <dgm:txFillClrLst meth="repeat">
+      <a:schemeClr val="dk1"/>
+    </dgm:txFillClrLst>
+    <dgm:txEffectClrLst/>
+  </dgm:styleLbl>
+  <dgm:styleLbl name="solidAlignAcc1">
+    <dgm:fillClrLst meth="repeat">
+      <a:schemeClr val="lt1"/>
+    </dgm:fillClrLst>
+    <dgm:linClrLst meth="repeat">
+      <a:schemeClr val="accent1"/>
+    </dgm:linClrLst>
+    <dgm:effectClrLst/>
+    <dgm:txLinClrLst/>
+    <dgm:txFillClrLst meth="repeat">
+      <a:schemeClr val="dk1"/>
+    </dgm:txFillClrLst>
+    <dgm:txEffectClrLst/>
+  </dgm:styleLbl>
+  <dgm:styleLbl name="solidBgAcc1">
+    <dgm:fillClrLst meth="repeat">
+      <a:schemeClr val="lt1"/>
+    </dgm:fillClrLst>
+    <dgm:linClrLst meth="repeat">
+      <a:schemeClr val="accent1"/>
+    </dgm:linClrLst>
+    <dgm:effectClrLst/>
+    <dgm:txLinClrLst/>
+    <dgm:txFillClrLst meth="repeat">
+      <a:schemeClr val="dk1"/>
+    </dgm:txFillClrLst>
+    <dgm:txEffectClrLst/>
+  </dgm:styleLbl>
+  <dgm:styleLbl name="fgAccFollowNode1">
+    <dgm:fillClrLst meth="repeat">
+      <a:schemeClr val="accent1">
+        <a:alpha val="90000"/>
+        <a:tint val="40000"/>
+      </a:schemeClr>
+    </dgm:fillClrLst>
+    <dgm:linClrLst meth="repeat">
+      <a:schemeClr val="accent1">
+        <a:alpha val="90000"/>
+        <a:tint val="40000"/>
+      </a:schemeClr>
+    </dgm:linClrLst>
+    <dgm:effectClrLst/>
+    <dgm:txLinClrLst/>
+    <dgm:txFillClrLst meth="repeat">
+      <a:schemeClr val="dk1"/>
+    </dgm:txFillClrLst>
+    <dgm:txEffectClrLst/>
+  </dgm:styleLbl>
+  <dgm:styleLbl name="alignAccFollowNode1">
+    <dgm:fillClrLst meth="repeat">
+      <a:schemeClr val="accent1">
+        <a:alpha val="90000"/>
+        <a:tint val="40000"/>
+      </a:schemeClr>
+    </dgm:fillClrLst>
+    <dgm:linClrLst meth="repeat">
+      <a:schemeClr val="accent1">
+        <a:alpha val="90000"/>
+        <a:tint val="40000"/>
+      </a:schemeClr>
+    </dgm:linClrLst>
+    <dgm:effectClrLst/>
+    <dgm:txLinClrLst/>
+    <dgm:txFillClrLst meth="repeat">
+      <a:schemeClr val="dk1"/>
+    </dgm:txFillClrLst>
+    <dgm:txEffectClrLst/>
+  </dgm:styleLbl>
+  <dgm:styleLbl name="bgAccFollowNode1">
+    <dgm:fillClrLst meth="repeat">
+      <a:schemeClr val="accent1">
+        <a:alpha val="90000"/>
+        <a:tint val="40000"/>
+      </a:schemeClr>
+    </dgm:fillClrLst>
+    <dgm:linClrLst meth="repeat">
+      <a:schemeClr val="accent1">
+        <a:alpha val="90000"/>
+        <a:tint val="40000"/>
+      </a:schemeClr>
+    </dgm:linClrLst>
+    <dgm:effectClrLst/>
+    <dgm:txLinClrLst/>
+    <dgm:txFillClrLst meth="repeat">
+      <a:schemeClr val="dk1"/>
+    </dgm:txFillClrLst>
+    <dgm:txEffectClrLst/>
+  </dgm:styleLbl>
+  <dgm:styleLbl name="fgAcc0">
+    <dgm:fillClrLst meth="repeat">
+      <a:schemeClr val="lt1">
+        <a:alpha val="90000"/>
+      </a:schemeClr>
+    </dgm:fillClrLst>
+    <dgm:linClrLst meth="repeat">
+      <a:schemeClr val="accent1"/>
+    </dgm:linClrLst>
+    <dgm:effectClrLst/>
+    <dgm:txLinClrLst/>
+    <dgm:txFillClrLst meth="repeat">
+      <a:schemeClr val="dk1"/>
+    </dgm:txFillClrLst>
+    <dgm:txEffectClrLst/>
+  </dgm:styleLbl>
+  <dgm:styleLbl name="fgAcc2">
+    <dgm:fillClrLst meth="repeat">
+      <a:schemeClr val="lt1">
+        <a:alpha val="90000"/>
+      </a:schemeClr>
+    </dgm:fillClrLst>
+    <dgm:linClrLst meth="repeat">
+      <a:schemeClr val="accent1"/>
+    </dgm:linClrLst>
+    <dgm:effectClrLst/>
+    <dgm:txLinClrLst/>
+    <dgm:txFillClrLst meth="repeat">
+      <a:schemeClr val="dk1"/>
+    </dgm:txFillClrLst>
+    <dgm:txEffectClrLst/>
+  </dgm:styleLbl>
+  <dgm:styleLbl name="fgAcc3">
+    <dgm:fillClrLst meth="repeat">
+      <a:schemeClr val="lt1">
+        <a:alpha val="90000"/>
+      </a:schemeClr>
+    </dgm:fillClrLst>
+    <dgm:linClrLst meth="repeat">
+      <a:schemeClr val="accent1"/>
+    </dgm:linClrLst>
+    <dgm:effectClrLst/>
+    <dgm:txLinClrLst/>
+    <dgm:txFillClrLst meth="repeat">
+      <a:schemeClr val="dk1"/>
+    </dgm:txFillClrLst>
+    <dgm:txEffectClrLst/>
+  </dgm:styleLbl>
+  <dgm:styleLbl name="fgAcc4">
+    <dgm:fillClrLst meth="repeat">
+      <a:schemeClr val="lt1">
+        <a:alpha val="90000"/>
+      </a:schemeClr>
+    </dgm:fillClrLst>
+    <dgm:linClrLst meth="repeat">
+      <a:schemeClr val="accent1"/>
+    </dgm:linClrLst>
+    <dgm:effectClrLst/>
+    <dgm:txLinClrLst/>
+    <dgm:txFillClrLst meth="repeat">
+      <a:schemeClr val="dk1"/>
+    </dgm:txFillClrLst>
+    <dgm:txEffectClrLst/>
+  </dgm:styleLbl>
+  <dgm:styleLbl name="bgShp">
+    <dgm:fillClrLst meth="repeat">
+      <a:schemeClr val="accent1">
+        <a:tint val="40000"/>
+      </a:schemeClr>
+    </dgm:fillClrLst>
+    <dgm:linClrLst meth="repeat">
+      <a:schemeClr val="accent1"/>
+    </dgm:linClrLst>
+    <dgm:effectClrLst/>
+    <dgm:txLinClrLst/>
+    <dgm:txFillClrLst meth="repeat">
+      <a:schemeClr val="dk1"/>
+    </dgm:txFillClrLst>
+    <dgm:txEffectClrLst/>
+  </dgm:styleLbl>
+  <dgm:styleLbl name="dkBgShp">
+    <dgm:fillClrLst meth="repeat">
+      <a:schemeClr val="accent1">
+        <a:shade val="80000"/>
+      </a:schemeClr>
+    </dgm:fillClrLst>
+    <dgm:linClrLst meth="repeat">
+      <a:schemeClr val="accent1"/>
+    </dgm:linClrLst>
+    <dgm:effectClrLst/>
+    <dgm:txLinClrLst/>
+    <dgm:txFillClrLst meth="repeat">
+      <a:schemeClr val="lt1"/>
+    </dgm:txFillClrLst>
+    <dgm:txEffectClrLst/>
+  </dgm:styleLbl>
+  <dgm:styleLbl name="trBgShp">
+    <dgm:fillClrLst meth="repeat">
+      <a:schemeClr val="accent1">
+        <a:tint val="50000"/>
+        <a:alpha val="40000"/>
+      </a:schemeClr>
+    </dgm:fillClrLst>
+    <dgm:linClrLst meth="repeat">
+      <a:schemeClr val="accent1"/>
+    </dgm:linClrLst>
+    <dgm:effectClrLst/>
+    <dgm:txLinClrLst/>
+    <dgm:txFillClrLst meth="repeat">
+      <a:schemeClr val="lt1"/>
+    </dgm:txFillClrLst>
+    <dgm:txEffectClrLst/>
+  </dgm:styleLbl>
+  <dgm:styleLbl name="fgShp">
+    <dgm:fillClrLst meth="repeat">
+      <a:schemeClr val="accent1">
+        <a:tint val="60000"/>
+      </a:schemeClr>
+    </dgm:fillClrLst>
+    <dgm:linClrLst meth="repeat">
+      <a:schemeClr val="lt1"/>
+    </dgm:linClrLst>
+    <dgm:effectClrLst/>
+    <dgm:txLinClrLst/>
+    <dgm:txFillClrLst meth="repeat">
+      <a:schemeClr val="dk1"/>
+    </dgm:txFillClrLst>
+    <dgm:txEffectClrLst/>
+  </dgm:styleLbl>
+  <dgm:styleLbl name="revTx">
+    <dgm:fillClrLst meth="repeat">
+      <a:schemeClr val="lt1">
+        <a:alpha val="0"/>
+      </a:schemeClr>
+    </dgm:fillClrLst>
+    <dgm:linClrLst meth="repeat">
+      <a:schemeClr val="dk1">
+        <a:alpha val="0"/>
+      </a:schemeClr>
+    </dgm:linClrLst>
+    <dgm:effectClrLst/>
+    <dgm:txLinClrLst/>
+    <dgm:txFillClrLst meth="repeat">
+      <a:schemeClr val="tx1"/>
+    </dgm:txFillClrLst>
+    <dgm:txEffectClrLst/>
+  </dgm:styleLbl>
+</dgm:colorsDef>
+</file>
+
 <file path=ppt/diagrams/data1.xml><?xml version="1.0" encoding="utf-8"?>
+<dgm:dataModel xmlns:dgm="http://schemas.openxmlformats.org/drawingml/2006/diagram" xmlns:a="http://schemas.openxmlformats.org/drawingml/2006/main">
+  <dgm:ptLst>
+    <dgm:pt modelId="{DD98920A-75BB-4535-99C2-3B6192F4BDE4}" type="doc">
+      <dgm:prSet loTypeId="urn:microsoft.com/office/officeart/2005/8/layout/radial3" loCatId="relationship" qsTypeId="urn:microsoft.com/office/officeart/2005/8/quickstyle/simple1" qsCatId="simple" csTypeId="urn:microsoft.com/office/officeart/2005/8/colors/accent1_2" csCatId="accent1" phldr="1"/>
+      <dgm:spPr/>
+      <dgm:t>
+        <a:bodyPr/>
+        <a:lstStyle/>
+        <a:p>
+          <a:endParaRPr lang="en-US"/>
+        </a:p>
+      </dgm:t>
+    </dgm:pt>
+    <dgm:pt modelId="{2AD1D386-9552-4D31-90A0-14145EEEB3A7}">
+      <dgm:prSet phldrT="[Text]"/>
+      <dgm:spPr/>
+      <dgm:t>
+        <a:bodyPr/>
+        <a:lstStyle/>
+        <a:p>
+          <a:r>
+            <a:rPr lang="en-US" dirty="0" err="1"/>
+            <a:t>MessageSender</a:t>
+          </a:r>
+          <a:endParaRPr lang="en-US" dirty="0"/>
+        </a:p>
+      </dgm:t>
+    </dgm:pt>
+    <dgm:pt modelId="{5B23A33C-0C0F-48B2-894A-DA5D6FFD4B32}" type="parTrans" cxnId="{9797345E-12DE-4E7A-9D3C-A3EF13A6F44E}">
+      <dgm:prSet/>
+      <dgm:spPr/>
+      <dgm:t>
+        <a:bodyPr/>
+        <a:lstStyle/>
+        <a:p>
+          <a:endParaRPr lang="en-US"/>
+        </a:p>
+      </dgm:t>
+    </dgm:pt>
+    <dgm:pt modelId="{216D903F-033B-4178-BC40-B3077AB87104}" type="sibTrans" cxnId="{9797345E-12DE-4E7A-9D3C-A3EF13A6F44E}">
+      <dgm:prSet/>
+      <dgm:spPr/>
+      <dgm:t>
+        <a:bodyPr/>
+        <a:lstStyle/>
+        <a:p>
+          <a:endParaRPr lang="en-US"/>
+        </a:p>
+      </dgm:t>
+    </dgm:pt>
+    <dgm:pt modelId="{9845EE77-C277-49D0-B5B3-978267D746EF}">
+      <dgm:prSet phldrT="[Text]"/>
+      <dgm:spPr>
+        <a:solidFill>
+          <a:srgbClr val="5B9BD5">
+            <a:alpha val="30196"/>
+          </a:srgbClr>
+        </a:solidFill>
+      </dgm:spPr>
+      <dgm:t>
+        <a:bodyPr/>
+        <a:lstStyle/>
+        <a:p>
+          <a:pPr algn="ctr"/>
+          <a:endParaRPr lang="en-US" dirty="0"/>
+        </a:p>
+      </dgm:t>
+    </dgm:pt>
+    <dgm:pt modelId="{6BB9C052-FC70-4C77-BC89-4F26FD6D4A8A}" type="parTrans" cxnId="{15BADC4C-0883-4E6F-A040-9BE138709082}">
+      <dgm:prSet/>
+      <dgm:spPr/>
+      <dgm:t>
+        <a:bodyPr/>
+        <a:lstStyle/>
+        <a:p>
+          <a:endParaRPr lang="en-US"/>
+        </a:p>
+      </dgm:t>
+    </dgm:pt>
+    <dgm:pt modelId="{114D12E3-F029-4039-9295-646C0E49CDCE}" type="sibTrans" cxnId="{15BADC4C-0883-4E6F-A040-9BE138709082}">
+      <dgm:prSet/>
+      <dgm:spPr/>
+      <dgm:t>
+        <a:bodyPr/>
+        <a:lstStyle/>
+        <a:p>
+          <a:endParaRPr lang="en-US"/>
+        </a:p>
+      </dgm:t>
+    </dgm:pt>
+    <dgm:pt modelId="{BBBFBAB7-1262-46B5-A857-5DDCD7F75AEE}">
+      <dgm:prSet phldrT="[Text]"/>
+      <dgm:spPr>
+        <a:solidFill>
+          <a:srgbClr val="5B9BD5">
+            <a:alpha val="30196"/>
+          </a:srgbClr>
+        </a:solidFill>
+      </dgm:spPr>
+      <dgm:t>
+        <a:bodyPr/>
+        <a:lstStyle/>
+        <a:p>
+          <a:endParaRPr lang="en-US" dirty="0"/>
+        </a:p>
+      </dgm:t>
+    </dgm:pt>
+    <dgm:pt modelId="{4A295D89-0A9D-4040-A707-480827CD1601}" type="parTrans" cxnId="{B30CCB67-E35E-448C-88E9-C58B05A147F0}">
+      <dgm:prSet/>
+      <dgm:spPr/>
+      <dgm:t>
+        <a:bodyPr/>
+        <a:lstStyle/>
+        <a:p>
+          <a:endParaRPr lang="en-US"/>
+        </a:p>
+      </dgm:t>
+    </dgm:pt>
+    <dgm:pt modelId="{F7E73100-A756-448C-9FEB-9673AD43C3B8}" type="sibTrans" cxnId="{B30CCB67-E35E-448C-88E9-C58B05A147F0}">
+      <dgm:prSet/>
+      <dgm:spPr/>
+      <dgm:t>
+        <a:bodyPr/>
+        <a:lstStyle/>
+        <a:p>
+          <a:endParaRPr lang="en-US"/>
+        </a:p>
+      </dgm:t>
+    </dgm:pt>
+    <dgm:pt modelId="{CEE31ECD-6A4C-4081-92F5-74C8C74089D7}" type="pres">
+      <dgm:prSet presAssocID="{DD98920A-75BB-4535-99C2-3B6192F4BDE4}" presName="composite" presStyleCnt="0">
+        <dgm:presLayoutVars>
+          <dgm:chMax val="1"/>
+          <dgm:dir/>
+          <dgm:resizeHandles val="exact"/>
+        </dgm:presLayoutVars>
+      </dgm:prSet>
+      <dgm:spPr/>
+    </dgm:pt>
+    <dgm:pt modelId="{09544157-A78F-43B6-9028-DF2F5F424FDC}" type="pres">
+      <dgm:prSet presAssocID="{DD98920A-75BB-4535-99C2-3B6192F4BDE4}" presName="radial" presStyleCnt="0">
+        <dgm:presLayoutVars>
+          <dgm:animLvl val="ctr"/>
+        </dgm:presLayoutVars>
+      </dgm:prSet>
+      <dgm:spPr/>
+    </dgm:pt>
+    <dgm:pt modelId="{0513E1FC-A9D7-45D4-839E-F54AEC13DAEF}" type="pres">
+      <dgm:prSet presAssocID="{2AD1D386-9552-4D31-90A0-14145EEEB3A7}" presName="centerShape" presStyleLbl="vennNode1" presStyleIdx="0" presStyleCnt="3"/>
+      <dgm:spPr/>
+    </dgm:pt>
+    <dgm:pt modelId="{55EC9E6F-7538-45AE-B5C3-4D1C72619353}" type="pres">
+      <dgm:prSet presAssocID="{9845EE77-C277-49D0-B5B3-978267D746EF}" presName="node" presStyleLbl="vennNode1" presStyleIdx="1" presStyleCnt="3" custScaleX="320232" custScaleY="308057" custRadScaleRad="42733" custRadScaleInc="1973">
+        <dgm:presLayoutVars>
+          <dgm:bulletEnabled val="1"/>
+        </dgm:presLayoutVars>
+      </dgm:prSet>
+      <dgm:spPr/>
+    </dgm:pt>
+    <dgm:pt modelId="{8D59F236-B5EC-4A03-9AB2-D83FB6B5B6CF}" type="pres">
+      <dgm:prSet presAssocID="{BBBFBAB7-1262-46B5-A857-5DDCD7F75AEE}" presName="node" presStyleLbl="vennNode1" presStyleIdx="2" presStyleCnt="3" custScaleX="313815" custScaleY="313815" custRadScaleRad="43291" custRadScaleInc="427">
+        <dgm:presLayoutVars>
+          <dgm:bulletEnabled val="1"/>
+        </dgm:presLayoutVars>
+      </dgm:prSet>
+      <dgm:spPr/>
+    </dgm:pt>
+  </dgm:ptLst>
+  <dgm:cxnLst>
+    <dgm:cxn modelId="{31B5DD48-4152-44C0-ABEF-BBAFB9A08042}" type="presOf" srcId="{BBBFBAB7-1262-46B5-A857-5DDCD7F75AEE}" destId="{8D59F236-B5EC-4A03-9AB2-D83FB6B5B6CF}" srcOrd="0" destOrd="0" presId="urn:microsoft.com/office/officeart/2005/8/layout/radial3"/>
+    <dgm:cxn modelId="{7AD6620E-4701-4020-B0C0-29A0E643ED66}" type="presOf" srcId="{DD98920A-75BB-4535-99C2-3B6192F4BDE4}" destId="{CEE31ECD-6A4C-4081-92F5-74C8C74089D7}" srcOrd="0" destOrd="0" presId="urn:microsoft.com/office/officeart/2005/8/layout/radial3"/>
+    <dgm:cxn modelId="{B30CCB67-E35E-448C-88E9-C58B05A147F0}" srcId="{2AD1D386-9552-4D31-90A0-14145EEEB3A7}" destId="{BBBFBAB7-1262-46B5-A857-5DDCD7F75AEE}" srcOrd="1" destOrd="0" parTransId="{4A295D89-0A9D-4040-A707-480827CD1601}" sibTransId="{F7E73100-A756-448C-9FEB-9673AD43C3B8}"/>
+    <dgm:cxn modelId="{C2A8FD47-D098-4F7E-977E-086ECA7FB15B}" type="presOf" srcId="{2AD1D386-9552-4D31-90A0-14145EEEB3A7}" destId="{0513E1FC-A9D7-45D4-839E-F54AEC13DAEF}" srcOrd="0" destOrd="0" presId="urn:microsoft.com/office/officeart/2005/8/layout/radial3"/>
+    <dgm:cxn modelId="{15BADC4C-0883-4E6F-A040-9BE138709082}" srcId="{2AD1D386-9552-4D31-90A0-14145EEEB3A7}" destId="{9845EE77-C277-49D0-B5B3-978267D746EF}" srcOrd="0" destOrd="0" parTransId="{6BB9C052-FC70-4C77-BC89-4F26FD6D4A8A}" sibTransId="{114D12E3-F029-4039-9295-646C0E49CDCE}"/>
+    <dgm:cxn modelId="{9797345E-12DE-4E7A-9D3C-A3EF13A6F44E}" srcId="{DD98920A-75BB-4535-99C2-3B6192F4BDE4}" destId="{2AD1D386-9552-4D31-90A0-14145EEEB3A7}" srcOrd="0" destOrd="0" parTransId="{5B23A33C-0C0F-48B2-894A-DA5D6FFD4B32}" sibTransId="{216D903F-033B-4178-BC40-B3077AB87104}"/>
+    <dgm:cxn modelId="{8AE07100-E4CA-434A-8A57-A4E85C2CEBE5}" type="presOf" srcId="{9845EE77-C277-49D0-B5B3-978267D746EF}" destId="{55EC9E6F-7538-45AE-B5C3-4D1C72619353}" srcOrd="0" destOrd="0" presId="urn:microsoft.com/office/officeart/2005/8/layout/radial3"/>
+    <dgm:cxn modelId="{AE94C16F-D7D2-4C91-9013-87417F59A81A}" type="presParOf" srcId="{CEE31ECD-6A4C-4081-92F5-74C8C74089D7}" destId="{09544157-A78F-43B6-9028-DF2F5F424FDC}" srcOrd="0" destOrd="0" presId="urn:microsoft.com/office/officeart/2005/8/layout/radial3"/>
+    <dgm:cxn modelId="{65775B0D-E181-4937-ACC9-9294BAED3E26}" type="presParOf" srcId="{09544157-A78F-43B6-9028-DF2F5F424FDC}" destId="{0513E1FC-A9D7-45D4-839E-F54AEC13DAEF}" srcOrd="0" destOrd="0" presId="urn:microsoft.com/office/officeart/2005/8/layout/radial3"/>
+    <dgm:cxn modelId="{8544EA10-0BD7-44BD-9162-B9A574192870}" type="presParOf" srcId="{09544157-A78F-43B6-9028-DF2F5F424FDC}" destId="{55EC9E6F-7538-45AE-B5C3-4D1C72619353}" srcOrd="1" destOrd="0" presId="urn:microsoft.com/office/officeart/2005/8/layout/radial3"/>
+    <dgm:cxn modelId="{C6062649-5470-4DCA-8DF6-AAC961265E9E}" type="presParOf" srcId="{09544157-A78F-43B6-9028-DF2F5F424FDC}" destId="{8D59F236-B5EC-4A03-9AB2-D83FB6B5B6CF}" srcOrd="2" destOrd="0" presId="urn:microsoft.com/office/officeart/2005/8/layout/radial3"/>
+  </dgm:cxnLst>
+  <dgm:bg/>
+  <dgm:whole/>
+  <dgm:extLst>
+    <a:ext uri="http://schemas.microsoft.com/office/drawing/2008/diagram">
+      <dsp:dataModelExt xmlns:dsp="http://schemas.microsoft.com/office/drawing/2008/diagram" relId="rId11" minVer="http://schemas.openxmlformats.org/drawingml/2006/diagram"/>
+    </a:ext>
+  </dgm:extLst>
+</dgm:dataModel>
+</file>
+
+<file path=ppt/diagrams/data2.xml><?xml version="1.0" encoding="utf-8"?>
+<dgm:dataModel xmlns:dgm="http://schemas.openxmlformats.org/drawingml/2006/diagram" xmlns:a="http://schemas.openxmlformats.org/drawingml/2006/main">
+  <dgm:ptLst>
+    <dgm:pt modelId="{DD98920A-75BB-4535-99C2-3B6192F4BDE4}" type="doc">
+      <dgm:prSet loTypeId="urn:microsoft.com/office/officeart/2005/8/layout/radial3" loCatId="relationship" qsTypeId="urn:microsoft.com/office/officeart/2005/8/quickstyle/simple1" qsCatId="simple" csTypeId="urn:microsoft.com/office/officeart/2005/8/colors/accent1_2" csCatId="accent1" phldr="1"/>
+      <dgm:spPr/>
+      <dgm:t>
+        <a:bodyPr/>
+        <a:lstStyle/>
+        <a:p>
+          <a:endParaRPr lang="en-US"/>
+        </a:p>
+      </dgm:t>
+    </dgm:pt>
+    <dgm:pt modelId="{9845EE77-C277-49D0-B5B3-978267D746EF}">
+      <dgm:prSet phldrT="[Text]"/>
+      <dgm:spPr>
+        <a:solidFill>
+          <a:srgbClr val="5B9BD5">
+            <a:alpha val="30196"/>
+          </a:srgbClr>
+        </a:solidFill>
+      </dgm:spPr>
+      <dgm:t>
+        <a:bodyPr/>
+        <a:lstStyle/>
+        <a:p>
+          <a:pPr algn="ctr"/>
+          <a:endParaRPr lang="en-US" dirty="0"/>
+        </a:p>
+      </dgm:t>
+    </dgm:pt>
+    <dgm:pt modelId="{6BB9C052-FC70-4C77-BC89-4F26FD6D4A8A}" type="parTrans" cxnId="{15BADC4C-0883-4E6F-A040-9BE138709082}">
+      <dgm:prSet/>
+      <dgm:spPr/>
+      <dgm:t>
+        <a:bodyPr/>
+        <a:lstStyle/>
+        <a:p>
+          <a:endParaRPr lang="en-US"/>
+        </a:p>
+      </dgm:t>
+    </dgm:pt>
+    <dgm:pt modelId="{114D12E3-F029-4039-9295-646C0E49CDCE}" type="sibTrans" cxnId="{15BADC4C-0883-4E6F-A040-9BE138709082}">
+      <dgm:prSet/>
+      <dgm:spPr/>
+      <dgm:t>
+        <a:bodyPr/>
+        <a:lstStyle/>
+        <a:p>
+          <a:endParaRPr lang="en-US"/>
+        </a:p>
+      </dgm:t>
+    </dgm:pt>
+    <dgm:pt modelId="{BBBFBAB7-1262-46B5-A857-5DDCD7F75AEE}">
+      <dgm:prSet phldrT="[Text]"/>
+      <dgm:spPr>
+        <a:solidFill>
+          <a:srgbClr val="5B9BD5">
+            <a:alpha val="30196"/>
+          </a:srgbClr>
+        </a:solidFill>
+      </dgm:spPr>
+      <dgm:t>
+        <a:bodyPr/>
+        <a:lstStyle/>
+        <a:p>
+          <a:endParaRPr lang="en-US" dirty="0"/>
+        </a:p>
+      </dgm:t>
+    </dgm:pt>
+    <dgm:pt modelId="{4A295D89-0A9D-4040-A707-480827CD1601}" type="parTrans" cxnId="{B30CCB67-E35E-448C-88E9-C58B05A147F0}">
+      <dgm:prSet/>
+      <dgm:spPr/>
+      <dgm:t>
+        <a:bodyPr/>
+        <a:lstStyle/>
+        <a:p>
+          <a:endParaRPr lang="en-US"/>
+        </a:p>
+      </dgm:t>
+    </dgm:pt>
+    <dgm:pt modelId="{F7E73100-A756-448C-9FEB-9673AD43C3B8}" type="sibTrans" cxnId="{B30CCB67-E35E-448C-88E9-C58B05A147F0}">
+      <dgm:prSet/>
+      <dgm:spPr/>
+      <dgm:t>
+        <a:bodyPr/>
+        <a:lstStyle/>
+        <a:p>
+          <a:endParaRPr lang="en-US"/>
+        </a:p>
+      </dgm:t>
+    </dgm:pt>
+    <dgm:pt modelId="{2AD1D386-9552-4D31-90A0-14145EEEB3A7}">
+      <dgm:prSet phldrT="[Text]"/>
+      <dgm:spPr/>
+      <dgm:t>
+        <a:bodyPr/>
+        <a:lstStyle/>
+        <a:p>
+          <a:r>
+            <a:rPr lang="en-US" dirty="0" err="1"/>
+            <a:t>MessageReceiver</a:t>
+          </a:r>
+          <a:endParaRPr lang="en-US" dirty="0"/>
+        </a:p>
+      </dgm:t>
+    </dgm:pt>
+    <dgm:pt modelId="{216D903F-033B-4178-BC40-B3077AB87104}" type="sibTrans" cxnId="{9797345E-12DE-4E7A-9D3C-A3EF13A6F44E}">
+      <dgm:prSet/>
+      <dgm:spPr/>
+      <dgm:t>
+        <a:bodyPr/>
+        <a:lstStyle/>
+        <a:p>
+          <a:endParaRPr lang="en-US"/>
+        </a:p>
+      </dgm:t>
+    </dgm:pt>
+    <dgm:pt modelId="{5B23A33C-0C0F-48B2-894A-DA5D6FFD4B32}" type="parTrans" cxnId="{9797345E-12DE-4E7A-9D3C-A3EF13A6F44E}">
+      <dgm:prSet/>
+      <dgm:spPr/>
+      <dgm:t>
+        <a:bodyPr/>
+        <a:lstStyle/>
+        <a:p>
+          <a:endParaRPr lang="en-US"/>
+        </a:p>
+      </dgm:t>
+    </dgm:pt>
+    <dgm:pt modelId="{CEE31ECD-6A4C-4081-92F5-74C8C74089D7}" type="pres">
+      <dgm:prSet presAssocID="{DD98920A-75BB-4535-99C2-3B6192F4BDE4}" presName="composite" presStyleCnt="0">
+        <dgm:presLayoutVars>
+          <dgm:chMax val="1"/>
+          <dgm:dir/>
+          <dgm:resizeHandles val="exact"/>
+        </dgm:presLayoutVars>
+      </dgm:prSet>
+      <dgm:spPr/>
+    </dgm:pt>
+    <dgm:pt modelId="{09544157-A78F-43B6-9028-DF2F5F424FDC}" type="pres">
+      <dgm:prSet presAssocID="{DD98920A-75BB-4535-99C2-3B6192F4BDE4}" presName="radial" presStyleCnt="0">
+        <dgm:presLayoutVars>
+          <dgm:animLvl val="ctr"/>
+        </dgm:presLayoutVars>
+      </dgm:prSet>
+      <dgm:spPr/>
+    </dgm:pt>
+    <dgm:pt modelId="{0513E1FC-A9D7-45D4-839E-F54AEC13DAEF}" type="pres">
+      <dgm:prSet presAssocID="{2AD1D386-9552-4D31-90A0-14145EEEB3A7}" presName="centerShape" presStyleLbl="vennNode1" presStyleIdx="0" presStyleCnt="3"/>
+      <dgm:spPr/>
+    </dgm:pt>
+    <dgm:pt modelId="{55EC9E6F-7538-45AE-B5C3-4D1C72619353}" type="pres">
+      <dgm:prSet presAssocID="{9845EE77-C277-49D0-B5B3-978267D746EF}" presName="node" presStyleLbl="vennNode1" presStyleIdx="1" presStyleCnt="3" custScaleX="320232" custScaleY="308057" custRadScaleRad="41229" custRadScaleInc="980">
+        <dgm:presLayoutVars>
+          <dgm:bulletEnabled val="1"/>
+        </dgm:presLayoutVars>
+      </dgm:prSet>
+      <dgm:spPr/>
+    </dgm:pt>
+    <dgm:pt modelId="{8D59F236-B5EC-4A03-9AB2-D83FB6B5B6CF}" type="pres">
+      <dgm:prSet presAssocID="{BBBFBAB7-1262-46B5-A857-5DDCD7F75AEE}" presName="node" presStyleLbl="vennNode1" presStyleIdx="2" presStyleCnt="3" custScaleX="313815" custScaleY="313815" custRadScaleRad="44652">
+        <dgm:presLayoutVars>
+          <dgm:bulletEnabled val="1"/>
+        </dgm:presLayoutVars>
+      </dgm:prSet>
+      <dgm:spPr/>
+    </dgm:pt>
+  </dgm:ptLst>
+  <dgm:cxnLst>
+    <dgm:cxn modelId="{8AE07100-E4CA-434A-8A57-A4E85C2CEBE5}" type="presOf" srcId="{9845EE77-C277-49D0-B5B3-978267D746EF}" destId="{55EC9E6F-7538-45AE-B5C3-4D1C72619353}" srcOrd="0" destOrd="0" presId="urn:microsoft.com/office/officeart/2005/8/layout/radial3"/>
+    <dgm:cxn modelId="{31B5DD48-4152-44C0-ABEF-BBAFB9A08042}" type="presOf" srcId="{BBBFBAB7-1262-46B5-A857-5DDCD7F75AEE}" destId="{8D59F236-B5EC-4A03-9AB2-D83FB6B5B6CF}" srcOrd="0" destOrd="0" presId="urn:microsoft.com/office/officeart/2005/8/layout/radial3"/>
+    <dgm:cxn modelId="{C2A8FD47-D098-4F7E-977E-086ECA7FB15B}" type="presOf" srcId="{2AD1D386-9552-4D31-90A0-14145EEEB3A7}" destId="{0513E1FC-A9D7-45D4-839E-F54AEC13DAEF}" srcOrd="0" destOrd="0" presId="urn:microsoft.com/office/officeart/2005/8/layout/radial3"/>
+    <dgm:cxn modelId="{7AD6620E-4701-4020-B0C0-29A0E643ED66}" type="presOf" srcId="{DD98920A-75BB-4535-99C2-3B6192F4BDE4}" destId="{CEE31ECD-6A4C-4081-92F5-74C8C74089D7}" srcOrd="0" destOrd="0" presId="urn:microsoft.com/office/officeart/2005/8/layout/radial3"/>
+    <dgm:cxn modelId="{B30CCB67-E35E-448C-88E9-C58B05A147F0}" srcId="{2AD1D386-9552-4D31-90A0-14145EEEB3A7}" destId="{BBBFBAB7-1262-46B5-A857-5DDCD7F75AEE}" srcOrd="1" destOrd="0" parTransId="{4A295D89-0A9D-4040-A707-480827CD1601}" sibTransId="{F7E73100-A756-448C-9FEB-9673AD43C3B8}"/>
+    <dgm:cxn modelId="{15BADC4C-0883-4E6F-A040-9BE138709082}" srcId="{2AD1D386-9552-4D31-90A0-14145EEEB3A7}" destId="{9845EE77-C277-49D0-B5B3-978267D746EF}" srcOrd="0" destOrd="0" parTransId="{6BB9C052-FC70-4C77-BC89-4F26FD6D4A8A}" sibTransId="{114D12E3-F029-4039-9295-646C0E49CDCE}"/>
+    <dgm:cxn modelId="{9797345E-12DE-4E7A-9D3C-A3EF13A6F44E}" srcId="{DD98920A-75BB-4535-99C2-3B6192F4BDE4}" destId="{2AD1D386-9552-4D31-90A0-14145EEEB3A7}" srcOrd="0" destOrd="0" parTransId="{5B23A33C-0C0F-48B2-894A-DA5D6FFD4B32}" sibTransId="{216D903F-033B-4178-BC40-B3077AB87104}"/>
+    <dgm:cxn modelId="{AE94C16F-D7D2-4C91-9013-87417F59A81A}" type="presParOf" srcId="{CEE31ECD-6A4C-4081-92F5-74C8C74089D7}" destId="{09544157-A78F-43B6-9028-DF2F5F424FDC}" srcOrd="0" destOrd="0" presId="urn:microsoft.com/office/officeart/2005/8/layout/radial3"/>
+    <dgm:cxn modelId="{65775B0D-E181-4937-ACC9-9294BAED3E26}" type="presParOf" srcId="{09544157-A78F-43B6-9028-DF2F5F424FDC}" destId="{0513E1FC-A9D7-45D4-839E-F54AEC13DAEF}" srcOrd="0" destOrd="0" presId="urn:microsoft.com/office/officeart/2005/8/layout/radial3"/>
+    <dgm:cxn modelId="{8544EA10-0BD7-44BD-9162-B9A574192870}" type="presParOf" srcId="{09544157-A78F-43B6-9028-DF2F5F424FDC}" destId="{55EC9E6F-7538-45AE-B5C3-4D1C72619353}" srcOrd="1" destOrd="0" presId="urn:microsoft.com/office/officeart/2005/8/layout/radial3"/>
+    <dgm:cxn modelId="{C6062649-5470-4DCA-8DF6-AAC961265E9E}" type="presParOf" srcId="{09544157-A78F-43B6-9028-DF2F5F424FDC}" destId="{8D59F236-B5EC-4A03-9AB2-D83FB6B5B6CF}" srcOrd="2" destOrd="0" presId="urn:microsoft.com/office/officeart/2005/8/layout/radial3"/>
+  </dgm:cxnLst>
+  <dgm:bg/>
+  <dgm:whole/>
+  <dgm:extLst>
+    <a:ext uri="http://schemas.microsoft.com/office/drawing/2008/diagram">
+      <dsp:dataModelExt xmlns:dsp="http://schemas.microsoft.com/office/drawing/2008/diagram" relId="rId16" minVer="http://schemas.openxmlformats.org/drawingml/2006/diagram"/>
+    </a:ext>
+  </dgm:extLst>
+</dgm:dataModel>
+</file>
+
+<file path=ppt/diagrams/data3.xml><?xml version="1.0" encoding="utf-8"?>
 <dgm:dataModel xmlns:dgm="http://schemas.openxmlformats.org/drawingml/2006/diagram" xmlns:a="http://schemas.openxmlformats.org/drawingml/2006/main">
   <dgm:ptLst>
     <dgm:pt modelId="{69719284-169E-4CAC-9D17-B877C84AFBFF}" type="doc">
@@ -1041,6 +2919,472 @@
 </file>
 
 <file path=ppt/diagrams/drawing1.xml><?xml version="1.0" encoding="utf-8"?>
+<dsp:drawing xmlns:dgm="http://schemas.openxmlformats.org/drawingml/2006/diagram" xmlns:dsp="http://schemas.microsoft.com/office/drawing/2008/diagram" xmlns:a="http://schemas.openxmlformats.org/drawingml/2006/main">
+  <dsp:spTree>
+    <dsp:nvGrpSpPr>
+      <dsp:cNvPr id="0" name=""/>
+      <dsp:cNvGrpSpPr/>
+    </dsp:nvGrpSpPr>
+    <dsp:grpSpPr/>
+    <dsp:sp modelId="{0513E1FC-A9D7-45D4-839E-F54AEC13DAEF}">
+      <dsp:nvSpPr>
+        <dsp:cNvPr id="0" name=""/>
+        <dsp:cNvSpPr/>
+      </dsp:nvSpPr>
+      <dsp:spPr>
+        <a:xfrm>
+          <a:off x="861684" y="1014850"/>
+          <a:ext cx="2146652" cy="2146652"/>
+        </a:xfrm>
+        <a:prstGeom prst="ellipse">
+          <a:avLst/>
+        </a:prstGeom>
+        <a:solidFill>
+          <a:schemeClr val="accent1">
+            <a:alpha val="50000"/>
+            <a:hueOff val="0"/>
+            <a:satOff val="0"/>
+            <a:lumOff val="0"/>
+            <a:alphaOff val="0"/>
+          </a:schemeClr>
+        </a:solidFill>
+        <a:ln w="12700" cap="flat" cmpd="sng" algn="ctr">
+          <a:solidFill>
+            <a:schemeClr val="lt1">
+              <a:hueOff val="0"/>
+              <a:satOff val="0"/>
+              <a:lumOff val="0"/>
+              <a:alphaOff val="0"/>
+            </a:schemeClr>
+          </a:solidFill>
+          <a:prstDash val="solid"/>
+          <a:miter lim="800000"/>
+        </a:ln>
+        <a:effectLst/>
+      </dsp:spPr>
+      <dsp:style>
+        <a:lnRef idx="2">
+          <a:scrgbClr r="0" g="0" b="0"/>
+        </a:lnRef>
+        <a:fillRef idx="1">
+          <a:scrgbClr r="0" g="0" b="0"/>
+        </a:fillRef>
+        <a:effectRef idx="0">
+          <a:scrgbClr r="0" g="0" b="0"/>
+        </a:effectRef>
+        <a:fontRef idx="minor">
+          <a:schemeClr val="tx1"/>
+        </a:fontRef>
+      </dsp:style>
+      <dsp:txBody>
+        <a:bodyPr spcFirstLastPara="0" vert="horz" wrap="square" lIns="22860" tIns="22860" rIns="22860" bIns="22860" numCol="1" spcCol="1270" anchor="ctr" anchorCtr="0">
+          <a:noAutofit/>
+        </a:bodyPr>
+        <a:lstStyle/>
+        <a:p>
+          <a:pPr lvl="0" algn="ctr" defTabSz="800100">
+            <a:lnSpc>
+              <a:spcPct val="90000"/>
+            </a:lnSpc>
+            <a:spcBef>
+              <a:spcPct val="0"/>
+            </a:spcBef>
+            <a:spcAft>
+              <a:spcPct val="35000"/>
+            </a:spcAft>
+          </a:pPr>
+          <a:r>
+            <a:rPr lang="en-US" sz="1800" kern="1200" dirty="0" err="1"/>
+            <a:t>MessageSender</a:t>
+          </a:r>
+          <a:endParaRPr lang="en-US" sz="1800" kern="1200" dirty="0"/>
+        </a:p>
+      </dsp:txBody>
+      <dsp:txXfrm>
+        <a:off x="1176054" y="1329220"/>
+        <a:ext cx="1517912" cy="1517912"/>
+      </dsp:txXfrm>
+    </dsp:sp>
+    <dsp:sp modelId="{55EC9E6F-7538-45AE-B5C3-4D1C72619353}">
+      <dsp:nvSpPr>
+        <dsp:cNvPr id="0" name=""/>
+        <dsp:cNvSpPr/>
+      </dsp:nvSpPr>
+      <dsp:spPr>
+        <a:xfrm>
+          <a:off x="253448" y="-161296"/>
+          <a:ext cx="3437133" cy="3306456"/>
+        </a:xfrm>
+        <a:prstGeom prst="ellipse">
+          <a:avLst/>
+        </a:prstGeom>
+        <a:solidFill>
+          <a:srgbClr val="5B9BD5">
+            <a:alpha val="30196"/>
+          </a:srgbClr>
+        </a:solidFill>
+        <a:ln w="12700" cap="flat" cmpd="sng" algn="ctr">
+          <a:solidFill>
+            <a:schemeClr val="lt1">
+              <a:hueOff val="0"/>
+              <a:satOff val="0"/>
+              <a:lumOff val="0"/>
+              <a:alphaOff val="0"/>
+            </a:schemeClr>
+          </a:solidFill>
+          <a:prstDash val="solid"/>
+          <a:miter lim="800000"/>
+        </a:ln>
+        <a:effectLst/>
+      </dsp:spPr>
+      <dsp:style>
+        <a:lnRef idx="2">
+          <a:scrgbClr r="0" g="0" b="0"/>
+        </a:lnRef>
+        <a:fillRef idx="1">
+          <a:scrgbClr r="0" g="0" b="0"/>
+        </a:fillRef>
+        <a:effectRef idx="0">
+          <a:scrgbClr r="0" g="0" b="0"/>
+        </a:effectRef>
+        <a:fontRef idx="minor">
+          <a:schemeClr val="tx1"/>
+        </a:fontRef>
+      </dsp:style>
+      <dsp:txBody>
+        <a:bodyPr spcFirstLastPara="0" vert="horz" wrap="square" lIns="82550" tIns="82550" rIns="82550" bIns="82550" numCol="1" spcCol="1270" anchor="ctr" anchorCtr="0">
+          <a:noAutofit/>
+        </a:bodyPr>
+        <a:lstStyle/>
+        <a:p>
+          <a:pPr lvl="0" algn="ctr" defTabSz="2889250">
+            <a:lnSpc>
+              <a:spcPct val="90000"/>
+            </a:lnSpc>
+            <a:spcBef>
+              <a:spcPct val="0"/>
+            </a:spcBef>
+            <a:spcAft>
+              <a:spcPct val="35000"/>
+            </a:spcAft>
+          </a:pPr>
+          <a:endParaRPr lang="en-US" sz="6500" kern="1200" dirty="0"/>
+        </a:p>
+      </dsp:txBody>
+      <dsp:txXfrm>
+        <a:off x="756804" y="322923"/>
+        <a:ext cx="2430421" cy="2338018"/>
+      </dsp:txXfrm>
+    </dsp:sp>
+    <dsp:sp modelId="{8D59F236-B5EC-4A03-9AB2-D83FB6B5B6CF}">
+      <dsp:nvSpPr>
+        <dsp:cNvPr id="0" name=""/>
+        <dsp:cNvSpPr/>
+      </dsp:nvSpPr>
+      <dsp:spPr>
+        <a:xfrm>
+          <a:off x="242763" y="1009185"/>
+          <a:ext cx="3368258" cy="3368258"/>
+        </a:xfrm>
+        <a:prstGeom prst="ellipse">
+          <a:avLst/>
+        </a:prstGeom>
+        <a:solidFill>
+          <a:srgbClr val="5B9BD5">
+            <a:alpha val="30196"/>
+          </a:srgbClr>
+        </a:solidFill>
+        <a:ln w="12700" cap="flat" cmpd="sng" algn="ctr">
+          <a:solidFill>
+            <a:schemeClr val="lt1">
+              <a:hueOff val="0"/>
+              <a:satOff val="0"/>
+              <a:lumOff val="0"/>
+              <a:alphaOff val="0"/>
+            </a:schemeClr>
+          </a:solidFill>
+          <a:prstDash val="solid"/>
+          <a:miter lim="800000"/>
+        </a:ln>
+        <a:effectLst/>
+      </dsp:spPr>
+      <dsp:style>
+        <a:lnRef idx="2">
+          <a:scrgbClr r="0" g="0" b="0"/>
+        </a:lnRef>
+        <a:fillRef idx="1">
+          <a:scrgbClr r="0" g="0" b="0"/>
+        </a:fillRef>
+        <a:effectRef idx="0">
+          <a:scrgbClr r="0" g="0" b="0"/>
+        </a:effectRef>
+        <a:fontRef idx="minor">
+          <a:schemeClr val="tx1"/>
+        </a:fontRef>
+      </dsp:style>
+      <dsp:txBody>
+        <a:bodyPr spcFirstLastPara="0" vert="horz" wrap="square" lIns="82550" tIns="82550" rIns="82550" bIns="82550" numCol="1" spcCol="1270" anchor="ctr" anchorCtr="0">
+          <a:noAutofit/>
+        </a:bodyPr>
+        <a:lstStyle/>
+        <a:p>
+          <a:pPr lvl="0" algn="ctr" defTabSz="2889250">
+            <a:lnSpc>
+              <a:spcPct val="90000"/>
+            </a:lnSpc>
+            <a:spcBef>
+              <a:spcPct val="0"/>
+            </a:spcBef>
+            <a:spcAft>
+              <a:spcPct val="35000"/>
+            </a:spcAft>
+          </a:pPr>
+          <a:endParaRPr lang="en-US" sz="6500" kern="1200" dirty="0"/>
+        </a:p>
+      </dsp:txBody>
+      <dsp:txXfrm>
+        <a:off x="736033" y="1502455"/>
+        <a:ext cx="2381718" cy="2381718"/>
+      </dsp:txXfrm>
+    </dsp:sp>
+  </dsp:spTree>
+</dsp:drawing>
+</file>
+
+<file path=ppt/diagrams/drawing2.xml><?xml version="1.0" encoding="utf-8"?>
+<dsp:drawing xmlns:dgm="http://schemas.openxmlformats.org/drawingml/2006/diagram" xmlns:dsp="http://schemas.microsoft.com/office/drawing/2008/diagram" xmlns:a="http://schemas.openxmlformats.org/drawingml/2006/main">
+  <dsp:spTree>
+    <dsp:nvGrpSpPr>
+      <dsp:cNvPr id="0" name=""/>
+      <dsp:cNvGrpSpPr/>
+    </dsp:nvGrpSpPr>
+    <dsp:grpSpPr/>
+    <dsp:sp modelId="{0513E1FC-A9D7-45D4-839E-F54AEC13DAEF}">
+      <dsp:nvSpPr>
+        <dsp:cNvPr id="0" name=""/>
+        <dsp:cNvSpPr/>
+      </dsp:nvSpPr>
+      <dsp:spPr>
+        <a:xfrm>
+          <a:off x="861684" y="1014850"/>
+          <a:ext cx="2146652" cy="2146652"/>
+        </a:xfrm>
+        <a:prstGeom prst="ellipse">
+          <a:avLst/>
+        </a:prstGeom>
+        <a:solidFill>
+          <a:schemeClr val="accent1">
+            <a:alpha val="50000"/>
+            <a:hueOff val="0"/>
+            <a:satOff val="0"/>
+            <a:lumOff val="0"/>
+            <a:alphaOff val="0"/>
+          </a:schemeClr>
+        </a:solidFill>
+        <a:ln w="12700" cap="flat" cmpd="sng" algn="ctr">
+          <a:solidFill>
+            <a:schemeClr val="lt1">
+              <a:hueOff val="0"/>
+              <a:satOff val="0"/>
+              <a:lumOff val="0"/>
+              <a:alphaOff val="0"/>
+            </a:schemeClr>
+          </a:solidFill>
+          <a:prstDash val="solid"/>
+          <a:miter lim="800000"/>
+        </a:ln>
+        <a:effectLst/>
+      </dsp:spPr>
+      <dsp:style>
+        <a:lnRef idx="2">
+          <a:scrgbClr r="0" g="0" b="0"/>
+        </a:lnRef>
+        <a:fillRef idx="1">
+          <a:scrgbClr r="0" g="0" b="0"/>
+        </a:fillRef>
+        <a:effectRef idx="0">
+          <a:scrgbClr r="0" g="0" b="0"/>
+        </a:effectRef>
+        <a:fontRef idx="minor">
+          <a:schemeClr val="tx1"/>
+        </a:fontRef>
+      </dsp:style>
+      <dsp:txBody>
+        <a:bodyPr spcFirstLastPara="0" vert="horz" wrap="square" lIns="20320" tIns="20320" rIns="20320" bIns="20320" numCol="1" spcCol="1270" anchor="ctr" anchorCtr="0">
+          <a:noAutofit/>
+        </a:bodyPr>
+        <a:lstStyle/>
+        <a:p>
+          <a:pPr lvl="0" algn="ctr" defTabSz="711200">
+            <a:lnSpc>
+              <a:spcPct val="90000"/>
+            </a:lnSpc>
+            <a:spcBef>
+              <a:spcPct val="0"/>
+            </a:spcBef>
+            <a:spcAft>
+              <a:spcPct val="35000"/>
+            </a:spcAft>
+          </a:pPr>
+          <a:r>
+            <a:rPr lang="en-US" sz="1600" kern="1200" dirty="0" err="1"/>
+            <a:t>MessageReceiver</a:t>
+          </a:r>
+          <a:endParaRPr lang="en-US" sz="1600" kern="1200" dirty="0"/>
+        </a:p>
+      </dsp:txBody>
+      <dsp:txXfrm>
+        <a:off x="1176054" y="1329220"/>
+        <a:ext cx="1517912" cy="1517912"/>
+      </dsp:txXfrm>
+    </dsp:sp>
+    <dsp:sp modelId="{55EC9E6F-7538-45AE-B5C3-4D1C72619353}">
+      <dsp:nvSpPr>
+        <dsp:cNvPr id="0" name=""/>
+        <dsp:cNvSpPr/>
+      </dsp:nvSpPr>
+      <dsp:spPr>
+        <a:xfrm>
+          <a:off x="234185" y="-141145"/>
+          <a:ext cx="3437133" cy="3306456"/>
+        </a:xfrm>
+        <a:prstGeom prst="ellipse">
+          <a:avLst/>
+        </a:prstGeom>
+        <a:solidFill>
+          <a:srgbClr val="5B9BD5">
+            <a:alpha val="30196"/>
+          </a:srgbClr>
+        </a:solidFill>
+        <a:ln w="12700" cap="flat" cmpd="sng" algn="ctr">
+          <a:solidFill>
+            <a:schemeClr val="lt1">
+              <a:hueOff val="0"/>
+              <a:satOff val="0"/>
+              <a:lumOff val="0"/>
+              <a:alphaOff val="0"/>
+            </a:schemeClr>
+          </a:solidFill>
+          <a:prstDash val="solid"/>
+          <a:miter lim="800000"/>
+        </a:ln>
+        <a:effectLst/>
+      </dsp:spPr>
+      <dsp:style>
+        <a:lnRef idx="2">
+          <a:scrgbClr r="0" g="0" b="0"/>
+        </a:lnRef>
+        <a:fillRef idx="1">
+          <a:scrgbClr r="0" g="0" b="0"/>
+        </a:fillRef>
+        <a:effectRef idx="0">
+          <a:scrgbClr r="0" g="0" b="0"/>
+        </a:effectRef>
+        <a:fontRef idx="minor">
+          <a:schemeClr val="tx1"/>
+        </a:fontRef>
+      </dsp:style>
+      <dsp:txBody>
+        <a:bodyPr spcFirstLastPara="0" vert="horz" wrap="square" lIns="20320" tIns="20320" rIns="20320" bIns="20320" numCol="1" spcCol="1270" anchor="ctr" anchorCtr="0">
+          <a:noAutofit/>
+        </a:bodyPr>
+        <a:lstStyle/>
+        <a:p>
+          <a:pPr lvl="0" algn="ctr" defTabSz="711200">
+            <a:lnSpc>
+              <a:spcPct val="90000"/>
+            </a:lnSpc>
+            <a:spcBef>
+              <a:spcPct val="0"/>
+            </a:spcBef>
+            <a:spcAft>
+              <a:spcPct val="35000"/>
+            </a:spcAft>
+          </a:pPr>
+          <a:endParaRPr lang="en-US" sz="1600" kern="1200" dirty="0"/>
+        </a:p>
+      </dsp:txBody>
+      <dsp:txXfrm>
+        <a:off x="756804" y="322923"/>
+        <a:ext cx="2430421" cy="2338018"/>
+      </dsp:txXfrm>
+    </dsp:sp>
+    <dsp:sp modelId="{8D59F236-B5EC-4A03-9AB2-D83FB6B5B6CF}">
+      <dsp:nvSpPr>
+        <dsp:cNvPr id="0" name=""/>
+        <dsp:cNvSpPr/>
+      </dsp:nvSpPr>
+      <dsp:spPr>
+        <a:xfrm>
+          <a:off x="250881" y="1028266"/>
+          <a:ext cx="3368258" cy="3368258"/>
+        </a:xfrm>
+        <a:prstGeom prst="ellipse">
+          <a:avLst/>
+        </a:prstGeom>
+        <a:solidFill>
+          <a:srgbClr val="5B9BD5">
+            <a:alpha val="30196"/>
+          </a:srgbClr>
+        </a:solidFill>
+        <a:ln w="12700" cap="flat" cmpd="sng" algn="ctr">
+          <a:solidFill>
+            <a:schemeClr val="lt1">
+              <a:hueOff val="0"/>
+              <a:satOff val="0"/>
+              <a:lumOff val="0"/>
+              <a:alphaOff val="0"/>
+            </a:schemeClr>
+          </a:solidFill>
+          <a:prstDash val="solid"/>
+          <a:miter lim="800000"/>
+        </a:ln>
+        <a:effectLst/>
+      </dsp:spPr>
+      <dsp:style>
+        <a:lnRef idx="2">
+          <a:scrgbClr r="0" g="0" b="0"/>
+        </a:lnRef>
+        <a:fillRef idx="1">
+          <a:scrgbClr r="0" g="0" b="0"/>
+        </a:fillRef>
+        <a:effectRef idx="0">
+          <a:scrgbClr r="0" g="0" b="0"/>
+        </a:effectRef>
+        <a:fontRef idx="minor">
+          <a:schemeClr val="tx1"/>
+        </a:fontRef>
+      </dsp:style>
+      <dsp:txBody>
+        <a:bodyPr spcFirstLastPara="0" vert="horz" wrap="square" lIns="20320" tIns="20320" rIns="20320" bIns="20320" numCol="1" spcCol="1270" anchor="ctr" anchorCtr="0">
+          <a:noAutofit/>
+        </a:bodyPr>
+        <a:lstStyle/>
+        <a:p>
+          <a:pPr lvl="0" algn="ctr" defTabSz="711200">
+            <a:lnSpc>
+              <a:spcPct val="90000"/>
+            </a:lnSpc>
+            <a:spcBef>
+              <a:spcPct val="0"/>
+            </a:spcBef>
+            <a:spcAft>
+              <a:spcPct val="35000"/>
+            </a:spcAft>
+          </a:pPr>
+          <a:endParaRPr lang="en-US" sz="1600" kern="1200" dirty="0"/>
+        </a:p>
+      </dsp:txBody>
+      <dsp:txXfrm>
+        <a:off x="736033" y="1502455"/>
+        <a:ext cx="2381718" cy="2381718"/>
+      </dsp:txXfrm>
+    </dsp:sp>
+  </dsp:spTree>
+</dsp:drawing>
+</file>
+
+<file path=ppt/diagrams/drawing3.xml><?xml version="1.0" encoding="utf-8"?>
 <dsp:drawing xmlns:dgm="http://schemas.openxmlformats.org/drawingml/2006/diagram" xmlns:dsp="http://schemas.microsoft.com/office/drawing/2008/diagram" xmlns:a="http://schemas.openxmlformats.org/drawingml/2006/main">
   <dsp:spTree>
     <dsp:nvGrpSpPr>
@@ -1288,6 +3632,388 @@
 </file>
 
 <file path=ppt/diagrams/layout1.xml><?xml version="1.0" encoding="utf-8"?>
+<dgm:layoutDef xmlns:dgm="http://schemas.openxmlformats.org/drawingml/2006/diagram" xmlns:a="http://schemas.openxmlformats.org/drawingml/2006/main" uniqueId="urn:microsoft.com/office/officeart/2005/8/layout/radial3">
+  <dgm:title val=""/>
+  <dgm:desc val=""/>
+  <dgm:catLst>
+    <dgm:cat type="relationship" pri="31000"/>
+    <dgm:cat type="cycle" pri="12000"/>
+  </dgm:catLst>
+  <dgm:sampData>
+    <dgm:dataModel>
+      <dgm:ptLst>
+        <dgm:pt modelId="0" type="doc"/>
+        <dgm:pt modelId="1">
+          <dgm:prSet phldr="1"/>
+        </dgm:pt>
+        <dgm:pt modelId="11">
+          <dgm:prSet phldr="1"/>
+        </dgm:pt>
+        <dgm:pt modelId="12">
+          <dgm:prSet phldr="1"/>
+        </dgm:pt>
+        <dgm:pt modelId="13">
+          <dgm:prSet phldr="1"/>
+        </dgm:pt>
+        <dgm:pt modelId="14">
+          <dgm:prSet phldr="1"/>
+        </dgm:pt>
+      </dgm:ptLst>
+      <dgm:cxnLst>
+        <dgm:cxn modelId="2" srcId="0" destId="1" srcOrd="0" destOrd="0"/>
+        <dgm:cxn modelId="3" srcId="1" destId="11" srcOrd="0" destOrd="0"/>
+        <dgm:cxn modelId="4" srcId="1" destId="12" srcOrd="1" destOrd="0"/>
+        <dgm:cxn modelId="5" srcId="1" destId="13" srcOrd="2" destOrd="0"/>
+        <dgm:cxn modelId="6" srcId="1" destId="14" srcOrd="3" destOrd="0"/>
+      </dgm:cxnLst>
+      <dgm:bg/>
+      <dgm:whole/>
+    </dgm:dataModel>
+  </dgm:sampData>
+  <dgm:styleData>
+    <dgm:dataModel>
+      <dgm:ptLst>
+        <dgm:pt modelId="0" type="doc"/>
+        <dgm:pt modelId="1"/>
+        <dgm:pt modelId="11"/>
+        <dgm:pt modelId="12"/>
+        <dgm:pt modelId="13"/>
+      </dgm:ptLst>
+      <dgm:cxnLst>
+        <dgm:cxn modelId="2" srcId="0" destId="1" srcOrd="0" destOrd="0"/>
+        <dgm:cxn modelId="15" srcId="1" destId="11" srcOrd="0" destOrd="0"/>
+        <dgm:cxn modelId="16" srcId="1" destId="12" srcOrd="1" destOrd="0"/>
+        <dgm:cxn modelId="17" srcId="1" destId="13" srcOrd="2" destOrd="0"/>
+      </dgm:cxnLst>
+      <dgm:bg/>
+      <dgm:whole/>
+    </dgm:dataModel>
+  </dgm:styleData>
+  <dgm:clrData>
+    <dgm:dataModel>
+      <dgm:ptLst>
+        <dgm:pt modelId="0" type="doc"/>
+        <dgm:pt modelId="1"/>
+        <dgm:pt modelId="11"/>
+        <dgm:pt modelId="12"/>
+        <dgm:pt modelId="13"/>
+        <dgm:pt modelId="14"/>
+        <dgm:pt modelId="15"/>
+        <dgm:pt modelId="16"/>
+      </dgm:ptLst>
+      <dgm:cxnLst>
+        <dgm:cxn modelId="2" srcId="0" destId="1" srcOrd="0" destOrd="0"/>
+        <dgm:cxn modelId="16" srcId="1" destId="11" srcOrd="0" destOrd="0"/>
+        <dgm:cxn modelId="17" srcId="1" destId="12" srcOrd="1" destOrd="0"/>
+        <dgm:cxn modelId="18" srcId="1" destId="13" srcOrd="2" destOrd="0"/>
+        <dgm:cxn modelId="19" srcId="1" destId="14" srcOrd="3" destOrd="0"/>
+        <dgm:cxn modelId="20" srcId="1" destId="15" srcOrd="4" destOrd="0"/>
+        <dgm:cxn modelId="21" srcId="1" destId="16" srcOrd="5" destOrd="0"/>
+      </dgm:cxnLst>
+      <dgm:bg/>
+      <dgm:whole/>
+    </dgm:dataModel>
+  </dgm:clrData>
+  <dgm:layoutNode name="composite">
+    <dgm:varLst>
+      <dgm:chMax val="1"/>
+      <dgm:dir/>
+      <dgm:resizeHandles val="exact"/>
+    </dgm:varLst>
+    <dgm:alg type="composite">
+      <dgm:param type="ar" val="1"/>
+    </dgm:alg>
+    <dgm:shape xmlns:r="http://schemas.openxmlformats.org/officeDocument/2006/relationships" r:blip="">
+      <dgm:adjLst/>
+    </dgm:shape>
+    <dgm:presOf/>
+    <dgm:constrLst/>
+    <dgm:ruleLst/>
+    <dgm:layoutNode name="radial">
+      <dgm:varLst>
+        <dgm:animLvl val="ctr"/>
+      </dgm:varLst>
+      <dgm:choose name="Name0">
+        <dgm:if name="Name1" func="var" arg="dir" op="equ" val="norm">
+          <dgm:choose name="Name2">
+            <dgm:if name="Name3" axis="ch ch" ptType="node node" st="1 1" cnt="1 0" func="cnt" op="lte" val="1">
+              <dgm:alg type="cycle">
+                <dgm:param type="stAng" val="90"/>
+                <dgm:param type="spanAng" val="360"/>
+                <dgm:param type="ctrShpMap" val="fNode"/>
+              </dgm:alg>
+            </dgm:if>
+            <dgm:else name="Name4">
+              <dgm:alg type="cycle">
+                <dgm:param type="stAng" val="0"/>
+                <dgm:param type="spanAng" val="360"/>
+                <dgm:param type="ctrShpMap" val="fNode"/>
+              </dgm:alg>
+            </dgm:else>
+          </dgm:choose>
+        </dgm:if>
+        <dgm:else name="Name5">
+          <dgm:alg type="cycle">
+            <dgm:param type="stAng" val="0"/>
+            <dgm:param type="spanAng" val="-360"/>
+            <dgm:param type="ctrShpMap" val="fNode"/>
+          </dgm:alg>
+        </dgm:else>
+      </dgm:choose>
+      <dgm:shape xmlns:r="http://schemas.openxmlformats.org/officeDocument/2006/relationships" r:blip="">
+        <dgm:adjLst/>
+      </dgm:shape>
+      <dgm:presOf/>
+      <dgm:constrLst>
+        <dgm:constr type="w" for="ch" forName="centerShape" refType="w"/>
+        <dgm:constr type="h" for="ch" forName="centerShape" refType="h"/>
+        <dgm:constr type="w" for="ch" forName="node" refType="w" fact="0.5"/>
+        <dgm:constr type="h" for="ch" forName="node" refType="h" fact="0.5"/>
+        <dgm:constr type="sp" refType="w" refFor="ch" refForName="node" fact="-0.2"/>
+        <dgm:constr type="sibSp" refType="w" refFor="ch" refForName="node" fact="-0.2"/>
+        <dgm:constr type="primFontSz" for="ch" forName="centerShape" val="65"/>
+        <dgm:constr type="primFontSz" for="des" forName="node" val="65"/>
+        <dgm:constr type="primFontSz" for="ch" forName="node" refType="primFontSz" refFor="ch" refForName="centerShape" op="lte"/>
+      </dgm:constrLst>
+      <dgm:ruleLst/>
+      <dgm:forEach name="Name6" axis="ch" ptType="node" cnt="1">
+        <dgm:layoutNode name="centerShape" styleLbl="vennNode1">
+          <dgm:alg type="tx"/>
+          <dgm:shape xmlns:r="http://schemas.openxmlformats.org/officeDocument/2006/relationships" type="ellipse" r:blip="">
+            <dgm:adjLst/>
+          </dgm:shape>
+          <dgm:presOf axis="self"/>
+          <dgm:constrLst>
+            <dgm:constr type="tMarg" refType="primFontSz" fact="0.1"/>
+            <dgm:constr type="bMarg" refType="primFontSz" fact="0.1"/>
+            <dgm:constr type="lMarg" refType="primFontSz" fact="0.1"/>
+            <dgm:constr type="rMarg" refType="primFontSz" fact="0.1"/>
+          </dgm:constrLst>
+          <dgm:ruleLst>
+            <dgm:rule type="primFontSz" val="5" fact="NaN" max="NaN"/>
+          </dgm:ruleLst>
+        </dgm:layoutNode>
+        <dgm:forEach name="Name7" axis="ch" ptType="node">
+          <dgm:layoutNode name="node" styleLbl="vennNode1">
+            <dgm:varLst>
+              <dgm:bulletEnabled val="1"/>
+            </dgm:varLst>
+            <dgm:alg type="tx">
+              <dgm:param type="txAnchorVertCh" val="mid"/>
+            </dgm:alg>
+            <dgm:shape xmlns:r="http://schemas.openxmlformats.org/officeDocument/2006/relationships" type="ellipse" r:blip="">
+              <dgm:adjLst/>
+            </dgm:shape>
+            <dgm:presOf axis="desOrSelf" ptType="node"/>
+            <dgm:constrLst>
+              <dgm:constr type="tMarg" refType="primFontSz" fact="0.1"/>
+              <dgm:constr type="bMarg" refType="primFontSz" fact="0.1"/>
+              <dgm:constr type="lMarg" refType="primFontSz" fact="0.1"/>
+              <dgm:constr type="rMarg" refType="primFontSz" fact="0.1"/>
+            </dgm:constrLst>
+            <dgm:ruleLst>
+              <dgm:rule type="primFontSz" val="5" fact="NaN" max="NaN"/>
+            </dgm:ruleLst>
+          </dgm:layoutNode>
+        </dgm:forEach>
+      </dgm:forEach>
+    </dgm:layoutNode>
+  </dgm:layoutNode>
+</dgm:layoutDef>
+</file>
+
+<file path=ppt/diagrams/layout2.xml><?xml version="1.0" encoding="utf-8"?>
+<dgm:layoutDef xmlns:dgm="http://schemas.openxmlformats.org/drawingml/2006/diagram" xmlns:a="http://schemas.openxmlformats.org/drawingml/2006/main" uniqueId="urn:microsoft.com/office/officeart/2005/8/layout/radial3">
+  <dgm:title val=""/>
+  <dgm:desc val=""/>
+  <dgm:catLst>
+    <dgm:cat type="relationship" pri="31000"/>
+    <dgm:cat type="cycle" pri="12000"/>
+  </dgm:catLst>
+  <dgm:sampData>
+    <dgm:dataModel>
+      <dgm:ptLst>
+        <dgm:pt modelId="0" type="doc"/>
+        <dgm:pt modelId="1">
+          <dgm:prSet phldr="1"/>
+        </dgm:pt>
+        <dgm:pt modelId="11">
+          <dgm:prSet phldr="1"/>
+        </dgm:pt>
+        <dgm:pt modelId="12">
+          <dgm:prSet phldr="1"/>
+        </dgm:pt>
+        <dgm:pt modelId="13">
+          <dgm:prSet phldr="1"/>
+        </dgm:pt>
+        <dgm:pt modelId="14">
+          <dgm:prSet phldr="1"/>
+        </dgm:pt>
+      </dgm:ptLst>
+      <dgm:cxnLst>
+        <dgm:cxn modelId="2" srcId="0" destId="1" srcOrd="0" destOrd="0"/>
+        <dgm:cxn modelId="3" srcId="1" destId="11" srcOrd="0" destOrd="0"/>
+        <dgm:cxn modelId="4" srcId="1" destId="12" srcOrd="1" destOrd="0"/>
+        <dgm:cxn modelId="5" srcId="1" destId="13" srcOrd="2" destOrd="0"/>
+        <dgm:cxn modelId="6" srcId="1" destId="14" srcOrd="3" destOrd="0"/>
+      </dgm:cxnLst>
+      <dgm:bg/>
+      <dgm:whole/>
+    </dgm:dataModel>
+  </dgm:sampData>
+  <dgm:styleData>
+    <dgm:dataModel>
+      <dgm:ptLst>
+        <dgm:pt modelId="0" type="doc"/>
+        <dgm:pt modelId="1"/>
+        <dgm:pt modelId="11"/>
+        <dgm:pt modelId="12"/>
+        <dgm:pt modelId="13"/>
+      </dgm:ptLst>
+      <dgm:cxnLst>
+        <dgm:cxn modelId="2" srcId="0" destId="1" srcOrd="0" destOrd="0"/>
+        <dgm:cxn modelId="15" srcId="1" destId="11" srcOrd="0" destOrd="0"/>
+        <dgm:cxn modelId="16" srcId="1" destId="12" srcOrd="1" destOrd="0"/>
+        <dgm:cxn modelId="17" srcId="1" destId="13" srcOrd="2" destOrd="0"/>
+      </dgm:cxnLst>
+      <dgm:bg/>
+      <dgm:whole/>
+    </dgm:dataModel>
+  </dgm:styleData>
+  <dgm:clrData>
+    <dgm:dataModel>
+      <dgm:ptLst>
+        <dgm:pt modelId="0" type="doc"/>
+        <dgm:pt modelId="1"/>
+        <dgm:pt modelId="11"/>
+        <dgm:pt modelId="12"/>
+        <dgm:pt modelId="13"/>
+        <dgm:pt modelId="14"/>
+        <dgm:pt modelId="15"/>
+        <dgm:pt modelId="16"/>
+      </dgm:ptLst>
+      <dgm:cxnLst>
+        <dgm:cxn modelId="2" srcId="0" destId="1" srcOrd="0" destOrd="0"/>
+        <dgm:cxn modelId="16" srcId="1" destId="11" srcOrd="0" destOrd="0"/>
+        <dgm:cxn modelId="17" srcId="1" destId="12" srcOrd="1" destOrd="0"/>
+        <dgm:cxn modelId="18" srcId="1" destId="13" srcOrd="2" destOrd="0"/>
+        <dgm:cxn modelId="19" srcId="1" destId="14" srcOrd="3" destOrd="0"/>
+        <dgm:cxn modelId="20" srcId="1" destId="15" srcOrd="4" destOrd="0"/>
+        <dgm:cxn modelId="21" srcId="1" destId="16" srcOrd="5" destOrd="0"/>
+      </dgm:cxnLst>
+      <dgm:bg/>
+      <dgm:whole/>
+    </dgm:dataModel>
+  </dgm:clrData>
+  <dgm:layoutNode name="composite">
+    <dgm:varLst>
+      <dgm:chMax val="1"/>
+      <dgm:dir/>
+      <dgm:resizeHandles val="exact"/>
+    </dgm:varLst>
+    <dgm:alg type="composite">
+      <dgm:param type="ar" val="1"/>
+    </dgm:alg>
+    <dgm:shape xmlns:r="http://schemas.openxmlformats.org/officeDocument/2006/relationships" r:blip="">
+      <dgm:adjLst/>
+    </dgm:shape>
+    <dgm:presOf/>
+    <dgm:constrLst/>
+    <dgm:ruleLst/>
+    <dgm:layoutNode name="radial">
+      <dgm:varLst>
+        <dgm:animLvl val="ctr"/>
+      </dgm:varLst>
+      <dgm:choose name="Name0">
+        <dgm:if name="Name1" func="var" arg="dir" op="equ" val="norm">
+          <dgm:choose name="Name2">
+            <dgm:if name="Name3" axis="ch ch" ptType="node node" st="1 1" cnt="1 0" func="cnt" op="lte" val="1">
+              <dgm:alg type="cycle">
+                <dgm:param type="stAng" val="90"/>
+                <dgm:param type="spanAng" val="360"/>
+                <dgm:param type="ctrShpMap" val="fNode"/>
+              </dgm:alg>
+            </dgm:if>
+            <dgm:else name="Name4">
+              <dgm:alg type="cycle">
+                <dgm:param type="stAng" val="0"/>
+                <dgm:param type="spanAng" val="360"/>
+                <dgm:param type="ctrShpMap" val="fNode"/>
+              </dgm:alg>
+            </dgm:else>
+          </dgm:choose>
+        </dgm:if>
+        <dgm:else name="Name5">
+          <dgm:alg type="cycle">
+            <dgm:param type="stAng" val="0"/>
+            <dgm:param type="spanAng" val="-360"/>
+            <dgm:param type="ctrShpMap" val="fNode"/>
+          </dgm:alg>
+        </dgm:else>
+      </dgm:choose>
+      <dgm:shape xmlns:r="http://schemas.openxmlformats.org/officeDocument/2006/relationships" r:blip="">
+        <dgm:adjLst/>
+      </dgm:shape>
+      <dgm:presOf/>
+      <dgm:constrLst>
+        <dgm:constr type="w" for="ch" forName="centerShape" refType="w"/>
+        <dgm:constr type="h" for="ch" forName="centerShape" refType="h"/>
+        <dgm:constr type="w" for="ch" forName="node" refType="w" fact="0.5"/>
+        <dgm:constr type="h" for="ch" forName="node" refType="h" fact="0.5"/>
+        <dgm:constr type="sp" refType="w" refFor="ch" refForName="node" fact="-0.2"/>
+        <dgm:constr type="sibSp" refType="w" refFor="ch" refForName="node" fact="-0.2"/>
+        <dgm:constr type="primFontSz" for="ch" forName="centerShape" val="65"/>
+        <dgm:constr type="primFontSz" for="des" forName="node" val="65"/>
+        <dgm:constr type="primFontSz" for="ch" forName="node" refType="primFontSz" refFor="ch" refForName="centerShape" op="lte"/>
+      </dgm:constrLst>
+      <dgm:ruleLst/>
+      <dgm:forEach name="Name6" axis="ch" ptType="node" cnt="1">
+        <dgm:layoutNode name="centerShape" styleLbl="vennNode1">
+          <dgm:alg type="tx"/>
+          <dgm:shape xmlns:r="http://schemas.openxmlformats.org/officeDocument/2006/relationships" type="ellipse" r:blip="">
+            <dgm:adjLst/>
+          </dgm:shape>
+          <dgm:presOf axis="self"/>
+          <dgm:constrLst>
+            <dgm:constr type="tMarg" refType="primFontSz" fact="0.1"/>
+            <dgm:constr type="bMarg" refType="primFontSz" fact="0.1"/>
+            <dgm:constr type="lMarg" refType="primFontSz" fact="0.1"/>
+            <dgm:constr type="rMarg" refType="primFontSz" fact="0.1"/>
+          </dgm:constrLst>
+          <dgm:ruleLst>
+            <dgm:rule type="primFontSz" val="5" fact="NaN" max="NaN"/>
+          </dgm:ruleLst>
+        </dgm:layoutNode>
+        <dgm:forEach name="Name7" axis="ch" ptType="node">
+          <dgm:layoutNode name="node" styleLbl="vennNode1">
+            <dgm:varLst>
+              <dgm:bulletEnabled val="1"/>
+            </dgm:varLst>
+            <dgm:alg type="tx">
+              <dgm:param type="txAnchorVertCh" val="mid"/>
+            </dgm:alg>
+            <dgm:shape xmlns:r="http://schemas.openxmlformats.org/officeDocument/2006/relationships" type="ellipse" r:blip="">
+              <dgm:adjLst/>
+            </dgm:shape>
+            <dgm:presOf axis="desOrSelf" ptType="node"/>
+            <dgm:constrLst>
+              <dgm:constr type="tMarg" refType="primFontSz" fact="0.1"/>
+              <dgm:constr type="bMarg" refType="primFontSz" fact="0.1"/>
+              <dgm:constr type="lMarg" refType="primFontSz" fact="0.1"/>
+              <dgm:constr type="rMarg" refType="primFontSz" fact="0.1"/>
+            </dgm:constrLst>
+            <dgm:ruleLst>
+              <dgm:rule type="primFontSz" val="5" fact="NaN" max="NaN"/>
+            </dgm:ruleLst>
+          </dgm:layoutNode>
+        </dgm:forEach>
+      </dgm:forEach>
+    </dgm:layoutNode>
+  </dgm:layoutNode>
+</dgm:layoutDef>
+</file>
+
+<file path=ppt/diagrams/layout3.xml><?xml version="1.0" encoding="utf-8"?>
 <dgm:layoutDef xmlns:dgm="http://schemas.openxmlformats.org/drawingml/2006/diagram" xmlns:a="http://schemas.openxmlformats.org/drawingml/2006/main" uniqueId="urn:microsoft.com/office/officeart/2005/8/layout/cycle1">
   <dgm:title val=""/>
   <dgm:desc val=""/>
@@ -1486,6 +4212,2074 @@
 </file>
 
 <file path=ppt/diagrams/quickStyle1.xml><?xml version="1.0" encoding="utf-8"?>
+<dgm:styleDef xmlns:dgm="http://schemas.openxmlformats.org/drawingml/2006/diagram" xmlns:a="http://schemas.openxmlformats.org/drawingml/2006/main" uniqueId="urn:microsoft.com/office/officeart/2005/8/quickstyle/simple1">
+  <dgm:title val=""/>
+  <dgm:desc val=""/>
+  <dgm:catLst>
+    <dgm:cat type="simple" pri="10100"/>
+  </dgm:catLst>
+  <dgm:scene3d>
+    <a:camera prst="orthographicFront"/>
+    <a:lightRig rig="threePt" dir="t"/>
+  </dgm:scene3d>
+  <dgm:styleLbl name="node0">
+    <dgm:scene3d>
+      <a:camera prst="orthographicFront"/>
+      <a:lightRig rig="threePt" dir="t"/>
+    </dgm:scene3d>
+    <dgm:sp3d/>
+    <dgm:txPr/>
+    <dgm:style>
+      <a:lnRef idx="2">
+        <a:scrgbClr r="0" g="0" b="0"/>
+      </a:lnRef>
+      <a:fillRef idx="1">
+        <a:scrgbClr r="0" g="0" b="0"/>
+      </a:fillRef>
+      <a:effectRef idx="0">
+        <a:scrgbClr r="0" g="0" b="0"/>
+      </a:effectRef>
+      <a:fontRef idx="minor">
+        <a:schemeClr val="lt1"/>
+      </a:fontRef>
+    </dgm:style>
+  </dgm:styleLbl>
+  <dgm:styleLbl name="lnNode1">
+    <dgm:scene3d>
+      <a:camera prst="orthographicFront"/>
+      <a:lightRig rig="threePt" dir="t"/>
+    </dgm:scene3d>
+    <dgm:sp3d/>
+    <dgm:txPr/>
+    <dgm:style>
+      <a:lnRef idx="2">
+        <a:scrgbClr r="0" g="0" b="0"/>
+      </a:lnRef>
+      <a:fillRef idx="1">
+        <a:scrgbClr r="0" g="0" b="0"/>
+      </a:fillRef>
+      <a:effectRef idx="0">
+        <a:scrgbClr r="0" g="0" b="0"/>
+      </a:effectRef>
+      <a:fontRef idx="minor">
+        <a:schemeClr val="lt1"/>
+      </a:fontRef>
+    </dgm:style>
+  </dgm:styleLbl>
+  <dgm:styleLbl name="vennNode1">
+    <dgm:scene3d>
+      <a:camera prst="orthographicFront"/>
+      <a:lightRig rig="threePt" dir="t"/>
+    </dgm:scene3d>
+    <dgm:sp3d/>
+    <dgm:txPr/>
+    <dgm:style>
+      <a:lnRef idx="2">
+        <a:scrgbClr r="0" g="0" b="0"/>
+      </a:lnRef>
+      <a:fillRef idx="1">
+        <a:scrgbClr r="0" g="0" b="0"/>
+      </a:fillRef>
+      <a:effectRef idx="0">
+        <a:scrgbClr r="0" g="0" b="0"/>
+      </a:effectRef>
+      <a:fontRef idx="minor">
+        <a:schemeClr val="tx1"/>
+      </a:fontRef>
+    </dgm:style>
+  </dgm:styleLbl>
+  <dgm:styleLbl name="alignNode1">
+    <dgm:scene3d>
+      <a:camera prst="orthographicFront"/>
+      <a:lightRig rig="threePt" dir="t"/>
+    </dgm:scene3d>
+    <dgm:sp3d/>
+    <dgm:txPr/>
+    <dgm:style>
+      <a:lnRef idx="2">
+        <a:scrgbClr r="0" g="0" b="0"/>
+      </a:lnRef>
+      <a:fillRef idx="1">
+        <a:scrgbClr r="0" g="0" b="0"/>
+      </a:fillRef>
+      <a:effectRef idx="0">
+        <a:scrgbClr r="0" g="0" b="0"/>
+      </a:effectRef>
+      <a:fontRef idx="minor">
+        <a:schemeClr val="lt1"/>
+      </a:fontRef>
+    </dgm:style>
+  </dgm:styleLbl>
+  <dgm:styleLbl name="node1">
+    <dgm:scene3d>
+      <a:camera prst="orthographicFront"/>
+      <a:lightRig rig="threePt" dir="t"/>
+    </dgm:scene3d>
+    <dgm:sp3d/>
+    <dgm:txPr/>
+    <dgm:style>
+      <a:lnRef idx="2">
+        <a:scrgbClr r="0" g="0" b="0"/>
+      </a:lnRef>
+      <a:fillRef idx="1">
+        <a:scrgbClr r="0" g="0" b="0"/>
+      </a:fillRef>
+      <a:effectRef idx="0">
+        <a:scrgbClr r="0" g="0" b="0"/>
+      </a:effectRef>
+      <a:fontRef idx="minor">
+        <a:schemeClr val="lt1"/>
+      </a:fontRef>
+    </dgm:style>
+  </dgm:styleLbl>
+  <dgm:styleLbl name="node2">
+    <dgm:scene3d>
+      <a:camera prst="orthographicFront"/>
+      <a:lightRig rig="threePt" dir="t"/>
+    </dgm:scene3d>
+    <dgm:sp3d/>
+    <dgm:txPr/>
+    <dgm:style>
+      <a:lnRef idx="2">
+        <a:scrgbClr r="0" g="0" b="0"/>
+      </a:lnRef>
+      <a:fillRef idx="1">
+        <a:scrgbClr r="0" g="0" b="0"/>
+      </a:fillRef>
+      <a:effectRef idx="0">
+        <a:scrgbClr r="0" g="0" b="0"/>
+      </a:effectRef>
+      <a:fontRef idx="minor">
+        <a:schemeClr val="lt1"/>
+      </a:fontRef>
+    </dgm:style>
+  </dgm:styleLbl>
+  <dgm:styleLbl name="node3">
+    <dgm:scene3d>
+      <a:camera prst="orthographicFront"/>
+      <a:lightRig rig="threePt" dir="t"/>
+    </dgm:scene3d>
+    <dgm:sp3d/>
+    <dgm:txPr/>
+    <dgm:style>
+      <a:lnRef idx="2">
+        <a:scrgbClr r="0" g="0" b="0"/>
+      </a:lnRef>
+      <a:fillRef idx="1">
+        <a:scrgbClr r="0" g="0" b="0"/>
+      </a:fillRef>
+      <a:effectRef idx="0">
+        <a:scrgbClr r="0" g="0" b="0"/>
+      </a:effectRef>
+      <a:fontRef idx="minor">
+        <a:schemeClr val="lt1"/>
+      </a:fontRef>
+    </dgm:style>
+  </dgm:styleLbl>
+  <dgm:styleLbl name="node4">
+    <dgm:scene3d>
+      <a:camera prst="orthographicFront"/>
+      <a:lightRig rig="threePt" dir="t"/>
+    </dgm:scene3d>
+    <dgm:sp3d/>
+    <dgm:txPr/>
+    <dgm:style>
+      <a:lnRef idx="2">
+        <a:scrgbClr r="0" g="0" b="0"/>
+      </a:lnRef>
+      <a:fillRef idx="1">
+        <a:scrgbClr r="0" g="0" b="0"/>
+      </a:fillRef>
+      <a:effectRef idx="0">
+        <a:scrgbClr r="0" g="0" b="0"/>
+      </a:effectRef>
+      <a:fontRef idx="minor">
+        <a:schemeClr val="lt1"/>
+      </a:fontRef>
+    </dgm:style>
+  </dgm:styleLbl>
+  <dgm:styleLbl name="fgImgPlace1">
+    <dgm:scene3d>
+      <a:camera prst="orthographicFront"/>
+      <a:lightRig rig="threePt" dir="t"/>
+    </dgm:scene3d>
+    <dgm:sp3d/>
+    <dgm:txPr/>
+    <dgm:style>
+      <a:lnRef idx="2">
+        <a:scrgbClr r="0" g="0" b="0"/>
+      </a:lnRef>
+      <a:fillRef idx="1">
+        <a:scrgbClr r="0" g="0" b="0"/>
+      </a:fillRef>
+      <a:effectRef idx="0">
+        <a:scrgbClr r="0" g="0" b="0"/>
+      </a:effectRef>
+      <a:fontRef idx="minor"/>
+    </dgm:style>
+  </dgm:styleLbl>
+  <dgm:styleLbl name="alignImgPlace1">
+    <dgm:scene3d>
+      <a:camera prst="orthographicFront"/>
+      <a:lightRig rig="threePt" dir="t"/>
+    </dgm:scene3d>
+    <dgm:sp3d/>
+    <dgm:txPr/>
+    <dgm:style>
+      <a:lnRef idx="2">
+        <a:scrgbClr r="0" g="0" b="0"/>
+      </a:lnRef>
+      <a:fillRef idx="1">
+        <a:scrgbClr r="0" g="0" b="0"/>
+      </a:fillRef>
+      <a:effectRef idx="0">
+        <a:scrgbClr r="0" g="0" b="0"/>
+      </a:effectRef>
+      <a:fontRef idx="minor"/>
+    </dgm:style>
+  </dgm:styleLbl>
+  <dgm:styleLbl name="bgImgPlace1">
+    <dgm:scene3d>
+      <a:camera prst="orthographicFront"/>
+      <a:lightRig rig="threePt" dir="t"/>
+    </dgm:scene3d>
+    <dgm:sp3d/>
+    <dgm:txPr/>
+    <dgm:style>
+      <a:lnRef idx="2">
+        <a:scrgbClr r="0" g="0" b="0"/>
+      </a:lnRef>
+      <a:fillRef idx="1">
+        <a:scrgbClr r="0" g="0" b="0"/>
+      </a:fillRef>
+      <a:effectRef idx="0">
+        <a:scrgbClr r="0" g="0" b="0"/>
+      </a:effectRef>
+      <a:fontRef idx="minor"/>
+    </dgm:style>
+  </dgm:styleLbl>
+  <dgm:styleLbl name="sibTrans2D1">
+    <dgm:scene3d>
+      <a:camera prst="orthographicFront"/>
+      <a:lightRig rig="threePt" dir="t"/>
+    </dgm:scene3d>
+    <dgm:sp3d/>
+    <dgm:txPr/>
+    <dgm:style>
+      <a:lnRef idx="0">
+        <a:scrgbClr r="0" g="0" b="0"/>
+      </a:lnRef>
+      <a:fillRef idx="1">
+        <a:scrgbClr r="0" g="0" b="0"/>
+      </a:fillRef>
+      <a:effectRef idx="0">
+        <a:scrgbClr r="0" g="0" b="0"/>
+      </a:effectRef>
+      <a:fontRef idx="minor">
+        <a:schemeClr val="lt1"/>
+      </a:fontRef>
+    </dgm:style>
+  </dgm:styleLbl>
+  <dgm:styleLbl name="fgSibTrans2D1">
+    <dgm:scene3d>
+      <a:camera prst="orthographicFront"/>
+      <a:lightRig rig="threePt" dir="t"/>
+    </dgm:scene3d>
+    <dgm:sp3d/>
+    <dgm:txPr/>
+    <dgm:style>
+      <a:lnRef idx="0">
+        <a:scrgbClr r="0" g="0" b="0"/>
+      </a:lnRef>
+      <a:fillRef idx="1">
+        <a:scrgbClr r="0" g="0" b="0"/>
+      </a:fillRef>
+      <a:effectRef idx="0">
+        <a:scrgbClr r="0" g="0" b="0"/>
+      </a:effectRef>
+      <a:fontRef idx="minor">
+        <a:schemeClr val="lt1"/>
+      </a:fontRef>
+    </dgm:style>
+  </dgm:styleLbl>
+  <dgm:styleLbl name="bgSibTrans2D1">
+    <dgm:scene3d>
+      <a:camera prst="orthographicFront"/>
+      <a:lightRig rig="threePt" dir="t"/>
+    </dgm:scene3d>
+    <dgm:sp3d/>
+    <dgm:txPr/>
+    <dgm:style>
+      <a:lnRef idx="0">
+        <a:scrgbClr r="0" g="0" b="0"/>
+      </a:lnRef>
+      <a:fillRef idx="1">
+        <a:scrgbClr r="0" g="0" b="0"/>
+      </a:fillRef>
+      <a:effectRef idx="0">
+        <a:scrgbClr r="0" g="0" b="0"/>
+      </a:effectRef>
+      <a:fontRef idx="minor">
+        <a:schemeClr val="lt1"/>
+      </a:fontRef>
+    </dgm:style>
+  </dgm:styleLbl>
+  <dgm:styleLbl name="sibTrans1D1">
+    <dgm:scene3d>
+      <a:camera prst="orthographicFront"/>
+      <a:lightRig rig="threePt" dir="t"/>
+    </dgm:scene3d>
+    <dgm:sp3d/>
+    <dgm:txPr/>
+    <dgm:style>
+      <a:lnRef idx="1">
+        <a:scrgbClr r="0" g="0" b="0"/>
+      </a:lnRef>
+      <a:fillRef idx="0">
+        <a:scrgbClr r="0" g="0" b="0"/>
+      </a:fillRef>
+      <a:effectRef idx="0">
+        <a:scrgbClr r="0" g="0" b="0"/>
+      </a:effectRef>
+      <a:fontRef idx="minor"/>
+    </dgm:style>
+  </dgm:styleLbl>
+  <dgm:styleLbl name="callout">
+    <dgm:scene3d>
+      <a:camera prst="orthographicFront"/>
+      <a:lightRig rig="threePt" dir="t"/>
+    </dgm:scene3d>
+    <dgm:sp3d/>
+    <dgm:txPr/>
+    <dgm:style>
+      <a:lnRef idx="2">
+        <a:scrgbClr r="0" g="0" b="0"/>
+      </a:lnRef>
+      <a:fillRef idx="1">
+        <a:scrgbClr r="0" g="0" b="0"/>
+      </a:fillRef>
+      <a:effectRef idx="0">
+        <a:scrgbClr r="0" g="0" b="0"/>
+      </a:effectRef>
+      <a:fontRef idx="minor"/>
+    </dgm:style>
+  </dgm:styleLbl>
+  <dgm:styleLbl name="asst0">
+    <dgm:scene3d>
+      <a:camera prst="orthographicFront"/>
+      <a:lightRig rig="threePt" dir="t"/>
+    </dgm:scene3d>
+    <dgm:sp3d/>
+    <dgm:txPr/>
+    <dgm:style>
+      <a:lnRef idx="2">
+        <a:scrgbClr r="0" g="0" b="0"/>
+      </a:lnRef>
+      <a:fillRef idx="1">
+        <a:scrgbClr r="0" g="0" b="0"/>
+      </a:fillRef>
+      <a:effectRef idx="0">
+        <a:scrgbClr r="0" g="0" b="0"/>
+      </a:effectRef>
+      <a:fontRef idx="minor">
+        <a:schemeClr val="lt1"/>
+      </a:fontRef>
+    </dgm:style>
+  </dgm:styleLbl>
+  <dgm:styleLbl name="asst1">
+    <dgm:scene3d>
+      <a:camera prst="orthographicFront"/>
+      <a:lightRig rig="threePt" dir="t"/>
+    </dgm:scene3d>
+    <dgm:sp3d/>
+    <dgm:txPr/>
+    <dgm:style>
+      <a:lnRef idx="2">
+        <a:scrgbClr r="0" g="0" b="0"/>
+      </a:lnRef>
+      <a:fillRef idx="1">
+        <a:scrgbClr r="0" g="0" b="0"/>
+      </a:fillRef>
+      <a:effectRef idx="0">
+        <a:scrgbClr r="0" g="0" b="0"/>
+      </a:effectRef>
+      <a:fontRef idx="minor">
+        <a:schemeClr val="lt1"/>
+      </a:fontRef>
+    </dgm:style>
+  </dgm:styleLbl>
+  <dgm:styleLbl name="asst2">
+    <dgm:scene3d>
+      <a:camera prst="orthographicFront"/>
+      <a:lightRig rig="threePt" dir="t"/>
+    </dgm:scene3d>
+    <dgm:sp3d/>
+    <dgm:txPr/>
+    <dgm:style>
+      <a:lnRef idx="2">
+        <a:scrgbClr r="0" g="0" b="0"/>
+      </a:lnRef>
+      <a:fillRef idx="1">
+        <a:scrgbClr r="0" g="0" b="0"/>
+      </a:fillRef>
+      <a:effectRef idx="0">
+        <a:scrgbClr r="0" g="0" b="0"/>
+      </a:effectRef>
+      <a:fontRef idx="minor">
+        <a:schemeClr val="lt1"/>
+      </a:fontRef>
+    </dgm:style>
+  </dgm:styleLbl>
+  <dgm:styleLbl name="asst3">
+    <dgm:scene3d>
+      <a:camera prst="orthographicFront"/>
+      <a:lightRig rig="threePt" dir="t"/>
+    </dgm:scene3d>
+    <dgm:sp3d/>
+    <dgm:txPr/>
+    <dgm:style>
+      <a:lnRef idx="2">
+        <a:scrgbClr r="0" g="0" b="0"/>
+      </a:lnRef>
+      <a:fillRef idx="1">
+        <a:scrgbClr r="0" g="0" b="0"/>
+      </a:fillRef>
+      <a:effectRef idx="0">
+        <a:scrgbClr r="0" g="0" b="0"/>
+      </a:effectRef>
+      <a:fontRef idx="minor">
+        <a:schemeClr val="lt1"/>
+      </a:fontRef>
+    </dgm:style>
+  </dgm:styleLbl>
+  <dgm:styleLbl name="asst4">
+    <dgm:scene3d>
+      <a:camera prst="orthographicFront"/>
+      <a:lightRig rig="threePt" dir="t"/>
+    </dgm:scene3d>
+    <dgm:sp3d/>
+    <dgm:txPr/>
+    <dgm:style>
+      <a:lnRef idx="2">
+        <a:scrgbClr r="0" g="0" b="0"/>
+      </a:lnRef>
+      <a:fillRef idx="1">
+        <a:scrgbClr r="0" g="0" b="0"/>
+      </a:fillRef>
+      <a:effectRef idx="0">
+        <a:scrgbClr r="0" g="0" b="0"/>
+      </a:effectRef>
+      <a:fontRef idx="minor">
+        <a:schemeClr val="lt1"/>
+      </a:fontRef>
+    </dgm:style>
+  </dgm:styleLbl>
+  <dgm:styleLbl name="parChTrans2D1">
+    <dgm:scene3d>
+      <a:camera prst="orthographicFront"/>
+      <a:lightRig rig="threePt" dir="t"/>
+    </dgm:scene3d>
+    <dgm:sp3d/>
+    <dgm:txPr/>
+    <dgm:style>
+      <a:lnRef idx="2">
+        <a:scrgbClr r="0" g="0" b="0"/>
+      </a:lnRef>
+      <a:fillRef idx="1">
+        <a:scrgbClr r="0" g="0" b="0"/>
+      </a:fillRef>
+      <a:effectRef idx="0">
+        <a:scrgbClr r="0" g="0" b="0"/>
+      </a:effectRef>
+      <a:fontRef idx="minor">
+        <a:schemeClr val="lt1"/>
+      </a:fontRef>
+    </dgm:style>
+  </dgm:styleLbl>
+  <dgm:styleLbl name="parChTrans2D2">
+    <dgm:scene3d>
+      <a:camera prst="orthographicFront"/>
+      <a:lightRig rig="threePt" dir="t"/>
+    </dgm:scene3d>
+    <dgm:sp3d/>
+    <dgm:txPr/>
+    <dgm:style>
+      <a:lnRef idx="2">
+        <a:scrgbClr r="0" g="0" b="0"/>
+      </a:lnRef>
+      <a:fillRef idx="1">
+        <a:scrgbClr r="0" g="0" b="0"/>
+      </a:fillRef>
+      <a:effectRef idx="0">
+        <a:scrgbClr r="0" g="0" b="0"/>
+      </a:effectRef>
+      <a:fontRef idx="minor">
+        <a:schemeClr val="lt1"/>
+      </a:fontRef>
+    </dgm:style>
+  </dgm:styleLbl>
+  <dgm:styleLbl name="parChTrans2D3">
+    <dgm:scene3d>
+      <a:camera prst="orthographicFront"/>
+      <a:lightRig rig="threePt" dir="t"/>
+    </dgm:scene3d>
+    <dgm:sp3d/>
+    <dgm:txPr/>
+    <dgm:style>
+      <a:lnRef idx="2">
+        <a:scrgbClr r="0" g="0" b="0"/>
+      </a:lnRef>
+      <a:fillRef idx="1">
+        <a:scrgbClr r="0" g="0" b="0"/>
+      </a:fillRef>
+      <a:effectRef idx="0">
+        <a:scrgbClr r="0" g="0" b="0"/>
+      </a:effectRef>
+      <a:fontRef idx="minor">
+        <a:schemeClr val="lt1"/>
+      </a:fontRef>
+    </dgm:style>
+  </dgm:styleLbl>
+  <dgm:styleLbl name="parChTrans2D4">
+    <dgm:scene3d>
+      <a:camera prst="orthographicFront"/>
+      <a:lightRig rig="threePt" dir="t"/>
+    </dgm:scene3d>
+    <dgm:sp3d/>
+    <dgm:txPr/>
+    <dgm:style>
+      <a:lnRef idx="2">
+        <a:scrgbClr r="0" g="0" b="0"/>
+      </a:lnRef>
+      <a:fillRef idx="1">
+        <a:scrgbClr r="0" g="0" b="0"/>
+      </a:fillRef>
+      <a:effectRef idx="0">
+        <a:scrgbClr r="0" g="0" b="0"/>
+      </a:effectRef>
+      <a:fontRef idx="minor">
+        <a:schemeClr val="lt1"/>
+      </a:fontRef>
+    </dgm:style>
+  </dgm:styleLbl>
+  <dgm:styleLbl name="parChTrans1D1">
+    <dgm:scene3d>
+      <a:camera prst="orthographicFront"/>
+      <a:lightRig rig="threePt" dir="t"/>
+    </dgm:scene3d>
+    <dgm:sp3d/>
+    <dgm:txPr/>
+    <dgm:style>
+      <a:lnRef idx="2">
+        <a:scrgbClr r="0" g="0" b="0"/>
+      </a:lnRef>
+      <a:fillRef idx="0">
+        <a:scrgbClr r="0" g="0" b="0"/>
+      </a:fillRef>
+      <a:effectRef idx="0">
+        <a:scrgbClr r="0" g="0" b="0"/>
+      </a:effectRef>
+      <a:fontRef idx="minor"/>
+    </dgm:style>
+  </dgm:styleLbl>
+  <dgm:styleLbl name="parChTrans1D2">
+    <dgm:scene3d>
+      <a:camera prst="orthographicFront"/>
+      <a:lightRig rig="threePt" dir="t"/>
+    </dgm:scene3d>
+    <dgm:sp3d/>
+    <dgm:txPr/>
+    <dgm:style>
+      <a:lnRef idx="2">
+        <a:scrgbClr r="0" g="0" b="0"/>
+      </a:lnRef>
+      <a:fillRef idx="0">
+        <a:scrgbClr r="0" g="0" b="0"/>
+      </a:fillRef>
+      <a:effectRef idx="0">
+        <a:scrgbClr r="0" g="0" b="0"/>
+      </a:effectRef>
+      <a:fontRef idx="minor"/>
+    </dgm:style>
+  </dgm:styleLbl>
+  <dgm:styleLbl name="parChTrans1D3">
+    <dgm:scene3d>
+      <a:camera prst="orthographicFront"/>
+      <a:lightRig rig="threePt" dir="t"/>
+    </dgm:scene3d>
+    <dgm:sp3d/>
+    <dgm:txPr/>
+    <dgm:style>
+      <a:lnRef idx="2">
+        <a:scrgbClr r="0" g="0" b="0"/>
+      </a:lnRef>
+      <a:fillRef idx="0">
+        <a:scrgbClr r="0" g="0" b="0"/>
+      </a:fillRef>
+      <a:effectRef idx="0">
+        <a:scrgbClr r="0" g="0" b="0"/>
+      </a:effectRef>
+      <a:fontRef idx="minor"/>
+    </dgm:style>
+  </dgm:styleLbl>
+  <dgm:styleLbl name="parChTrans1D4">
+    <dgm:scene3d>
+      <a:camera prst="orthographicFront"/>
+      <a:lightRig rig="threePt" dir="t"/>
+    </dgm:scene3d>
+    <dgm:sp3d/>
+    <dgm:txPr/>
+    <dgm:style>
+      <a:lnRef idx="2">
+        <a:scrgbClr r="0" g="0" b="0"/>
+      </a:lnRef>
+      <a:fillRef idx="0">
+        <a:scrgbClr r="0" g="0" b="0"/>
+      </a:fillRef>
+      <a:effectRef idx="0">
+        <a:scrgbClr r="0" g="0" b="0"/>
+      </a:effectRef>
+      <a:fontRef idx="minor"/>
+    </dgm:style>
+  </dgm:styleLbl>
+  <dgm:styleLbl name="fgAcc1">
+    <dgm:scene3d>
+      <a:camera prst="orthographicFront"/>
+      <a:lightRig rig="threePt" dir="t"/>
+    </dgm:scene3d>
+    <dgm:sp3d/>
+    <dgm:txPr/>
+    <dgm:style>
+      <a:lnRef idx="2">
+        <a:scrgbClr r="0" g="0" b="0"/>
+      </a:lnRef>
+      <a:fillRef idx="1">
+        <a:scrgbClr r="0" g="0" b="0"/>
+      </a:fillRef>
+      <a:effectRef idx="0">
+        <a:scrgbClr r="0" g="0" b="0"/>
+      </a:effectRef>
+      <a:fontRef idx="minor"/>
+    </dgm:style>
+  </dgm:styleLbl>
+  <dgm:styleLbl name="conFgAcc1">
+    <dgm:scene3d>
+      <a:camera prst="orthographicFront"/>
+      <a:lightRig rig="threePt" dir="t"/>
+    </dgm:scene3d>
+    <dgm:sp3d/>
+    <dgm:txPr/>
+    <dgm:style>
+      <a:lnRef idx="2">
+        <a:scrgbClr r="0" g="0" b="0"/>
+      </a:lnRef>
+      <a:fillRef idx="1">
+        <a:scrgbClr r="0" g="0" b="0"/>
+      </a:fillRef>
+      <a:effectRef idx="0">
+        <a:scrgbClr r="0" g="0" b="0"/>
+      </a:effectRef>
+      <a:fontRef idx="minor"/>
+    </dgm:style>
+  </dgm:styleLbl>
+  <dgm:styleLbl name="alignAcc1">
+    <dgm:scene3d>
+      <a:camera prst="orthographicFront"/>
+      <a:lightRig rig="threePt" dir="t"/>
+    </dgm:scene3d>
+    <dgm:sp3d/>
+    <dgm:txPr/>
+    <dgm:style>
+      <a:lnRef idx="2">
+        <a:scrgbClr r="0" g="0" b="0"/>
+      </a:lnRef>
+      <a:fillRef idx="1">
+        <a:scrgbClr r="0" g="0" b="0"/>
+      </a:fillRef>
+      <a:effectRef idx="0">
+        <a:scrgbClr r="0" g="0" b="0"/>
+      </a:effectRef>
+      <a:fontRef idx="minor"/>
+    </dgm:style>
+  </dgm:styleLbl>
+  <dgm:styleLbl name="trAlignAcc1">
+    <dgm:scene3d>
+      <a:camera prst="orthographicFront"/>
+      <a:lightRig rig="threePt" dir="t"/>
+    </dgm:scene3d>
+    <dgm:sp3d/>
+    <dgm:txPr/>
+    <dgm:style>
+      <a:lnRef idx="1">
+        <a:scrgbClr r="0" g="0" b="0"/>
+      </a:lnRef>
+      <a:fillRef idx="1">
+        <a:scrgbClr r="0" g="0" b="0"/>
+      </a:fillRef>
+      <a:effectRef idx="0">
+        <a:scrgbClr r="0" g="0" b="0"/>
+      </a:effectRef>
+      <a:fontRef idx="minor"/>
+    </dgm:style>
+  </dgm:styleLbl>
+  <dgm:styleLbl name="bgAcc1">
+    <dgm:scene3d>
+      <a:camera prst="orthographicFront"/>
+      <a:lightRig rig="threePt" dir="t"/>
+    </dgm:scene3d>
+    <dgm:sp3d/>
+    <dgm:txPr/>
+    <dgm:style>
+      <a:lnRef idx="2">
+        <a:scrgbClr r="0" g="0" b="0"/>
+      </a:lnRef>
+      <a:fillRef idx="1">
+        <a:scrgbClr r="0" g="0" b="0"/>
+      </a:fillRef>
+      <a:effectRef idx="0">
+        <a:scrgbClr r="0" g="0" b="0"/>
+      </a:effectRef>
+      <a:fontRef idx="minor"/>
+    </dgm:style>
+  </dgm:styleLbl>
+  <dgm:styleLbl name="solidFgAcc1">
+    <dgm:scene3d>
+      <a:camera prst="orthographicFront"/>
+      <a:lightRig rig="threePt" dir="t"/>
+    </dgm:scene3d>
+    <dgm:sp3d/>
+    <dgm:txPr/>
+    <dgm:style>
+      <a:lnRef idx="2">
+        <a:scrgbClr r="0" g="0" b="0"/>
+      </a:lnRef>
+      <a:fillRef idx="1">
+        <a:scrgbClr r="0" g="0" b="0"/>
+      </a:fillRef>
+      <a:effectRef idx="0">
+        <a:scrgbClr r="0" g="0" b="0"/>
+      </a:effectRef>
+      <a:fontRef idx="minor"/>
+    </dgm:style>
+  </dgm:styleLbl>
+  <dgm:styleLbl name="solidAlignAcc1">
+    <dgm:scene3d>
+      <a:camera prst="orthographicFront"/>
+      <a:lightRig rig="threePt" dir="t"/>
+    </dgm:scene3d>
+    <dgm:sp3d/>
+    <dgm:txPr/>
+    <dgm:style>
+      <a:lnRef idx="2">
+        <a:scrgbClr r="0" g="0" b="0"/>
+      </a:lnRef>
+      <a:fillRef idx="1">
+        <a:scrgbClr r="0" g="0" b="0"/>
+      </a:fillRef>
+      <a:effectRef idx="0">
+        <a:scrgbClr r="0" g="0" b="0"/>
+      </a:effectRef>
+      <a:fontRef idx="minor"/>
+    </dgm:style>
+  </dgm:styleLbl>
+  <dgm:styleLbl name="solidBgAcc1">
+    <dgm:scene3d>
+      <a:camera prst="orthographicFront"/>
+      <a:lightRig rig="threePt" dir="t"/>
+    </dgm:scene3d>
+    <dgm:sp3d/>
+    <dgm:txPr/>
+    <dgm:style>
+      <a:lnRef idx="2">
+        <a:scrgbClr r="0" g="0" b="0"/>
+      </a:lnRef>
+      <a:fillRef idx="1">
+        <a:scrgbClr r="0" g="0" b="0"/>
+      </a:fillRef>
+      <a:effectRef idx="0">
+        <a:scrgbClr r="0" g="0" b="0"/>
+      </a:effectRef>
+      <a:fontRef idx="minor"/>
+    </dgm:style>
+  </dgm:styleLbl>
+  <dgm:styleLbl name="fgAccFollowNode1">
+    <dgm:scene3d>
+      <a:camera prst="orthographicFront"/>
+      <a:lightRig rig="threePt" dir="t"/>
+    </dgm:scene3d>
+    <dgm:sp3d/>
+    <dgm:txPr/>
+    <dgm:style>
+      <a:lnRef idx="2">
+        <a:scrgbClr r="0" g="0" b="0"/>
+      </a:lnRef>
+      <a:fillRef idx="1">
+        <a:scrgbClr r="0" g="0" b="0"/>
+      </a:fillRef>
+      <a:effectRef idx="0">
+        <a:scrgbClr r="0" g="0" b="0"/>
+      </a:effectRef>
+      <a:fontRef idx="minor"/>
+    </dgm:style>
+  </dgm:styleLbl>
+  <dgm:styleLbl name="alignAccFollowNode1">
+    <dgm:scene3d>
+      <a:camera prst="orthographicFront"/>
+      <a:lightRig rig="threePt" dir="t"/>
+    </dgm:scene3d>
+    <dgm:sp3d/>
+    <dgm:txPr/>
+    <dgm:style>
+      <a:lnRef idx="2">
+        <a:scrgbClr r="0" g="0" b="0"/>
+      </a:lnRef>
+      <a:fillRef idx="1">
+        <a:scrgbClr r="0" g="0" b="0"/>
+      </a:fillRef>
+      <a:effectRef idx="0">
+        <a:scrgbClr r="0" g="0" b="0"/>
+      </a:effectRef>
+      <a:fontRef idx="minor"/>
+    </dgm:style>
+  </dgm:styleLbl>
+  <dgm:styleLbl name="bgAccFollowNode1">
+    <dgm:scene3d>
+      <a:camera prst="orthographicFront"/>
+      <a:lightRig rig="threePt" dir="t"/>
+    </dgm:scene3d>
+    <dgm:sp3d/>
+    <dgm:txPr/>
+    <dgm:style>
+      <a:lnRef idx="2">
+        <a:scrgbClr r="0" g="0" b="0"/>
+      </a:lnRef>
+      <a:fillRef idx="1">
+        <a:scrgbClr r="0" g="0" b="0"/>
+      </a:fillRef>
+      <a:effectRef idx="0">
+        <a:scrgbClr r="0" g="0" b="0"/>
+      </a:effectRef>
+      <a:fontRef idx="minor"/>
+    </dgm:style>
+  </dgm:styleLbl>
+  <dgm:styleLbl name="fgAcc0">
+    <dgm:scene3d>
+      <a:camera prst="orthographicFront"/>
+      <a:lightRig rig="threePt" dir="t"/>
+    </dgm:scene3d>
+    <dgm:sp3d/>
+    <dgm:txPr/>
+    <dgm:style>
+      <a:lnRef idx="2">
+        <a:scrgbClr r="0" g="0" b="0"/>
+      </a:lnRef>
+      <a:fillRef idx="1">
+        <a:scrgbClr r="0" g="0" b="0"/>
+      </a:fillRef>
+      <a:effectRef idx="0">
+        <a:scrgbClr r="0" g="0" b="0"/>
+      </a:effectRef>
+      <a:fontRef idx="minor"/>
+    </dgm:style>
+  </dgm:styleLbl>
+  <dgm:styleLbl name="fgAcc2">
+    <dgm:scene3d>
+      <a:camera prst="orthographicFront"/>
+      <a:lightRig rig="threePt" dir="t"/>
+    </dgm:scene3d>
+    <dgm:sp3d/>
+    <dgm:txPr/>
+    <dgm:style>
+      <a:lnRef idx="2">
+        <a:scrgbClr r="0" g="0" b="0"/>
+      </a:lnRef>
+      <a:fillRef idx="1">
+        <a:scrgbClr r="0" g="0" b="0"/>
+      </a:fillRef>
+      <a:effectRef idx="0">
+        <a:scrgbClr r="0" g="0" b="0"/>
+      </a:effectRef>
+      <a:fontRef idx="minor"/>
+    </dgm:style>
+  </dgm:styleLbl>
+  <dgm:styleLbl name="fgAcc3">
+    <dgm:scene3d>
+      <a:camera prst="orthographicFront"/>
+      <a:lightRig rig="threePt" dir="t"/>
+    </dgm:scene3d>
+    <dgm:sp3d/>
+    <dgm:txPr/>
+    <dgm:style>
+      <a:lnRef idx="2">
+        <a:scrgbClr r="0" g="0" b="0"/>
+      </a:lnRef>
+      <a:fillRef idx="1">
+        <a:scrgbClr r="0" g="0" b="0"/>
+      </a:fillRef>
+      <a:effectRef idx="0">
+        <a:scrgbClr r="0" g="0" b="0"/>
+      </a:effectRef>
+      <a:fontRef idx="minor"/>
+    </dgm:style>
+  </dgm:styleLbl>
+  <dgm:styleLbl name="fgAcc4">
+    <dgm:scene3d>
+      <a:camera prst="orthographicFront"/>
+      <a:lightRig rig="threePt" dir="t"/>
+    </dgm:scene3d>
+    <dgm:sp3d/>
+    <dgm:txPr/>
+    <dgm:style>
+      <a:lnRef idx="2">
+        <a:scrgbClr r="0" g="0" b="0"/>
+      </a:lnRef>
+      <a:fillRef idx="1">
+        <a:scrgbClr r="0" g="0" b="0"/>
+      </a:fillRef>
+      <a:effectRef idx="0">
+        <a:scrgbClr r="0" g="0" b="0"/>
+      </a:effectRef>
+      <a:fontRef idx="minor"/>
+    </dgm:style>
+  </dgm:styleLbl>
+  <dgm:styleLbl name="bgShp">
+    <dgm:scene3d>
+      <a:camera prst="orthographicFront"/>
+      <a:lightRig rig="threePt" dir="t"/>
+    </dgm:scene3d>
+    <dgm:sp3d/>
+    <dgm:txPr/>
+    <dgm:style>
+      <a:lnRef idx="0">
+        <a:scrgbClr r="0" g="0" b="0"/>
+      </a:lnRef>
+      <a:fillRef idx="1">
+        <a:scrgbClr r="0" g="0" b="0"/>
+      </a:fillRef>
+      <a:effectRef idx="0">
+        <a:scrgbClr r="0" g="0" b="0"/>
+      </a:effectRef>
+      <a:fontRef idx="minor"/>
+    </dgm:style>
+  </dgm:styleLbl>
+  <dgm:styleLbl name="dkBgShp">
+    <dgm:scene3d>
+      <a:camera prst="orthographicFront"/>
+      <a:lightRig rig="threePt" dir="t"/>
+    </dgm:scene3d>
+    <dgm:sp3d/>
+    <dgm:txPr/>
+    <dgm:style>
+      <a:lnRef idx="0">
+        <a:scrgbClr r="0" g="0" b="0"/>
+      </a:lnRef>
+      <a:fillRef idx="1">
+        <a:scrgbClr r="0" g="0" b="0"/>
+      </a:fillRef>
+      <a:effectRef idx="0">
+        <a:scrgbClr r="0" g="0" b="0"/>
+      </a:effectRef>
+      <a:fontRef idx="minor"/>
+    </dgm:style>
+  </dgm:styleLbl>
+  <dgm:styleLbl name="trBgShp">
+    <dgm:scene3d>
+      <a:camera prst="orthographicFront"/>
+      <a:lightRig rig="threePt" dir="t"/>
+    </dgm:scene3d>
+    <dgm:sp3d/>
+    <dgm:txPr/>
+    <dgm:style>
+      <a:lnRef idx="0">
+        <a:scrgbClr r="0" g="0" b="0"/>
+      </a:lnRef>
+      <a:fillRef idx="1">
+        <a:scrgbClr r="0" g="0" b="0"/>
+      </a:fillRef>
+      <a:effectRef idx="0">
+        <a:scrgbClr r="0" g="0" b="0"/>
+      </a:effectRef>
+      <a:fontRef idx="minor"/>
+    </dgm:style>
+  </dgm:styleLbl>
+  <dgm:styleLbl name="fgShp">
+    <dgm:scene3d>
+      <a:camera prst="orthographicFront"/>
+      <a:lightRig rig="threePt" dir="t"/>
+    </dgm:scene3d>
+    <dgm:sp3d/>
+    <dgm:txPr/>
+    <dgm:style>
+      <a:lnRef idx="2">
+        <a:scrgbClr r="0" g="0" b="0"/>
+      </a:lnRef>
+      <a:fillRef idx="1">
+        <a:scrgbClr r="0" g="0" b="0"/>
+      </a:fillRef>
+      <a:effectRef idx="0">
+        <a:scrgbClr r="0" g="0" b="0"/>
+      </a:effectRef>
+      <a:fontRef idx="minor"/>
+    </dgm:style>
+  </dgm:styleLbl>
+  <dgm:styleLbl name="revTx">
+    <dgm:scene3d>
+      <a:camera prst="orthographicFront"/>
+      <a:lightRig rig="threePt" dir="t"/>
+    </dgm:scene3d>
+    <dgm:sp3d/>
+    <dgm:txPr/>
+    <dgm:style>
+      <a:lnRef idx="0">
+        <a:scrgbClr r="0" g="0" b="0"/>
+      </a:lnRef>
+      <a:fillRef idx="0">
+        <a:scrgbClr r="0" g="0" b="0"/>
+      </a:fillRef>
+      <a:effectRef idx="0">
+        <a:scrgbClr r="0" g="0" b="0"/>
+      </a:effectRef>
+      <a:fontRef idx="minor"/>
+    </dgm:style>
+  </dgm:styleLbl>
+</dgm:styleDef>
+</file>
+
+<file path=ppt/diagrams/quickStyle2.xml><?xml version="1.0" encoding="utf-8"?>
+<dgm:styleDef xmlns:dgm="http://schemas.openxmlformats.org/drawingml/2006/diagram" xmlns:a="http://schemas.openxmlformats.org/drawingml/2006/main" uniqueId="urn:microsoft.com/office/officeart/2005/8/quickstyle/simple1">
+  <dgm:title val=""/>
+  <dgm:desc val=""/>
+  <dgm:catLst>
+    <dgm:cat type="simple" pri="10100"/>
+  </dgm:catLst>
+  <dgm:scene3d>
+    <a:camera prst="orthographicFront"/>
+    <a:lightRig rig="threePt" dir="t"/>
+  </dgm:scene3d>
+  <dgm:styleLbl name="node0">
+    <dgm:scene3d>
+      <a:camera prst="orthographicFront"/>
+      <a:lightRig rig="threePt" dir="t"/>
+    </dgm:scene3d>
+    <dgm:sp3d/>
+    <dgm:txPr/>
+    <dgm:style>
+      <a:lnRef idx="2">
+        <a:scrgbClr r="0" g="0" b="0"/>
+      </a:lnRef>
+      <a:fillRef idx="1">
+        <a:scrgbClr r="0" g="0" b="0"/>
+      </a:fillRef>
+      <a:effectRef idx="0">
+        <a:scrgbClr r="0" g="0" b="0"/>
+      </a:effectRef>
+      <a:fontRef idx="minor">
+        <a:schemeClr val="lt1"/>
+      </a:fontRef>
+    </dgm:style>
+  </dgm:styleLbl>
+  <dgm:styleLbl name="lnNode1">
+    <dgm:scene3d>
+      <a:camera prst="orthographicFront"/>
+      <a:lightRig rig="threePt" dir="t"/>
+    </dgm:scene3d>
+    <dgm:sp3d/>
+    <dgm:txPr/>
+    <dgm:style>
+      <a:lnRef idx="2">
+        <a:scrgbClr r="0" g="0" b="0"/>
+      </a:lnRef>
+      <a:fillRef idx="1">
+        <a:scrgbClr r="0" g="0" b="0"/>
+      </a:fillRef>
+      <a:effectRef idx="0">
+        <a:scrgbClr r="0" g="0" b="0"/>
+      </a:effectRef>
+      <a:fontRef idx="minor">
+        <a:schemeClr val="lt1"/>
+      </a:fontRef>
+    </dgm:style>
+  </dgm:styleLbl>
+  <dgm:styleLbl name="vennNode1">
+    <dgm:scene3d>
+      <a:camera prst="orthographicFront"/>
+      <a:lightRig rig="threePt" dir="t"/>
+    </dgm:scene3d>
+    <dgm:sp3d/>
+    <dgm:txPr/>
+    <dgm:style>
+      <a:lnRef idx="2">
+        <a:scrgbClr r="0" g="0" b="0"/>
+      </a:lnRef>
+      <a:fillRef idx="1">
+        <a:scrgbClr r="0" g="0" b="0"/>
+      </a:fillRef>
+      <a:effectRef idx="0">
+        <a:scrgbClr r="0" g="0" b="0"/>
+      </a:effectRef>
+      <a:fontRef idx="minor">
+        <a:schemeClr val="tx1"/>
+      </a:fontRef>
+    </dgm:style>
+  </dgm:styleLbl>
+  <dgm:styleLbl name="alignNode1">
+    <dgm:scene3d>
+      <a:camera prst="orthographicFront"/>
+      <a:lightRig rig="threePt" dir="t"/>
+    </dgm:scene3d>
+    <dgm:sp3d/>
+    <dgm:txPr/>
+    <dgm:style>
+      <a:lnRef idx="2">
+        <a:scrgbClr r="0" g="0" b="0"/>
+      </a:lnRef>
+      <a:fillRef idx="1">
+        <a:scrgbClr r="0" g="0" b="0"/>
+      </a:fillRef>
+      <a:effectRef idx="0">
+        <a:scrgbClr r="0" g="0" b="0"/>
+      </a:effectRef>
+      <a:fontRef idx="minor">
+        <a:schemeClr val="lt1"/>
+      </a:fontRef>
+    </dgm:style>
+  </dgm:styleLbl>
+  <dgm:styleLbl name="node1">
+    <dgm:scene3d>
+      <a:camera prst="orthographicFront"/>
+      <a:lightRig rig="threePt" dir="t"/>
+    </dgm:scene3d>
+    <dgm:sp3d/>
+    <dgm:txPr/>
+    <dgm:style>
+      <a:lnRef idx="2">
+        <a:scrgbClr r="0" g="0" b="0"/>
+      </a:lnRef>
+      <a:fillRef idx="1">
+        <a:scrgbClr r="0" g="0" b="0"/>
+      </a:fillRef>
+      <a:effectRef idx="0">
+        <a:scrgbClr r="0" g="0" b="0"/>
+      </a:effectRef>
+      <a:fontRef idx="minor">
+        <a:schemeClr val="lt1"/>
+      </a:fontRef>
+    </dgm:style>
+  </dgm:styleLbl>
+  <dgm:styleLbl name="node2">
+    <dgm:scene3d>
+      <a:camera prst="orthographicFront"/>
+      <a:lightRig rig="threePt" dir="t"/>
+    </dgm:scene3d>
+    <dgm:sp3d/>
+    <dgm:txPr/>
+    <dgm:style>
+      <a:lnRef idx="2">
+        <a:scrgbClr r="0" g="0" b="0"/>
+      </a:lnRef>
+      <a:fillRef idx="1">
+        <a:scrgbClr r="0" g="0" b="0"/>
+      </a:fillRef>
+      <a:effectRef idx="0">
+        <a:scrgbClr r="0" g="0" b="0"/>
+      </a:effectRef>
+      <a:fontRef idx="minor">
+        <a:schemeClr val="lt1"/>
+      </a:fontRef>
+    </dgm:style>
+  </dgm:styleLbl>
+  <dgm:styleLbl name="node3">
+    <dgm:scene3d>
+      <a:camera prst="orthographicFront"/>
+      <a:lightRig rig="threePt" dir="t"/>
+    </dgm:scene3d>
+    <dgm:sp3d/>
+    <dgm:txPr/>
+    <dgm:style>
+      <a:lnRef idx="2">
+        <a:scrgbClr r="0" g="0" b="0"/>
+      </a:lnRef>
+      <a:fillRef idx="1">
+        <a:scrgbClr r="0" g="0" b="0"/>
+      </a:fillRef>
+      <a:effectRef idx="0">
+        <a:scrgbClr r="0" g="0" b="0"/>
+      </a:effectRef>
+      <a:fontRef idx="minor">
+        <a:schemeClr val="lt1"/>
+      </a:fontRef>
+    </dgm:style>
+  </dgm:styleLbl>
+  <dgm:styleLbl name="node4">
+    <dgm:scene3d>
+      <a:camera prst="orthographicFront"/>
+      <a:lightRig rig="threePt" dir="t"/>
+    </dgm:scene3d>
+    <dgm:sp3d/>
+    <dgm:txPr/>
+    <dgm:style>
+      <a:lnRef idx="2">
+        <a:scrgbClr r="0" g="0" b="0"/>
+      </a:lnRef>
+      <a:fillRef idx="1">
+        <a:scrgbClr r="0" g="0" b="0"/>
+      </a:fillRef>
+      <a:effectRef idx="0">
+        <a:scrgbClr r="0" g="0" b="0"/>
+      </a:effectRef>
+      <a:fontRef idx="minor">
+        <a:schemeClr val="lt1"/>
+      </a:fontRef>
+    </dgm:style>
+  </dgm:styleLbl>
+  <dgm:styleLbl name="fgImgPlace1">
+    <dgm:scene3d>
+      <a:camera prst="orthographicFront"/>
+      <a:lightRig rig="threePt" dir="t"/>
+    </dgm:scene3d>
+    <dgm:sp3d/>
+    <dgm:txPr/>
+    <dgm:style>
+      <a:lnRef idx="2">
+        <a:scrgbClr r="0" g="0" b="0"/>
+      </a:lnRef>
+      <a:fillRef idx="1">
+        <a:scrgbClr r="0" g="0" b="0"/>
+      </a:fillRef>
+      <a:effectRef idx="0">
+        <a:scrgbClr r="0" g="0" b="0"/>
+      </a:effectRef>
+      <a:fontRef idx="minor"/>
+    </dgm:style>
+  </dgm:styleLbl>
+  <dgm:styleLbl name="alignImgPlace1">
+    <dgm:scene3d>
+      <a:camera prst="orthographicFront"/>
+      <a:lightRig rig="threePt" dir="t"/>
+    </dgm:scene3d>
+    <dgm:sp3d/>
+    <dgm:txPr/>
+    <dgm:style>
+      <a:lnRef idx="2">
+        <a:scrgbClr r="0" g="0" b="0"/>
+      </a:lnRef>
+      <a:fillRef idx="1">
+        <a:scrgbClr r="0" g="0" b="0"/>
+      </a:fillRef>
+      <a:effectRef idx="0">
+        <a:scrgbClr r="0" g="0" b="0"/>
+      </a:effectRef>
+      <a:fontRef idx="minor"/>
+    </dgm:style>
+  </dgm:styleLbl>
+  <dgm:styleLbl name="bgImgPlace1">
+    <dgm:scene3d>
+      <a:camera prst="orthographicFront"/>
+      <a:lightRig rig="threePt" dir="t"/>
+    </dgm:scene3d>
+    <dgm:sp3d/>
+    <dgm:txPr/>
+    <dgm:style>
+      <a:lnRef idx="2">
+        <a:scrgbClr r="0" g="0" b="0"/>
+      </a:lnRef>
+      <a:fillRef idx="1">
+        <a:scrgbClr r="0" g="0" b="0"/>
+      </a:fillRef>
+      <a:effectRef idx="0">
+        <a:scrgbClr r="0" g="0" b="0"/>
+      </a:effectRef>
+      <a:fontRef idx="minor"/>
+    </dgm:style>
+  </dgm:styleLbl>
+  <dgm:styleLbl name="sibTrans2D1">
+    <dgm:scene3d>
+      <a:camera prst="orthographicFront"/>
+      <a:lightRig rig="threePt" dir="t"/>
+    </dgm:scene3d>
+    <dgm:sp3d/>
+    <dgm:txPr/>
+    <dgm:style>
+      <a:lnRef idx="0">
+        <a:scrgbClr r="0" g="0" b="0"/>
+      </a:lnRef>
+      <a:fillRef idx="1">
+        <a:scrgbClr r="0" g="0" b="0"/>
+      </a:fillRef>
+      <a:effectRef idx="0">
+        <a:scrgbClr r="0" g="0" b="0"/>
+      </a:effectRef>
+      <a:fontRef idx="minor">
+        <a:schemeClr val="lt1"/>
+      </a:fontRef>
+    </dgm:style>
+  </dgm:styleLbl>
+  <dgm:styleLbl name="fgSibTrans2D1">
+    <dgm:scene3d>
+      <a:camera prst="orthographicFront"/>
+      <a:lightRig rig="threePt" dir="t"/>
+    </dgm:scene3d>
+    <dgm:sp3d/>
+    <dgm:txPr/>
+    <dgm:style>
+      <a:lnRef idx="0">
+        <a:scrgbClr r="0" g="0" b="0"/>
+      </a:lnRef>
+      <a:fillRef idx="1">
+        <a:scrgbClr r="0" g="0" b="0"/>
+      </a:fillRef>
+      <a:effectRef idx="0">
+        <a:scrgbClr r="0" g="0" b="0"/>
+      </a:effectRef>
+      <a:fontRef idx="minor">
+        <a:schemeClr val="lt1"/>
+      </a:fontRef>
+    </dgm:style>
+  </dgm:styleLbl>
+  <dgm:styleLbl name="bgSibTrans2D1">
+    <dgm:scene3d>
+      <a:camera prst="orthographicFront"/>
+      <a:lightRig rig="threePt" dir="t"/>
+    </dgm:scene3d>
+    <dgm:sp3d/>
+    <dgm:txPr/>
+    <dgm:style>
+      <a:lnRef idx="0">
+        <a:scrgbClr r="0" g="0" b="0"/>
+      </a:lnRef>
+      <a:fillRef idx="1">
+        <a:scrgbClr r="0" g="0" b="0"/>
+      </a:fillRef>
+      <a:effectRef idx="0">
+        <a:scrgbClr r="0" g="0" b="0"/>
+      </a:effectRef>
+      <a:fontRef idx="minor">
+        <a:schemeClr val="lt1"/>
+      </a:fontRef>
+    </dgm:style>
+  </dgm:styleLbl>
+  <dgm:styleLbl name="sibTrans1D1">
+    <dgm:scene3d>
+      <a:camera prst="orthographicFront"/>
+      <a:lightRig rig="threePt" dir="t"/>
+    </dgm:scene3d>
+    <dgm:sp3d/>
+    <dgm:txPr/>
+    <dgm:style>
+      <a:lnRef idx="1">
+        <a:scrgbClr r="0" g="0" b="0"/>
+      </a:lnRef>
+      <a:fillRef idx="0">
+        <a:scrgbClr r="0" g="0" b="0"/>
+      </a:fillRef>
+      <a:effectRef idx="0">
+        <a:scrgbClr r="0" g="0" b="0"/>
+      </a:effectRef>
+      <a:fontRef idx="minor"/>
+    </dgm:style>
+  </dgm:styleLbl>
+  <dgm:styleLbl name="callout">
+    <dgm:scene3d>
+      <a:camera prst="orthographicFront"/>
+      <a:lightRig rig="threePt" dir="t"/>
+    </dgm:scene3d>
+    <dgm:sp3d/>
+    <dgm:txPr/>
+    <dgm:style>
+      <a:lnRef idx="2">
+        <a:scrgbClr r="0" g="0" b="0"/>
+      </a:lnRef>
+      <a:fillRef idx="1">
+        <a:scrgbClr r="0" g="0" b="0"/>
+      </a:fillRef>
+      <a:effectRef idx="0">
+        <a:scrgbClr r="0" g="0" b="0"/>
+      </a:effectRef>
+      <a:fontRef idx="minor"/>
+    </dgm:style>
+  </dgm:styleLbl>
+  <dgm:styleLbl name="asst0">
+    <dgm:scene3d>
+      <a:camera prst="orthographicFront"/>
+      <a:lightRig rig="threePt" dir="t"/>
+    </dgm:scene3d>
+    <dgm:sp3d/>
+    <dgm:txPr/>
+    <dgm:style>
+      <a:lnRef idx="2">
+        <a:scrgbClr r="0" g="0" b="0"/>
+      </a:lnRef>
+      <a:fillRef idx="1">
+        <a:scrgbClr r="0" g="0" b="0"/>
+      </a:fillRef>
+      <a:effectRef idx="0">
+        <a:scrgbClr r="0" g="0" b="0"/>
+      </a:effectRef>
+      <a:fontRef idx="minor">
+        <a:schemeClr val="lt1"/>
+      </a:fontRef>
+    </dgm:style>
+  </dgm:styleLbl>
+  <dgm:styleLbl name="asst1">
+    <dgm:scene3d>
+      <a:camera prst="orthographicFront"/>
+      <a:lightRig rig="threePt" dir="t"/>
+    </dgm:scene3d>
+    <dgm:sp3d/>
+    <dgm:txPr/>
+    <dgm:style>
+      <a:lnRef idx="2">
+        <a:scrgbClr r="0" g="0" b="0"/>
+      </a:lnRef>
+      <a:fillRef idx="1">
+        <a:scrgbClr r="0" g="0" b="0"/>
+      </a:fillRef>
+      <a:effectRef idx="0">
+        <a:scrgbClr r="0" g="0" b="0"/>
+      </a:effectRef>
+      <a:fontRef idx="minor">
+        <a:schemeClr val="lt1"/>
+      </a:fontRef>
+    </dgm:style>
+  </dgm:styleLbl>
+  <dgm:styleLbl name="asst2">
+    <dgm:scene3d>
+      <a:camera prst="orthographicFront"/>
+      <a:lightRig rig="threePt" dir="t"/>
+    </dgm:scene3d>
+    <dgm:sp3d/>
+    <dgm:txPr/>
+    <dgm:style>
+      <a:lnRef idx="2">
+        <a:scrgbClr r="0" g="0" b="0"/>
+      </a:lnRef>
+      <a:fillRef idx="1">
+        <a:scrgbClr r="0" g="0" b="0"/>
+      </a:fillRef>
+      <a:effectRef idx="0">
+        <a:scrgbClr r="0" g="0" b="0"/>
+      </a:effectRef>
+      <a:fontRef idx="minor">
+        <a:schemeClr val="lt1"/>
+      </a:fontRef>
+    </dgm:style>
+  </dgm:styleLbl>
+  <dgm:styleLbl name="asst3">
+    <dgm:scene3d>
+      <a:camera prst="orthographicFront"/>
+      <a:lightRig rig="threePt" dir="t"/>
+    </dgm:scene3d>
+    <dgm:sp3d/>
+    <dgm:txPr/>
+    <dgm:style>
+      <a:lnRef idx="2">
+        <a:scrgbClr r="0" g="0" b="0"/>
+      </a:lnRef>
+      <a:fillRef idx="1">
+        <a:scrgbClr r="0" g="0" b="0"/>
+      </a:fillRef>
+      <a:effectRef idx="0">
+        <a:scrgbClr r="0" g="0" b="0"/>
+      </a:effectRef>
+      <a:fontRef idx="minor">
+        <a:schemeClr val="lt1"/>
+      </a:fontRef>
+    </dgm:style>
+  </dgm:styleLbl>
+  <dgm:styleLbl name="asst4">
+    <dgm:scene3d>
+      <a:camera prst="orthographicFront"/>
+      <a:lightRig rig="threePt" dir="t"/>
+    </dgm:scene3d>
+    <dgm:sp3d/>
+    <dgm:txPr/>
+    <dgm:style>
+      <a:lnRef idx="2">
+        <a:scrgbClr r="0" g="0" b="0"/>
+      </a:lnRef>
+      <a:fillRef idx="1">
+        <a:scrgbClr r="0" g="0" b="0"/>
+      </a:fillRef>
+      <a:effectRef idx="0">
+        <a:scrgbClr r="0" g="0" b="0"/>
+      </a:effectRef>
+      <a:fontRef idx="minor">
+        <a:schemeClr val="lt1"/>
+      </a:fontRef>
+    </dgm:style>
+  </dgm:styleLbl>
+  <dgm:styleLbl name="parChTrans2D1">
+    <dgm:scene3d>
+      <a:camera prst="orthographicFront"/>
+      <a:lightRig rig="threePt" dir="t"/>
+    </dgm:scene3d>
+    <dgm:sp3d/>
+    <dgm:txPr/>
+    <dgm:style>
+      <a:lnRef idx="2">
+        <a:scrgbClr r="0" g="0" b="0"/>
+      </a:lnRef>
+      <a:fillRef idx="1">
+        <a:scrgbClr r="0" g="0" b="0"/>
+      </a:fillRef>
+      <a:effectRef idx="0">
+        <a:scrgbClr r="0" g="0" b="0"/>
+      </a:effectRef>
+      <a:fontRef idx="minor">
+        <a:schemeClr val="lt1"/>
+      </a:fontRef>
+    </dgm:style>
+  </dgm:styleLbl>
+  <dgm:styleLbl name="parChTrans2D2">
+    <dgm:scene3d>
+      <a:camera prst="orthographicFront"/>
+      <a:lightRig rig="threePt" dir="t"/>
+    </dgm:scene3d>
+    <dgm:sp3d/>
+    <dgm:txPr/>
+    <dgm:style>
+      <a:lnRef idx="2">
+        <a:scrgbClr r="0" g="0" b="0"/>
+      </a:lnRef>
+      <a:fillRef idx="1">
+        <a:scrgbClr r="0" g="0" b="0"/>
+      </a:fillRef>
+      <a:effectRef idx="0">
+        <a:scrgbClr r="0" g="0" b="0"/>
+      </a:effectRef>
+      <a:fontRef idx="minor">
+        <a:schemeClr val="lt1"/>
+      </a:fontRef>
+    </dgm:style>
+  </dgm:styleLbl>
+  <dgm:styleLbl name="parChTrans2D3">
+    <dgm:scene3d>
+      <a:camera prst="orthographicFront"/>
+      <a:lightRig rig="threePt" dir="t"/>
+    </dgm:scene3d>
+    <dgm:sp3d/>
+    <dgm:txPr/>
+    <dgm:style>
+      <a:lnRef idx="2">
+        <a:scrgbClr r="0" g="0" b="0"/>
+      </a:lnRef>
+      <a:fillRef idx="1">
+        <a:scrgbClr r="0" g="0" b="0"/>
+      </a:fillRef>
+      <a:effectRef idx="0">
+        <a:scrgbClr r="0" g="0" b="0"/>
+      </a:effectRef>
+      <a:fontRef idx="minor">
+        <a:schemeClr val="lt1"/>
+      </a:fontRef>
+    </dgm:style>
+  </dgm:styleLbl>
+  <dgm:styleLbl name="parChTrans2D4">
+    <dgm:scene3d>
+      <a:camera prst="orthographicFront"/>
+      <a:lightRig rig="threePt" dir="t"/>
+    </dgm:scene3d>
+    <dgm:sp3d/>
+    <dgm:txPr/>
+    <dgm:style>
+      <a:lnRef idx="2">
+        <a:scrgbClr r="0" g="0" b="0"/>
+      </a:lnRef>
+      <a:fillRef idx="1">
+        <a:scrgbClr r="0" g="0" b="0"/>
+      </a:fillRef>
+      <a:effectRef idx="0">
+        <a:scrgbClr r="0" g="0" b="0"/>
+      </a:effectRef>
+      <a:fontRef idx="minor">
+        <a:schemeClr val="lt1"/>
+      </a:fontRef>
+    </dgm:style>
+  </dgm:styleLbl>
+  <dgm:styleLbl name="parChTrans1D1">
+    <dgm:scene3d>
+      <a:camera prst="orthographicFront"/>
+      <a:lightRig rig="threePt" dir="t"/>
+    </dgm:scene3d>
+    <dgm:sp3d/>
+    <dgm:txPr/>
+    <dgm:style>
+      <a:lnRef idx="2">
+        <a:scrgbClr r="0" g="0" b="0"/>
+      </a:lnRef>
+      <a:fillRef idx="0">
+        <a:scrgbClr r="0" g="0" b="0"/>
+      </a:fillRef>
+      <a:effectRef idx="0">
+        <a:scrgbClr r="0" g="0" b="0"/>
+      </a:effectRef>
+      <a:fontRef idx="minor"/>
+    </dgm:style>
+  </dgm:styleLbl>
+  <dgm:styleLbl name="parChTrans1D2">
+    <dgm:scene3d>
+      <a:camera prst="orthographicFront"/>
+      <a:lightRig rig="threePt" dir="t"/>
+    </dgm:scene3d>
+    <dgm:sp3d/>
+    <dgm:txPr/>
+    <dgm:style>
+      <a:lnRef idx="2">
+        <a:scrgbClr r="0" g="0" b="0"/>
+      </a:lnRef>
+      <a:fillRef idx="0">
+        <a:scrgbClr r="0" g="0" b="0"/>
+      </a:fillRef>
+      <a:effectRef idx="0">
+        <a:scrgbClr r="0" g="0" b="0"/>
+      </a:effectRef>
+      <a:fontRef idx="minor"/>
+    </dgm:style>
+  </dgm:styleLbl>
+  <dgm:styleLbl name="parChTrans1D3">
+    <dgm:scene3d>
+      <a:camera prst="orthographicFront"/>
+      <a:lightRig rig="threePt" dir="t"/>
+    </dgm:scene3d>
+    <dgm:sp3d/>
+    <dgm:txPr/>
+    <dgm:style>
+      <a:lnRef idx="2">
+        <a:scrgbClr r="0" g="0" b="0"/>
+      </a:lnRef>
+      <a:fillRef idx="0">
+        <a:scrgbClr r="0" g="0" b="0"/>
+      </a:fillRef>
+      <a:effectRef idx="0">
+        <a:scrgbClr r="0" g="0" b="0"/>
+      </a:effectRef>
+      <a:fontRef idx="minor"/>
+    </dgm:style>
+  </dgm:styleLbl>
+  <dgm:styleLbl name="parChTrans1D4">
+    <dgm:scene3d>
+      <a:camera prst="orthographicFront"/>
+      <a:lightRig rig="threePt" dir="t"/>
+    </dgm:scene3d>
+    <dgm:sp3d/>
+    <dgm:txPr/>
+    <dgm:style>
+      <a:lnRef idx="2">
+        <a:scrgbClr r="0" g="0" b="0"/>
+      </a:lnRef>
+      <a:fillRef idx="0">
+        <a:scrgbClr r="0" g="0" b="0"/>
+      </a:fillRef>
+      <a:effectRef idx="0">
+        <a:scrgbClr r="0" g="0" b="0"/>
+      </a:effectRef>
+      <a:fontRef idx="minor"/>
+    </dgm:style>
+  </dgm:styleLbl>
+  <dgm:styleLbl name="fgAcc1">
+    <dgm:scene3d>
+      <a:camera prst="orthographicFront"/>
+      <a:lightRig rig="threePt" dir="t"/>
+    </dgm:scene3d>
+    <dgm:sp3d/>
+    <dgm:txPr/>
+    <dgm:style>
+      <a:lnRef idx="2">
+        <a:scrgbClr r="0" g="0" b="0"/>
+      </a:lnRef>
+      <a:fillRef idx="1">
+        <a:scrgbClr r="0" g="0" b="0"/>
+      </a:fillRef>
+      <a:effectRef idx="0">
+        <a:scrgbClr r="0" g="0" b="0"/>
+      </a:effectRef>
+      <a:fontRef idx="minor"/>
+    </dgm:style>
+  </dgm:styleLbl>
+  <dgm:styleLbl name="conFgAcc1">
+    <dgm:scene3d>
+      <a:camera prst="orthographicFront"/>
+      <a:lightRig rig="threePt" dir="t"/>
+    </dgm:scene3d>
+    <dgm:sp3d/>
+    <dgm:txPr/>
+    <dgm:style>
+      <a:lnRef idx="2">
+        <a:scrgbClr r="0" g="0" b="0"/>
+      </a:lnRef>
+      <a:fillRef idx="1">
+        <a:scrgbClr r="0" g="0" b="0"/>
+      </a:fillRef>
+      <a:effectRef idx="0">
+        <a:scrgbClr r="0" g="0" b="0"/>
+      </a:effectRef>
+      <a:fontRef idx="minor"/>
+    </dgm:style>
+  </dgm:styleLbl>
+  <dgm:styleLbl name="alignAcc1">
+    <dgm:scene3d>
+      <a:camera prst="orthographicFront"/>
+      <a:lightRig rig="threePt" dir="t"/>
+    </dgm:scene3d>
+    <dgm:sp3d/>
+    <dgm:txPr/>
+    <dgm:style>
+      <a:lnRef idx="2">
+        <a:scrgbClr r="0" g="0" b="0"/>
+      </a:lnRef>
+      <a:fillRef idx="1">
+        <a:scrgbClr r="0" g="0" b="0"/>
+      </a:fillRef>
+      <a:effectRef idx="0">
+        <a:scrgbClr r="0" g="0" b="0"/>
+      </a:effectRef>
+      <a:fontRef idx="minor"/>
+    </dgm:style>
+  </dgm:styleLbl>
+  <dgm:styleLbl name="trAlignAcc1">
+    <dgm:scene3d>
+      <a:camera prst="orthographicFront"/>
+      <a:lightRig rig="threePt" dir="t"/>
+    </dgm:scene3d>
+    <dgm:sp3d/>
+    <dgm:txPr/>
+    <dgm:style>
+      <a:lnRef idx="1">
+        <a:scrgbClr r="0" g="0" b="0"/>
+      </a:lnRef>
+      <a:fillRef idx="1">
+        <a:scrgbClr r="0" g="0" b="0"/>
+      </a:fillRef>
+      <a:effectRef idx="0">
+        <a:scrgbClr r="0" g="0" b="0"/>
+      </a:effectRef>
+      <a:fontRef idx="minor"/>
+    </dgm:style>
+  </dgm:styleLbl>
+  <dgm:styleLbl name="bgAcc1">
+    <dgm:scene3d>
+      <a:camera prst="orthographicFront"/>
+      <a:lightRig rig="threePt" dir="t"/>
+    </dgm:scene3d>
+    <dgm:sp3d/>
+    <dgm:txPr/>
+    <dgm:style>
+      <a:lnRef idx="2">
+        <a:scrgbClr r="0" g="0" b="0"/>
+      </a:lnRef>
+      <a:fillRef idx="1">
+        <a:scrgbClr r="0" g="0" b="0"/>
+      </a:fillRef>
+      <a:effectRef idx="0">
+        <a:scrgbClr r="0" g="0" b="0"/>
+      </a:effectRef>
+      <a:fontRef idx="minor"/>
+    </dgm:style>
+  </dgm:styleLbl>
+  <dgm:styleLbl name="solidFgAcc1">
+    <dgm:scene3d>
+      <a:camera prst="orthographicFront"/>
+      <a:lightRig rig="threePt" dir="t"/>
+    </dgm:scene3d>
+    <dgm:sp3d/>
+    <dgm:txPr/>
+    <dgm:style>
+      <a:lnRef idx="2">
+        <a:scrgbClr r="0" g="0" b="0"/>
+      </a:lnRef>
+      <a:fillRef idx="1">
+        <a:scrgbClr r="0" g="0" b="0"/>
+      </a:fillRef>
+      <a:effectRef idx="0">
+        <a:scrgbClr r="0" g="0" b="0"/>
+      </a:effectRef>
+      <a:fontRef idx="minor"/>
+    </dgm:style>
+  </dgm:styleLbl>
+  <dgm:styleLbl name="solidAlignAcc1">
+    <dgm:scene3d>
+      <a:camera prst="orthographicFront"/>
+      <a:lightRig rig="threePt" dir="t"/>
+    </dgm:scene3d>
+    <dgm:sp3d/>
+    <dgm:txPr/>
+    <dgm:style>
+      <a:lnRef idx="2">
+        <a:scrgbClr r="0" g="0" b="0"/>
+      </a:lnRef>
+      <a:fillRef idx="1">
+        <a:scrgbClr r="0" g="0" b="0"/>
+      </a:fillRef>
+      <a:effectRef idx="0">
+        <a:scrgbClr r="0" g="0" b="0"/>
+      </a:effectRef>
+      <a:fontRef idx="minor"/>
+    </dgm:style>
+  </dgm:styleLbl>
+  <dgm:styleLbl name="solidBgAcc1">
+    <dgm:scene3d>
+      <a:camera prst="orthographicFront"/>
+      <a:lightRig rig="threePt" dir="t"/>
+    </dgm:scene3d>
+    <dgm:sp3d/>
+    <dgm:txPr/>
+    <dgm:style>
+      <a:lnRef idx="2">
+        <a:scrgbClr r="0" g="0" b="0"/>
+      </a:lnRef>
+      <a:fillRef idx="1">
+        <a:scrgbClr r="0" g="0" b="0"/>
+      </a:fillRef>
+      <a:effectRef idx="0">
+        <a:scrgbClr r="0" g="0" b="0"/>
+      </a:effectRef>
+      <a:fontRef idx="minor"/>
+    </dgm:style>
+  </dgm:styleLbl>
+  <dgm:styleLbl name="fgAccFollowNode1">
+    <dgm:scene3d>
+      <a:camera prst="orthographicFront"/>
+      <a:lightRig rig="threePt" dir="t"/>
+    </dgm:scene3d>
+    <dgm:sp3d/>
+    <dgm:txPr/>
+    <dgm:style>
+      <a:lnRef idx="2">
+        <a:scrgbClr r="0" g="0" b="0"/>
+      </a:lnRef>
+      <a:fillRef idx="1">
+        <a:scrgbClr r="0" g="0" b="0"/>
+      </a:fillRef>
+      <a:effectRef idx="0">
+        <a:scrgbClr r="0" g="0" b="0"/>
+      </a:effectRef>
+      <a:fontRef idx="minor"/>
+    </dgm:style>
+  </dgm:styleLbl>
+  <dgm:styleLbl name="alignAccFollowNode1">
+    <dgm:scene3d>
+      <a:camera prst="orthographicFront"/>
+      <a:lightRig rig="threePt" dir="t"/>
+    </dgm:scene3d>
+    <dgm:sp3d/>
+    <dgm:txPr/>
+    <dgm:style>
+      <a:lnRef idx="2">
+        <a:scrgbClr r="0" g="0" b="0"/>
+      </a:lnRef>
+      <a:fillRef idx="1">
+        <a:scrgbClr r="0" g="0" b="0"/>
+      </a:fillRef>
+      <a:effectRef idx="0">
+        <a:scrgbClr r="0" g="0" b="0"/>
+      </a:effectRef>
+      <a:fontRef idx="minor"/>
+    </dgm:style>
+  </dgm:styleLbl>
+  <dgm:styleLbl name="bgAccFollowNode1">
+    <dgm:scene3d>
+      <a:camera prst="orthographicFront"/>
+      <a:lightRig rig="threePt" dir="t"/>
+    </dgm:scene3d>
+    <dgm:sp3d/>
+    <dgm:txPr/>
+    <dgm:style>
+      <a:lnRef idx="2">
+        <a:scrgbClr r="0" g="0" b="0"/>
+      </a:lnRef>
+      <a:fillRef idx="1">
+        <a:scrgbClr r="0" g="0" b="0"/>
+      </a:fillRef>
+      <a:effectRef idx="0">
+        <a:scrgbClr r="0" g="0" b="0"/>
+      </a:effectRef>
+      <a:fontRef idx="minor"/>
+    </dgm:style>
+  </dgm:styleLbl>
+  <dgm:styleLbl name="fgAcc0">
+    <dgm:scene3d>
+      <a:camera prst="orthographicFront"/>
+      <a:lightRig rig="threePt" dir="t"/>
+    </dgm:scene3d>
+    <dgm:sp3d/>
+    <dgm:txPr/>
+    <dgm:style>
+      <a:lnRef idx="2">
+        <a:scrgbClr r="0" g="0" b="0"/>
+      </a:lnRef>
+      <a:fillRef idx="1">
+        <a:scrgbClr r="0" g="0" b="0"/>
+      </a:fillRef>
+      <a:effectRef idx="0">
+        <a:scrgbClr r="0" g="0" b="0"/>
+      </a:effectRef>
+      <a:fontRef idx="minor"/>
+    </dgm:style>
+  </dgm:styleLbl>
+  <dgm:styleLbl name="fgAcc2">
+    <dgm:scene3d>
+      <a:camera prst="orthographicFront"/>
+      <a:lightRig rig="threePt" dir="t"/>
+    </dgm:scene3d>
+    <dgm:sp3d/>
+    <dgm:txPr/>
+    <dgm:style>
+      <a:lnRef idx="2">
+        <a:scrgbClr r="0" g="0" b="0"/>
+      </a:lnRef>
+      <a:fillRef idx="1">
+        <a:scrgbClr r="0" g="0" b="0"/>
+      </a:fillRef>
+      <a:effectRef idx="0">
+        <a:scrgbClr r="0" g="0" b="0"/>
+      </a:effectRef>
+      <a:fontRef idx="minor"/>
+    </dgm:style>
+  </dgm:styleLbl>
+  <dgm:styleLbl name="fgAcc3">
+    <dgm:scene3d>
+      <a:camera prst="orthographicFront"/>
+      <a:lightRig rig="threePt" dir="t"/>
+    </dgm:scene3d>
+    <dgm:sp3d/>
+    <dgm:txPr/>
+    <dgm:style>
+      <a:lnRef idx="2">
+        <a:scrgbClr r="0" g="0" b="0"/>
+      </a:lnRef>
+      <a:fillRef idx="1">
+        <a:scrgbClr r="0" g="0" b="0"/>
+      </a:fillRef>
+      <a:effectRef idx="0">
+        <a:scrgbClr r="0" g="0" b="0"/>
+      </a:effectRef>
+      <a:fontRef idx="minor"/>
+    </dgm:style>
+  </dgm:styleLbl>
+  <dgm:styleLbl name="fgAcc4">
+    <dgm:scene3d>
+      <a:camera prst="orthographicFront"/>
+      <a:lightRig rig="threePt" dir="t"/>
+    </dgm:scene3d>
+    <dgm:sp3d/>
+    <dgm:txPr/>
+    <dgm:style>
+      <a:lnRef idx="2">
+        <a:scrgbClr r="0" g="0" b="0"/>
+      </a:lnRef>
+      <a:fillRef idx="1">
+        <a:scrgbClr r="0" g="0" b="0"/>
+      </a:fillRef>
+      <a:effectRef idx="0">
+        <a:scrgbClr r="0" g="0" b="0"/>
+      </a:effectRef>
+      <a:fontRef idx="minor"/>
+    </dgm:style>
+  </dgm:styleLbl>
+  <dgm:styleLbl name="bgShp">
+    <dgm:scene3d>
+      <a:camera prst="orthographicFront"/>
+      <a:lightRig rig="threePt" dir="t"/>
+    </dgm:scene3d>
+    <dgm:sp3d/>
+    <dgm:txPr/>
+    <dgm:style>
+      <a:lnRef idx="0">
+        <a:scrgbClr r="0" g="0" b="0"/>
+      </a:lnRef>
+      <a:fillRef idx="1">
+        <a:scrgbClr r="0" g="0" b="0"/>
+      </a:fillRef>
+      <a:effectRef idx="0">
+        <a:scrgbClr r="0" g="0" b="0"/>
+      </a:effectRef>
+      <a:fontRef idx="minor"/>
+    </dgm:style>
+  </dgm:styleLbl>
+  <dgm:styleLbl name="dkBgShp">
+    <dgm:scene3d>
+      <a:camera prst="orthographicFront"/>
+      <a:lightRig rig="threePt" dir="t"/>
+    </dgm:scene3d>
+    <dgm:sp3d/>
+    <dgm:txPr/>
+    <dgm:style>
+      <a:lnRef idx="0">
+        <a:scrgbClr r="0" g="0" b="0"/>
+      </a:lnRef>
+      <a:fillRef idx="1">
+        <a:scrgbClr r="0" g="0" b="0"/>
+      </a:fillRef>
+      <a:effectRef idx="0">
+        <a:scrgbClr r="0" g="0" b="0"/>
+      </a:effectRef>
+      <a:fontRef idx="minor"/>
+    </dgm:style>
+  </dgm:styleLbl>
+  <dgm:styleLbl name="trBgShp">
+    <dgm:scene3d>
+      <a:camera prst="orthographicFront"/>
+      <a:lightRig rig="threePt" dir="t"/>
+    </dgm:scene3d>
+    <dgm:sp3d/>
+    <dgm:txPr/>
+    <dgm:style>
+      <a:lnRef idx="0">
+        <a:scrgbClr r="0" g="0" b="0"/>
+      </a:lnRef>
+      <a:fillRef idx="1">
+        <a:scrgbClr r="0" g="0" b="0"/>
+      </a:fillRef>
+      <a:effectRef idx="0">
+        <a:scrgbClr r="0" g="0" b="0"/>
+      </a:effectRef>
+      <a:fontRef idx="minor"/>
+    </dgm:style>
+  </dgm:styleLbl>
+  <dgm:styleLbl name="fgShp">
+    <dgm:scene3d>
+      <a:camera prst="orthographicFront"/>
+      <a:lightRig rig="threePt" dir="t"/>
+    </dgm:scene3d>
+    <dgm:sp3d/>
+    <dgm:txPr/>
+    <dgm:style>
+      <a:lnRef idx="2">
+        <a:scrgbClr r="0" g="0" b="0"/>
+      </a:lnRef>
+      <a:fillRef idx="1">
+        <a:scrgbClr r="0" g="0" b="0"/>
+      </a:fillRef>
+      <a:effectRef idx="0">
+        <a:scrgbClr r="0" g="0" b="0"/>
+      </a:effectRef>
+      <a:fontRef idx="minor"/>
+    </dgm:style>
+  </dgm:styleLbl>
+  <dgm:styleLbl name="revTx">
+    <dgm:scene3d>
+      <a:camera prst="orthographicFront"/>
+      <a:lightRig rig="threePt" dir="t"/>
+    </dgm:scene3d>
+    <dgm:sp3d/>
+    <dgm:txPr/>
+    <dgm:style>
+      <a:lnRef idx="0">
+        <a:scrgbClr r="0" g="0" b="0"/>
+      </a:lnRef>
+      <a:fillRef idx="0">
+        <a:scrgbClr r="0" g="0" b="0"/>
+      </a:fillRef>
+      <a:effectRef idx="0">
+        <a:scrgbClr r="0" g="0" b="0"/>
+      </a:effectRef>
+      <a:fontRef idx="minor"/>
+    </dgm:style>
+  </dgm:styleLbl>
+</dgm:styleDef>
+</file>
+
+<file path=ppt/diagrams/quickStyle3.xml><?xml version="1.0" encoding="utf-8"?>
 <dgm:styleDef xmlns:dgm="http://schemas.openxmlformats.org/drawingml/2006/diagram" xmlns:a="http://schemas.openxmlformats.org/drawingml/2006/main" uniqueId="urn:microsoft.com/office/officeart/2005/8/quickstyle/simple1">
   <dgm:title val=""/>
   <dgm:desc val=""/>
@@ -2870,6 +7664,110 @@
 </file>
 
 <file path=ppt/notesSlides/notesSlide1.xml><?xml version="1.0" encoding="utf-8"?>
+<p:notes xmlns:a="http://schemas.openxmlformats.org/drawingml/2006/main" xmlns:r="http://schemas.openxmlformats.org/officeDocument/2006/relationships" xmlns:p="http://schemas.openxmlformats.org/presentationml/2006/main">
+  <p:cSld>
+    <p:spTree>
+      <p:nvGrpSpPr>
+        <p:cNvPr id="1" name=""/>
+        <p:cNvGrpSpPr/>
+        <p:nvPr/>
+      </p:nvGrpSpPr>
+      <p:grpSpPr>
+        <a:xfrm>
+          <a:off x="0" y="0"/>
+          <a:ext cx="0" cy="0"/>
+          <a:chOff x="0" y="0"/>
+          <a:chExt cx="0" cy="0"/>
+        </a:xfrm>
+      </p:grpSpPr>
+      <p:sp>
+        <p:nvSpPr>
+          <p:cNvPr id="2" name="Slide Image Placeholder 1"/>
+          <p:cNvSpPr>
+            <a:spLocks noGrp="1" noRot="1" noChangeAspect="1"/>
+          </p:cNvSpPr>
+          <p:nvPr>
+            <p:ph type="sldImg"/>
+          </p:nvPr>
+        </p:nvSpPr>
+        <p:spPr/>
+      </p:sp>
+      <p:sp>
+        <p:nvSpPr>
+          <p:cNvPr id="3" name="Notes Placeholder 2"/>
+          <p:cNvSpPr>
+            <a:spLocks noGrp="1"/>
+          </p:cNvSpPr>
+          <p:nvPr>
+            <p:ph type="body" idx="1"/>
+          </p:nvPr>
+        </p:nvSpPr>
+        <p:spPr/>
+        <p:txBody>
+          <a:bodyPr/>
+          <a:lstStyle/>
+          <a:p>
+            <a:r>
+              <a:rPr lang="en-CA" dirty="0"/>
+              <a:t>Focus of this presentation is </a:t>
+            </a:r>
+            <a:r>
+              <a:rPr lang="en-CA" b="1" dirty="0"/>
+              <a:t>brokered messaging</a:t>
+            </a:r>
+            <a:r>
+              <a:rPr lang="en-CA" dirty="0"/>
+              <a:t>, not relayed messaging</a:t>
+            </a:r>
+            <a:r>
+              <a:rPr lang="en-CA" baseline="0" dirty="0"/>
+              <a:t> (Relays) or </a:t>
+            </a:r>
+            <a:r>
+              <a:rPr lang="en-CA" baseline="0" dirty="0" err="1"/>
+              <a:t>EventHubs</a:t>
+            </a:r>
+            <a:endParaRPr lang="en-CA" dirty="0"/>
+          </a:p>
+        </p:txBody>
+      </p:sp>
+      <p:sp>
+        <p:nvSpPr>
+          <p:cNvPr id="4" name="Slide Number Placeholder 3"/>
+          <p:cNvSpPr>
+            <a:spLocks noGrp="1"/>
+          </p:cNvSpPr>
+          <p:nvPr>
+            <p:ph type="sldNum" sz="quarter" idx="10"/>
+          </p:nvPr>
+        </p:nvSpPr>
+        <p:spPr/>
+        <p:txBody>
+          <a:bodyPr/>
+          <a:lstStyle/>
+          <a:p>
+            <a:fld id="{0D2571CC-CB47-453F-9882-C6D2B0397ED5}" type="slidenum">
+              <a:rPr lang="en-CA" smtClean="0"/>
+              <a:t>2</a:t>
+            </a:fld>
+            <a:endParaRPr lang="en-CA"/>
+          </a:p>
+        </p:txBody>
+      </p:sp>
+    </p:spTree>
+    <p:extLst>
+      <p:ext uri="{BB962C8B-B14F-4D97-AF65-F5344CB8AC3E}">
+        <p14:creationId xmlns:p14="http://schemas.microsoft.com/office/powerpoint/2010/main" val="2058614538"/>
+      </p:ext>
+    </p:extLst>
+  </p:cSld>
+  <p:clrMapOvr>
+    <a:masterClrMapping/>
+  </p:clrMapOvr>
+</p:notes>
+</file>
+
+<file path=ppt/notesSlides/notesSlide2.xml><?xml version="1.0" encoding="utf-8"?>
 <p:notes xmlns:a="http://schemas.openxmlformats.org/drawingml/2006/main" xmlns:r="http://schemas.openxmlformats.org/officeDocument/2006/relationships" xmlns:p="http://schemas.openxmlformats.org/presentationml/2006/main">
   <p:cSld>
     <p:spTree>
@@ -11905,6 +16803,438 @@
           </a:p>
         </p:txBody>
       </p:sp>
+      <p:cxnSp>
+        <p:nvCxnSpPr>
+          <p:cNvPr id="18" name="Straight Arrow Connector 17"/>
+          <p:cNvCxnSpPr>
+            <a:endCxn id="8" idx="1"/>
+          </p:cNvCxnSpPr>
+          <p:nvPr/>
+        </p:nvCxnSpPr>
+        <p:spPr>
+          <a:xfrm>
+            <a:off x="7393883" y="3969586"/>
+            <a:ext cx="502852" cy="6011"/>
+          </a:xfrm>
+          <a:prstGeom prst="straightConnector1">
+            <a:avLst/>
+          </a:prstGeom>
+          <a:ln>
+            <a:tailEnd type="triangle"/>
+          </a:ln>
+        </p:spPr>
+        <p:style>
+          <a:lnRef idx="1">
+            <a:schemeClr val="accent1"/>
+          </a:lnRef>
+          <a:fillRef idx="0">
+            <a:schemeClr val="accent1"/>
+          </a:fillRef>
+          <a:effectRef idx="0">
+            <a:schemeClr val="accent1"/>
+          </a:effectRef>
+          <a:fontRef idx="minor">
+            <a:schemeClr val="tx1"/>
+          </a:fontRef>
+        </p:style>
+      </p:cxnSp>
+      <p:cxnSp>
+        <p:nvCxnSpPr>
+          <p:cNvPr id="20" name="Straight Arrow Connector 19"/>
+          <p:cNvCxnSpPr>
+            <a:stCxn id="8" idx="3"/>
+          </p:cNvCxnSpPr>
+          <p:nvPr/>
+        </p:nvCxnSpPr>
+        <p:spPr>
+          <a:xfrm flipV="1">
+            <a:off x="8413989" y="3972409"/>
+            <a:ext cx="465076" cy="3188"/>
+          </a:xfrm>
+          <a:prstGeom prst="straightConnector1">
+            <a:avLst/>
+          </a:prstGeom>
+          <a:ln>
+            <a:tailEnd type="triangle"/>
+          </a:ln>
+        </p:spPr>
+        <p:style>
+          <a:lnRef idx="1">
+            <a:schemeClr val="accent1"/>
+          </a:lnRef>
+          <a:fillRef idx="0">
+            <a:schemeClr val="accent1"/>
+          </a:fillRef>
+          <a:effectRef idx="0">
+            <a:schemeClr val="accent1"/>
+          </a:effectRef>
+          <a:fontRef idx="minor">
+            <a:schemeClr val="tx1"/>
+          </a:fontRef>
+        </p:style>
+      </p:cxnSp>
+      <p:grpSp>
+        <p:nvGrpSpPr>
+          <p:cNvPr id="30" name="Group 29"/>
+          <p:cNvGrpSpPr/>
+          <p:nvPr/>
+        </p:nvGrpSpPr>
+        <p:grpSpPr>
+          <a:xfrm>
+            <a:off x="4048728" y="1812989"/>
+            <a:ext cx="3870021" cy="4207254"/>
+            <a:chOff x="4048728" y="1812989"/>
+            <a:chExt cx="3870021" cy="4207254"/>
+          </a:xfrm>
+        </p:grpSpPr>
+        <p:graphicFrame>
+          <p:nvGraphicFramePr>
+            <p:cNvPr id="23" name="Diagram 22"/>
+            <p:cNvGraphicFramePr/>
+            <p:nvPr>
+              <p:extLst>
+                <p:ext uri="{D42A27DB-BD31-4B8C-83A1-F6EECF244321}">
+                  <p14:modId xmlns:p14="http://schemas.microsoft.com/office/powerpoint/2010/main" val="4031109415"/>
+                </p:ext>
+              </p:extLst>
+            </p:nvPr>
+          </p:nvGraphicFramePr>
+          <p:xfrm>
+            <a:off x="4048728" y="1812989"/>
+            <a:ext cx="3870021" cy="4207254"/>
+          </p:xfrm>
+          <a:graphic>
+            <a:graphicData uri="http://schemas.openxmlformats.org/drawingml/2006/diagram">
+              <dgm:relIds xmlns:dgm="http://schemas.openxmlformats.org/drawingml/2006/diagram" xmlns:r="http://schemas.openxmlformats.org/officeDocument/2006/relationships" r:dm="rId7" r:lo="rId8" r:qs="rId9" r:cs="rId10"/>
+            </a:graphicData>
+          </a:graphic>
+        </p:graphicFrame>
+        <p:sp>
+          <p:nvSpPr>
+            <p:cNvPr id="24" name="TextBox 23"/>
+            <p:cNvSpPr txBox="1"/>
+            <p:nvPr/>
+          </p:nvSpPr>
+          <p:spPr>
+            <a:xfrm>
+              <a:off x="5301403" y="2061366"/>
+              <a:ext cx="1368957" cy="369332"/>
+            </a:xfrm>
+            <a:prstGeom prst="rect">
+              <a:avLst/>
+            </a:prstGeom>
+            <a:noFill/>
+          </p:spPr>
+          <p:txBody>
+            <a:bodyPr wrap="square" rtlCol="0">
+              <a:spAutoFit/>
+            </a:bodyPr>
+            <a:lstStyle/>
+            <a:p>
+              <a:r>
+                <a:rPr lang="en-CA" dirty="0" err="1"/>
+                <a:t>QueueClient</a:t>
+              </a:r>
+              <a:endParaRPr lang="en-CA" dirty="0"/>
+            </a:p>
+          </p:txBody>
+        </p:sp>
+        <p:sp>
+          <p:nvSpPr>
+            <p:cNvPr id="25" name="TextBox 24"/>
+            <p:cNvSpPr txBox="1"/>
+            <p:nvPr/>
+          </p:nvSpPr>
+          <p:spPr>
+            <a:xfrm>
+              <a:off x="5301403" y="5327835"/>
+              <a:ext cx="1368957" cy="369332"/>
+            </a:xfrm>
+            <a:prstGeom prst="rect">
+              <a:avLst/>
+            </a:prstGeom>
+            <a:noFill/>
+          </p:spPr>
+          <p:txBody>
+            <a:bodyPr wrap="square" rtlCol="0">
+              <a:spAutoFit/>
+            </a:bodyPr>
+            <a:lstStyle/>
+            <a:p>
+              <a:r>
+                <a:rPr lang="en-CA" dirty="0" err="1"/>
+                <a:t>TopicClient</a:t>
+              </a:r>
+              <a:endParaRPr lang="en-CA" dirty="0"/>
+            </a:p>
+          </p:txBody>
+        </p:sp>
+      </p:grpSp>
+      <p:grpSp>
+        <p:nvGrpSpPr>
+          <p:cNvPr id="32" name="Group 31"/>
+          <p:cNvGrpSpPr/>
+          <p:nvPr/>
+        </p:nvGrpSpPr>
+        <p:grpSpPr>
+          <a:xfrm>
+            <a:off x="8430229" y="1865959"/>
+            <a:ext cx="3870021" cy="4207254"/>
+            <a:chOff x="8430229" y="1865959"/>
+            <a:chExt cx="3870021" cy="4207254"/>
+          </a:xfrm>
+        </p:grpSpPr>
+        <p:graphicFrame>
+          <p:nvGraphicFramePr>
+            <p:cNvPr id="26" name="Diagram 25"/>
+            <p:cNvGraphicFramePr/>
+            <p:nvPr>
+              <p:extLst>
+                <p:ext uri="{D42A27DB-BD31-4B8C-83A1-F6EECF244321}">
+                  <p14:modId xmlns:p14="http://schemas.microsoft.com/office/powerpoint/2010/main" val="1015061485"/>
+                </p:ext>
+              </p:extLst>
+            </p:nvPr>
+          </p:nvGraphicFramePr>
+          <p:xfrm>
+            <a:off x="8430229" y="1865959"/>
+            <a:ext cx="3870021" cy="4207254"/>
+          </p:xfrm>
+          <a:graphic>
+            <a:graphicData uri="http://schemas.openxmlformats.org/drawingml/2006/diagram">
+              <dgm:relIds xmlns:dgm="http://schemas.openxmlformats.org/drawingml/2006/diagram" xmlns:r="http://schemas.openxmlformats.org/officeDocument/2006/relationships" r:dm="rId12" r:lo="rId13" r:qs="rId14" r:cs="rId15"/>
+            </a:graphicData>
+          </a:graphic>
+        </p:graphicFrame>
+        <p:sp>
+          <p:nvSpPr>
+            <p:cNvPr id="27" name="TextBox 26"/>
+            <p:cNvSpPr txBox="1"/>
+            <p:nvPr/>
+          </p:nvSpPr>
+          <p:spPr>
+            <a:xfrm>
+              <a:off x="9682904" y="2114336"/>
+              <a:ext cx="1368957" cy="369332"/>
+            </a:xfrm>
+            <a:prstGeom prst="rect">
+              <a:avLst/>
+            </a:prstGeom>
+            <a:noFill/>
+          </p:spPr>
+          <p:txBody>
+            <a:bodyPr wrap="square" rtlCol="0">
+              <a:spAutoFit/>
+            </a:bodyPr>
+            <a:lstStyle/>
+            <a:p>
+              <a:r>
+                <a:rPr lang="en-CA" dirty="0" err="1"/>
+                <a:t>QueueClient</a:t>
+              </a:r>
+              <a:endParaRPr lang="en-CA" dirty="0"/>
+            </a:p>
+          </p:txBody>
+        </p:sp>
+        <p:sp>
+          <p:nvSpPr>
+            <p:cNvPr id="28" name="TextBox 27"/>
+            <p:cNvSpPr txBox="1"/>
+            <p:nvPr/>
+          </p:nvSpPr>
+          <p:spPr>
+            <a:xfrm>
+              <a:off x="9385555" y="5333278"/>
+              <a:ext cx="1959367" cy="369332"/>
+            </a:xfrm>
+            <a:prstGeom prst="rect">
+              <a:avLst/>
+            </a:prstGeom>
+            <a:noFill/>
+          </p:spPr>
+          <p:txBody>
+            <a:bodyPr wrap="square" rtlCol="0">
+              <a:spAutoFit/>
+            </a:bodyPr>
+            <a:lstStyle/>
+            <a:p>
+              <a:r>
+                <a:rPr lang="en-CA" dirty="0" err="1"/>
+                <a:t>SubscriptionClient</a:t>
+              </a:r>
+              <a:endParaRPr lang="en-CA" dirty="0"/>
+            </a:p>
+          </p:txBody>
+        </p:sp>
+      </p:grpSp>
+      <p:grpSp>
+        <p:nvGrpSpPr>
+          <p:cNvPr id="34" name="Group 33"/>
+          <p:cNvGrpSpPr/>
+          <p:nvPr/>
+        </p:nvGrpSpPr>
+        <p:grpSpPr>
+          <a:xfrm>
+            <a:off x="7625686" y="3808878"/>
+            <a:ext cx="1033899" cy="793204"/>
+            <a:chOff x="7625686" y="3808878"/>
+            <a:chExt cx="1033899" cy="793204"/>
+          </a:xfrm>
+        </p:grpSpPr>
+        <p:grpSp>
+          <p:nvGrpSpPr>
+            <p:cNvPr id="7" name="Group 6"/>
+            <p:cNvGrpSpPr/>
+            <p:nvPr/>
+          </p:nvGrpSpPr>
+          <p:grpSpPr>
+            <a:xfrm>
+              <a:off x="7896005" y="3808878"/>
+              <a:ext cx="517984" cy="331539"/>
+              <a:chOff x="5667022" y="2020711"/>
+              <a:chExt cx="4007556" cy="2957689"/>
+            </a:xfrm>
+          </p:grpSpPr>
+          <p:sp>
+            <p:nvSpPr>
+              <p:cNvPr id="8" name="Rectangle 7"/>
+              <p:cNvSpPr/>
+              <p:nvPr/>
+            </p:nvSpPr>
+            <p:spPr>
+              <a:xfrm>
+                <a:off x="5672667" y="2037644"/>
+                <a:ext cx="4001911" cy="2940756"/>
+              </a:xfrm>
+              <a:prstGeom prst="rect">
+                <a:avLst/>
+              </a:prstGeom>
+              <a:ln w="38100"/>
+            </p:spPr>
+            <p:style>
+              <a:lnRef idx="1">
+                <a:schemeClr val="accent1"/>
+              </a:lnRef>
+              <a:fillRef idx="2">
+                <a:schemeClr val="accent1"/>
+              </a:fillRef>
+              <a:effectRef idx="1">
+                <a:schemeClr val="accent1"/>
+              </a:effectRef>
+              <a:fontRef idx="minor">
+                <a:schemeClr val="dk1"/>
+              </a:fontRef>
+            </p:style>
+            <p:txBody>
+              <a:bodyPr rtlCol="0" anchor="ctr"/>
+              <a:lstStyle/>
+              <a:p>
+                <a:pPr algn="ctr"/>
+                <a:endParaRPr lang="en-CA"/>
+              </a:p>
+            </p:txBody>
+          </p:sp>
+          <p:cxnSp>
+            <p:nvCxnSpPr>
+              <p:cNvPr id="9" name="Straight Connector 8"/>
+              <p:cNvCxnSpPr/>
+              <p:nvPr/>
+            </p:nvCxnSpPr>
+            <p:spPr>
+              <a:xfrm>
+                <a:off x="5667022" y="2020711"/>
+                <a:ext cx="2060222" cy="1433689"/>
+              </a:xfrm>
+              <a:prstGeom prst="line">
+                <a:avLst/>
+              </a:prstGeom>
+              <a:ln w="38100"/>
+            </p:spPr>
+            <p:style>
+              <a:lnRef idx="1">
+                <a:schemeClr val="accent1"/>
+              </a:lnRef>
+              <a:fillRef idx="0">
+                <a:schemeClr val="accent1"/>
+              </a:fillRef>
+              <a:effectRef idx="0">
+                <a:schemeClr val="accent1"/>
+              </a:effectRef>
+              <a:fontRef idx="minor">
+                <a:schemeClr val="tx1"/>
+              </a:fontRef>
+            </p:style>
+          </p:cxnSp>
+          <p:cxnSp>
+            <p:nvCxnSpPr>
+              <p:cNvPr id="10" name="Straight Connector 9"/>
+              <p:cNvCxnSpPr/>
+              <p:nvPr/>
+            </p:nvCxnSpPr>
+            <p:spPr>
+              <a:xfrm flipV="1">
+                <a:off x="7727244" y="2037644"/>
+                <a:ext cx="1947334" cy="1416756"/>
+              </a:xfrm>
+              <a:prstGeom prst="line">
+                <a:avLst/>
+              </a:prstGeom>
+              <a:ln w="38100"/>
+            </p:spPr>
+            <p:style>
+              <a:lnRef idx="1">
+                <a:schemeClr val="accent1"/>
+              </a:lnRef>
+              <a:fillRef idx="0">
+                <a:schemeClr val="accent1"/>
+              </a:fillRef>
+              <a:effectRef idx="0">
+                <a:schemeClr val="accent1"/>
+              </a:effectRef>
+              <a:fontRef idx="minor">
+                <a:schemeClr val="tx1"/>
+              </a:fontRef>
+            </p:style>
+          </p:cxnSp>
+        </p:grpSp>
+        <p:sp>
+          <p:nvSpPr>
+            <p:cNvPr id="33" name="TextBox 32"/>
+            <p:cNvSpPr txBox="1"/>
+            <p:nvPr/>
+          </p:nvSpPr>
+          <p:spPr>
+            <a:xfrm>
+              <a:off x="7625686" y="4140417"/>
+              <a:ext cx="1033899" cy="461665"/>
+            </a:xfrm>
+            <a:prstGeom prst="rect">
+              <a:avLst/>
+            </a:prstGeom>
+            <a:noFill/>
+          </p:spPr>
+          <p:txBody>
+            <a:bodyPr wrap="square" rtlCol="0">
+              <a:spAutoFit/>
+            </a:bodyPr>
+            <a:lstStyle/>
+            <a:p>
+              <a:pPr algn="ctr"/>
+              <a:r>
+                <a:rPr lang="en-CA" sz="1200" dirty="0"/>
+                <a:t>Brokered</a:t>
+              </a:r>
+            </a:p>
+            <a:p>
+              <a:pPr algn="ctr"/>
+              <a:r>
+                <a:rPr lang="en-CA" sz="1200" dirty="0"/>
+                <a:t>Message</a:t>
+              </a:r>
+            </a:p>
+          </p:txBody>
+        </p:sp>
+      </p:grpSp>
     </p:spTree>
     <p:extLst>
       <p:ext uri="{BB962C8B-B14F-4D97-AF65-F5344CB8AC3E}">
@@ -11915,6 +17245,261 @@
   <p:clrMapOvr>
     <a:masterClrMapping/>
   </p:clrMapOvr>
+  <p:timing>
+    <p:tnLst>
+      <p:par>
+        <p:cTn id="1" dur="indefinite" restart="never" nodeType="tmRoot">
+          <p:childTnLst>
+            <p:seq concurrent="1" nextAc="seek">
+              <p:cTn id="2" dur="indefinite" nodeType="mainSeq">
+                <p:childTnLst>
+                  <p:par>
+                    <p:cTn id="3" fill="hold">
+                      <p:stCondLst>
+                        <p:cond delay="indefinite"/>
+                        <p:cond evt="onBegin" delay="0">
+                          <p:tn val="2"/>
+                        </p:cond>
+                      </p:stCondLst>
+                      <p:childTnLst>
+                        <p:par>
+                          <p:cTn id="4" fill="hold">
+                            <p:stCondLst>
+                              <p:cond delay="0"/>
+                            </p:stCondLst>
+                            <p:childTnLst>
+                              <p:par>
+                                <p:cTn id="5" presetID="1" presetClass="entr" presetSubtype="0" fill="hold" nodeType="withEffect">
+                                  <p:stCondLst>
+                                    <p:cond delay="0"/>
+                                  </p:stCondLst>
+                                  <p:childTnLst>
+                                    <p:set>
+                                      <p:cBhvr>
+                                        <p:cTn id="6" dur="1" fill="hold">
+                                          <p:stCondLst>
+                                            <p:cond delay="0"/>
+                                          </p:stCondLst>
+                                        </p:cTn>
+                                        <p:tgtEl>
+                                          <p:spTgt spid="30"/>
+                                        </p:tgtEl>
+                                        <p:attrNameLst>
+                                          <p:attrName>style.visibility</p:attrName>
+                                        </p:attrNameLst>
+                                      </p:cBhvr>
+                                      <p:to>
+                                        <p:strVal val="visible"/>
+                                      </p:to>
+                                    </p:set>
+                                  </p:childTnLst>
+                                </p:cTn>
+                              </p:par>
+                            </p:childTnLst>
+                          </p:cTn>
+                        </p:par>
+                      </p:childTnLst>
+                    </p:cTn>
+                  </p:par>
+                  <p:par>
+                    <p:cTn id="7" fill="hold">
+                      <p:stCondLst>
+                        <p:cond delay="indefinite"/>
+                      </p:stCondLst>
+                      <p:childTnLst>
+                        <p:par>
+                          <p:cTn id="8" fill="hold">
+                            <p:stCondLst>
+                              <p:cond delay="0"/>
+                            </p:stCondLst>
+                            <p:childTnLst>
+                              <p:par>
+                                <p:cTn id="9" presetID="22" presetClass="entr" presetSubtype="8" fill="hold" nodeType="clickEffect">
+                                  <p:stCondLst>
+                                    <p:cond delay="0"/>
+                                  </p:stCondLst>
+                                  <p:childTnLst>
+                                    <p:set>
+                                      <p:cBhvr>
+                                        <p:cTn id="10" dur="1" fill="hold">
+                                          <p:stCondLst>
+                                            <p:cond delay="0"/>
+                                          </p:stCondLst>
+                                        </p:cTn>
+                                        <p:tgtEl>
+                                          <p:spTgt spid="18"/>
+                                        </p:tgtEl>
+                                        <p:attrNameLst>
+                                          <p:attrName>style.visibility</p:attrName>
+                                        </p:attrNameLst>
+                                      </p:cBhvr>
+                                      <p:to>
+                                        <p:strVal val="visible"/>
+                                      </p:to>
+                                    </p:set>
+                                    <p:animEffect transition="in" filter="wipe(left)">
+                                      <p:cBhvr>
+                                        <p:cTn id="11" dur="500"/>
+                                        <p:tgtEl>
+                                          <p:spTgt spid="18"/>
+                                        </p:tgtEl>
+                                      </p:cBhvr>
+                                    </p:animEffect>
+                                  </p:childTnLst>
+                                </p:cTn>
+                              </p:par>
+                            </p:childTnLst>
+                          </p:cTn>
+                        </p:par>
+                        <p:par>
+                          <p:cTn id="12" fill="hold">
+                            <p:stCondLst>
+                              <p:cond delay="500"/>
+                            </p:stCondLst>
+                            <p:childTnLst>
+                              <p:par>
+                                <p:cTn id="13" presetID="22" presetClass="entr" presetSubtype="8" fill="hold" nodeType="afterEffect">
+                                  <p:stCondLst>
+                                    <p:cond delay="0"/>
+                                  </p:stCondLst>
+                                  <p:childTnLst>
+                                    <p:set>
+                                      <p:cBhvr>
+                                        <p:cTn id="14" dur="1" fill="hold">
+                                          <p:stCondLst>
+                                            <p:cond delay="0"/>
+                                          </p:stCondLst>
+                                        </p:cTn>
+                                        <p:tgtEl>
+                                          <p:spTgt spid="34"/>
+                                        </p:tgtEl>
+                                        <p:attrNameLst>
+                                          <p:attrName>style.visibility</p:attrName>
+                                        </p:attrNameLst>
+                                      </p:cBhvr>
+                                      <p:to>
+                                        <p:strVal val="visible"/>
+                                      </p:to>
+                                    </p:set>
+                                    <p:animEffect transition="in" filter="wipe(left)">
+                                      <p:cBhvr>
+                                        <p:cTn id="15" dur="500"/>
+                                        <p:tgtEl>
+                                          <p:spTgt spid="34"/>
+                                        </p:tgtEl>
+                                      </p:cBhvr>
+                                    </p:animEffect>
+                                  </p:childTnLst>
+                                </p:cTn>
+                              </p:par>
+                            </p:childTnLst>
+                          </p:cTn>
+                        </p:par>
+                        <p:par>
+                          <p:cTn id="16" fill="hold">
+                            <p:stCondLst>
+                              <p:cond delay="1000"/>
+                            </p:stCondLst>
+                            <p:childTnLst>
+                              <p:par>
+                                <p:cTn id="17" presetID="22" presetClass="entr" presetSubtype="8" fill="hold" nodeType="afterEffect">
+                                  <p:stCondLst>
+                                    <p:cond delay="0"/>
+                                  </p:stCondLst>
+                                  <p:childTnLst>
+                                    <p:set>
+                                      <p:cBhvr>
+                                        <p:cTn id="18" dur="1" fill="hold">
+                                          <p:stCondLst>
+                                            <p:cond delay="0"/>
+                                          </p:stCondLst>
+                                        </p:cTn>
+                                        <p:tgtEl>
+                                          <p:spTgt spid="20"/>
+                                        </p:tgtEl>
+                                        <p:attrNameLst>
+                                          <p:attrName>style.visibility</p:attrName>
+                                        </p:attrNameLst>
+                                      </p:cBhvr>
+                                      <p:to>
+                                        <p:strVal val="visible"/>
+                                      </p:to>
+                                    </p:set>
+                                    <p:animEffect transition="in" filter="wipe(left)">
+                                      <p:cBhvr>
+                                        <p:cTn id="19" dur="500"/>
+                                        <p:tgtEl>
+                                          <p:spTgt spid="20"/>
+                                        </p:tgtEl>
+                                      </p:cBhvr>
+                                    </p:animEffect>
+                                  </p:childTnLst>
+                                </p:cTn>
+                              </p:par>
+                            </p:childTnLst>
+                          </p:cTn>
+                        </p:par>
+                        <p:par>
+                          <p:cTn id="20" fill="hold">
+                            <p:stCondLst>
+                              <p:cond delay="1500"/>
+                            </p:stCondLst>
+                            <p:childTnLst>
+                              <p:par>
+                                <p:cTn id="21" presetID="1" presetClass="entr" presetSubtype="0" fill="hold" nodeType="afterEffect">
+                                  <p:stCondLst>
+                                    <p:cond delay="1000"/>
+                                  </p:stCondLst>
+                                  <p:childTnLst>
+                                    <p:set>
+                                      <p:cBhvr>
+                                        <p:cTn id="22" dur="1" fill="hold">
+                                          <p:stCondLst>
+                                            <p:cond delay="0"/>
+                                          </p:stCondLst>
+                                        </p:cTn>
+                                        <p:tgtEl>
+                                          <p:spTgt spid="32"/>
+                                        </p:tgtEl>
+                                        <p:attrNameLst>
+                                          <p:attrName>style.visibility</p:attrName>
+                                        </p:attrNameLst>
+                                      </p:cBhvr>
+                                      <p:to>
+                                        <p:strVal val="visible"/>
+                                      </p:to>
+                                    </p:set>
+                                  </p:childTnLst>
+                                </p:cTn>
+                              </p:par>
+                            </p:childTnLst>
+                          </p:cTn>
+                        </p:par>
+                      </p:childTnLst>
+                    </p:cTn>
+                  </p:par>
+                </p:childTnLst>
+              </p:cTn>
+              <p:prevCondLst>
+                <p:cond evt="onPrev" delay="0">
+                  <p:tgtEl>
+                    <p:sldTgt/>
+                  </p:tgtEl>
+                </p:cond>
+              </p:prevCondLst>
+              <p:nextCondLst>
+                <p:cond evt="onNext" delay="0">
+                  <p:tgtEl>
+                    <p:sldTgt/>
+                  </p:tgtEl>
+                </p:cond>
+              </p:nextCondLst>
+            </p:seq>
+          </p:childTnLst>
+        </p:cTn>
+      </p:par>
+    </p:tnLst>
+  </p:timing>
 </p:sld>
 </file>
 
@@ -13550,7 +19135,7 @@
           <p:nvPr/>
         </p:nvPicPr>
         <p:blipFill>
-          <a:blip r:embed="rId2" cstate="print">
+          <a:blip r:embed="rId3" cstate="print">
             <a:extLst>
               <a:ext uri="{28A0092B-C50C-407E-A947-70E740481C1C}">
                 <a14:useLocalDpi xmlns:a14="http://schemas.microsoft.com/office/drawing/2010/main" val="0"/>
@@ -13613,7 +19198,7 @@
           <p:nvPr/>
         </p:nvPicPr>
         <p:blipFill>
-          <a:blip r:embed="rId3" cstate="print">
+          <a:blip r:embed="rId4" cstate="print">
             <a:extLst>
               <a:ext uri="{28A0092B-C50C-407E-A947-70E740481C1C}">
                 <a14:useLocalDpi xmlns:a14="http://schemas.microsoft.com/office/drawing/2010/main" val="0"/>
@@ -13676,7 +19261,7 @@
           <p:nvPr/>
         </p:nvPicPr>
         <p:blipFill>
-          <a:blip r:embed="rId4" cstate="print">
+          <a:blip r:embed="rId5" cstate="print">
             <a:extLst>
               <a:ext uri="{28A0092B-C50C-407E-A947-70E740481C1C}">
                 <a14:useLocalDpi xmlns:a14="http://schemas.microsoft.com/office/drawing/2010/main" val="0"/>
@@ -13739,7 +19324,7 @@
           <p:nvPr/>
         </p:nvPicPr>
         <p:blipFill>
-          <a:blip r:embed="rId5" cstate="print">
+          <a:blip r:embed="rId6" cstate="print">
             <a:extLst>
               <a:ext uri="{28A0092B-C50C-407E-A947-70E740481C1C}">
                 <a14:useLocalDpi xmlns:a14="http://schemas.microsoft.com/office/drawing/2010/main" val="0"/>
@@ -13836,7 +19421,7 @@
           <p:nvPr/>
         </p:nvPicPr>
         <p:blipFill>
-          <a:blip r:embed="rId6" cstate="print">
+          <a:blip r:embed="rId7" cstate="print">
             <a:extLst>
               <a:ext uri="{28A0092B-C50C-407E-A947-70E740481C1C}">
                 <a14:useLocalDpi xmlns:a14="http://schemas.microsoft.com/office/drawing/2010/main" val="0"/>
@@ -13857,6 +19442,127 @@
           </a:prstGeom>
         </p:spPr>
       </p:pic>
+      <p:sp>
+        <p:nvSpPr>
+          <p:cNvPr id="6" name="TextBox 5"/>
+          <p:cNvSpPr txBox="1"/>
+          <p:nvPr/>
+        </p:nvSpPr>
+        <p:spPr>
+          <a:xfrm>
+            <a:off x="2008598" y="4665813"/>
+            <a:ext cx="1176391" cy="369332"/>
+          </a:xfrm>
+          <a:prstGeom prst="rect">
+            <a:avLst/>
+          </a:prstGeom>
+          <a:noFill/>
+        </p:spPr>
+        <p:txBody>
+          <a:bodyPr wrap="square" rtlCol="0">
+            <a:spAutoFit/>
+          </a:bodyPr>
+          <a:lstStyle/>
+          <a:p>
+            <a:pPr algn="ctr"/>
+            <a:r>
+              <a:rPr lang="en-CA" dirty="0"/>
+              <a:t>Queues</a:t>
+            </a:r>
+          </a:p>
+        </p:txBody>
+      </p:sp>
+      <p:sp>
+        <p:nvSpPr>
+          <p:cNvPr id="15" name="TextBox 14"/>
+          <p:cNvSpPr txBox="1"/>
+          <p:nvPr/>
+        </p:nvSpPr>
+        <p:spPr>
+          <a:xfrm>
+            <a:off x="4305044" y="4665813"/>
+            <a:ext cx="1571774" cy="646331"/>
+          </a:xfrm>
+          <a:prstGeom prst="rect">
+            <a:avLst/>
+          </a:prstGeom>
+          <a:noFill/>
+        </p:spPr>
+        <p:txBody>
+          <a:bodyPr wrap="square" rtlCol="0">
+            <a:spAutoFit/>
+          </a:bodyPr>
+          <a:lstStyle/>
+          <a:p>
+            <a:pPr algn="ctr"/>
+            <a:r>
+              <a:rPr lang="en-CA" dirty="0"/>
+              <a:t>Topics &amp; Subscriptions</a:t>
+            </a:r>
+          </a:p>
+        </p:txBody>
+      </p:sp>
+      <p:sp>
+        <p:nvSpPr>
+          <p:cNvPr id="17" name="TextBox 16"/>
+          <p:cNvSpPr txBox="1"/>
+          <p:nvPr/>
+        </p:nvSpPr>
+        <p:spPr>
+          <a:xfrm>
+            <a:off x="6975361" y="4665813"/>
+            <a:ext cx="1176391" cy="369332"/>
+          </a:xfrm>
+          <a:prstGeom prst="rect">
+            <a:avLst/>
+          </a:prstGeom>
+          <a:noFill/>
+        </p:spPr>
+        <p:txBody>
+          <a:bodyPr wrap="square" rtlCol="0">
+            <a:spAutoFit/>
+          </a:bodyPr>
+          <a:lstStyle/>
+          <a:p>
+            <a:pPr algn="ctr"/>
+            <a:r>
+              <a:rPr lang="en-CA" dirty="0" err="1"/>
+              <a:t>EventHubs</a:t>
+            </a:r>
+            <a:endParaRPr lang="en-CA" dirty="0"/>
+          </a:p>
+        </p:txBody>
+      </p:sp>
+      <p:sp>
+        <p:nvSpPr>
+          <p:cNvPr id="19" name="TextBox 18"/>
+          <p:cNvSpPr txBox="1"/>
+          <p:nvPr/>
+        </p:nvSpPr>
+        <p:spPr>
+          <a:xfrm>
+            <a:off x="9447628" y="4665813"/>
+            <a:ext cx="1176391" cy="369332"/>
+          </a:xfrm>
+          <a:prstGeom prst="rect">
+            <a:avLst/>
+          </a:prstGeom>
+          <a:noFill/>
+        </p:spPr>
+        <p:txBody>
+          <a:bodyPr wrap="square" rtlCol="0">
+            <a:spAutoFit/>
+          </a:bodyPr>
+          <a:lstStyle/>
+          <a:p>
+            <a:pPr algn="ctr"/>
+            <a:r>
+              <a:rPr lang="en-CA" dirty="0"/>
+              <a:t>Relays</a:t>
+            </a:r>
+          </a:p>
+        </p:txBody>
+      </p:sp>
     </p:spTree>
     <p:extLst>
       <p:ext uri="{BB962C8B-B14F-4D97-AF65-F5344CB8AC3E}">
@@ -13950,6 +19656,33 @@
                                   </p:childTnLst>
                                 </p:cTn>
                               </p:par>
+                              <p:par>
+                                <p:cTn id="10" presetID="1" presetClass="entr" presetSubtype="0" fill="hold" grpId="0" nodeType="withEffect">
+                                  <p:stCondLst>
+                                    <p:cond delay="0"/>
+                                  </p:stCondLst>
+                                  <p:childTnLst>
+                                    <p:set>
+                                      <p:cBhvr>
+                                        <p:cTn id="11" dur="1" fill="hold">
+                                          <p:stCondLst>
+                                            <p:cond delay="0"/>
+                                          </p:stCondLst>
+                                        </p:cTn>
+                                        <p:tgtEl>
+                                          <p:spTgt spid="6"/>
+                                        </p:tgtEl>
+                                        <p:attrNameLst>
+                                          <p:attrName>style.visibility</p:attrName>
+                                        </p:attrNameLst>
+                                      </p:cBhvr>
+                                      <p:to>
+                                        <p:strVal val="visible"/>
+                                      </p:to>
+                                    </p:set>
+                                  </p:childTnLst>
+                                </p:cTn>
+                              </p:par>
                             </p:childTnLst>
                           </p:cTn>
                         </p:par>
@@ -13957,26 +19690,26 @@
                     </p:cTn>
                   </p:par>
                   <p:par>
-                    <p:cTn id="10" fill="hold">
+                    <p:cTn id="12" fill="hold">
                       <p:stCondLst>
                         <p:cond delay="indefinite"/>
                       </p:stCondLst>
                       <p:childTnLst>
                         <p:par>
-                          <p:cTn id="11" fill="hold">
+                          <p:cTn id="13" fill="hold">
                             <p:stCondLst>
                               <p:cond delay="0"/>
                             </p:stCondLst>
                             <p:childTnLst>
                               <p:par>
-                                <p:cTn id="12" presetID="1" presetClass="entr" presetSubtype="0" fill="hold" nodeType="clickEffect">
+                                <p:cTn id="14" presetID="1" presetClass="entr" presetSubtype="0" fill="hold" nodeType="clickEffect">
                                   <p:stCondLst>
                                     <p:cond delay="0"/>
                                   </p:stCondLst>
                                   <p:childTnLst>
                                     <p:set>
                                       <p:cBhvr>
-                                        <p:cTn id="13" dur="1" fill="hold">
+                                        <p:cTn id="15" dur="1" fill="hold">
                                           <p:stCondLst>
                                             <p:cond delay="0"/>
                                           </p:stCondLst>
@@ -13996,20 +19729,47 @@
                                 </p:cTn>
                               </p:par>
                               <p:par>
-                                <p:cTn id="14" presetID="1" presetClass="entr" presetSubtype="0" fill="hold" nodeType="withEffect">
+                                <p:cTn id="16" presetID="1" presetClass="entr" presetSubtype="0" fill="hold" nodeType="withEffect">
                                   <p:stCondLst>
                                     <p:cond delay="0"/>
                                   </p:stCondLst>
                                   <p:childTnLst>
                                     <p:set>
                                       <p:cBhvr>
-                                        <p:cTn id="15" dur="1" fill="hold">
+                                        <p:cTn id="17" dur="1" fill="hold">
                                           <p:stCondLst>
                                             <p:cond delay="0"/>
                                           </p:stCondLst>
                                         </p:cTn>
                                         <p:tgtEl>
                                           <p:spTgt spid="8"/>
+                                        </p:tgtEl>
+                                        <p:attrNameLst>
+                                          <p:attrName>style.visibility</p:attrName>
+                                        </p:attrNameLst>
+                                      </p:cBhvr>
+                                      <p:to>
+                                        <p:strVal val="visible"/>
+                                      </p:to>
+                                    </p:set>
+                                  </p:childTnLst>
+                                </p:cTn>
+                              </p:par>
+                              <p:par>
+                                <p:cTn id="18" presetID="1" presetClass="entr" presetSubtype="0" fill="hold" grpId="0" nodeType="withEffect">
+                                  <p:stCondLst>
+                                    <p:cond delay="0"/>
+                                  </p:stCondLst>
+                                  <p:childTnLst>
+                                    <p:set>
+                                      <p:cBhvr>
+                                        <p:cTn id="19" dur="1" fill="hold">
+                                          <p:stCondLst>
+                                            <p:cond delay="0"/>
+                                          </p:stCondLst>
+                                        </p:cTn>
+                                        <p:tgtEl>
+                                          <p:spTgt spid="15"/>
                                         </p:tgtEl>
                                         <p:attrNameLst>
                                           <p:attrName>style.visibility</p:attrName>
@@ -14029,26 +19789,26 @@
                     </p:cTn>
                   </p:par>
                   <p:par>
-                    <p:cTn id="16" fill="hold">
+                    <p:cTn id="20" fill="hold">
                       <p:stCondLst>
                         <p:cond delay="indefinite"/>
                       </p:stCondLst>
                       <p:childTnLst>
                         <p:par>
-                          <p:cTn id="17" fill="hold">
+                          <p:cTn id="21" fill="hold">
                             <p:stCondLst>
                               <p:cond delay="0"/>
                             </p:stCondLst>
                             <p:childTnLst>
                               <p:par>
-                                <p:cTn id="18" presetID="1" presetClass="entr" presetSubtype="0" fill="hold" nodeType="clickEffect">
+                                <p:cTn id="22" presetID="1" presetClass="entr" presetSubtype="0" fill="hold" nodeType="clickEffect">
                                   <p:stCondLst>
                                     <p:cond delay="0"/>
                                   </p:stCondLst>
                                   <p:childTnLst>
                                     <p:set>
                                       <p:cBhvr>
-                                        <p:cTn id="19" dur="1" fill="hold">
+                                        <p:cTn id="23" dur="1" fill="hold">
                                           <p:stCondLst>
                                             <p:cond delay="0"/>
                                           </p:stCondLst>
@@ -14071,26 +19831,53 @@
                           </p:cTn>
                         </p:par>
                         <p:par>
-                          <p:cTn id="20" fill="hold">
+                          <p:cTn id="24" fill="hold">
                             <p:stCondLst>
                               <p:cond delay="0"/>
                             </p:stCondLst>
                             <p:childTnLst>
                               <p:par>
-                                <p:cTn id="21" presetID="1" presetClass="entr" presetSubtype="0" fill="hold" nodeType="afterEffect">
+                                <p:cTn id="25" presetID="1" presetClass="entr" presetSubtype="0" fill="hold" nodeType="afterEffect">
                                   <p:stCondLst>
                                     <p:cond delay="0"/>
                                   </p:stCondLst>
                                   <p:childTnLst>
                                     <p:set>
                                       <p:cBhvr>
-                                        <p:cTn id="22" dur="1" fill="hold">
+                                        <p:cTn id="26" dur="1" fill="hold">
                                           <p:stCondLst>
                                             <p:cond delay="0"/>
                                           </p:stCondLst>
                                         </p:cTn>
                                         <p:tgtEl>
                                           <p:spTgt spid="5"/>
+                                        </p:tgtEl>
+                                        <p:attrNameLst>
+                                          <p:attrName>style.visibility</p:attrName>
+                                        </p:attrNameLst>
+                                      </p:cBhvr>
+                                      <p:to>
+                                        <p:strVal val="visible"/>
+                                      </p:to>
+                                    </p:set>
+                                  </p:childTnLst>
+                                </p:cTn>
+                              </p:par>
+                              <p:par>
+                                <p:cTn id="27" presetID="1" presetClass="entr" presetSubtype="0" fill="hold" grpId="0" nodeType="withEffect">
+                                  <p:stCondLst>
+                                    <p:cond delay="0"/>
+                                  </p:stCondLst>
+                                  <p:childTnLst>
+                                    <p:set>
+                                      <p:cBhvr>
+                                        <p:cTn id="28" dur="1" fill="hold">
+                                          <p:stCondLst>
+                                            <p:cond delay="0"/>
+                                          </p:stCondLst>
+                                        </p:cTn>
+                                        <p:tgtEl>
+                                          <p:spTgt spid="17"/>
                                         </p:tgtEl>
                                         <p:attrNameLst>
                                           <p:attrName>style.visibility</p:attrName>
@@ -14110,26 +19897,26 @@
                     </p:cTn>
                   </p:par>
                   <p:par>
-                    <p:cTn id="23" fill="hold">
+                    <p:cTn id="29" fill="hold">
                       <p:stCondLst>
                         <p:cond delay="indefinite"/>
                       </p:stCondLst>
                       <p:childTnLst>
                         <p:par>
-                          <p:cTn id="24" fill="hold">
+                          <p:cTn id="30" fill="hold">
                             <p:stCondLst>
                               <p:cond delay="0"/>
                             </p:stCondLst>
                             <p:childTnLst>
                               <p:par>
-                                <p:cTn id="25" presetID="1" presetClass="entr" presetSubtype="0" fill="hold" nodeType="clickEffect">
+                                <p:cTn id="31" presetID="1" presetClass="entr" presetSubtype="0" fill="hold" nodeType="clickEffect">
                                   <p:stCondLst>
                                     <p:cond delay="0"/>
                                   </p:stCondLst>
                                   <p:childTnLst>
                                     <p:set>
                                       <p:cBhvr>
-                                        <p:cTn id="26" dur="1" fill="hold">
+                                        <p:cTn id="32" dur="1" fill="hold">
                                           <p:stCondLst>
                                             <p:cond delay="0"/>
                                           </p:stCondLst>
@@ -14152,26 +19939,53 @@
                           </p:cTn>
                         </p:par>
                         <p:par>
-                          <p:cTn id="27" fill="hold">
+                          <p:cTn id="33" fill="hold">
                             <p:stCondLst>
                               <p:cond delay="0"/>
                             </p:stCondLst>
                             <p:childTnLst>
                               <p:par>
-                                <p:cTn id="28" presetID="1" presetClass="entr" presetSubtype="0" fill="hold" nodeType="afterEffect">
+                                <p:cTn id="34" presetID="1" presetClass="entr" presetSubtype="0" fill="hold" nodeType="afterEffect">
                                   <p:stCondLst>
                                     <p:cond delay="0"/>
                                   </p:stCondLst>
                                   <p:childTnLst>
                                     <p:set>
                                       <p:cBhvr>
-                                        <p:cTn id="29" dur="1" fill="hold">
+                                        <p:cTn id="35" dur="1" fill="hold">
                                           <p:stCondLst>
                                             <p:cond delay="0"/>
                                           </p:stCondLst>
                                         </p:cTn>
                                         <p:tgtEl>
                                           <p:spTgt spid="9"/>
+                                        </p:tgtEl>
+                                        <p:attrNameLst>
+                                          <p:attrName>style.visibility</p:attrName>
+                                        </p:attrNameLst>
+                                      </p:cBhvr>
+                                      <p:to>
+                                        <p:strVal val="visible"/>
+                                      </p:to>
+                                    </p:set>
+                                  </p:childTnLst>
+                                </p:cTn>
+                              </p:par>
+                              <p:par>
+                                <p:cTn id="36" presetID="1" presetClass="entr" presetSubtype="0" fill="hold" grpId="0" nodeType="withEffect">
+                                  <p:stCondLst>
+                                    <p:cond delay="0"/>
+                                  </p:stCondLst>
+                                  <p:childTnLst>
+                                    <p:set>
+                                      <p:cBhvr>
+                                        <p:cTn id="37" dur="1" fill="hold">
+                                          <p:stCondLst>
+                                            <p:cond delay="0"/>
+                                          </p:stCondLst>
+                                        </p:cTn>
+                                        <p:tgtEl>
+                                          <p:spTgt spid="19"/>
                                         </p:tgtEl>
                                         <p:attrNameLst>
                                           <p:attrName>style.visibility</p:attrName>
@@ -14211,6 +20025,12 @@
         </p:cTn>
       </p:par>
     </p:tnLst>
+    <p:bldLst>
+      <p:bldP spid="6" grpId="0"/>
+      <p:bldP spid="15" grpId="0"/>
+      <p:bldP spid="17" grpId="0"/>
+      <p:bldP spid="19" grpId="0"/>
+    </p:bldLst>
   </p:timing>
 </p:sld>
 </file>
@@ -18594,7 +24414,7 @@
           <p:nvPr>
             <p:extLst>
               <p:ext uri="{D42A27DB-BD31-4B8C-83A1-F6EECF244321}">
-                <p14:modId xmlns:p14="http://schemas.microsoft.com/office/powerpoint/2010/main" val="755897843"/>
+                <p14:modId xmlns:p14="http://schemas.microsoft.com/office/powerpoint/2010/main" val="1165177786"/>
               </p:ext>
             </p:extLst>
           </p:nvPr>
@@ -18907,7 +24727,7 @@
           <p:nvPr>
             <p:extLst>
               <p:ext uri="{D42A27DB-BD31-4B8C-83A1-F6EECF244321}">
-                <p14:modId xmlns:p14="http://schemas.microsoft.com/office/powerpoint/2010/main" val="3406082454"/>
+                <p14:modId xmlns:p14="http://schemas.microsoft.com/office/powerpoint/2010/main" val="2855400806"/>
               </p:ext>
             </p:extLst>
           </p:nvPr>
@@ -18953,7 +24773,7 @@
                           <a:effectLst/>
                           <a:latin typeface="+mn-lt"/>
                         </a:rPr>
-                        <a:t>Expiration</a:t>
+                        <a:t>Message Expiration</a:t>
                       </a:r>
                     </a:p>
                   </a:txBody>

--- a/Azure Service Bus Calgary .NET usergroup 2016-03-24.pptx
+++ b/Azure Service Bus Calgary .NET usergroup 2016-03-24.pptx
@@ -5,7 +5,7 @@
     <p:sldMasterId id="2147483648" r:id="rId1"/>
   </p:sldMasterIdLst>
   <p:notesMasterIdLst>
-    <p:notesMasterId r:id="rId23"/>
+    <p:notesMasterId r:id="rId21"/>
   </p:notesMasterIdLst>
   <p:sldIdLst>
     <p:sldId id="256" r:id="rId2"/>
@@ -18,17 +18,15 @@
     <p:sldId id="265" r:id="rId9"/>
     <p:sldId id="281" r:id="rId10"/>
     <p:sldId id="266" r:id="rId11"/>
-    <p:sldId id="268" r:id="rId12"/>
-    <p:sldId id="282" r:id="rId13"/>
-    <p:sldId id="267" r:id="rId14"/>
-    <p:sldId id="262" r:id="rId15"/>
-    <p:sldId id="263" r:id="rId16"/>
-    <p:sldId id="286" r:id="rId17"/>
-    <p:sldId id="283" r:id="rId18"/>
-    <p:sldId id="272" r:id="rId19"/>
-    <p:sldId id="274" r:id="rId20"/>
-    <p:sldId id="273" r:id="rId21"/>
-    <p:sldId id="285" r:id="rId22"/>
+    <p:sldId id="267" r:id="rId12"/>
+    <p:sldId id="262" r:id="rId13"/>
+    <p:sldId id="263" r:id="rId14"/>
+    <p:sldId id="286" r:id="rId15"/>
+    <p:sldId id="283" r:id="rId16"/>
+    <p:sldId id="272" r:id="rId17"/>
+    <p:sldId id="274" r:id="rId18"/>
+    <p:sldId id="273" r:id="rId19"/>
+    <p:sldId id="285" r:id="rId20"/>
   </p:sldIdLst>
   <p:sldSz cx="12192000" cy="6858000"/>
   <p:notesSz cx="6858000" cy="9144000"/>
@@ -133,6 +131,18 @@
     </p:ext>
   </p:extLst>
 </p:presentation>
+</file>
+
+<file path=ppt/commentAuthors.xml><?xml version="1.0" encoding="utf-8"?>
+<p:cmAuthorLst xmlns:a="http://schemas.openxmlformats.org/drawingml/2006/main" xmlns:r="http://schemas.openxmlformats.org/officeDocument/2006/relationships" xmlns:p="http://schemas.openxmlformats.org/presentationml/2006/main">
+  <p:cmAuthor id="1" name="Sean Feldman" initials="SF" lastIdx="1" clrIdx="0">
+    <p:extLst>
+      <p:ext uri="{19B8F6BF-5375-455C-9EA6-DF929625EA0E}">
+        <p15:presenceInfo xmlns:p15="http://schemas.microsoft.com/office/powerpoint/2012/main" userId="c0f75423fe67f72e" providerId="Windows Live"/>
+      </p:ext>
+    </p:extLst>
+  </p:cmAuthor>
+</p:cmAuthorLst>
 </file>
 
 <file path=ppt/diagrams/colors1.xml><?xml version="1.0" encoding="utf-8"?>
@@ -2547,12 +2557,12 @@
   </dgm:ptLst>
   <dgm:cxnLst>
     <dgm:cxn modelId="{31B5DD48-4152-44C0-ABEF-BBAFB9A08042}" type="presOf" srcId="{BBBFBAB7-1262-46B5-A857-5DDCD7F75AEE}" destId="{8D59F236-B5EC-4A03-9AB2-D83FB6B5B6CF}" srcOrd="0" destOrd="0" presId="urn:microsoft.com/office/officeart/2005/8/layout/radial3"/>
+    <dgm:cxn modelId="{8AE07100-E4CA-434A-8A57-A4E85C2CEBE5}" type="presOf" srcId="{9845EE77-C277-49D0-B5B3-978267D746EF}" destId="{55EC9E6F-7538-45AE-B5C3-4D1C72619353}" srcOrd="0" destOrd="0" presId="urn:microsoft.com/office/officeart/2005/8/layout/radial3"/>
+    <dgm:cxn modelId="{C2A8FD47-D098-4F7E-977E-086ECA7FB15B}" type="presOf" srcId="{2AD1D386-9552-4D31-90A0-14145EEEB3A7}" destId="{0513E1FC-A9D7-45D4-839E-F54AEC13DAEF}" srcOrd="0" destOrd="0" presId="urn:microsoft.com/office/officeart/2005/8/layout/radial3"/>
     <dgm:cxn modelId="{7AD6620E-4701-4020-B0C0-29A0E643ED66}" type="presOf" srcId="{DD98920A-75BB-4535-99C2-3B6192F4BDE4}" destId="{CEE31ECD-6A4C-4081-92F5-74C8C74089D7}" srcOrd="0" destOrd="0" presId="urn:microsoft.com/office/officeart/2005/8/layout/radial3"/>
     <dgm:cxn modelId="{B30CCB67-E35E-448C-88E9-C58B05A147F0}" srcId="{2AD1D386-9552-4D31-90A0-14145EEEB3A7}" destId="{BBBFBAB7-1262-46B5-A857-5DDCD7F75AEE}" srcOrd="1" destOrd="0" parTransId="{4A295D89-0A9D-4040-A707-480827CD1601}" sibTransId="{F7E73100-A756-448C-9FEB-9673AD43C3B8}"/>
-    <dgm:cxn modelId="{C2A8FD47-D098-4F7E-977E-086ECA7FB15B}" type="presOf" srcId="{2AD1D386-9552-4D31-90A0-14145EEEB3A7}" destId="{0513E1FC-A9D7-45D4-839E-F54AEC13DAEF}" srcOrd="0" destOrd="0" presId="urn:microsoft.com/office/officeart/2005/8/layout/radial3"/>
     <dgm:cxn modelId="{15BADC4C-0883-4E6F-A040-9BE138709082}" srcId="{2AD1D386-9552-4D31-90A0-14145EEEB3A7}" destId="{9845EE77-C277-49D0-B5B3-978267D746EF}" srcOrd="0" destOrd="0" parTransId="{6BB9C052-FC70-4C77-BC89-4F26FD6D4A8A}" sibTransId="{114D12E3-F029-4039-9295-646C0E49CDCE}"/>
     <dgm:cxn modelId="{9797345E-12DE-4E7A-9D3C-A3EF13A6F44E}" srcId="{DD98920A-75BB-4535-99C2-3B6192F4BDE4}" destId="{2AD1D386-9552-4D31-90A0-14145EEEB3A7}" srcOrd="0" destOrd="0" parTransId="{5B23A33C-0C0F-48B2-894A-DA5D6FFD4B32}" sibTransId="{216D903F-033B-4178-BC40-B3077AB87104}"/>
-    <dgm:cxn modelId="{8AE07100-E4CA-434A-8A57-A4E85C2CEBE5}" type="presOf" srcId="{9845EE77-C277-49D0-B5B3-978267D746EF}" destId="{55EC9E6F-7538-45AE-B5C3-4D1C72619353}" srcOrd="0" destOrd="0" presId="urn:microsoft.com/office/officeart/2005/8/layout/radial3"/>
     <dgm:cxn modelId="{AE94C16F-D7D2-4C91-9013-87417F59A81A}" type="presParOf" srcId="{CEE31ECD-6A4C-4081-92F5-74C8C74089D7}" destId="{09544157-A78F-43B6-9028-DF2F5F424FDC}" srcOrd="0" destOrd="0" presId="urn:microsoft.com/office/officeart/2005/8/layout/radial3"/>
     <dgm:cxn modelId="{65775B0D-E181-4937-ACC9-9294BAED3E26}" type="presParOf" srcId="{09544157-A78F-43B6-9028-DF2F5F424FDC}" destId="{0513E1FC-A9D7-45D4-839E-F54AEC13DAEF}" srcOrd="0" destOrd="0" presId="urn:microsoft.com/office/officeart/2005/8/layout/radial3"/>
     <dgm:cxn modelId="{8544EA10-0BD7-44BD-9162-B9A574192870}" type="presParOf" srcId="{09544157-A78F-43B6-9028-DF2F5F424FDC}" destId="{55EC9E6F-7538-45AE-B5C3-4D1C72619353}" srcOrd="1" destOrd="0" presId="urn:microsoft.com/office/officeart/2005/8/layout/radial3"/>
@@ -2982,7 +2992,7 @@
         </a:bodyPr>
         <a:lstStyle/>
         <a:p>
-          <a:pPr lvl="0" algn="ctr" defTabSz="800100">
+          <a:pPr marL="0" lvl="0" indent="0" algn="ctr" defTabSz="800100">
             <a:lnSpc>
               <a:spcPct val="90000"/>
             </a:lnSpc>
@@ -2992,6 +3002,7 @@
             <a:spcAft>
               <a:spcPct val="35000"/>
             </a:spcAft>
+            <a:buNone/>
           </a:pPr>
           <a:r>
             <a:rPr lang="en-US" sz="1800" kern="1200" dirty="0" err="1"/>
@@ -3052,12 +3063,12 @@
         </a:fontRef>
       </dsp:style>
       <dsp:txBody>
-        <a:bodyPr spcFirstLastPara="0" vert="horz" wrap="square" lIns="82550" tIns="82550" rIns="82550" bIns="82550" numCol="1" spcCol="1270" anchor="ctr" anchorCtr="0">
+        <a:bodyPr spcFirstLastPara="0" vert="horz" wrap="square" lIns="22860" tIns="22860" rIns="22860" bIns="22860" numCol="1" spcCol="1270" anchor="ctr" anchorCtr="0">
           <a:noAutofit/>
         </a:bodyPr>
         <a:lstStyle/>
         <a:p>
-          <a:pPr lvl="0" algn="ctr" defTabSz="2889250">
+          <a:pPr marL="0" lvl="0" indent="0" algn="ctr" defTabSz="800100">
             <a:lnSpc>
               <a:spcPct val="90000"/>
             </a:lnSpc>
@@ -3067,8 +3078,9 @@
             <a:spcAft>
               <a:spcPct val="35000"/>
             </a:spcAft>
+            <a:buNone/>
           </a:pPr>
-          <a:endParaRPr lang="en-US" sz="6500" kern="1200" dirty="0"/>
+          <a:endParaRPr lang="en-US" sz="1800" kern="1200" dirty="0"/>
         </a:p>
       </dsp:txBody>
       <dsp:txXfrm>
@@ -3123,12 +3135,12 @@
         </a:fontRef>
       </dsp:style>
       <dsp:txBody>
-        <a:bodyPr spcFirstLastPara="0" vert="horz" wrap="square" lIns="82550" tIns="82550" rIns="82550" bIns="82550" numCol="1" spcCol="1270" anchor="ctr" anchorCtr="0">
+        <a:bodyPr spcFirstLastPara="0" vert="horz" wrap="square" lIns="22860" tIns="22860" rIns="22860" bIns="22860" numCol="1" spcCol="1270" anchor="ctr" anchorCtr="0">
           <a:noAutofit/>
         </a:bodyPr>
         <a:lstStyle/>
         <a:p>
-          <a:pPr lvl="0" algn="ctr" defTabSz="2889250">
+          <a:pPr marL="0" lvl="0" indent="0" algn="ctr" defTabSz="800100">
             <a:lnSpc>
               <a:spcPct val="90000"/>
             </a:lnSpc>
@@ -3138,8 +3150,9 @@
             <a:spcAft>
               <a:spcPct val="35000"/>
             </a:spcAft>
+            <a:buNone/>
           </a:pPr>
-          <a:endParaRPr lang="en-US" sz="6500" kern="1200" dirty="0"/>
+          <a:endParaRPr lang="en-US" sz="1800" kern="1200" dirty="0"/>
         </a:p>
       </dsp:txBody>
       <dsp:txXfrm>
@@ -3215,7 +3228,7 @@
         </a:bodyPr>
         <a:lstStyle/>
         <a:p>
-          <a:pPr lvl="0" algn="ctr" defTabSz="711200">
+          <a:pPr marL="0" lvl="0" indent="0" algn="ctr" defTabSz="711200">
             <a:lnSpc>
               <a:spcPct val="90000"/>
             </a:lnSpc>
@@ -3225,6 +3238,7 @@
             <a:spcAft>
               <a:spcPct val="35000"/>
             </a:spcAft>
+            <a:buNone/>
           </a:pPr>
           <a:r>
             <a:rPr lang="en-US" sz="1600" kern="1200" dirty="0" err="1"/>
@@ -3290,7 +3304,7 @@
         </a:bodyPr>
         <a:lstStyle/>
         <a:p>
-          <a:pPr lvl="0" algn="ctr" defTabSz="711200">
+          <a:pPr marL="0" lvl="0" indent="0" algn="ctr" defTabSz="711200">
             <a:lnSpc>
               <a:spcPct val="90000"/>
             </a:lnSpc>
@@ -3300,12 +3314,13 @@
             <a:spcAft>
               <a:spcPct val="35000"/>
             </a:spcAft>
+            <a:buNone/>
           </a:pPr>
           <a:endParaRPr lang="en-US" sz="1600" kern="1200" dirty="0"/>
         </a:p>
       </dsp:txBody>
       <dsp:txXfrm>
-        <a:off x="756804" y="322923"/>
+        <a:off x="737541" y="343074"/>
         <a:ext cx="2430421" cy="2338018"/>
       </dsp:txXfrm>
     </dsp:sp>
@@ -3361,7 +3376,7 @@
         </a:bodyPr>
         <a:lstStyle/>
         <a:p>
-          <a:pPr lvl="0" algn="ctr" defTabSz="711200">
+          <a:pPr marL="0" lvl="0" indent="0" algn="ctr" defTabSz="711200">
             <a:lnSpc>
               <a:spcPct val="90000"/>
             </a:lnSpc>
@@ -3371,12 +3386,13 @@
             <a:spcAft>
               <a:spcPct val="35000"/>
             </a:spcAft>
+            <a:buNone/>
           </a:pPr>
           <a:endParaRPr lang="en-US" sz="1600" kern="1200" dirty="0"/>
         </a:p>
       </dsp:txBody>
       <dsp:txXfrm>
-        <a:off x="736033" y="1502455"/>
+        <a:off x="744151" y="1521536"/>
         <a:ext cx="2381718" cy="2381718"/>
       </dsp:txXfrm>
     </dsp:sp>
@@ -3429,7 +3445,7 @@
         </a:bodyPr>
         <a:lstStyle/>
         <a:p>
-          <a:pPr lvl="0" algn="ctr" defTabSz="844550">
+          <a:pPr marL="0" lvl="0" indent="0" algn="ctr" defTabSz="844550">
             <a:lnSpc>
               <a:spcPct val="90000"/>
             </a:lnSpc>
@@ -3439,6 +3455,7 @@
             <a:spcAft>
               <a:spcPct val="35000"/>
             </a:spcAft>
+            <a:buNone/>
           </a:pPr>
           <a:r>
             <a:rPr lang="en-US" sz="1900" kern="1200" dirty="0"/>
@@ -3549,7 +3566,7 @@
         </a:bodyPr>
         <a:lstStyle/>
         <a:p>
-          <a:pPr lvl="0" algn="ctr" defTabSz="844550">
+          <a:pPr marL="0" lvl="0" indent="0" algn="ctr" defTabSz="844550">
             <a:lnSpc>
               <a:spcPct val="90000"/>
             </a:lnSpc>
@@ -3559,6 +3576,7 @@
             <a:spcAft>
               <a:spcPct val="35000"/>
             </a:spcAft>
+            <a:buNone/>
           </a:pPr>
           <a:r>
             <a:rPr lang="en-US" sz="1900" kern="1200" dirty="0"/>
@@ -12559,7 +12577,7 @@
               <a:pPr algn="ctr"/>
               <a:r>
                 <a:rPr lang="en-CA" sz="2000" b="1" dirty="0">
-                  <a:hlinkClick r:id="rId2" action="ppaction://program"/>
+                  <a:hlinkClick r:id="rId4" action="ppaction://program"/>
                 </a:rPr>
                 <a:t>Demo</a:t>
               </a:r>
@@ -13197,1770 +13215,6 @@
                   <a:schemeClr val="bg1"/>
                 </a:solidFill>
               </a:rPr>
-              <a:t>Sending Properties</a:t>
-            </a:r>
-          </a:p>
-        </p:txBody>
-      </p:sp>
-      <p:graphicFrame>
-        <p:nvGraphicFramePr>
-          <p:cNvPr id="4" name="Table 3"/>
-          <p:cNvGraphicFramePr>
-            <a:graphicFrameLocks noGrp="1"/>
-          </p:cNvGraphicFramePr>
-          <p:nvPr>
-            <p:extLst>
-              <p:ext uri="{D42A27DB-BD31-4B8C-83A1-F6EECF244321}">
-                <p14:modId xmlns:p14="http://schemas.microsoft.com/office/powerpoint/2010/main" val="830970044"/>
-              </p:ext>
-            </p:extLst>
-          </p:nvPr>
-        </p:nvGraphicFramePr>
-        <p:xfrm>
-          <a:off x="237672" y="1487109"/>
-          <a:ext cx="11752941" cy="370840"/>
-        </p:xfrm>
-        <a:graphic>
-          <a:graphicData uri="http://schemas.openxmlformats.org/drawingml/2006/table">
-            <a:tbl>
-              <a:tblPr firstRow="1" bandRow="1">
-                <a:tableStyleId>{5C22544A-7EE6-4342-B048-85BDC9FD1C3A}</a:tableStyleId>
-              </a:tblPr>
-              <a:tblGrid>
-                <a:gridCol w="4301671">
-                  <a:extLst>
-                    <a:ext uri="{9D8B030D-6E8A-4147-A177-3AD203B41FA5}">
-                      <a16:colId xmlns:a16="http://schemas.microsoft.com/office/drawing/2014/main" val="1699504934"/>
-                    </a:ext>
-                  </a:extLst>
-                </a:gridCol>
-                <a:gridCol w="7451270">
-                  <a:extLst>
-                    <a:ext uri="{9D8B030D-6E8A-4147-A177-3AD203B41FA5}">
-                      <a16:colId xmlns:a16="http://schemas.microsoft.com/office/drawing/2014/main" val="92080481"/>
-                    </a:ext>
-                  </a:extLst>
-                </a:gridCol>
-              </a:tblGrid>
-              <a:tr h="370840">
-                <a:tc>
-                  <a:txBody>
-                    <a:bodyPr/>
-                    <a:lstStyle/>
-                    <a:p>
-                      <a:r>
-                        <a:rPr lang="en-CA" dirty="0"/>
-                        <a:t>Property</a:t>
-                      </a:r>
-                    </a:p>
-                  </a:txBody>
-                  <a:tcPr/>
-                </a:tc>
-                <a:tc>
-                  <a:txBody>
-                    <a:bodyPr/>
-                    <a:lstStyle/>
-                    <a:p>
-                      <a:pPr algn="l"/>
-                      <a:r>
-                        <a:rPr lang="en-CA" dirty="0"/>
-                        <a:t>Description</a:t>
-                      </a:r>
-                    </a:p>
-                  </a:txBody>
-                  <a:tcPr/>
-                </a:tc>
-                <a:extLst>
-                  <a:ext uri="{0D108BD9-81ED-4DB2-BD59-A6C34878D82A}">
-                    <a16:rowId xmlns:a16="http://schemas.microsoft.com/office/drawing/2014/main" val="1248774390"/>
-                  </a:ext>
-                </a:extLst>
-              </a:tr>
-            </a:tbl>
-          </a:graphicData>
-        </a:graphic>
-      </p:graphicFrame>
-      <p:graphicFrame>
-        <p:nvGraphicFramePr>
-          <p:cNvPr id="5" name="Table 4"/>
-          <p:cNvGraphicFramePr>
-            <a:graphicFrameLocks noGrp="1"/>
-          </p:cNvGraphicFramePr>
-          <p:nvPr>
-            <p:extLst>
-              <p:ext uri="{D42A27DB-BD31-4B8C-83A1-F6EECF244321}">
-                <p14:modId xmlns:p14="http://schemas.microsoft.com/office/powerpoint/2010/main" val="2189557593"/>
-              </p:ext>
-            </p:extLst>
-          </p:nvPr>
-        </p:nvGraphicFramePr>
-        <p:xfrm>
-          <a:off x="237672" y="1857949"/>
-          <a:ext cx="11752941" cy="640080"/>
-        </p:xfrm>
-        <a:graphic>
-          <a:graphicData uri="http://schemas.openxmlformats.org/drawingml/2006/table">
-            <a:tbl>
-              <a:tblPr firstRow="1" bandRow="1">
-                <a:tableStyleId>{BC89EF96-8CEA-46FF-86C4-4CE0E7609802}</a:tableStyleId>
-              </a:tblPr>
-              <a:tblGrid>
-                <a:gridCol w="4307114">
-                  <a:extLst>
-                    <a:ext uri="{9D8B030D-6E8A-4147-A177-3AD203B41FA5}">
-                      <a16:colId xmlns:a16="http://schemas.microsoft.com/office/drawing/2014/main" val="3207723062"/>
-                    </a:ext>
-                  </a:extLst>
-                </a:gridCol>
-                <a:gridCol w="7445827">
-                  <a:extLst>
-                    <a:ext uri="{9D8B030D-6E8A-4147-A177-3AD203B41FA5}">
-                      <a16:colId xmlns:a16="http://schemas.microsoft.com/office/drawing/2014/main" val="1658324364"/>
-                    </a:ext>
-                  </a:extLst>
-                </a:gridCol>
-              </a:tblGrid>
-              <a:tr h="370840">
-                <a:tc>
-                  <a:txBody>
-                    <a:bodyPr/>
-                    <a:lstStyle/>
-                    <a:p>
-                      <a:r>
-                        <a:rPr lang="en-CA" dirty="0" err="1"/>
-                        <a:t>DefaultMessageTimeToLive</a:t>
-                      </a:r>
-                      <a:endParaRPr lang="en-CA" dirty="0"/>
-                    </a:p>
-                  </a:txBody>
-                  <a:tcPr/>
-                </a:tc>
-                <a:tc>
-                  <a:txBody>
-                    <a:bodyPr/>
-                    <a:lstStyle/>
-                    <a:p>
-                      <a:r>
-                        <a:rPr lang="en-US" sz="1800" b="1" kern="1200" dirty="0">
-                          <a:solidFill>
-                            <a:schemeClr val="tx1"/>
-                          </a:solidFill>
-                          <a:effectLst/>
-                          <a:latin typeface="+mn-lt"/>
-                          <a:ea typeface="+mn-ea"/>
-                          <a:cs typeface="+mn-cs"/>
-                        </a:rPr>
-                        <a:t>Specifies the time that </a:t>
-                      </a:r>
-                      <a:r>
-                        <a:rPr lang="en-US" sz="1800" b="1" kern="1200" dirty="0" err="1">
-                          <a:solidFill>
-                            <a:schemeClr val="tx1"/>
-                          </a:solidFill>
-                          <a:effectLst/>
-                          <a:latin typeface="+mn-lt"/>
-                          <a:ea typeface="+mn-ea"/>
-                          <a:cs typeface="+mn-cs"/>
-                        </a:rPr>
-                        <a:t>enqueue</a:t>
-                      </a:r>
-                      <a:r>
-                        <a:rPr lang="en-US" sz="1800" b="1" kern="1200" dirty="0">
-                          <a:solidFill>
-                            <a:schemeClr val="tx1"/>
-                          </a:solidFill>
-                          <a:effectLst/>
-                          <a:latin typeface="+mn-lt"/>
-                          <a:ea typeface="+mn-ea"/>
-                          <a:cs typeface="+mn-cs"/>
-                        </a:rPr>
-                        <a:t> messages will be valid for before expiring if not explicitly specified in the message properties. </a:t>
-                      </a:r>
-                    </a:p>
-                  </a:txBody>
-                  <a:tcPr/>
-                </a:tc>
-                <a:extLst>
-                  <a:ext uri="{0D108BD9-81ED-4DB2-BD59-A6C34878D82A}">
-                    <a16:rowId xmlns:a16="http://schemas.microsoft.com/office/drawing/2014/main" val="3125305022"/>
-                  </a:ext>
-                </a:extLst>
-              </a:tr>
-            </a:tbl>
-          </a:graphicData>
-        </a:graphic>
-      </p:graphicFrame>
-      <p:graphicFrame>
-        <p:nvGraphicFramePr>
-          <p:cNvPr id="6" name="Table 5"/>
-          <p:cNvGraphicFramePr>
-            <a:graphicFrameLocks noGrp="1"/>
-          </p:cNvGraphicFramePr>
-          <p:nvPr>
-            <p:extLst>
-              <p:ext uri="{D42A27DB-BD31-4B8C-83A1-F6EECF244321}">
-                <p14:modId xmlns:p14="http://schemas.microsoft.com/office/powerpoint/2010/main" val="490455702"/>
-              </p:ext>
-            </p:extLst>
-          </p:nvPr>
-        </p:nvGraphicFramePr>
-        <p:xfrm>
-          <a:off x="237672" y="2507221"/>
-          <a:ext cx="11752941" cy="370840"/>
-        </p:xfrm>
-        <a:graphic>
-          <a:graphicData uri="http://schemas.openxmlformats.org/drawingml/2006/table">
-            <a:tbl>
-              <a:tblPr firstRow="1" bandRow="1">
-                <a:tableStyleId>{BC89EF96-8CEA-46FF-86C4-4CE0E7609802}</a:tableStyleId>
-              </a:tblPr>
-              <a:tblGrid>
-                <a:gridCol w="4307114">
-                  <a:extLst>
-                    <a:ext uri="{9D8B030D-6E8A-4147-A177-3AD203B41FA5}">
-                      <a16:colId xmlns:a16="http://schemas.microsoft.com/office/drawing/2014/main" val="1091211104"/>
-                    </a:ext>
-                  </a:extLst>
-                </a:gridCol>
-                <a:gridCol w="7445827">
-                  <a:extLst>
-                    <a:ext uri="{9D8B030D-6E8A-4147-A177-3AD203B41FA5}">
-                      <a16:colId xmlns:a16="http://schemas.microsoft.com/office/drawing/2014/main" val="1150722414"/>
-                    </a:ext>
-                  </a:extLst>
-                </a:gridCol>
-              </a:tblGrid>
-              <a:tr h="370840">
-                <a:tc>
-                  <a:txBody>
-                    <a:bodyPr/>
-                    <a:lstStyle/>
-                    <a:p>
-                      <a:r>
-                        <a:rPr lang="en-CA" dirty="0" err="1"/>
-                        <a:t>RequiredDuplicationDetection</a:t>
-                      </a:r>
-                      <a:endParaRPr lang="en-CA" dirty="0"/>
-                    </a:p>
-                  </a:txBody>
-                  <a:tcPr>
-                    <a:solidFill>
-                      <a:schemeClr val="accent1">
-                        <a:lumMod val="40000"/>
-                        <a:lumOff val="60000"/>
-                      </a:schemeClr>
-                    </a:solidFill>
-                  </a:tcPr>
-                </a:tc>
-                <a:tc>
-                  <a:txBody>
-                    <a:bodyPr/>
-                    <a:lstStyle/>
-                    <a:p>
-                      <a:pPr algn="l"/>
-                      <a:r>
-                        <a:rPr lang="en-US" sz="1800" b="1" kern="1200" dirty="0">
-                          <a:solidFill>
-                            <a:schemeClr val="tx1"/>
-                          </a:solidFill>
-                          <a:effectLst/>
-                          <a:latin typeface="+mn-lt"/>
-                          <a:ea typeface="+mn-ea"/>
-                          <a:cs typeface="+mn-cs"/>
-                        </a:rPr>
-                        <a:t>Specifies if messages sent with the same message ID will be ignored.</a:t>
-                      </a:r>
-                      <a:endParaRPr lang="en-CA" dirty="0"/>
-                    </a:p>
-                  </a:txBody>
-                  <a:tcPr>
-                    <a:solidFill>
-                      <a:schemeClr val="accent1">
-                        <a:lumMod val="40000"/>
-                        <a:lumOff val="60000"/>
-                      </a:schemeClr>
-                    </a:solidFill>
-                  </a:tcPr>
-                </a:tc>
-                <a:extLst>
-                  <a:ext uri="{0D108BD9-81ED-4DB2-BD59-A6C34878D82A}">
-                    <a16:rowId xmlns:a16="http://schemas.microsoft.com/office/drawing/2014/main" val="370781235"/>
-                  </a:ext>
-                </a:extLst>
-              </a:tr>
-            </a:tbl>
-          </a:graphicData>
-        </a:graphic>
-      </p:graphicFrame>
-      <p:graphicFrame>
-        <p:nvGraphicFramePr>
-          <p:cNvPr id="7" name="Table 6"/>
-          <p:cNvGraphicFramePr>
-            <a:graphicFrameLocks noGrp="1"/>
-          </p:cNvGraphicFramePr>
-          <p:nvPr>
-            <p:extLst>
-              <p:ext uri="{D42A27DB-BD31-4B8C-83A1-F6EECF244321}">
-                <p14:modId xmlns:p14="http://schemas.microsoft.com/office/powerpoint/2010/main" val="3663122908"/>
-              </p:ext>
-            </p:extLst>
-          </p:nvPr>
-        </p:nvGraphicFramePr>
-        <p:xfrm>
-          <a:off x="237672" y="2888586"/>
-          <a:ext cx="11752941" cy="370840"/>
-        </p:xfrm>
-        <a:graphic>
-          <a:graphicData uri="http://schemas.openxmlformats.org/drawingml/2006/table">
-            <a:tbl>
-              <a:tblPr firstRow="1" bandRow="1">
-                <a:tableStyleId>{BC89EF96-8CEA-46FF-86C4-4CE0E7609802}</a:tableStyleId>
-              </a:tblPr>
-              <a:tblGrid>
-                <a:gridCol w="4312557">
-                  <a:extLst>
-                    <a:ext uri="{9D8B030D-6E8A-4147-A177-3AD203B41FA5}">
-                      <a16:colId xmlns:a16="http://schemas.microsoft.com/office/drawing/2014/main" val="1091211104"/>
-                    </a:ext>
-                  </a:extLst>
-                </a:gridCol>
-                <a:gridCol w="7440384">
-                  <a:extLst>
-                    <a:ext uri="{9D8B030D-6E8A-4147-A177-3AD203B41FA5}">
-                      <a16:colId xmlns:a16="http://schemas.microsoft.com/office/drawing/2014/main" val="1150722414"/>
-                    </a:ext>
-                  </a:extLst>
-                </a:gridCol>
-              </a:tblGrid>
-              <a:tr h="370840">
-                <a:tc>
-                  <a:txBody>
-                    <a:bodyPr/>
-                    <a:lstStyle/>
-                    <a:p>
-                      <a:r>
-                        <a:rPr lang="en-CA" dirty="0" err="1"/>
-                        <a:t>DuplicateDetectionTimeHistoryWindows</a:t>
-                      </a:r>
-                      <a:endParaRPr lang="en-CA" dirty="0"/>
-                    </a:p>
-                  </a:txBody>
-                  <a:tcPr>
-                    <a:solidFill>
-                      <a:schemeClr val="bg1"/>
-                    </a:solidFill>
-                  </a:tcPr>
-                </a:tc>
-                <a:tc>
-                  <a:txBody>
-                    <a:bodyPr/>
-                    <a:lstStyle/>
-                    <a:p>
-                      <a:pPr algn="l"/>
-                      <a:r>
-                        <a:rPr lang="en-US" sz="1800" b="1" kern="1200" dirty="0">
-                          <a:solidFill>
-                            <a:schemeClr val="tx1"/>
-                          </a:solidFill>
-                          <a:effectLst/>
-                          <a:latin typeface="+mn-lt"/>
-                          <a:ea typeface="+mn-ea"/>
-                          <a:cs typeface="+mn-cs"/>
-                        </a:rPr>
-                        <a:t>Duration to store message ID values for duplicate detection.</a:t>
-                      </a:r>
-                      <a:endParaRPr lang="en-CA" dirty="0"/>
-                    </a:p>
-                  </a:txBody>
-                  <a:tcPr>
-                    <a:solidFill>
-                      <a:schemeClr val="bg1"/>
-                    </a:solidFill>
-                  </a:tcPr>
-                </a:tc>
-                <a:extLst>
-                  <a:ext uri="{0D108BD9-81ED-4DB2-BD59-A6C34878D82A}">
-                    <a16:rowId xmlns:a16="http://schemas.microsoft.com/office/drawing/2014/main" val="370781235"/>
-                  </a:ext>
-                </a:extLst>
-              </a:tr>
-            </a:tbl>
-          </a:graphicData>
-        </a:graphic>
-      </p:graphicFrame>
-      <p:graphicFrame>
-        <p:nvGraphicFramePr>
-          <p:cNvPr id="8" name="Table 7"/>
-          <p:cNvGraphicFramePr>
-            <a:graphicFrameLocks noGrp="1"/>
-          </p:cNvGraphicFramePr>
-          <p:nvPr>
-            <p:extLst>
-              <p:ext uri="{D42A27DB-BD31-4B8C-83A1-F6EECF244321}">
-                <p14:modId xmlns:p14="http://schemas.microsoft.com/office/powerpoint/2010/main" val="2671864297"/>
-              </p:ext>
-            </p:extLst>
-          </p:nvPr>
-        </p:nvGraphicFramePr>
-        <p:xfrm>
-          <a:off x="237671" y="3259426"/>
-          <a:ext cx="11752941" cy="370840"/>
-        </p:xfrm>
-        <a:graphic>
-          <a:graphicData uri="http://schemas.openxmlformats.org/drawingml/2006/table">
-            <a:tbl>
-              <a:tblPr firstRow="1" bandRow="1">
-                <a:tableStyleId>{BC89EF96-8CEA-46FF-86C4-4CE0E7609802}</a:tableStyleId>
-              </a:tblPr>
-              <a:tblGrid>
-                <a:gridCol w="4307114">
-                  <a:extLst>
-                    <a:ext uri="{9D8B030D-6E8A-4147-A177-3AD203B41FA5}">
-                      <a16:colId xmlns:a16="http://schemas.microsoft.com/office/drawing/2014/main" val="3104330619"/>
-                    </a:ext>
-                  </a:extLst>
-                </a:gridCol>
-                <a:gridCol w="7445827">
-                  <a:extLst>
-                    <a:ext uri="{9D8B030D-6E8A-4147-A177-3AD203B41FA5}">
-                      <a16:colId xmlns:a16="http://schemas.microsoft.com/office/drawing/2014/main" val="4204515562"/>
-                    </a:ext>
-                  </a:extLst>
-                </a:gridCol>
-              </a:tblGrid>
-              <a:tr h="370840">
-                <a:tc>
-                  <a:txBody>
-                    <a:bodyPr/>
-                    <a:lstStyle/>
-                    <a:p>
-                      <a:r>
-                        <a:rPr lang="en-CA" dirty="0" err="1"/>
-                        <a:t>MaxSizeInMegabytes</a:t>
-                      </a:r>
-                      <a:endParaRPr lang="en-CA" dirty="0"/>
-                    </a:p>
-                  </a:txBody>
-                  <a:tcPr>
-                    <a:solidFill>
-                      <a:schemeClr val="accent1">
-                        <a:lumMod val="40000"/>
-                        <a:lumOff val="60000"/>
-                      </a:schemeClr>
-                    </a:solidFill>
-                  </a:tcPr>
-                </a:tc>
-                <a:tc>
-                  <a:txBody>
-                    <a:bodyPr/>
-                    <a:lstStyle/>
-                    <a:p>
-                      <a:pPr algn="l"/>
-                      <a:r>
-                        <a:rPr lang="en-US" sz="1800" b="1" kern="1200" dirty="0">
-                          <a:solidFill>
-                            <a:schemeClr val="tx1"/>
-                          </a:solidFill>
-                          <a:effectLst/>
-                          <a:latin typeface="+mn-lt"/>
-                          <a:ea typeface="+mn-ea"/>
-                          <a:cs typeface="+mn-cs"/>
-                        </a:rPr>
-                        <a:t>Specifies the storage capacity of the entity.</a:t>
-                      </a:r>
-                      <a:endParaRPr lang="en-CA" dirty="0"/>
-                    </a:p>
-                  </a:txBody>
-                  <a:tcPr>
-                    <a:solidFill>
-                      <a:schemeClr val="accent1">
-                        <a:lumMod val="40000"/>
-                        <a:lumOff val="60000"/>
-                      </a:schemeClr>
-                    </a:solidFill>
-                  </a:tcPr>
-                </a:tc>
-                <a:extLst>
-                  <a:ext uri="{0D108BD9-81ED-4DB2-BD59-A6C34878D82A}">
-                    <a16:rowId xmlns:a16="http://schemas.microsoft.com/office/drawing/2014/main" val="1137435020"/>
-                  </a:ext>
-                </a:extLst>
-              </a:tr>
-            </a:tbl>
-          </a:graphicData>
-        </a:graphic>
-      </p:graphicFrame>
-      <p:grpSp>
-        <p:nvGrpSpPr>
-          <p:cNvPr id="9" name="Group 8"/>
-          <p:cNvGrpSpPr/>
-          <p:nvPr/>
-        </p:nvGrpSpPr>
-        <p:grpSpPr>
-          <a:xfrm>
-            <a:off x="5553149" y="6041570"/>
-            <a:ext cx="1085702" cy="684439"/>
-            <a:chOff x="5553149" y="6041570"/>
-            <a:chExt cx="1085702" cy="684439"/>
-          </a:xfrm>
-        </p:grpSpPr>
-        <p:pic>
-          <p:nvPicPr>
-            <p:cNvPr id="10" name="Picture 9">
-              <a:hlinkClick r:id="rId2" action="ppaction://program"/>
-            </p:cNvPr>
-            <p:cNvPicPr>
-              <a:picLocks noChangeAspect="1"/>
-            </p:cNvPicPr>
-            <p:nvPr/>
-          </p:nvPicPr>
-          <p:blipFill>
-            <a:blip r:embed="rId3"/>
-            <a:stretch>
-              <a:fillRect/>
-            </a:stretch>
-          </p:blipFill>
-          <p:spPr>
-            <a:xfrm>
-              <a:off x="5553149" y="6041570"/>
-              <a:ext cx="1085702" cy="684439"/>
-            </a:xfrm>
-            <a:prstGeom prst="rect">
-              <a:avLst/>
-            </a:prstGeom>
-          </p:spPr>
-        </p:pic>
-        <p:sp>
-          <p:nvSpPr>
-            <p:cNvPr id="11" name="TextBox 10"/>
-            <p:cNvSpPr txBox="1"/>
-            <p:nvPr/>
-          </p:nvSpPr>
-          <p:spPr>
-            <a:xfrm>
-              <a:off x="5671457" y="6237515"/>
-              <a:ext cx="849086" cy="400110"/>
-            </a:xfrm>
-            <a:prstGeom prst="rect">
-              <a:avLst/>
-            </a:prstGeom>
-            <a:noFill/>
-          </p:spPr>
-          <p:txBody>
-            <a:bodyPr wrap="square" rtlCol="0">
-              <a:spAutoFit/>
-            </a:bodyPr>
-            <a:lstStyle/>
-            <a:p>
-              <a:pPr algn="ctr"/>
-              <a:r>
-                <a:rPr lang="en-CA" sz="2000" b="1" dirty="0">
-                  <a:hlinkClick r:id="rId2" action="ppaction://program"/>
-                </a:rPr>
-                <a:t>Demo</a:t>
-              </a:r>
-              <a:endParaRPr lang="en-CA" b="1" dirty="0"/>
-            </a:p>
-          </p:txBody>
-        </p:sp>
-      </p:grpSp>
-    </p:spTree>
-    <p:extLst>
-      <p:ext uri="{BB962C8B-B14F-4D97-AF65-F5344CB8AC3E}">
-        <p14:creationId xmlns:p14="http://schemas.microsoft.com/office/powerpoint/2010/main" val="217091789"/>
-      </p:ext>
-    </p:extLst>
-  </p:cSld>
-  <p:clrMapOvr>
-    <a:masterClrMapping/>
-  </p:clrMapOvr>
-  <p:timing>
-    <p:tnLst>
-      <p:par>
-        <p:cTn id="1" dur="indefinite" restart="never" nodeType="tmRoot">
-          <p:childTnLst>
-            <p:seq concurrent="1" nextAc="seek">
-              <p:cTn id="2" dur="indefinite" nodeType="mainSeq">
-                <p:childTnLst>
-                  <p:par>
-                    <p:cTn id="3" fill="hold">
-                      <p:stCondLst>
-                        <p:cond delay="indefinite"/>
-                      </p:stCondLst>
-                      <p:childTnLst>
-                        <p:par>
-                          <p:cTn id="4" fill="hold">
-                            <p:stCondLst>
-                              <p:cond delay="0"/>
-                            </p:stCondLst>
-                            <p:childTnLst>
-                              <p:par>
-                                <p:cTn id="5" presetID="1" presetClass="entr" presetSubtype="0" fill="hold" nodeType="clickEffect">
-                                  <p:stCondLst>
-                                    <p:cond delay="0"/>
-                                  </p:stCondLst>
-                                  <p:childTnLst>
-                                    <p:set>
-                                      <p:cBhvr>
-                                        <p:cTn id="6" dur="1" fill="hold">
-                                          <p:stCondLst>
-                                            <p:cond delay="0"/>
-                                          </p:stCondLst>
-                                        </p:cTn>
-                                        <p:tgtEl>
-                                          <p:spTgt spid="5"/>
-                                        </p:tgtEl>
-                                        <p:attrNameLst>
-                                          <p:attrName>style.visibility</p:attrName>
-                                        </p:attrNameLst>
-                                      </p:cBhvr>
-                                      <p:to>
-                                        <p:strVal val="visible"/>
-                                      </p:to>
-                                    </p:set>
-                                  </p:childTnLst>
-                                </p:cTn>
-                              </p:par>
-                            </p:childTnLst>
-                          </p:cTn>
-                        </p:par>
-                      </p:childTnLst>
-                    </p:cTn>
-                  </p:par>
-                  <p:par>
-                    <p:cTn id="7" fill="hold">
-                      <p:stCondLst>
-                        <p:cond delay="indefinite"/>
-                      </p:stCondLst>
-                      <p:childTnLst>
-                        <p:par>
-                          <p:cTn id="8" fill="hold">
-                            <p:stCondLst>
-                              <p:cond delay="0"/>
-                            </p:stCondLst>
-                            <p:childTnLst>
-                              <p:par>
-                                <p:cTn id="9" presetID="1" presetClass="entr" presetSubtype="0" fill="hold" nodeType="clickEffect">
-                                  <p:stCondLst>
-                                    <p:cond delay="0"/>
-                                  </p:stCondLst>
-                                  <p:childTnLst>
-                                    <p:set>
-                                      <p:cBhvr>
-                                        <p:cTn id="10" dur="1" fill="hold">
-                                          <p:stCondLst>
-                                            <p:cond delay="0"/>
-                                          </p:stCondLst>
-                                        </p:cTn>
-                                        <p:tgtEl>
-                                          <p:spTgt spid="6"/>
-                                        </p:tgtEl>
-                                        <p:attrNameLst>
-                                          <p:attrName>style.visibility</p:attrName>
-                                        </p:attrNameLst>
-                                      </p:cBhvr>
-                                      <p:to>
-                                        <p:strVal val="visible"/>
-                                      </p:to>
-                                    </p:set>
-                                  </p:childTnLst>
-                                </p:cTn>
-                              </p:par>
-                            </p:childTnLst>
-                          </p:cTn>
-                        </p:par>
-                      </p:childTnLst>
-                    </p:cTn>
-                  </p:par>
-                  <p:par>
-                    <p:cTn id="11" fill="hold">
-                      <p:stCondLst>
-                        <p:cond delay="indefinite"/>
-                      </p:stCondLst>
-                      <p:childTnLst>
-                        <p:par>
-                          <p:cTn id="12" fill="hold">
-                            <p:stCondLst>
-                              <p:cond delay="0"/>
-                            </p:stCondLst>
-                            <p:childTnLst>
-                              <p:par>
-                                <p:cTn id="13" presetID="1" presetClass="entr" presetSubtype="0" fill="hold" nodeType="clickEffect">
-                                  <p:stCondLst>
-                                    <p:cond delay="0"/>
-                                  </p:stCondLst>
-                                  <p:childTnLst>
-                                    <p:set>
-                                      <p:cBhvr>
-                                        <p:cTn id="14" dur="1" fill="hold">
-                                          <p:stCondLst>
-                                            <p:cond delay="0"/>
-                                          </p:stCondLst>
-                                        </p:cTn>
-                                        <p:tgtEl>
-                                          <p:spTgt spid="7"/>
-                                        </p:tgtEl>
-                                        <p:attrNameLst>
-                                          <p:attrName>style.visibility</p:attrName>
-                                        </p:attrNameLst>
-                                      </p:cBhvr>
-                                      <p:to>
-                                        <p:strVal val="visible"/>
-                                      </p:to>
-                                    </p:set>
-                                  </p:childTnLst>
-                                </p:cTn>
-                              </p:par>
-                            </p:childTnLst>
-                          </p:cTn>
-                        </p:par>
-                      </p:childTnLst>
-                    </p:cTn>
-                  </p:par>
-                  <p:par>
-                    <p:cTn id="15" fill="hold">
-                      <p:stCondLst>
-                        <p:cond delay="indefinite"/>
-                      </p:stCondLst>
-                      <p:childTnLst>
-                        <p:par>
-                          <p:cTn id="16" fill="hold">
-                            <p:stCondLst>
-                              <p:cond delay="0"/>
-                            </p:stCondLst>
-                            <p:childTnLst>
-                              <p:par>
-                                <p:cTn id="17" presetID="1" presetClass="entr" presetSubtype="0" fill="hold" nodeType="clickEffect">
-                                  <p:stCondLst>
-                                    <p:cond delay="0"/>
-                                  </p:stCondLst>
-                                  <p:childTnLst>
-                                    <p:set>
-                                      <p:cBhvr>
-                                        <p:cTn id="18" dur="1" fill="hold">
-                                          <p:stCondLst>
-                                            <p:cond delay="0"/>
-                                          </p:stCondLst>
-                                        </p:cTn>
-                                        <p:tgtEl>
-                                          <p:spTgt spid="8"/>
-                                        </p:tgtEl>
-                                        <p:attrNameLst>
-                                          <p:attrName>style.visibility</p:attrName>
-                                        </p:attrNameLst>
-                                      </p:cBhvr>
-                                      <p:to>
-                                        <p:strVal val="visible"/>
-                                      </p:to>
-                                    </p:set>
-                                  </p:childTnLst>
-                                </p:cTn>
-                              </p:par>
-                            </p:childTnLst>
-                          </p:cTn>
-                        </p:par>
-                      </p:childTnLst>
-                    </p:cTn>
-                  </p:par>
-                  <p:par>
-                    <p:cTn id="19" fill="hold">
-                      <p:stCondLst>
-                        <p:cond delay="indefinite"/>
-                      </p:stCondLst>
-                      <p:childTnLst>
-                        <p:par>
-                          <p:cTn id="20" fill="hold">
-                            <p:stCondLst>
-                              <p:cond delay="0"/>
-                            </p:stCondLst>
-                            <p:childTnLst>
-                              <p:par>
-                                <p:cTn id="21" presetID="1" presetClass="entr" presetSubtype="0" fill="hold" nodeType="clickEffect">
-                                  <p:stCondLst>
-                                    <p:cond delay="0"/>
-                                  </p:stCondLst>
-                                  <p:childTnLst>
-                                    <p:set>
-                                      <p:cBhvr>
-                                        <p:cTn id="22" dur="1" fill="hold">
-                                          <p:stCondLst>
-                                            <p:cond delay="0"/>
-                                          </p:stCondLst>
-                                        </p:cTn>
-                                        <p:tgtEl>
-                                          <p:spTgt spid="9"/>
-                                        </p:tgtEl>
-                                        <p:attrNameLst>
-                                          <p:attrName>style.visibility</p:attrName>
-                                        </p:attrNameLst>
-                                      </p:cBhvr>
-                                      <p:to>
-                                        <p:strVal val="visible"/>
-                                      </p:to>
-                                    </p:set>
-                                  </p:childTnLst>
-                                </p:cTn>
-                              </p:par>
-                            </p:childTnLst>
-                          </p:cTn>
-                        </p:par>
-                      </p:childTnLst>
-                    </p:cTn>
-                  </p:par>
-                </p:childTnLst>
-              </p:cTn>
-              <p:prevCondLst>
-                <p:cond evt="onPrev" delay="0">
-                  <p:tgtEl>
-                    <p:sldTgt/>
-                  </p:tgtEl>
-                </p:cond>
-              </p:prevCondLst>
-              <p:nextCondLst>
-                <p:cond evt="onNext" delay="0">
-                  <p:tgtEl>
-                    <p:sldTgt/>
-                  </p:tgtEl>
-                </p:cond>
-              </p:nextCondLst>
-            </p:seq>
-          </p:childTnLst>
-        </p:cTn>
-      </p:par>
-    </p:tnLst>
-  </p:timing>
-</p:sld>
-</file>
-
-<file path=ppt/slides/slide12.xml><?xml version="1.0" encoding="utf-8"?>
-<p:sld xmlns:a="http://schemas.openxmlformats.org/drawingml/2006/main" xmlns:r="http://schemas.openxmlformats.org/officeDocument/2006/relationships" xmlns:p="http://schemas.openxmlformats.org/presentationml/2006/main">
-  <p:cSld>
-    <p:spTree>
-      <p:nvGrpSpPr>
-        <p:cNvPr id="1" name=""/>
-        <p:cNvGrpSpPr/>
-        <p:nvPr/>
-      </p:nvGrpSpPr>
-      <p:grpSpPr>
-        <a:xfrm>
-          <a:off x="0" y="0"/>
-          <a:ext cx="0" cy="0"/>
-          <a:chOff x="0" y="0"/>
-          <a:chExt cx="0" cy="0"/>
-        </a:xfrm>
-      </p:grpSpPr>
-      <p:sp>
-        <p:nvSpPr>
-          <p:cNvPr id="2" name="Title 1"/>
-          <p:cNvSpPr>
-            <a:spLocks noGrp="1"/>
-          </p:cNvSpPr>
-          <p:nvPr>
-            <p:ph type="title"/>
-          </p:nvPr>
-        </p:nvSpPr>
-        <p:spPr>
-          <a:xfrm>
-            <a:off x="0" y="0"/>
-            <a:ext cx="12192000" cy="1325563"/>
-          </a:xfrm>
-          <a:solidFill>
-            <a:srgbClr val="0070C0"/>
-          </a:solidFill>
-        </p:spPr>
-        <p:txBody>
-          <a:bodyPr/>
-          <a:lstStyle/>
-          <a:p>
-            <a:r>
-              <a:rPr lang="en-CA" b="1" dirty="0">
-                <a:solidFill>
-                  <a:schemeClr val="bg1"/>
-                </a:solidFill>
-              </a:rPr>
-              <a:t>Receiving Properties</a:t>
-            </a:r>
-          </a:p>
-        </p:txBody>
-      </p:sp>
-      <p:graphicFrame>
-        <p:nvGraphicFramePr>
-          <p:cNvPr id="4" name="Table 3"/>
-          <p:cNvGraphicFramePr>
-            <a:graphicFrameLocks noGrp="1"/>
-          </p:cNvGraphicFramePr>
-          <p:nvPr/>
-        </p:nvGraphicFramePr>
-        <p:xfrm>
-          <a:off x="237672" y="1487109"/>
-          <a:ext cx="11752941" cy="370840"/>
-        </p:xfrm>
-        <a:graphic>
-          <a:graphicData uri="http://schemas.openxmlformats.org/drawingml/2006/table">
-            <a:tbl>
-              <a:tblPr firstRow="1" bandRow="1">
-                <a:tableStyleId>{5C22544A-7EE6-4342-B048-85BDC9FD1C3A}</a:tableStyleId>
-              </a:tblPr>
-              <a:tblGrid>
-                <a:gridCol w="4301671">
-                  <a:extLst>
-                    <a:ext uri="{9D8B030D-6E8A-4147-A177-3AD203B41FA5}">
-                      <a16:colId xmlns:a16="http://schemas.microsoft.com/office/drawing/2014/main" val="1699504934"/>
-                    </a:ext>
-                  </a:extLst>
-                </a:gridCol>
-                <a:gridCol w="7451270">
-                  <a:extLst>
-                    <a:ext uri="{9D8B030D-6E8A-4147-A177-3AD203B41FA5}">
-                      <a16:colId xmlns:a16="http://schemas.microsoft.com/office/drawing/2014/main" val="92080481"/>
-                    </a:ext>
-                  </a:extLst>
-                </a:gridCol>
-              </a:tblGrid>
-              <a:tr h="370840">
-                <a:tc>
-                  <a:txBody>
-                    <a:bodyPr/>
-                    <a:lstStyle/>
-                    <a:p>
-                      <a:r>
-                        <a:rPr lang="en-CA" dirty="0"/>
-                        <a:t>Property</a:t>
-                      </a:r>
-                    </a:p>
-                  </a:txBody>
-                  <a:tcPr/>
-                </a:tc>
-                <a:tc>
-                  <a:txBody>
-                    <a:bodyPr/>
-                    <a:lstStyle/>
-                    <a:p>
-                      <a:pPr algn="l"/>
-                      <a:r>
-                        <a:rPr lang="en-CA" dirty="0"/>
-                        <a:t>Description</a:t>
-                      </a:r>
-                    </a:p>
-                  </a:txBody>
-                  <a:tcPr/>
-                </a:tc>
-                <a:extLst>
-                  <a:ext uri="{0D108BD9-81ED-4DB2-BD59-A6C34878D82A}">
-                    <a16:rowId xmlns:a16="http://schemas.microsoft.com/office/drawing/2014/main" val="1248774390"/>
-                  </a:ext>
-                </a:extLst>
-              </a:tr>
-            </a:tbl>
-          </a:graphicData>
-        </a:graphic>
-      </p:graphicFrame>
-      <p:graphicFrame>
-        <p:nvGraphicFramePr>
-          <p:cNvPr id="5" name="Table 4"/>
-          <p:cNvGraphicFramePr>
-            <a:graphicFrameLocks noGrp="1"/>
-          </p:cNvGraphicFramePr>
-          <p:nvPr>
-            <p:extLst>
-              <p:ext uri="{D42A27DB-BD31-4B8C-83A1-F6EECF244321}">
-                <p14:modId xmlns:p14="http://schemas.microsoft.com/office/powerpoint/2010/main" val="4267482714"/>
-              </p:ext>
-            </p:extLst>
-          </p:nvPr>
-        </p:nvGraphicFramePr>
-        <p:xfrm>
-          <a:off x="237672" y="1857949"/>
-          <a:ext cx="11752941" cy="640080"/>
-        </p:xfrm>
-        <a:graphic>
-          <a:graphicData uri="http://schemas.openxmlformats.org/drawingml/2006/table">
-            <a:tbl>
-              <a:tblPr firstRow="1" bandRow="1">
-                <a:tableStyleId>{BC89EF96-8CEA-46FF-86C4-4CE0E7609802}</a:tableStyleId>
-              </a:tblPr>
-              <a:tblGrid>
-                <a:gridCol w="4307114">
-                  <a:extLst>
-                    <a:ext uri="{9D8B030D-6E8A-4147-A177-3AD203B41FA5}">
-                      <a16:colId xmlns:a16="http://schemas.microsoft.com/office/drawing/2014/main" val="3207723062"/>
-                    </a:ext>
-                  </a:extLst>
-                </a:gridCol>
-                <a:gridCol w="7445827">
-                  <a:extLst>
-                    <a:ext uri="{9D8B030D-6E8A-4147-A177-3AD203B41FA5}">
-                      <a16:colId xmlns:a16="http://schemas.microsoft.com/office/drawing/2014/main" val="1658324364"/>
-                    </a:ext>
-                  </a:extLst>
-                </a:gridCol>
-              </a:tblGrid>
-              <a:tr h="370840">
-                <a:tc>
-                  <a:txBody>
-                    <a:bodyPr/>
-                    <a:lstStyle/>
-                    <a:p>
-                      <a:r>
-                        <a:rPr lang="en-CA" dirty="0" err="1"/>
-                        <a:t>EnableDeadLetteringOnMessageExpiration</a:t>
-                      </a:r>
-                      <a:endParaRPr lang="en-CA" dirty="0"/>
-                    </a:p>
-                  </a:txBody>
-                  <a:tcPr/>
-                </a:tc>
-                <a:tc>
-                  <a:txBody>
-                    <a:bodyPr/>
-                    <a:lstStyle/>
-                    <a:p>
-                      <a:r>
-                        <a:rPr lang="en-CA" sz="1800" b="1" kern="1200" dirty="0">
-                          <a:solidFill>
-                            <a:schemeClr val="tx1"/>
-                          </a:solidFill>
-                          <a:effectLst/>
-                          <a:latin typeface="+mn-lt"/>
-                          <a:ea typeface="+mn-ea"/>
-                          <a:cs typeface="+mn-cs"/>
-                        </a:rPr>
-                        <a:t>Specifies whether messages will be moved to the dead-letter queue when their time to live expires. </a:t>
-                      </a:r>
-                      <a:endParaRPr lang="en-US" sz="1800" b="1" kern="1200" dirty="0">
-                        <a:solidFill>
-                          <a:schemeClr val="tx1"/>
-                        </a:solidFill>
-                        <a:effectLst/>
-                        <a:latin typeface="+mn-lt"/>
-                        <a:ea typeface="+mn-ea"/>
-                        <a:cs typeface="+mn-cs"/>
-                      </a:endParaRPr>
-                    </a:p>
-                  </a:txBody>
-                  <a:tcPr/>
-                </a:tc>
-                <a:extLst>
-                  <a:ext uri="{0D108BD9-81ED-4DB2-BD59-A6C34878D82A}">
-                    <a16:rowId xmlns:a16="http://schemas.microsoft.com/office/drawing/2014/main" val="3125305022"/>
-                  </a:ext>
-                </a:extLst>
-              </a:tr>
-            </a:tbl>
-          </a:graphicData>
-        </a:graphic>
-      </p:graphicFrame>
-      <p:graphicFrame>
-        <p:nvGraphicFramePr>
-          <p:cNvPr id="6" name="Table 5"/>
-          <p:cNvGraphicFramePr>
-            <a:graphicFrameLocks noGrp="1"/>
-          </p:cNvGraphicFramePr>
-          <p:nvPr>
-            <p:extLst>
-              <p:ext uri="{D42A27DB-BD31-4B8C-83A1-F6EECF244321}">
-                <p14:modId xmlns:p14="http://schemas.microsoft.com/office/powerpoint/2010/main" val="4204359989"/>
-              </p:ext>
-            </p:extLst>
-          </p:nvPr>
-        </p:nvGraphicFramePr>
-        <p:xfrm>
-          <a:off x="237672" y="2507221"/>
-          <a:ext cx="11752941" cy="640080"/>
-        </p:xfrm>
-        <a:graphic>
-          <a:graphicData uri="http://schemas.openxmlformats.org/drawingml/2006/table">
-            <a:tbl>
-              <a:tblPr firstRow="1" bandRow="1">
-                <a:tableStyleId>{BC89EF96-8CEA-46FF-86C4-4CE0E7609802}</a:tableStyleId>
-              </a:tblPr>
-              <a:tblGrid>
-                <a:gridCol w="4307114">
-                  <a:extLst>
-                    <a:ext uri="{9D8B030D-6E8A-4147-A177-3AD203B41FA5}">
-                      <a16:colId xmlns:a16="http://schemas.microsoft.com/office/drawing/2014/main" val="1091211104"/>
-                    </a:ext>
-                  </a:extLst>
-                </a:gridCol>
-                <a:gridCol w="7445827">
-                  <a:extLst>
-                    <a:ext uri="{9D8B030D-6E8A-4147-A177-3AD203B41FA5}">
-                      <a16:colId xmlns:a16="http://schemas.microsoft.com/office/drawing/2014/main" val="1150722414"/>
-                    </a:ext>
-                  </a:extLst>
-                </a:gridCol>
-              </a:tblGrid>
-              <a:tr h="370840">
-                <a:tc>
-                  <a:txBody>
-                    <a:bodyPr/>
-                    <a:lstStyle/>
-                    <a:p>
-                      <a:r>
-                        <a:rPr lang="en-CA" sz="1800" b="1" kern="1200" dirty="0" err="1">
-                          <a:solidFill>
-                            <a:schemeClr val="tx1"/>
-                          </a:solidFill>
-                          <a:effectLst/>
-                          <a:latin typeface="+mn-lt"/>
-                          <a:ea typeface="+mn-ea"/>
-                          <a:cs typeface="+mn-cs"/>
-                        </a:rPr>
-                        <a:t>LockDuration</a:t>
-                      </a:r>
-                      <a:endParaRPr lang="en-CA" dirty="0"/>
-                    </a:p>
-                  </a:txBody>
-                  <a:tcPr>
-                    <a:solidFill>
-                      <a:schemeClr val="accent1">
-                        <a:lumMod val="40000"/>
-                        <a:lumOff val="60000"/>
-                      </a:schemeClr>
-                    </a:solidFill>
-                  </a:tcPr>
-                </a:tc>
-                <a:tc>
-                  <a:txBody>
-                    <a:bodyPr/>
-                    <a:lstStyle/>
-                    <a:p>
-                      <a:pPr algn="l"/>
-                      <a:r>
-                        <a:rPr lang="en-CA" sz="1800" b="1" kern="1200" dirty="0">
-                          <a:solidFill>
-                            <a:schemeClr val="tx1"/>
-                          </a:solidFill>
-                          <a:effectLst/>
-                          <a:latin typeface="+mn-lt"/>
-                          <a:ea typeface="+mn-ea"/>
-                          <a:cs typeface="+mn-cs"/>
-                        </a:rPr>
-                        <a:t>Specifies the time interval a message will remain in the locked state after it has been revived using the peek-lock mode.</a:t>
-                      </a:r>
-                      <a:endParaRPr lang="en-CA" dirty="0"/>
-                    </a:p>
-                  </a:txBody>
-                  <a:tcPr>
-                    <a:solidFill>
-                      <a:schemeClr val="accent1">
-                        <a:lumMod val="40000"/>
-                        <a:lumOff val="60000"/>
-                      </a:schemeClr>
-                    </a:solidFill>
-                  </a:tcPr>
-                </a:tc>
-                <a:extLst>
-                  <a:ext uri="{0D108BD9-81ED-4DB2-BD59-A6C34878D82A}">
-                    <a16:rowId xmlns:a16="http://schemas.microsoft.com/office/drawing/2014/main" val="370781235"/>
-                  </a:ext>
-                </a:extLst>
-              </a:tr>
-            </a:tbl>
-          </a:graphicData>
-        </a:graphic>
-      </p:graphicFrame>
-      <p:graphicFrame>
-        <p:nvGraphicFramePr>
-          <p:cNvPr id="7" name="Table 6"/>
-          <p:cNvGraphicFramePr>
-            <a:graphicFrameLocks noGrp="1"/>
-          </p:cNvGraphicFramePr>
-          <p:nvPr>
-            <p:extLst>
-              <p:ext uri="{D42A27DB-BD31-4B8C-83A1-F6EECF244321}">
-                <p14:modId xmlns:p14="http://schemas.microsoft.com/office/powerpoint/2010/main" val="3257098119"/>
-              </p:ext>
-            </p:extLst>
-          </p:nvPr>
-        </p:nvGraphicFramePr>
-        <p:xfrm>
-          <a:off x="237673" y="3147301"/>
-          <a:ext cx="11752941" cy="370840"/>
-        </p:xfrm>
-        <a:graphic>
-          <a:graphicData uri="http://schemas.openxmlformats.org/drawingml/2006/table">
-            <a:tbl>
-              <a:tblPr firstRow="1" bandRow="1">
-                <a:tableStyleId>{BC89EF96-8CEA-46FF-86C4-4CE0E7609802}</a:tableStyleId>
-              </a:tblPr>
-              <a:tblGrid>
-                <a:gridCol w="4312557">
-                  <a:extLst>
-                    <a:ext uri="{9D8B030D-6E8A-4147-A177-3AD203B41FA5}">
-                      <a16:colId xmlns:a16="http://schemas.microsoft.com/office/drawing/2014/main" val="1091211104"/>
-                    </a:ext>
-                  </a:extLst>
-                </a:gridCol>
-                <a:gridCol w="7440384">
-                  <a:extLst>
-                    <a:ext uri="{9D8B030D-6E8A-4147-A177-3AD203B41FA5}">
-                      <a16:colId xmlns:a16="http://schemas.microsoft.com/office/drawing/2014/main" val="1150722414"/>
-                    </a:ext>
-                  </a:extLst>
-                </a:gridCol>
-              </a:tblGrid>
-              <a:tr h="370840">
-                <a:tc>
-                  <a:txBody>
-                    <a:bodyPr/>
-                    <a:lstStyle/>
-                    <a:p>
-                      <a:r>
-                        <a:rPr lang="en-CA" sz="1800" b="1" kern="1200" dirty="0" err="1">
-                          <a:solidFill>
-                            <a:schemeClr val="tx1"/>
-                          </a:solidFill>
-                          <a:effectLst/>
-                          <a:latin typeface="+mn-lt"/>
-                          <a:ea typeface="+mn-ea"/>
-                          <a:cs typeface="+mn-cs"/>
-                        </a:rPr>
-                        <a:t>MaxDeIiveryCount</a:t>
-                      </a:r>
-                      <a:endParaRPr lang="en-CA" dirty="0"/>
-                    </a:p>
-                  </a:txBody>
-                  <a:tcPr>
-                    <a:solidFill>
-                      <a:schemeClr val="bg1"/>
-                    </a:solidFill>
-                  </a:tcPr>
-                </a:tc>
-                <a:tc>
-                  <a:txBody>
-                    <a:bodyPr/>
-                    <a:lstStyle/>
-                    <a:p>
-                      <a:r>
-                        <a:rPr lang="en-CA" sz="1800" b="1" kern="1200" dirty="0">
-                          <a:solidFill>
-                            <a:schemeClr val="tx1"/>
-                          </a:solidFill>
-                          <a:effectLst/>
-                          <a:latin typeface="+mn-lt"/>
-                          <a:ea typeface="+mn-ea"/>
-                          <a:cs typeface="+mn-cs"/>
-                        </a:rPr>
-                        <a:t>The number of times a message can be received before being dead-lettered.</a:t>
-                      </a:r>
-                      <a:endParaRPr lang="en-CA" dirty="0"/>
-                    </a:p>
-                  </a:txBody>
-                  <a:tcPr>
-                    <a:solidFill>
-                      <a:schemeClr val="bg1"/>
-                    </a:solidFill>
-                  </a:tcPr>
-                </a:tc>
-                <a:extLst>
-                  <a:ext uri="{0D108BD9-81ED-4DB2-BD59-A6C34878D82A}">
-                    <a16:rowId xmlns:a16="http://schemas.microsoft.com/office/drawing/2014/main" val="370781235"/>
-                  </a:ext>
-                </a:extLst>
-              </a:tr>
-            </a:tbl>
-          </a:graphicData>
-        </a:graphic>
-      </p:graphicFrame>
-      <p:graphicFrame>
-        <p:nvGraphicFramePr>
-          <p:cNvPr id="8" name="Table 7"/>
-          <p:cNvGraphicFramePr>
-            <a:graphicFrameLocks noGrp="1"/>
-          </p:cNvGraphicFramePr>
-          <p:nvPr>
-            <p:extLst>
-              <p:ext uri="{D42A27DB-BD31-4B8C-83A1-F6EECF244321}">
-                <p14:modId xmlns:p14="http://schemas.microsoft.com/office/powerpoint/2010/main" val="2933859142"/>
-              </p:ext>
-            </p:extLst>
-          </p:nvPr>
-        </p:nvGraphicFramePr>
-        <p:xfrm>
-          <a:off x="237672" y="3518141"/>
-          <a:ext cx="11752941" cy="370840"/>
-        </p:xfrm>
-        <a:graphic>
-          <a:graphicData uri="http://schemas.openxmlformats.org/drawingml/2006/table">
-            <a:tbl>
-              <a:tblPr firstRow="1" bandRow="1">
-                <a:tableStyleId>{BC89EF96-8CEA-46FF-86C4-4CE0E7609802}</a:tableStyleId>
-              </a:tblPr>
-              <a:tblGrid>
-                <a:gridCol w="4307114">
-                  <a:extLst>
-                    <a:ext uri="{9D8B030D-6E8A-4147-A177-3AD203B41FA5}">
-                      <a16:colId xmlns:a16="http://schemas.microsoft.com/office/drawing/2014/main" val="3104330619"/>
-                    </a:ext>
-                  </a:extLst>
-                </a:gridCol>
-                <a:gridCol w="7445827">
-                  <a:extLst>
-                    <a:ext uri="{9D8B030D-6E8A-4147-A177-3AD203B41FA5}">
-                      <a16:colId xmlns:a16="http://schemas.microsoft.com/office/drawing/2014/main" val="4204515562"/>
-                    </a:ext>
-                  </a:extLst>
-                </a:gridCol>
-              </a:tblGrid>
-              <a:tr h="370840">
-                <a:tc>
-                  <a:txBody>
-                    <a:bodyPr/>
-                    <a:lstStyle/>
-                    <a:p>
-                      <a:r>
-                        <a:rPr lang="en-CA" sz="1800" b="1" kern="1200" dirty="0" err="1">
-                          <a:solidFill>
-                            <a:schemeClr val="tx1"/>
-                          </a:solidFill>
-                          <a:effectLst/>
-                          <a:latin typeface="+mn-lt"/>
-                          <a:ea typeface="+mn-ea"/>
-                          <a:cs typeface="+mn-cs"/>
-                        </a:rPr>
-                        <a:t>RequiresSession</a:t>
-                      </a:r>
-                      <a:endParaRPr lang="en-CA" dirty="0"/>
-                    </a:p>
-                  </a:txBody>
-                  <a:tcPr>
-                    <a:solidFill>
-                      <a:schemeClr val="accent1">
-                        <a:lumMod val="40000"/>
-                        <a:lumOff val="60000"/>
-                      </a:schemeClr>
-                    </a:solidFill>
-                  </a:tcPr>
-                </a:tc>
-                <a:tc>
-                  <a:txBody>
-                    <a:bodyPr/>
-                    <a:lstStyle/>
-                    <a:p>
-                      <a:pPr algn="l"/>
-                      <a:r>
-                        <a:rPr lang="en-CA" sz="1800" b="1" kern="1200" dirty="0">
-                          <a:solidFill>
-                            <a:schemeClr val="tx1"/>
-                          </a:solidFill>
-                          <a:effectLst/>
-                          <a:latin typeface="+mn-lt"/>
-                          <a:ea typeface="+mn-ea"/>
-                          <a:cs typeface="+mn-cs"/>
-                        </a:rPr>
-                        <a:t>Specifies whether message sessions will be used on the messaging entity.</a:t>
-                      </a:r>
-                      <a:endParaRPr lang="en-CA" dirty="0"/>
-                    </a:p>
-                  </a:txBody>
-                  <a:tcPr>
-                    <a:solidFill>
-                      <a:schemeClr val="accent1">
-                        <a:lumMod val="40000"/>
-                        <a:lumOff val="60000"/>
-                      </a:schemeClr>
-                    </a:solidFill>
-                  </a:tcPr>
-                </a:tc>
-                <a:extLst>
-                  <a:ext uri="{0D108BD9-81ED-4DB2-BD59-A6C34878D82A}">
-                    <a16:rowId xmlns:a16="http://schemas.microsoft.com/office/drawing/2014/main" val="1137435020"/>
-                  </a:ext>
-                </a:extLst>
-              </a:tr>
-            </a:tbl>
-          </a:graphicData>
-        </a:graphic>
-      </p:graphicFrame>
-      <p:grpSp>
-        <p:nvGrpSpPr>
-          <p:cNvPr id="9" name="Group 8"/>
-          <p:cNvGrpSpPr/>
-          <p:nvPr/>
-        </p:nvGrpSpPr>
-        <p:grpSpPr>
-          <a:xfrm>
-            <a:off x="5553149" y="6041570"/>
-            <a:ext cx="1085702" cy="684439"/>
-            <a:chOff x="5553149" y="6041570"/>
-            <a:chExt cx="1085702" cy="684439"/>
-          </a:xfrm>
-        </p:grpSpPr>
-        <p:pic>
-          <p:nvPicPr>
-            <p:cNvPr id="10" name="Picture 9">
-              <a:hlinkClick r:id="rId2" action="ppaction://program"/>
-            </p:cNvPr>
-            <p:cNvPicPr>
-              <a:picLocks noChangeAspect="1"/>
-            </p:cNvPicPr>
-            <p:nvPr/>
-          </p:nvPicPr>
-          <p:blipFill>
-            <a:blip r:embed="rId3"/>
-            <a:stretch>
-              <a:fillRect/>
-            </a:stretch>
-          </p:blipFill>
-          <p:spPr>
-            <a:xfrm>
-              <a:off x="5553149" y="6041570"/>
-              <a:ext cx="1085702" cy="684439"/>
-            </a:xfrm>
-            <a:prstGeom prst="rect">
-              <a:avLst/>
-            </a:prstGeom>
-          </p:spPr>
-        </p:pic>
-        <p:sp>
-          <p:nvSpPr>
-            <p:cNvPr id="11" name="TextBox 10"/>
-            <p:cNvSpPr txBox="1"/>
-            <p:nvPr/>
-          </p:nvSpPr>
-          <p:spPr>
-            <a:xfrm>
-              <a:off x="5671457" y="6237515"/>
-              <a:ext cx="849086" cy="400110"/>
-            </a:xfrm>
-            <a:prstGeom prst="rect">
-              <a:avLst/>
-            </a:prstGeom>
-            <a:noFill/>
-          </p:spPr>
-          <p:txBody>
-            <a:bodyPr wrap="square" rtlCol="0">
-              <a:spAutoFit/>
-            </a:bodyPr>
-            <a:lstStyle/>
-            <a:p>
-              <a:pPr algn="ctr"/>
-              <a:r>
-                <a:rPr lang="en-CA" sz="2000" b="1" dirty="0">
-                  <a:hlinkClick r:id="rId2" action="ppaction://program"/>
-                </a:rPr>
-                <a:t>Demo</a:t>
-              </a:r>
-              <a:endParaRPr lang="en-CA" b="1" dirty="0"/>
-            </a:p>
-          </p:txBody>
-        </p:sp>
-      </p:grpSp>
-    </p:spTree>
-    <p:extLst>
-      <p:ext uri="{BB962C8B-B14F-4D97-AF65-F5344CB8AC3E}">
-        <p14:creationId xmlns:p14="http://schemas.microsoft.com/office/powerpoint/2010/main" val="510520479"/>
-      </p:ext>
-    </p:extLst>
-  </p:cSld>
-  <p:clrMapOvr>
-    <a:masterClrMapping/>
-  </p:clrMapOvr>
-  <p:timing>
-    <p:tnLst>
-      <p:par>
-        <p:cTn id="1" dur="indefinite" restart="never" nodeType="tmRoot">
-          <p:childTnLst>
-            <p:seq concurrent="1" nextAc="seek">
-              <p:cTn id="2" dur="indefinite" nodeType="mainSeq">
-                <p:childTnLst>
-                  <p:par>
-                    <p:cTn id="3" fill="hold">
-                      <p:stCondLst>
-                        <p:cond delay="indefinite"/>
-                      </p:stCondLst>
-                      <p:childTnLst>
-                        <p:par>
-                          <p:cTn id="4" fill="hold">
-                            <p:stCondLst>
-                              <p:cond delay="0"/>
-                            </p:stCondLst>
-                            <p:childTnLst>
-                              <p:par>
-                                <p:cTn id="5" presetID="1" presetClass="entr" presetSubtype="0" fill="hold" nodeType="clickEffect">
-                                  <p:stCondLst>
-                                    <p:cond delay="0"/>
-                                  </p:stCondLst>
-                                  <p:childTnLst>
-                                    <p:set>
-                                      <p:cBhvr>
-                                        <p:cTn id="6" dur="1" fill="hold">
-                                          <p:stCondLst>
-                                            <p:cond delay="0"/>
-                                          </p:stCondLst>
-                                        </p:cTn>
-                                        <p:tgtEl>
-                                          <p:spTgt spid="5"/>
-                                        </p:tgtEl>
-                                        <p:attrNameLst>
-                                          <p:attrName>style.visibility</p:attrName>
-                                        </p:attrNameLst>
-                                      </p:cBhvr>
-                                      <p:to>
-                                        <p:strVal val="visible"/>
-                                      </p:to>
-                                    </p:set>
-                                  </p:childTnLst>
-                                </p:cTn>
-                              </p:par>
-                            </p:childTnLst>
-                          </p:cTn>
-                        </p:par>
-                      </p:childTnLst>
-                    </p:cTn>
-                  </p:par>
-                  <p:par>
-                    <p:cTn id="7" fill="hold">
-                      <p:stCondLst>
-                        <p:cond delay="indefinite"/>
-                      </p:stCondLst>
-                      <p:childTnLst>
-                        <p:par>
-                          <p:cTn id="8" fill="hold">
-                            <p:stCondLst>
-                              <p:cond delay="0"/>
-                            </p:stCondLst>
-                            <p:childTnLst>
-                              <p:par>
-                                <p:cTn id="9" presetID="1" presetClass="entr" presetSubtype="0" fill="hold" nodeType="clickEffect">
-                                  <p:stCondLst>
-                                    <p:cond delay="0"/>
-                                  </p:stCondLst>
-                                  <p:childTnLst>
-                                    <p:set>
-                                      <p:cBhvr>
-                                        <p:cTn id="10" dur="1" fill="hold">
-                                          <p:stCondLst>
-                                            <p:cond delay="0"/>
-                                          </p:stCondLst>
-                                        </p:cTn>
-                                        <p:tgtEl>
-                                          <p:spTgt spid="6"/>
-                                        </p:tgtEl>
-                                        <p:attrNameLst>
-                                          <p:attrName>style.visibility</p:attrName>
-                                        </p:attrNameLst>
-                                      </p:cBhvr>
-                                      <p:to>
-                                        <p:strVal val="visible"/>
-                                      </p:to>
-                                    </p:set>
-                                  </p:childTnLst>
-                                </p:cTn>
-                              </p:par>
-                            </p:childTnLst>
-                          </p:cTn>
-                        </p:par>
-                      </p:childTnLst>
-                    </p:cTn>
-                  </p:par>
-                  <p:par>
-                    <p:cTn id="11" fill="hold">
-                      <p:stCondLst>
-                        <p:cond delay="indefinite"/>
-                      </p:stCondLst>
-                      <p:childTnLst>
-                        <p:par>
-                          <p:cTn id="12" fill="hold">
-                            <p:stCondLst>
-                              <p:cond delay="0"/>
-                            </p:stCondLst>
-                            <p:childTnLst>
-                              <p:par>
-                                <p:cTn id="13" presetID="1" presetClass="entr" presetSubtype="0" fill="hold" nodeType="clickEffect">
-                                  <p:stCondLst>
-                                    <p:cond delay="0"/>
-                                  </p:stCondLst>
-                                  <p:childTnLst>
-                                    <p:set>
-                                      <p:cBhvr>
-                                        <p:cTn id="14" dur="1" fill="hold">
-                                          <p:stCondLst>
-                                            <p:cond delay="0"/>
-                                          </p:stCondLst>
-                                        </p:cTn>
-                                        <p:tgtEl>
-                                          <p:spTgt spid="7"/>
-                                        </p:tgtEl>
-                                        <p:attrNameLst>
-                                          <p:attrName>style.visibility</p:attrName>
-                                        </p:attrNameLst>
-                                      </p:cBhvr>
-                                      <p:to>
-                                        <p:strVal val="visible"/>
-                                      </p:to>
-                                    </p:set>
-                                  </p:childTnLst>
-                                </p:cTn>
-                              </p:par>
-                            </p:childTnLst>
-                          </p:cTn>
-                        </p:par>
-                      </p:childTnLst>
-                    </p:cTn>
-                  </p:par>
-                  <p:par>
-                    <p:cTn id="15" fill="hold">
-                      <p:stCondLst>
-                        <p:cond delay="indefinite"/>
-                      </p:stCondLst>
-                      <p:childTnLst>
-                        <p:par>
-                          <p:cTn id="16" fill="hold">
-                            <p:stCondLst>
-                              <p:cond delay="0"/>
-                            </p:stCondLst>
-                            <p:childTnLst>
-                              <p:par>
-                                <p:cTn id="17" presetID="1" presetClass="entr" presetSubtype="0" fill="hold" nodeType="clickEffect">
-                                  <p:stCondLst>
-                                    <p:cond delay="0"/>
-                                  </p:stCondLst>
-                                  <p:childTnLst>
-                                    <p:set>
-                                      <p:cBhvr>
-                                        <p:cTn id="18" dur="1" fill="hold">
-                                          <p:stCondLst>
-                                            <p:cond delay="0"/>
-                                          </p:stCondLst>
-                                        </p:cTn>
-                                        <p:tgtEl>
-                                          <p:spTgt spid="8"/>
-                                        </p:tgtEl>
-                                        <p:attrNameLst>
-                                          <p:attrName>style.visibility</p:attrName>
-                                        </p:attrNameLst>
-                                      </p:cBhvr>
-                                      <p:to>
-                                        <p:strVal val="visible"/>
-                                      </p:to>
-                                    </p:set>
-                                  </p:childTnLst>
-                                </p:cTn>
-                              </p:par>
-                            </p:childTnLst>
-                          </p:cTn>
-                        </p:par>
-                      </p:childTnLst>
-                    </p:cTn>
-                  </p:par>
-                  <p:par>
-                    <p:cTn id="19" fill="hold">
-                      <p:stCondLst>
-                        <p:cond delay="indefinite"/>
-                      </p:stCondLst>
-                      <p:childTnLst>
-                        <p:par>
-                          <p:cTn id="20" fill="hold">
-                            <p:stCondLst>
-                              <p:cond delay="0"/>
-                            </p:stCondLst>
-                            <p:childTnLst>
-                              <p:par>
-                                <p:cTn id="21" presetID="1" presetClass="entr" presetSubtype="0" fill="hold" nodeType="clickEffect">
-                                  <p:stCondLst>
-                                    <p:cond delay="0"/>
-                                  </p:stCondLst>
-                                  <p:childTnLst>
-                                    <p:set>
-                                      <p:cBhvr>
-                                        <p:cTn id="22" dur="1" fill="hold">
-                                          <p:stCondLst>
-                                            <p:cond delay="0"/>
-                                          </p:stCondLst>
-                                        </p:cTn>
-                                        <p:tgtEl>
-                                          <p:spTgt spid="9"/>
-                                        </p:tgtEl>
-                                        <p:attrNameLst>
-                                          <p:attrName>style.visibility</p:attrName>
-                                        </p:attrNameLst>
-                                      </p:cBhvr>
-                                      <p:to>
-                                        <p:strVal val="visible"/>
-                                      </p:to>
-                                    </p:set>
-                                  </p:childTnLst>
-                                </p:cTn>
-                              </p:par>
-                            </p:childTnLst>
-                          </p:cTn>
-                        </p:par>
-                      </p:childTnLst>
-                    </p:cTn>
-                  </p:par>
-                </p:childTnLst>
-              </p:cTn>
-              <p:prevCondLst>
-                <p:cond evt="onPrev" delay="0">
-                  <p:tgtEl>
-                    <p:sldTgt/>
-                  </p:tgtEl>
-                </p:cond>
-              </p:prevCondLst>
-              <p:nextCondLst>
-                <p:cond evt="onNext" delay="0">
-                  <p:tgtEl>
-                    <p:sldTgt/>
-                  </p:tgtEl>
-                </p:cond>
-              </p:nextCondLst>
-            </p:seq>
-          </p:childTnLst>
-        </p:cTn>
-      </p:par>
-    </p:tnLst>
-  </p:timing>
-</p:sld>
-</file>
-
-<file path=ppt/slides/slide13.xml><?xml version="1.0" encoding="utf-8"?>
-<p:sld xmlns:a="http://schemas.openxmlformats.org/drawingml/2006/main" xmlns:r="http://schemas.openxmlformats.org/officeDocument/2006/relationships" xmlns:p="http://schemas.openxmlformats.org/presentationml/2006/main">
-  <p:cSld>
-    <p:spTree>
-      <p:nvGrpSpPr>
-        <p:cNvPr id="1" name=""/>
-        <p:cNvGrpSpPr/>
-        <p:nvPr/>
-      </p:nvGrpSpPr>
-      <p:grpSpPr>
-        <a:xfrm>
-          <a:off x="0" y="0"/>
-          <a:ext cx="0" cy="0"/>
-          <a:chOff x="0" y="0"/>
-          <a:chExt cx="0" cy="0"/>
-        </a:xfrm>
-      </p:grpSpPr>
-      <p:sp>
-        <p:nvSpPr>
-          <p:cNvPr id="2" name="Title 1"/>
-          <p:cNvSpPr>
-            <a:spLocks noGrp="1"/>
-          </p:cNvSpPr>
-          <p:nvPr>
-            <p:ph type="title"/>
-          </p:nvPr>
-        </p:nvSpPr>
-        <p:spPr>
-          <a:xfrm>
-            <a:off x="0" y="0"/>
-            <a:ext cx="12192000" cy="1325563"/>
-          </a:xfrm>
-          <a:solidFill>
-            <a:srgbClr val="0070C0"/>
-          </a:solidFill>
-        </p:spPr>
-        <p:txBody>
-          <a:bodyPr/>
-          <a:lstStyle/>
-          <a:p>
-            <a:r>
-              <a:rPr lang="en-CA" b="1" dirty="0">
-                <a:solidFill>
-                  <a:schemeClr val="bg1"/>
-                </a:solidFill>
-              </a:rPr>
               <a:t>Common Types</a:t>
             </a:r>
           </a:p>
@@ -15283,7 +13537,7 @@
 </p:sld>
 </file>
 
-<file path=ppt/slides/slide14.xml><?xml version="1.0" encoding="utf-8"?>
+<file path=ppt/slides/slide12.xml><?xml version="1.0" encoding="utf-8"?>
 <p:sld xmlns:a="http://schemas.openxmlformats.org/drawingml/2006/main" xmlns:r="http://schemas.openxmlformats.org/officeDocument/2006/relationships" xmlns:p="http://schemas.openxmlformats.org/presentationml/2006/main">
   <p:cSld>
     <p:spTree>
@@ -15933,7 +14187,7 @@
 </p:sld>
 </file>
 
-<file path=ppt/slides/slide15.xml><?xml version="1.0" encoding="utf-8"?>
+<file path=ppt/slides/slide13.xml><?xml version="1.0" encoding="utf-8"?>
 <p:sld xmlns:a="http://schemas.openxmlformats.org/drawingml/2006/main" xmlns:r="http://schemas.openxmlformats.org/officeDocument/2006/relationships" xmlns:p="http://schemas.openxmlformats.org/presentationml/2006/main">
   <p:cSld>
     <p:spTree>
@@ -16023,7 +14277,7 @@
 </p:sld>
 </file>
 
-<file path=ppt/slides/slide16.xml><?xml version="1.0" encoding="utf-8"?>
+<file path=ppt/slides/slide14.xml><?xml version="1.0" encoding="utf-8"?>
 <p:sld xmlns:a="http://schemas.openxmlformats.org/drawingml/2006/main" xmlns:r="http://schemas.openxmlformats.org/officeDocument/2006/relationships" xmlns:p="http://schemas.openxmlformats.org/presentationml/2006/main">
   <p:cSld>
     <p:spTree>
@@ -16641,7 +14895,7 @@
 </p:sld>
 </file>
 
-<file path=ppt/slides/slide17.xml><?xml version="1.0" encoding="utf-8"?>
+<file path=ppt/slides/slide15.xml><?xml version="1.0" encoding="utf-8"?>
 <p:sld xmlns:a="http://schemas.openxmlformats.org/drawingml/2006/main" xmlns:r="http://schemas.openxmlformats.org/officeDocument/2006/relationships" xmlns:p="http://schemas.openxmlformats.org/presentationml/2006/main">
   <p:cSld>
     <p:spTree>
@@ -17503,7 +15757,7 @@
 </p:sld>
 </file>
 
-<file path=ppt/slides/slide18.xml><?xml version="1.0" encoding="utf-8"?>
+<file path=ppt/slides/slide16.xml><?xml version="1.0" encoding="utf-8"?>
 <p:sld xmlns:a="http://schemas.openxmlformats.org/drawingml/2006/main" xmlns:r="http://schemas.openxmlformats.org/officeDocument/2006/relationships" xmlns:p="http://schemas.openxmlformats.org/presentationml/2006/main">
   <p:cSld>
     <p:spTree>
@@ -17806,8 +16060,13 @@
             <a:pPr algn="ctr"/>
             <a:r>
               <a:rPr lang="en-CA" dirty="0"/>
-              <a:t>Lock timeout expired</a:t>
+              <a:t>Lock timeout expired x </a:t>
             </a:r>
+            <a:r>
+              <a:rPr lang="en-CA" dirty="0" err="1"/>
+              <a:t>MaxDeliveryCout</a:t>
+            </a:r>
+            <a:endParaRPr lang="en-CA" dirty="0"/>
           </a:p>
         </p:txBody>
       </p:sp>
@@ -18073,7 +16332,7 @@
           <a:p>
             <a:r>
               <a:rPr lang="en-CA" dirty="0"/>
-              <a:t>Message remains on the queue and can will be received later.</a:t>
+              <a:t>Message remains on the queue and will be received later.</a:t>
             </a:r>
           </a:p>
         </p:txBody>
@@ -18765,7 +17024,7 @@
 </p:sld>
 </file>
 
-<file path=ppt/slides/slide19.xml><?xml version="1.0" encoding="utf-8"?>
+<file path=ppt/slides/slide17.xml><?xml version="1.0" encoding="utf-8"?>
 <p:sld xmlns:a="http://schemas.openxmlformats.org/drawingml/2006/main" xmlns:r="http://schemas.openxmlformats.org/officeDocument/2006/relationships" xmlns:p="http://schemas.openxmlformats.org/presentationml/2006/main">
   <p:cSld>
     <p:spTree>
@@ -18913,6 +17172,93 @@
               <a:t>OnMessageAsync</a:t>
             </a:r>
             <a:endParaRPr lang="en-CA" b="1" dirty="0"/>
+          </a:p>
+        </p:txBody>
+      </p:sp>
+      <p:pic>
+        <p:nvPicPr>
+          <p:cNvPr id="1026" name="Picture 2" descr="https://www.linqpad.net/images/maincodescratchpad.png">
+            <a:hlinkClick r:id="rId7" action="ppaction://program"/>
+          </p:cNvPr>
+          <p:cNvPicPr>
+            <a:picLocks noChangeAspect="1" noChangeArrowheads="1"/>
+          </p:cNvPicPr>
+          <p:nvPr/>
+        </p:nvPicPr>
+        <p:blipFill>
+          <a:blip r:embed="rId8" cstate="print">
+            <a:extLst>
+              <a:ext uri="{28A0092B-C50C-407E-A947-70E740481C1C}">
+                <a14:useLocalDpi xmlns:a14="http://schemas.microsoft.com/office/drawing/2010/main" val="0"/>
+              </a:ext>
+            </a:extLst>
+          </a:blip>
+          <a:srcRect/>
+          <a:stretch>
+            <a:fillRect/>
+          </a:stretch>
+        </p:blipFill>
+        <p:spPr bwMode="auto">
+          <a:xfrm>
+            <a:off x="5217563" y="5691884"/>
+            <a:ext cx="1609615" cy="938929"/>
+          </a:xfrm>
+          <a:prstGeom prst="rect">
+            <a:avLst/>
+          </a:prstGeom>
+          <a:noFill/>
+          <a:extLst>
+            <a:ext uri="{909E8E84-426E-40DD-AFC4-6F175D3DCCD1}">
+              <a14:hiddenFill xmlns:a14="http://schemas.microsoft.com/office/drawing/2010/main">
+                <a:solidFill>
+                  <a:srgbClr val="FFFFFF"/>
+                </a:solidFill>
+              </a14:hiddenFill>
+            </a:ext>
+          </a:extLst>
+        </p:spPr>
+      </p:pic>
+      <p:sp>
+        <p:nvSpPr>
+          <p:cNvPr id="3" name="TextBox 2"/>
+          <p:cNvSpPr txBox="1"/>
+          <p:nvPr/>
+        </p:nvSpPr>
+        <p:spPr>
+          <a:xfrm>
+            <a:off x="5534464" y="6165855"/>
+            <a:ext cx="1082494" cy="523220"/>
+          </a:xfrm>
+          <a:prstGeom prst="rect">
+            <a:avLst/>
+          </a:prstGeom>
+          <a:noFill/>
+        </p:spPr>
+        <p:txBody>
+          <a:bodyPr wrap="square" rtlCol="0">
+            <a:spAutoFit/>
+          </a:bodyPr>
+          <a:lstStyle/>
+          <a:p>
+            <a:pPr algn="ctr"/>
+            <a:r>
+              <a:rPr lang="en-CA" sz="2800" b="1" dirty="0">
+                <a:solidFill>
+                  <a:schemeClr val="accent5">
+                    <a:lumMod val="75000"/>
+                  </a:schemeClr>
+                </a:solidFill>
+                <a:hlinkClick r:id="rId7" action="ppaction://program"/>
+              </a:rPr>
+              <a:t>Demo</a:t>
+            </a:r>
+            <a:endParaRPr lang="en-CA" sz="2800" b="1" dirty="0">
+              <a:solidFill>
+                <a:schemeClr val="accent5">
+                  <a:lumMod val="75000"/>
+                </a:schemeClr>
+              </a:solidFill>
+            </a:endParaRPr>
           </a:p>
         </p:txBody>
       </p:sp>
@@ -19109,933 +17455,7 @@
 </p:sld>
 </file>
 
-<file path=ppt/slides/slide2.xml><?xml version="1.0" encoding="utf-8"?>
-<p:sld xmlns:a="http://schemas.openxmlformats.org/drawingml/2006/main" xmlns:r="http://schemas.openxmlformats.org/officeDocument/2006/relationships" xmlns:p="http://schemas.openxmlformats.org/presentationml/2006/main">
-  <p:cSld>
-    <p:spTree>
-      <p:nvGrpSpPr>
-        <p:cNvPr id="1" name=""/>
-        <p:cNvGrpSpPr/>
-        <p:nvPr/>
-      </p:nvGrpSpPr>
-      <p:grpSpPr>
-        <a:xfrm>
-          <a:off x="0" y="0"/>
-          <a:ext cx="0" cy="0"/>
-          <a:chOff x="0" y="0"/>
-          <a:chExt cx="0" cy="0"/>
-        </a:xfrm>
-      </p:grpSpPr>
-      <p:pic>
-        <p:nvPicPr>
-          <p:cNvPr id="9" name="Relays"/>
-          <p:cNvPicPr>
-            <a:picLocks noChangeAspect="1"/>
-          </p:cNvPicPr>
-          <p:nvPr/>
-        </p:nvPicPr>
-        <p:blipFill>
-          <a:blip r:embed="rId3" cstate="print">
-            <a:extLst>
-              <a:ext uri="{28A0092B-C50C-407E-A947-70E740481C1C}">
-                <a14:useLocalDpi xmlns:a14="http://schemas.microsoft.com/office/drawing/2010/main" val="0"/>
-              </a:ext>
-            </a:extLst>
-          </a:blip>
-          <a:stretch>
-            <a:fillRect/>
-          </a:stretch>
-        </p:blipFill>
-        <p:spPr>
-          <a:xfrm>
-            <a:off x="9645678" y="3885523"/>
-            <a:ext cx="780290" cy="780290"/>
-          </a:xfrm>
-          <a:prstGeom prst="rect">
-            <a:avLst/>
-          </a:prstGeom>
-        </p:spPr>
-      </p:pic>
-      <p:cxnSp>
-        <p:nvCxnSpPr>
-          <p:cNvPr id="14" name="Relays connector"/>
-          <p:cNvCxnSpPr>
-            <a:stCxn id="4" idx="2"/>
-            <a:endCxn id="9" idx="0"/>
-          </p:cNvCxnSpPr>
-          <p:nvPr/>
-        </p:nvCxnSpPr>
-        <p:spPr>
-          <a:xfrm rot="16200000" flipH="1">
-            <a:off x="7713347" y="1563047"/>
-            <a:ext cx="801084" cy="3843867"/>
-          </a:xfrm>
-          <a:prstGeom prst="bentConnector3">
-            <a:avLst/>
-          </a:prstGeom>
-        </p:spPr>
-        <p:style>
-          <a:lnRef idx="1">
-            <a:schemeClr val="accent1"/>
-          </a:lnRef>
-          <a:fillRef idx="0">
-            <a:schemeClr val="accent1"/>
-          </a:fillRef>
-          <a:effectRef idx="0">
-            <a:schemeClr val="accent1"/>
-          </a:effectRef>
-          <a:fontRef idx="minor">
-            <a:schemeClr val="tx1"/>
-          </a:fontRef>
-        </p:style>
-      </p:cxnSp>
-      <p:pic>
-        <p:nvPicPr>
-          <p:cNvPr id="5" name="EventHubs"/>
-          <p:cNvPicPr>
-            <a:picLocks noChangeAspect="1"/>
-          </p:cNvPicPr>
-          <p:nvPr/>
-        </p:nvPicPr>
-        <p:blipFill>
-          <a:blip r:embed="rId4" cstate="print">
-            <a:extLst>
-              <a:ext uri="{28A0092B-C50C-407E-A947-70E740481C1C}">
-                <a14:useLocalDpi xmlns:a14="http://schemas.microsoft.com/office/drawing/2010/main" val="0"/>
-              </a:ext>
-            </a:extLst>
-          </a:blip>
-          <a:stretch>
-            <a:fillRect/>
-          </a:stretch>
-        </p:blipFill>
-        <p:spPr>
-          <a:xfrm>
-            <a:off x="7173412" y="3885523"/>
-            <a:ext cx="780290" cy="780290"/>
-          </a:xfrm>
-          <a:prstGeom prst="rect">
-            <a:avLst/>
-          </a:prstGeom>
-        </p:spPr>
-      </p:pic>
-      <p:cxnSp>
-        <p:nvCxnSpPr>
-          <p:cNvPr id="18" name="EventHubs connector"/>
-          <p:cNvCxnSpPr>
-            <a:stCxn id="4" idx="2"/>
-            <a:endCxn id="5" idx="0"/>
-          </p:cNvCxnSpPr>
-          <p:nvPr/>
-        </p:nvCxnSpPr>
-        <p:spPr>
-          <a:xfrm rot="16200000" flipH="1">
-            <a:off x="6477214" y="2799180"/>
-            <a:ext cx="801084" cy="1371601"/>
-          </a:xfrm>
-          <a:prstGeom prst="bentConnector3">
-            <a:avLst/>
-          </a:prstGeom>
-        </p:spPr>
-        <p:style>
-          <a:lnRef idx="1">
-            <a:schemeClr val="accent1"/>
-          </a:lnRef>
-          <a:fillRef idx="0">
-            <a:schemeClr val="accent1"/>
-          </a:fillRef>
-          <a:effectRef idx="0">
-            <a:schemeClr val="accent1"/>
-          </a:effectRef>
-          <a:fontRef idx="minor">
-            <a:schemeClr val="tx1"/>
-          </a:fontRef>
-        </p:style>
-      </p:cxnSp>
-      <p:pic>
-        <p:nvPicPr>
-          <p:cNvPr id="8" name="Topics"/>
-          <p:cNvPicPr>
-            <a:picLocks noChangeAspect="1"/>
-          </p:cNvPicPr>
-          <p:nvPr/>
-        </p:nvPicPr>
-        <p:blipFill>
-          <a:blip r:embed="rId5" cstate="print">
-            <a:extLst>
-              <a:ext uri="{28A0092B-C50C-407E-A947-70E740481C1C}">
-                <a14:useLocalDpi xmlns:a14="http://schemas.microsoft.com/office/drawing/2010/main" val="0"/>
-              </a:ext>
-            </a:extLst>
-          </a:blip>
-          <a:stretch>
-            <a:fillRect/>
-          </a:stretch>
-        </p:blipFill>
-        <p:spPr>
-          <a:xfrm>
-            <a:off x="4701145" y="3885523"/>
-            <a:ext cx="780290" cy="780290"/>
-          </a:xfrm>
-          <a:prstGeom prst="rect">
-            <a:avLst/>
-          </a:prstGeom>
-        </p:spPr>
-      </p:pic>
-      <p:cxnSp>
-        <p:nvCxnSpPr>
-          <p:cNvPr id="16" name="Topics connector"/>
-          <p:cNvCxnSpPr>
-            <a:stCxn id="4" idx="2"/>
-            <a:endCxn id="8" idx="0"/>
-          </p:cNvCxnSpPr>
-          <p:nvPr/>
-        </p:nvCxnSpPr>
-        <p:spPr>
-          <a:xfrm rot="5400000">
-            <a:off x="5241081" y="2934648"/>
-            <a:ext cx="801084" cy="1100666"/>
-          </a:xfrm>
-          <a:prstGeom prst="bentConnector3">
-            <a:avLst/>
-          </a:prstGeom>
-        </p:spPr>
-        <p:style>
-          <a:lnRef idx="1">
-            <a:schemeClr val="accent1"/>
-          </a:lnRef>
-          <a:fillRef idx="0">
-            <a:schemeClr val="accent1"/>
-          </a:fillRef>
-          <a:effectRef idx="0">
-            <a:schemeClr val="accent1"/>
-          </a:effectRef>
-          <a:fontRef idx="minor">
-            <a:schemeClr val="tx1"/>
-          </a:fontRef>
-        </p:style>
-      </p:cxnSp>
-      <p:pic>
-        <p:nvPicPr>
-          <p:cNvPr id="7" name="Queues"/>
-          <p:cNvPicPr>
-            <a:picLocks noChangeAspect="1"/>
-          </p:cNvPicPr>
-          <p:nvPr/>
-        </p:nvPicPr>
-        <p:blipFill>
-          <a:blip r:embed="rId6" cstate="print">
-            <a:extLst>
-              <a:ext uri="{28A0092B-C50C-407E-A947-70E740481C1C}">
-                <a14:useLocalDpi xmlns:a14="http://schemas.microsoft.com/office/drawing/2010/main" val="0"/>
-              </a:ext>
-            </a:extLst>
-          </a:blip>
-          <a:stretch>
-            <a:fillRect/>
-          </a:stretch>
-        </p:blipFill>
-        <p:spPr>
-          <a:xfrm>
-            <a:off x="2228878" y="3885523"/>
-            <a:ext cx="780290" cy="780290"/>
-          </a:xfrm>
-          <a:prstGeom prst="rect">
-            <a:avLst/>
-          </a:prstGeom>
-        </p:spPr>
-      </p:pic>
-      <p:cxnSp>
-        <p:nvCxnSpPr>
-          <p:cNvPr id="12" name="Queues connector"/>
-          <p:cNvCxnSpPr>
-            <a:stCxn id="4" idx="2"/>
-            <a:endCxn id="7" idx="0"/>
-          </p:cNvCxnSpPr>
-          <p:nvPr/>
-        </p:nvCxnSpPr>
-        <p:spPr>
-          <a:xfrm rot="5400000">
-            <a:off x="4004948" y="1698515"/>
-            <a:ext cx="801084" cy="3572933"/>
-          </a:xfrm>
-          <a:prstGeom prst="bentConnector3">
-            <a:avLst/>
-          </a:prstGeom>
-        </p:spPr>
-        <p:style>
-          <a:lnRef idx="1">
-            <a:schemeClr val="accent1"/>
-          </a:lnRef>
-          <a:fillRef idx="0">
-            <a:schemeClr val="accent1"/>
-          </a:fillRef>
-          <a:effectRef idx="0">
-            <a:schemeClr val="accent1"/>
-          </a:effectRef>
-          <a:fontRef idx="minor">
-            <a:schemeClr val="tx1"/>
-          </a:fontRef>
-        </p:style>
-      </p:cxnSp>
-      <p:sp>
-        <p:nvSpPr>
-          <p:cNvPr id="2" name="Title 1"/>
-          <p:cNvSpPr>
-            <a:spLocks noGrp="1"/>
-          </p:cNvSpPr>
-          <p:nvPr>
-            <p:ph type="title"/>
-          </p:nvPr>
-        </p:nvSpPr>
-        <p:spPr>
-          <a:xfrm>
-            <a:off x="0" y="0"/>
-            <a:ext cx="12192000" cy="1325563"/>
-          </a:xfrm>
-          <a:solidFill>
-            <a:srgbClr val="0070C0"/>
-          </a:solidFill>
-        </p:spPr>
-        <p:txBody>
-          <a:bodyPr/>
-          <a:lstStyle/>
-          <a:p>
-            <a:r>
-              <a:rPr lang="en-CA" b="1" dirty="0">
-                <a:solidFill>
-                  <a:schemeClr val="bg1"/>
-                </a:solidFill>
-              </a:rPr>
-              <a:t>Service provided by ASB</a:t>
-            </a:r>
-          </a:p>
-        </p:txBody>
-      </p:sp>
-      <p:pic>
-        <p:nvPicPr>
-          <p:cNvPr id="4" name="Picture 3"/>
-          <p:cNvPicPr>
-            <a:picLocks noChangeAspect="1"/>
-          </p:cNvPicPr>
-          <p:nvPr/>
-        </p:nvPicPr>
-        <p:blipFill>
-          <a:blip r:embed="rId7" cstate="print">
-            <a:extLst>
-              <a:ext uri="{28A0092B-C50C-407E-A947-70E740481C1C}">
-                <a14:useLocalDpi xmlns:a14="http://schemas.microsoft.com/office/drawing/2010/main" val="0"/>
-              </a:ext>
-            </a:extLst>
-          </a:blip>
-          <a:stretch>
-            <a:fillRect/>
-          </a:stretch>
-        </p:blipFill>
-        <p:spPr>
-          <a:xfrm>
-            <a:off x="5801811" y="2304149"/>
-            <a:ext cx="780290" cy="780290"/>
-          </a:xfrm>
-          <a:prstGeom prst="rect">
-            <a:avLst/>
-          </a:prstGeom>
-        </p:spPr>
-      </p:pic>
-      <p:sp>
-        <p:nvSpPr>
-          <p:cNvPr id="6" name="TextBox 5"/>
-          <p:cNvSpPr txBox="1"/>
-          <p:nvPr/>
-        </p:nvSpPr>
-        <p:spPr>
-          <a:xfrm>
-            <a:off x="2008598" y="4665813"/>
-            <a:ext cx="1176391" cy="369332"/>
-          </a:xfrm>
-          <a:prstGeom prst="rect">
-            <a:avLst/>
-          </a:prstGeom>
-          <a:noFill/>
-        </p:spPr>
-        <p:txBody>
-          <a:bodyPr wrap="square" rtlCol="0">
-            <a:spAutoFit/>
-          </a:bodyPr>
-          <a:lstStyle/>
-          <a:p>
-            <a:pPr algn="ctr"/>
-            <a:r>
-              <a:rPr lang="en-CA" dirty="0"/>
-              <a:t>Queues</a:t>
-            </a:r>
-          </a:p>
-        </p:txBody>
-      </p:sp>
-      <p:sp>
-        <p:nvSpPr>
-          <p:cNvPr id="15" name="TextBox 14"/>
-          <p:cNvSpPr txBox="1"/>
-          <p:nvPr/>
-        </p:nvSpPr>
-        <p:spPr>
-          <a:xfrm>
-            <a:off x="4305044" y="4665813"/>
-            <a:ext cx="1571774" cy="646331"/>
-          </a:xfrm>
-          <a:prstGeom prst="rect">
-            <a:avLst/>
-          </a:prstGeom>
-          <a:noFill/>
-        </p:spPr>
-        <p:txBody>
-          <a:bodyPr wrap="square" rtlCol="0">
-            <a:spAutoFit/>
-          </a:bodyPr>
-          <a:lstStyle/>
-          <a:p>
-            <a:pPr algn="ctr"/>
-            <a:r>
-              <a:rPr lang="en-CA" dirty="0"/>
-              <a:t>Topics &amp; Subscriptions</a:t>
-            </a:r>
-          </a:p>
-        </p:txBody>
-      </p:sp>
-      <p:sp>
-        <p:nvSpPr>
-          <p:cNvPr id="17" name="TextBox 16"/>
-          <p:cNvSpPr txBox="1"/>
-          <p:nvPr/>
-        </p:nvSpPr>
-        <p:spPr>
-          <a:xfrm>
-            <a:off x="6975361" y="4665813"/>
-            <a:ext cx="1176391" cy="369332"/>
-          </a:xfrm>
-          <a:prstGeom prst="rect">
-            <a:avLst/>
-          </a:prstGeom>
-          <a:noFill/>
-        </p:spPr>
-        <p:txBody>
-          <a:bodyPr wrap="square" rtlCol="0">
-            <a:spAutoFit/>
-          </a:bodyPr>
-          <a:lstStyle/>
-          <a:p>
-            <a:pPr algn="ctr"/>
-            <a:r>
-              <a:rPr lang="en-CA" dirty="0" err="1"/>
-              <a:t>EventHubs</a:t>
-            </a:r>
-            <a:endParaRPr lang="en-CA" dirty="0"/>
-          </a:p>
-        </p:txBody>
-      </p:sp>
-      <p:sp>
-        <p:nvSpPr>
-          <p:cNvPr id="19" name="TextBox 18"/>
-          <p:cNvSpPr txBox="1"/>
-          <p:nvPr/>
-        </p:nvSpPr>
-        <p:spPr>
-          <a:xfrm>
-            <a:off x="9447628" y="4665813"/>
-            <a:ext cx="1176391" cy="369332"/>
-          </a:xfrm>
-          <a:prstGeom prst="rect">
-            <a:avLst/>
-          </a:prstGeom>
-          <a:noFill/>
-        </p:spPr>
-        <p:txBody>
-          <a:bodyPr wrap="square" rtlCol="0">
-            <a:spAutoFit/>
-          </a:bodyPr>
-          <a:lstStyle/>
-          <a:p>
-            <a:pPr algn="ctr"/>
-            <a:r>
-              <a:rPr lang="en-CA" dirty="0"/>
-              <a:t>Relays</a:t>
-            </a:r>
-          </a:p>
-        </p:txBody>
-      </p:sp>
-    </p:spTree>
-    <p:extLst>
-      <p:ext uri="{BB962C8B-B14F-4D97-AF65-F5344CB8AC3E}">
-        <p14:creationId xmlns:p14="http://schemas.microsoft.com/office/powerpoint/2010/main" val="3222334169"/>
-      </p:ext>
-    </p:extLst>
-  </p:cSld>
-  <p:clrMapOvr>
-    <a:masterClrMapping/>
-  </p:clrMapOvr>
-  <p:timing>
-    <p:tnLst>
-      <p:par>
-        <p:cTn id="1" dur="indefinite" restart="never" nodeType="tmRoot">
-          <p:childTnLst>
-            <p:seq concurrent="1" nextAc="seek">
-              <p:cTn id="2" dur="indefinite" nodeType="mainSeq">
-                <p:childTnLst>
-                  <p:par>
-                    <p:cTn id="3" fill="hold">
-                      <p:stCondLst>
-                        <p:cond delay="indefinite"/>
-                      </p:stCondLst>
-                      <p:childTnLst>
-                        <p:par>
-                          <p:cTn id="4" fill="hold">
-                            <p:stCondLst>
-                              <p:cond delay="0"/>
-                            </p:stCondLst>
-                            <p:childTnLst>
-                              <p:par>
-                                <p:cTn id="5" presetID="1" presetClass="entr" presetSubtype="0" fill="hold" nodeType="clickEffect">
-                                  <p:stCondLst>
-                                    <p:cond delay="0"/>
-                                  </p:stCondLst>
-                                  <p:childTnLst>
-                                    <p:set>
-                                      <p:cBhvr>
-                                        <p:cTn id="6" dur="1" fill="hold">
-                                          <p:stCondLst>
-                                            <p:cond delay="0"/>
-                                          </p:stCondLst>
-                                        </p:cTn>
-                                        <p:tgtEl>
-                                          <p:spTgt spid="12"/>
-                                        </p:tgtEl>
-                                        <p:attrNameLst>
-                                          <p:attrName>style.visibility</p:attrName>
-                                        </p:attrNameLst>
-                                      </p:cBhvr>
-                                      <p:to>
-                                        <p:strVal val="visible"/>
-                                      </p:to>
-                                    </p:set>
-                                  </p:childTnLst>
-                                </p:cTn>
-                              </p:par>
-                            </p:childTnLst>
-                          </p:cTn>
-                        </p:par>
-                        <p:par>
-                          <p:cTn id="7" fill="hold">
-                            <p:stCondLst>
-                              <p:cond delay="0"/>
-                            </p:stCondLst>
-                            <p:childTnLst>
-                              <p:par>
-                                <p:cTn id="8" presetID="1" presetClass="entr" presetSubtype="0" fill="hold" nodeType="afterEffect">
-                                  <p:stCondLst>
-                                    <p:cond delay="0"/>
-                                  </p:stCondLst>
-                                  <p:childTnLst>
-                                    <p:set>
-                                      <p:cBhvr>
-                                        <p:cTn id="9" dur="1" fill="hold">
-                                          <p:stCondLst>
-                                            <p:cond delay="0"/>
-                                          </p:stCondLst>
-                                        </p:cTn>
-                                        <p:tgtEl>
-                                          <p:spTgt spid="7"/>
-                                        </p:tgtEl>
-                                        <p:attrNameLst>
-                                          <p:attrName>style.visibility</p:attrName>
-                                        </p:attrNameLst>
-                                      </p:cBhvr>
-                                      <p:to>
-                                        <p:strVal val="visible"/>
-                                      </p:to>
-                                    </p:set>
-                                  </p:childTnLst>
-                                </p:cTn>
-                              </p:par>
-                              <p:par>
-                                <p:cTn id="10" presetID="1" presetClass="entr" presetSubtype="0" fill="hold" grpId="0" nodeType="withEffect">
-                                  <p:stCondLst>
-                                    <p:cond delay="0"/>
-                                  </p:stCondLst>
-                                  <p:childTnLst>
-                                    <p:set>
-                                      <p:cBhvr>
-                                        <p:cTn id="11" dur="1" fill="hold">
-                                          <p:stCondLst>
-                                            <p:cond delay="0"/>
-                                          </p:stCondLst>
-                                        </p:cTn>
-                                        <p:tgtEl>
-                                          <p:spTgt spid="6"/>
-                                        </p:tgtEl>
-                                        <p:attrNameLst>
-                                          <p:attrName>style.visibility</p:attrName>
-                                        </p:attrNameLst>
-                                      </p:cBhvr>
-                                      <p:to>
-                                        <p:strVal val="visible"/>
-                                      </p:to>
-                                    </p:set>
-                                  </p:childTnLst>
-                                </p:cTn>
-                              </p:par>
-                            </p:childTnLst>
-                          </p:cTn>
-                        </p:par>
-                      </p:childTnLst>
-                    </p:cTn>
-                  </p:par>
-                  <p:par>
-                    <p:cTn id="12" fill="hold">
-                      <p:stCondLst>
-                        <p:cond delay="indefinite"/>
-                      </p:stCondLst>
-                      <p:childTnLst>
-                        <p:par>
-                          <p:cTn id="13" fill="hold">
-                            <p:stCondLst>
-                              <p:cond delay="0"/>
-                            </p:stCondLst>
-                            <p:childTnLst>
-                              <p:par>
-                                <p:cTn id="14" presetID="1" presetClass="entr" presetSubtype="0" fill="hold" nodeType="clickEffect">
-                                  <p:stCondLst>
-                                    <p:cond delay="0"/>
-                                  </p:stCondLst>
-                                  <p:childTnLst>
-                                    <p:set>
-                                      <p:cBhvr>
-                                        <p:cTn id="15" dur="1" fill="hold">
-                                          <p:stCondLst>
-                                            <p:cond delay="0"/>
-                                          </p:stCondLst>
-                                        </p:cTn>
-                                        <p:tgtEl>
-                                          <p:spTgt spid="16"/>
-                                        </p:tgtEl>
-                                        <p:attrNameLst>
-                                          <p:attrName>style.visibility</p:attrName>
-                                        </p:attrNameLst>
-                                      </p:cBhvr>
-                                      <p:to>
-                                        <p:strVal val="visible"/>
-                                      </p:to>
-                                    </p:set>
-                                  </p:childTnLst>
-                                </p:cTn>
-                              </p:par>
-                              <p:par>
-                                <p:cTn id="16" presetID="1" presetClass="entr" presetSubtype="0" fill="hold" nodeType="withEffect">
-                                  <p:stCondLst>
-                                    <p:cond delay="0"/>
-                                  </p:stCondLst>
-                                  <p:childTnLst>
-                                    <p:set>
-                                      <p:cBhvr>
-                                        <p:cTn id="17" dur="1" fill="hold">
-                                          <p:stCondLst>
-                                            <p:cond delay="0"/>
-                                          </p:stCondLst>
-                                        </p:cTn>
-                                        <p:tgtEl>
-                                          <p:spTgt spid="8"/>
-                                        </p:tgtEl>
-                                        <p:attrNameLst>
-                                          <p:attrName>style.visibility</p:attrName>
-                                        </p:attrNameLst>
-                                      </p:cBhvr>
-                                      <p:to>
-                                        <p:strVal val="visible"/>
-                                      </p:to>
-                                    </p:set>
-                                  </p:childTnLst>
-                                </p:cTn>
-                              </p:par>
-                              <p:par>
-                                <p:cTn id="18" presetID="1" presetClass="entr" presetSubtype="0" fill="hold" grpId="0" nodeType="withEffect">
-                                  <p:stCondLst>
-                                    <p:cond delay="0"/>
-                                  </p:stCondLst>
-                                  <p:childTnLst>
-                                    <p:set>
-                                      <p:cBhvr>
-                                        <p:cTn id="19" dur="1" fill="hold">
-                                          <p:stCondLst>
-                                            <p:cond delay="0"/>
-                                          </p:stCondLst>
-                                        </p:cTn>
-                                        <p:tgtEl>
-                                          <p:spTgt spid="15"/>
-                                        </p:tgtEl>
-                                        <p:attrNameLst>
-                                          <p:attrName>style.visibility</p:attrName>
-                                        </p:attrNameLst>
-                                      </p:cBhvr>
-                                      <p:to>
-                                        <p:strVal val="visible"/>
-                                      </p:to>
-                                    </p:set>
-                                  </p:childTnLst>
-                                </p:cTn>
-                              </p:par>
-                            </p:childTnLst>
-                          </p:cTn>
-                        </p:par>
-                      </p:childTnLst>
-                    </p:cTn>
-                  </p:par>
-                  <p:par>
-                    <p:cTn id="20" fill="hold">
-                      <p:stCondLst>
-                        <p:cond delay="indefinite"/>
-                      </p:stCondLst>
-                      <p:childTnLst>
-                        <p:par>
-                          <p:cTn id="21" fill="hold">
-                            <p:stCondLst>
-                              <p:cond delay="0"/>
-                            </p:stCondLst>
-                            <p:childTnLst>
-                              <p:par>
-                                <p:cTn id="22" presetID="1" presetClass="entr" presetSubtype="0" fill="hold" nodeType="clickEffect">
-                                  <p:stCondLst>
-                                    <p:cond delay="0"/>
-                                  </p:stCondLst>
-                                  <p:childTnLst>
-                                    <p:set>
-                                      <p:cBhvr>
-                                        <p:cTn id="23" dur="1" fill="hold">
-                                          <p:stCondLst>
-                                            <p:cond delay="0"/>
-                                          </p:stCondLst>
-                                        </p:cTn>
-                                        <p:tgtEl>
-                                          <p:spTgt spid="18"/>
-                                        </p:tgtEl>
-                                        <p:attrNameLst>
-                                          <p:attrName>style.visibility</p:attrName>
-                                        </p:attrNameLst>
-                                      </p:cBhvr>
-                                      <p:to>
-                                        <p:strVal val="visible"/>
-                                      </p:to>
-                                    </p:set>
-                                  </p:childTnLst>
-                                </p:cTn>
-                              </p:par>
-                            </p:childTnLst>
-                          </p:cTn>
-                        </p:par>
-                        <p:par>
-                          <p:cTn id="24" fill="hold">
-                            <p:stCondLst>
-                              <p:cond delay="0"/>
-                            </p:stCondLst>
-                            <p:childTnLst>
-                              <p:par>
-                                <p:cTn id="25" presetID="1" presetClass="entr" presetSubtype="0" fill="hold" nodeType="afterEffect">
-                                  <p:stCondLst>
-                                    <p:cond delay="0"/>
-                                  </p:stCondLst>
-                                  <p:childTnLst>
-                                    <p:set>
-                                      <p:cBhvr>
-                                        <p:cTn id="26" dur="1" fill="hold">
-                                          <p:stCondLst>
-                                            <p:cond delay="0"/>
-                                          </p:stCondLst>
-                                        </p:cTn>
-                                        <p:tgtEl>
-                                          <p:spTgt spid="5"/>
-                                        </p:tgtEl>
-                                        <p:attrNameLst>
-                                          <p:attrName>style.visibility</p:attrName>
-                                        </p:attrNameLst>
-                                      </p:cBhvr>
-                                      <p:to>
-                                        <p:strVal val="visible"/>
-                                      </p:to>
-                                    </p:set>
-                                  </p:childTnLst>
-                                </p:cTn>
-                              </p:par>
-                              <p:par>
-                                <p:cTn id="27" presetID="1" presetClass="entr" presetSubtype="0" fill="hold" grpId="0" nodeType="withEffect">
-                                  <p:stCondLst>
-                                    <p:cond delay="0"/>
-                                  </p:stCondLst>
-                                  <p:childTnLst>
-                                    <p:set>
-                                      <p:cBhvr>
-                                        <p:cTn id="28" dur="1" fill="hold">
-                                          <p:stCondLst>
-                                            <p:cond delay="0"/>
-                                          </p:stCondLst>
-                                        </p:cTn>
-                                        <p:tgtEl>
-                                          <p:spTgt spid="17"/>
-                                        </p:tgtEl>
-                                        <p:attrNameLst>
-                                          <p:attrName>style.visibility</p:attrName>
-                                        </p:attrNameLst>
-                                      </p:cBhvr>
-                                      <p:to>
-                                        <p:strVal val="visible"/>
-                                      </p:to>
-                                    </p:set>
-                                  </p:childTnLst>
-                                </p:cTn>
-                              </p:par>
-                            </p:childTnLst>
-                          </p:cTn>
-                        </p:par>
-                      </p:childTnLst>
-                    </p:cTn>
-                  </p:par>
-                  <p:par>
-                    <p:cTn id="29" fill="hold">
-                      <p:stCondLst>
-                        <p:cond delay="indefinite"/>
-                      </p:stCondLst>
-                      <p:childTnLst>
-                        <p:par>
-                          <p:cTn id="30" fill="hold">
-                            <p:stCondLst>
-                              <p:cond delay="0"/>
-                            </p:stCondLst>
-                            <p:childTnLst>
-                              <p:par>
-                                <p:cTn id="31" presetID="1" presetClass="entr" presetSubtype="0" fill="hold" nodeType="clickEffect">
-                                  <p:stCondLst>
-                                    <p:cond delay="0"/>
-                                  </p:stCondLst>
-                                  <p:childTnLst>
-                                    <p:set>
-                                      <p:cBhvr>
-                                        <p:cTn id="32" dur="1" fill="hold">
-                                          <p:stCondLst>
-                                            <p:cond delay="0"/>
-                                          </p:stCondLst>
-                                        </p:cTn>
-                                        <p:tgtEl>
-                                          <p:spTgt spid="14"/>
-                                        </p:tgtEl>
-                                        <p:attrNameLst>
-                                          <p:attrName>style.visibility</p:attrName>
-                                        </p:attrNameLst>
-                                      </p:cBhvr>
-                                      <p:to>
-                                        <p:strVal val="visible"/>
-                                      </p:to>
-                                    </p:set>
-                                  </p:childTnLst>
-                                </p:cTn>
-                              </p:par>
-                            </p:childTnLst>
-                          </p:cTn>
-                        </p:par>
-                        <p:par>
-                          <p:cTn id="33" fill="hold">
-                            <p:stCondLst>
-                              <p:cond delay="0"/>
-                            </p:stCondLst>
-                            <p:childTnLst>
-                              <p:par>
-                                <p:cTn id="34" presetID="1" presetClass="entr" presetSubtype="0" fill="hold" nodeType="afterEffect">
-                                  <p:stCondLst>
-                                    <p:cond delay="0"/>
-                                  </p:stCondLst>
-                                  <p:childTnLst>
-                                    <p:set>
-                                      <p:cBhvr>
-                                        <p:cTn id="35" dur="1" fill="hold">
-                                          <p:stCondLst>
-                                            <p:cond delay="0"/>
-                                          </p:stCondLst>
-                                        </p:cTn>
-                                        <p:tgtEl>
-                                          <p:spTgt spid="9"/>
-                                        </p:tgtEl>
-                                        <p:attrNameLst>
-                                          <p:attrName>style.visibility</p:attrName>
-                                        </p:attrNameLst>
-                                      </p:cBhvr>
-                                      <p:to>
-                                        <p:strVal val="visible"/>
-                                      </p:to>
-                                    </p:set>
-                                  </p:childTnLst>
-                                </p:cTn>
-                              </p:par>
-                              <p:par>
-                                <p:cTn id="36" presetID="1" presetClass="entr" presetSubtype="0" fill="hold" grpId="0" nodeType="withEffect">
-                                  <p:stCondLst>
-                                    <p:cond delay="0"/>
-                                  </p:stCondLst>
-                                  <p:childTnLst>
-                                    <p:set>
-                                      <p:cBhvr>
-                                        <p:cTn id="37" dur="1" fill="hold">
-                                          <p:stCondLst>
-                                            <p:cond delay="0"/>
-                                          </p:stCondLst>
-                                        </p:cTn>
-                                        <p:tgtEl>
-                                          <p:spTgt spid="19"/>
-                                        </p:tgtEl>
-                                        <p:attrNameLst>
-                                          <p:attrName>style.visibility</p:attrName>
-                                        </p:attrNameLst>
-                                      </p:cBhvr>
-                                      <p:to>
-                                        <p:strVal val="visible"/>
-                                      </p:to>
-                                    </p:set>
-                                  </p:childTnLst>
-                                </p:cTn>
-                              </p:par>
-                            </p:childTnLst>
-                          </p:cTn>
-                        </p:par>
-                      </p:childTnLst>
-                    </p:cTn>
-                  </p:par>
-                </p:childTnLst>
-              </p:cTn>
-              <p:prevCondLst>
-                <p:cond evt="onPrev" delay="0">
-                  <p:tgtEl>
-                    <p:sldTgt/>
-                  </p:tgtEl>
-                </p:cond>
-              </p:prevCondLst>
-              <p:nextCondLst>
-                <p:cond evt="onNext" delay="0">
-                  <p:tgtEl>
-                    <p:sldTgt/>
-                  </p:tgtEl>
-                </p:cond>
-              </p:nextCondLst>
-            </p:seq>
-          </p:childTnLst>
-        </p:cTn>
-      </p:par>
-    </p:tnLst>
-    <p:bldLst>
-      <p:bldP spid="6" grpId="0"/>
-      <p:bldP spid="15" grpId="0"/>
-      <p:bldP spid="17" grpId="0"/>
-      <p:bldP spid="19" grpId="0"/>
-    </p:bldLst>
-  </p:timing>
-</p:sld>
-</file>
-
-<file path=ppt/slides/slide20.xml><?xml version="1.0" encoding="utf-8"?>
+<file path=ppt/slides/slide18.xml><?xml version="1.0" encoding="utf-8"?>
 <p:sld xmlns:a="http://schemas.openxmlformats.org/drawingml/2006/main" xmlns:r="http://schemas.openxmlformats.org/officeDocument/2006/relationships" xmlns:p="http://schemas.openxmlformats.org/presentationml/2006/main">
   <p:cSld>
     <p:spTree>
@@ -21866,7 +19286,7 @@
 </p:sld>
 </file>
 
-<file path=ppt/slides/slide21.xml><?xml version="1.0" encoding="utf-8"?>
+<file path=ppt/slides/slide19.xml><?xml version="1.0" encoding="utf-8"?>
 <p:sld xmlns:a="http://schemas.openxmlformats.org/drawingml/2006/main" xmlns:r="http://schemas.openxmlformats.org/officeDocument/2006/relationships" xmlns:p="http://schemas.openxmlformats.org/presentationml/2006/main">
   <p:cSld>
     <p:spTree>
@@ -22101,6 +19521,932 @@
   <p:clrMapOvr>
     <a:masterClrMapping/>
   </p:clrMapOvr>
+</p:sld>
+</file>
+
+<file path=ppt/slides/slide2.xml><?xml version="1.0" encoding="utf-8"?>
+<p:sld xmlns:a="http://schemas.openxmlformats.org/drawingml/2006/main" xmlns:r="http://schemas.openxmlformats.org/officeDocument/2006/relationships" xmlns:p="http://schemas.openxmlformats.org/presentationml/2006/main">
+  <p:cSld>
+    <p:spTree>
+      <p:nvGrpSpPr>
+        <p:cNvPr id="1" name=""/>
+        <p:cNvGrpSpPr/>
+        <p:nvPr/>
+      </p:nvGrpSpPr>
+      <p:grpSpPr>
+        <a:xfrm>
+          <a:off x="0" y="0"/>
+          <a:ext cx="0" cy="0"/>
+          <a:chOff x="0" y="0"/>
+          <a:chExt cx="0" cy="0"/>
+        </a:xfrm>
+      </p:grpSpPr>
+      <p:pic>
+        <p:nvPicPr>
+          <p:cNvPr id="9" name="Relays"/>
+          <p:cNvPicPr>
+            <a:picLocks noChangeAspect="1"/>
+          </p:cNvPicPr>
+          <p:nvPr/>
+        </p:nvPicPr>
+        <p:blipFill>
+          <a:blip r:embed="rId3" cstate="print">
+            <a:extLst>
+              <a:ext uri="{28A0092B-C50C-407E-A947-70E740481C1C}">
+                <a14:useLocalDpi xmlns:a14="http://schemas.microsoft.com/office/drawing/2010/main" val="0"/>
+              </a:ext>
+            </a:extLst>
+          </a:blip>
+          <a:stretch>
+            <a:fillRect/>
+          </a:stretch>
+        </p:blipFill>
+        <p:spPr>
+          <a:xfrm>
+            <a:off x="9645678" y="3885523"/>
+            <a:ext cx="780290" cy="780290"/>
+          </a:xfrm>
+          <a:prstGeom prst="rect">
+            <a:avLst/>
+          </a:prstGeom>
+        </p:spPr>
+      </p:pic>
+      <p:cxnSp>
+        <p:nvCxnSpPr>
+          <p:cNvPr id="14" name="Relays connector"/>
+          <p:cNvCxnSpPr>
+            <a:stCxn id="4" idx="2"/>
+            <a:endCxn id="9" idx="0"/>
+          </p:cNvCxnSpPr>
+          <p:nvPr/>
+        </p:nvCxnSpPr>
+        <p:spPr>
+          <a:xfrm rot="16200000" flipH="1">
+            <a:off x="7713347" y="1563047"/>
+            <a:ext cx="801084" cy="3843867"/>
+          </a:xfrm>
+          <a:prstGeom prst="bentConnector3">
+            <a:avLst/>
+          </a:prstGeom>
+        </p:spPr>
+        <p:style>
+          <a:lnRef idx="1">
+            <a:schemeClr val="accent1"/>
+          </a:lnRef>
+          <a:fillRef idx="0">
+            <a:schemeClr val="accent1"/>
+          </a:fillRef>
+          <a:effectRef idx="0">
+            <a:schemeClr val="accent1"/>
+          </a:effectRef>
+          <a:fontRef idx="minor">
+            <a:schemeClr val="tx1"/>
+          </a:fontRef>
+        </p:style>
+      </p:cxnSp>
+      <p:pic>
+        <p:nvPicPr>
+          <p:cNvPr id="5" name="EventHubs"/>
+          <p:cNvPicPr>
+            <a:picLocks noChangeAspect="1"/>
+          </p:cNvPicPr>
+          <p:nvPr/>
+        </p:nvPicPr>
+        <p:blipFill>
+          <a:blip r:embed="rId4" cstate="print">
+            <a:extLst>
+              <a:ext uri="{28A0092B-C50C-407E-A947-70E740481C1C}">
+                <a14:useLocalDpi xmlns:a14="http://schemas.microsoft.com/office/drawing/2010/main" val="0"/>
+              </a:ext>
+            </a:extLst>
+          </a:blip>
+          <a:stretch>
+            <a:fillRect/>
+          </a:stretch>
+        </p:blipFill>
+        <p:spPr>
+          <a:xfrm>
+            <a:off x="7173412" y="3885523"/>
+            <a:ext cx="780290" cy="780290"/>
+          </a:xfrm>
+          <a:prstGeom prst="rect">
+            <a:avLst/>
+          </a:prstGeom>
+        </p:spPr>
+      </p:pic>
+      <p:cxnSp>
+        <p:nvCxnSpPr>
+          <p:cNvPr id="18" name="EventHubs connector"/>
+          <p:cNvCxnSpPr>
+            <a:stCxn id="4" idx="2"/>
+            <a:endCxn id="5" idx="0"/>
+          </p:cNvCxnSpPr>
+          <p:nvPr/>
+        </p:nvCxnSpPr>
+        <p:spPr>
+          <a:xfrm rot="16200000" flipH="1">
+            <a:off x="6477214" y="2799180"/>
+            <a:ext cx="801084" cy="1371601"/>
+          </a:xfrm>
+          <a:prstGeom prst="bentConnector3">
+            <a:avLst/>
+          </a:prstGeom>
+        </p:spPr>
+        <p:style>
+          <a:lnRef idx="1">
+            <a:schemeClr val="accent1"/>
+          </a:lnRef>
+          <a:fillRef idx="0">
+            <a:schemeClr val="accent1"/>
+          </a:fillRef>
+          <a:effectRef idx="0">
+            <a:schemeClr val="accent1"/>
+          </a:effectRef>
+          <a:fontRef idx="minor">
+            <a:schemeClr val="tx1"/>
+          </a:fontRef>
+        </p:style>
+      </p:cxnSp>
+      <p:pic>
+        <p:nvPicPr>
+          <p:cNvPr id="8" name="Topics"/>
+          <p:cNvPicPr>
+            <a:picLocks noChangeAspect="1"/>
+          </p:cNvPicPr>
+          <p:nvPr/>
+        </p:nvPicPr>
+        <p:blipFill>
+          <a:blip r:embed="rId5" cstate="print">
+            <a:extLst>
+              <a:ext uri="{28A0092B-C50C-407E-A947-70E740481C1C}">
+                <a14:useLocalDpi xmlns:a14="http://schemas.microsoft.com/office/drawing/2010/main" val="0"/>
+              </a:ext>
+            </a:extLst>
+          </a:blip>
+          <a:stretch>
+            <a:fillRect/>
+          </a:stretch>
+        </p:blipFill>
+        <p:spPr>
+          <a:xfrm>
+            <a:off x="4701145" y="3885523"/>
+            <a:ext cx="780290" cy="780290"/>
+          </a:xfrm>
+          <a:prstGeom prst="rect">
+            <a:avLst/>
+          </a:prstGeom>
+        </p:spPr>
+      </p:pic>
+      <p:cxnSp>
+        <p:nvCxnSpPr>
+          <p:cNvPr id="16" name="Topics connector"/>
+          <p:cNvCxnSpPr>
+            <a:stCxn id="4" idx="2"/>
+            <a:endCxn id="8" idx="0"/>
+          </p:cNvCxnSpPr>
+          <p:nvPr/>
+        </p:nvCxnSpPr>
+        <p:spPr>
+          <a:xfrm rot="5400000">
+            <a:off x="5241081" y="2934648"/>
+            <a:ext cx="801084" cy="1100666"/>
+          </a:xfrm>
+          <a:prstGeom prst="bentConnector3">
+            <a:avLst/>
+          </a:prstGeom>
+        </p:spPr>
+        <p:style>
+          <a:lnRef idx="1">
+            <a:schemeClr val="accent1"/>
+          </a:lnRef>
+          <a:fillRef idx="0">
+            <a:schemeClr val="accent1"/>
+          </a:fillRef>
+          <a:effectRef idx="0">
+            <a:schemeClr val="accent1"/>
+          </a:effectRef>
+          <a:fontRef idx="minor">
+            <a:schemeClr val="tx1"/>
+          </a:fontRef>
+        </p:style>
+      </p:cxnSp>
+      <p:pic>
+        <p:nvPicPr>
+          <p:cNvPr id="7" name="Queues"/>
+          <p:cNvPicPr>
+            <a:picLocks noChangeAspect="1"/>
+          </p:cNvPicPr>
+          <p:nvPr/>
+        </p:nvPicPr>
+        <p:blipFill>
+          <a:blip r:embed="rId6" cstate="print">
+            <a:extLst>
+              <a:ext uri="{28A0092B-C50C-407E-A947-70E740481C1C}">
+                <a14:useLocalDpi xmlns:a14="http://schemas.microsoft.com/office/drawing/2010/main" val="0"/>
+              </a:ext>
+            </a:extLst>
+          </a:blip>
+          <a:stretch>
+            <a:fillRect/>
+          </a:stretch>
+        </p:blipFill>
+        <p:spPr>
+          <a:xfrm>
+            <a:off x="2228878" y="3885523"/>
+            <a:ext cx="780290" cy="780290"/>
+          </a:xfrm>
+          <a:prstGeom prst="rect">
+            <a:avLst/>
+          </a:prstGeom>
+        </p:spPr>
+      </p:pic>
+      <p:cxnSp>
+        <p:nvCxnSpPr>
+          <p:cNvPr id="12" name="Queues connector"/>
+          <p:cNvCxnSpPr>
+            <a:stCxn id="4" idx="2"/>
+            <a:endCxn id="7" idx="0"/>
+          </p:cNvCxnSpPr>
+          <p:nvPr/>
+        </p:nvCxnSpPr>
+        <p:spPr>
+          <a:xfrm rot="5400000">
+            <a:off x="4004948" y="1698515"/>
+            <a:ext cx="801084" cy="3572933"/>
+          </a:xfrm>
+          <a:prstGeom prst="bentConnector3">
+            <a:avLst/>
+          </a:prstGeom>
+        </p:spPr>
+        <p:style>
+          <a:lnRef idx="1">
+            <a:schemeClr val="accent1"/>
+          </a:lnRef>
+          <a:fillRef idx="0">
+            <a:schemeClr val="accent1"/>
+          </a:fillRef>
+          <a:effectRef idx="0">
+            <a:schemeClr val="accent1"/>
+          </a:effectRef>
+          <a:fontRef idx="minor">
+            <a:schemeClr val="tx1"/>
+          </a:fontRef>
+        </p:style>
+      </p:cxnSp>
+      <p:sp>
+        <p:nvSpPr>
+          <p:cNvPr id="2" name="Title 1"/>
+          <p:cNvSpPr>
+            <a:spLocks noGrp="1"/>
+          </p:cNvSpPr>
+          <p:nvPr>
+            <p:ph type="title"/>
+          </p:nvPr>
+        </p:nvSpPr>
+        <p:spPr>
+          <a:xfrm>
+            <a:off x="0" y="0"/>
+            <a:ext cx="12192000" cy="1325563"/>
+          </a:xfrm>
+          <a:solidFill>
+            <a:srgbClr val="0070C0"/>
+          </a:solidFill>
+        </p:spPr>
+        <p:txBody>
+          <a:bodyPr/>
+          <a:lstStyle/>
+          <a:p>
+            <a:r>
+              <a:rPr lang="en-CA" b="1" dirty="0">
+                <a:solidFill>
+                  <a:schemeClr val="bg1"/>
+                </a:solidFill>
+              </a:rPr>
+              <a:t>Service provided by ASB</a:t>
+            </a:r>
+          </a:p>
+        </p:txBody>
+      </p:sp>
+      <p:pic>
+        <p:nvPicPr>
+          <p:cNvPr id="4" name="Picture 3"/>
+          <p:cNvPicPr>
+            <a:picLocks noChangeAspect="1"/>
+          </p:cNvPicPr>
+          <p:nvPr/>
+        </p:nvPicPr>
+        <p:blipFill>
+          <a:blip r:embed="rId7" cstate="print">
+            <a:extLst>
+              <a:ext uri="{28A0092B-C50C-407E-A947-70E740481C1C}">
+                <a14:useLocalDpi xmlns:a14="http://schemas.microsoft.com/office/drawing/2010/main" val="0"/>
+              </a:ext>
+            </a:extLst>
+          </a:blip>
+          <a:stretch>
+            <a:fillRect/>
+          </a:stretch>
+        </p:blipFill>
+        <p:spPr>
+          <a:xfrm>
+            <a:off x="5801811" y="2304149"/>
+            <a:ext cx="780290" cy="780290"/>
+          </a:xfrm>
+          <a:prstGeom prst="rect">
+            <a:avLst/>
+          </a:prstGeom>
+        </p:spPr>
+      </p:pic>
+      <p:sp>
+        <p:nvSpPr>
+          <p:cNvPr id="6" name="TextBox 5"/>
+          <p:cNvSpPr txBox="1"/>
+          <p:nvPr/>
+        </p:nvSpPr>
+        <p:spPr>
+          <a:xfrm>
+            <a:off x="2008598" y="4665813"/>
+            <a:ext cx="1176391" cy="369332"/>
+          </a:xfrm>
+          <a:prstGeom prst="rect">
+            <a:avLst/>
+          </a:prstGeom>
+          <a:noFill/>
+        </p:spPr>
+        <p:txBody>
+          <a:bodyPr wrap="square" rtlCol="0">
+            <a:spAutoFit/>
+          </a:bodyPr>
+          <a:lstStyle/>
+          <a:p>
+            <a:pPr algn="ctr"/>
+            <a:r>
+              <a:rPr lang="en-CA" dirty="0"/>
+              <a:t>Queues</a:t>
+            </a:r>
+          </a:p>
+        </p:txBody>
+      </p:sp>
+      <p:sp>
+        <p:nvSpPr>
+          <p:cNvPr id="15" name="TextBox 14"/>
+          <p:cNvSpPr txBox="1"/>
+          <p:nvPr/>
+        </p:nvSpPr>
+        <p:spPr>
+          <a:xfrm>
+            <a:off x="4305044" y="4665813"/>
+            <a:ext cx="1571774" cy="646331"/>
+          </a:xfrm>
+          <a:prstGeom prst="rect">
+            <a:avLst/>
+          </a:prstGeom>
+          <a:noFill/>
+        </p:spPr>
+        <p:txBody>
+          <a:bodyPr wrap="square" rtlCol="0">
+            <a:spAutoFit/>
+          </a:bodyPr>
+          <a:lstStyle/>
+          <a:p>
+            <a:pPr algn="ctr"/>
+            <a:r>
+              <a:rPr lang="en-CA" dirty="0"/>
+              <a:t>Topics &amp; Subscriptions</a:t>
+            </a:r>
+          </a:p>
+        </p:txBody>
+      </p:sp>
+      <p:sp>
+        <p:nvSpPr>
+          <p:cNvPr id="17" name="TextBox 16"/>
+          <p:cNvSpPr txBox="1"/>
+          <p:nvPr/>
+        </p:nvSpPr>
+        <p:spPr>
+          <a:xfrm>
+            <a:off x="6975361" y="4665813"/>
+            <a:ext cx="1176391" cy="369332"/>
+          </a:xfrm>
+          <a:prstGeom prst="rect">
+            <a:avLst/>
+          </a:prstGeom>
+          <a:noFill/>
+        </p:spPr>
+        <p:txBody>
+          <a:bodyPr wrap="square" rtlCol="0">
+            <a:spAutoFit/>
+          </a:bodyPr>
+          <a:lstStyle/>
+          <a:p>
+            <a:pPr algn="ctr"/>
+            <a:r>
+              <a:rPr lang="en-CA" dirty="0" err="1"/>
+              <a:t>EventHubs</a:t>
+            </a:r>
+            <a:endParaRPr lang="en-CA" dirty="0"/>
+          </a:p>
+        </p:txBody>
+      </p:sp>
+      <p:sp>
+        <p:nvSpPr>
+          <p:cNvPr id="19" name="TextBox 18"/>
+          <p:cNvSpPr txBox="1"/>
+          <p:nvPr/>
+        </p:nvSpPr>
+        <p:spPr>
+          <a:xfrm>
+            <a:off x="9447628" y="4665813"/>
+            <a:ext cx="1176391" cy="369332"/>
+          </a:xfrm>
+          <a:prstGeom prst="rect">
+            <a:avLst/>
+          </a:prstGeom>
+          <a:noFill/>
+        </p:spPr>
+        <p:txBody>
+          <a:bodyPr wrap="square" rtlCol="0">
+            <a:spAutoFit/>
+          </a:bodyPr>
+          <a:lstStyle/>
+          <a:p>
+            <a:pPr algn="ctr"/>
+            <a:r>
+              <a:rPr lang="en-CA" dirty="0"/>
+              <a:t>Relays</a:t>
+            </a:r>
+          </a:p>
+        </p:txBody>
+      </p:sp>
+    </p:spTree>
+    <p:extLst>
+      <p:ext uri="{BB962C8B-B14F-4D97-AF65-F5344CB8AC3E}">
+        <p14:creationId xmlns:p14="http://schemas.microsoft.com/office/powerpoint/2010/main" val="3222334169"/>
+      </p:ext>
+    </p:extLst>
+  </p:cSld>
+  <p:clrMapOvr>
+    <a:masterClrMapping/>
+  </p:clrMapOvr>
+  <p:timing>
+    <p:tnLst>
+      <p:par>
+        <p:cTn id="1" dur="indefinite" restart="never" nodeType="tmRoot">
+          <p:childTnLst>
+            <p:seq concurrent="1" nextAc="seek">
+              <p:cTn id="2" dur="indefinite" nodeType="mainSeq">
+                <p:childTnLst>
+                  <p:par>
+                    <p:cTn id="3" fill="hold">
+                      <p:stCondLst>
+                        <p:cond delay="indefinite"/>
+                      </p:stCondLst>
+                      <p:childTnLst>
+                        <p:par>
+                          <p:cTn id="4" fill="hold">
+                            <p:stCondLst>
+                              <p:cond delay="0"/>
+                            </p:stCondLst>
+                            <p:childTnLst>
+                              <p:par>
+                                <p:cTn id="5" presetID="1" presetClass="entr" presetSubtype="0" fill="hold" nodeType="clickEffect">
+                                  <p:stCondLst>
+                                    <p:cond delay="0"/>
+                                  </p:stCondLst>
+                                  <p:childTnLst>
+                                    <p:set>
+                                      <p:cBhvr>
+                                        <p:cTn id="6" dur="1" fill="hold">
+                                          <p:stCondLst>
+                                            <p:cond delay="0"/>
+                                          </p:stCondLst>
+                                        </p:cTn>
+                                        <p:tgtEl>
+                                          <p:spTgt spid="12"/>
+                                        </p:tgtEl>
+                                        <p:attrNameLst>
+                                          <p:attrName>style.visibility</p:attrName>
+                                        </p:attrNameLst>
+                                      </p:cBhvr>
+                                      <p:to>
+                                        <p:strVal val="visible"/>
+                                      </p:to>
+                                    </p:set>
+                                  </p:childTnLst>
+                                </p:cTn>
+                              </p:par>
+                            </p:childTnLst>
+                          </p:cTn>
+                        </p:par>
+                        <p:par>
+                          <p:cTn id="7" fill="hold">
+                            <p:stCondLst>
+                              <p:cond delay="0"/>
+                            </p:stCondLst>
+                            <p:childTnLst>
+                              <p:par>
+                                <p:cTn id="8" presetID="1" presetClass="entr" presetSubtype="0" fill="hold" nodeType="afterEffect">
+                                  <p:stCondLst>
+                                    <p:cond delay="0"/>
+                                  </p:stCondLst>
+                                  <p:childTnLst>
+                                    <p:set>
+                                      <p:cBhvr>
+                                        <p:cTn id="9" dur="1" fill="hold">
+                                          <p:stCondLst>
+                                            <p:cond delay="0"/>
+                                          </p:stCondLst>
+                                        </p:cTn>
+                                        <p:tgtEl>
+                                          <p:spTgt spid="7"/>
+                                        </p:tgtEl>
+                                        <p:attrNameLst>
+                                          <p:attrName>style.visibility</p:attrName>
+                                        </p:attrNameLst>
+                                      </p:cBhvr>
+                                      <p:to>
+                                        <p:strVal val="visible"/>
+                                      </p:to>
+                                    </p:set>
+                                  </p:childTnLst>
+                                </p:cTn>
+                              </p:par>
+                              <p:par>
+                                <p:cTn id="10" presetID="1" presetClass="entr" presetSubtype="0" fill="hold" grpId="0" nodeType="withEffect">
+                                  <p:stCondLst>
+                                    <p:cond delay="0"/>
+                                  </p:stCondLst>
+                                  <p:childTnLst>
+                                    <p:set>
+                                      <p:cBhvr>
+                                        <p:cTn id="11" dur="1" fill="hold">
+                                          <p:stCondLst>
+                                            <p:cond delay="0"/>
+                                          </p:stCondLst>
+                                        </p:cTn>
+                                        <p:tgtEl>
+                                          <p:spTgt spid="6"/>
+                                        </p:tgtEl>
+                                        <p:attrNameLst>
+                                          <p:attrName>style.visibility</p:attrName>
+                                        </p:attrNameLst>
+                                      </p:cBhvr>
+                                      <p:to>
+                                        <p:strVal val="visible"/>
+                                      </p:to>
+                                    </p:set>
+                                  </p:childTnLst>
+                                </p:cTn>
+                              </p:par>
+                            </p:childTnLst>
+                          </p:cTn>
+                        </p:par>
+                      </p:childTnLst>
+                    </p:cTn>
+                  </p:par>
+                  <p:par>
+                    <p:cTn id="12" fill="hold">
+                      <p:stCondLst>
+                        <p:cond delay="indefinite"/>
+                      </p:stCondLst>
+                      <p:childTnLst>
+                        <p:par>
+                          <p:cTn id="13" fill="hold">
+                            <p:stCondLst>
+                              <p:cond delay="0"/>
+                            </p:stCondLst>
+                            <p:childTnLst>
+                              <p:par>
+                                <p:cTn id="14" presetID="1" presetClass="entr" presetSubtype="0" fill="hold" nodeType="clickEffect">
+                                  <p:stCondLst>
+                                    <p:cond delay="0"/>
+                                  </p:stCondLst>
+                                  <p:childTnLst>
+                                    <p:set>
+                                      <p:cBhvr>
+                                        <p:cTn id="15" dur="1" fill="hold">
+                                          <p:stCondLst>
+                                            <p:cond delay="0"/>
+                                          </p:stCondLst>
+                                        </p:cTn>
+                                        <p:tgtEl>
+                                          <p:spTgt spid="16"/>
+                                        </p:tgtEl>
+                                        <p:attrNameLst>
+                                          <p:attrName>style.visibility</p:attrName>
+                                        </p:attrNameLst>
+                                      </p:cBhvr>
+                                      <p:to>
+                                        <p:strVal val="visible"/>
+                                      </p:to>
+                                    </p:set>
+                                  </p:childTnLst>
+                                </p:cTn>
+                              </p:par>
+                              <p:par>
+                                <p:cTn id="16" presetID="1" presetClass="entr" presetSubtype="0" fill="hold" nodeType="withEffect">
+                                  <p:stCondLst>
+                                    <p:cond delay="0"/>
+                                  </p:stCondLst>
+                                  <p:childTnLst>
+                                    <p:set>
+                                      <p:cBhvr>
+                                        <p:cTn id="17" dur="1" fill="hold">
+                                          <p:stCondLst>
+                                            <p:cond delay="0"/>
+                                          </p:stCondLst>
+                                        </p:cTn>
+                                        <p:tgtEl>
+                                          <p:spTgt spid="8"/>
+                                        </p:tgtEl>
+                                        <p:attrNameLst>
+                                          <p:attrName>style.visibility</p:attrName>
+                                        </p:attrNameLst>
+                                      </p:cBhvr>
+                                      <p:to>
+                                        <p:strVal val="visible"/>
+                                      </p:to>
+                                    </p:set>
+                                  </p:childTnLst>
+                                </p:cTn>
+                              </p:par>
+                              <p:par>
+                                <p:cTn id="18" presetID="1" presetClass="entr" presetSubtype="0" fill="hold" grpId="0" nodeType="withEffect">
+                                  <p:stCondLst>
+                                    <p:cond delay="0"/>
+                                  </p:stCondLst>
+                                  <p:childTnLst>
+                                    <p:set>
+                                      <p:cBhvr>
+                                        <p:cTn id="19" dur="1" fill="hold">
+                                          <p:stCondLst>
+                                            <p:cond delay="0"/>
+                                          </p:stCondLst>
+                                        </p:cTn>
+                                        <p:tgtEl>
+                                          <p:spTgt spid="15"/>
+                                        </p:tgtEl>
+                                        <p:attrNameLst>
+                                          <p:attrName>style.visibility</p:attrName>
+                                        </p:attrNameLst>
+                                      </p:cBhvr>
+                                      <p:to>
+                                        <p:strVal val="visible"/>
+                                      </p:to>
+                                    </p:set>
+                                  </p:childTnLst>
+                                </p:cTn>
+                              </p:par>
+                            </p:childTnLst>
+                          </p:cTn>
+                        </p:par>
+                      </p:childTnLst>
+                    </p:cTn>
+                  </p:par>
+                  <p:par>
+                    <p:cTn id="20" fill="hold">
+                      <p:stCondLst>
+                        <p:cond delay="indefinite"/>
+                      </p:stCondLst>
+                      <p:childTnLst>
+                        <p:par>
+                          <p:cTn id="21" fill="hold">
+                            <p:stCondLst>
+                              <p:cond delay="0"/>
+                            </p:stCondLst>
+                            <p:childTnLst>
+                              <p:par>
+                                <p:cTn id="22" presetID="1" presetClass="entr" presetSubtype="0" fill="hold" nodeType="clickEffect">
+                                  <p:stCondLst>
+                                    <p:cond delay="0"/>
+                                  </p:stCondLst>
+                                  <p:childTnLst>
+                                    <p:set>
+                                      <p:cBhvr>
+                                        <p:cTn id="23" dur="1" fill="hold">
+                                          <p:stCondLst>
+                                            <p:cond delay="0"/>
+                                          </p:stCondLst>
+                                        </p:cTn>
+                                        <p:tgtEl>
+                                          <p:spTgt spid="18"/>
+                                        </p:tgtEl>
+                                        <p:attrNameLst>
+                                          <p:attrName>style.visibility</p:attrName>
+                                        </p:attrNameLst>
+                                      </p:cBhvr>
+                                      <p:to>
+                                        <p:strVal val="visible"/>
+                                      </p:to>
+                                    </p:set>
+                                  </p:childTnLst>
+                                </p:cTn>
+                              </p:par>
+                            </p:childTnLst>
+                          </p:cTn>
+                        </p:par>
+                        <p:par>
+                          <p:cTn id="24" fill="hold">
+                            <p:stCondLst>
+                              <p:cond delay="0"/>
+                            </p:stCondLst>
+                            <p:childTnLst>
+                              <p:par>
+                                <p:cTn id="25" presetID="1" presetClass="entr" presetSubtype="0" fill="hold" nodeType="afterEffect">
+                                  <p:stCondLst>
+                                    <p:cond delay="0"/>
+                                  </p:stCondLst>
+                                  <p:childTnLst>
+                                    <p:set>
+                                      <p:cBhvr>
+                                        <p:cTn id="26" dur="1" fill="hold">
+                                          <p:stCondLst>
+                                            <p:cond delay="0"/>
+                                          </p:stCondLst>
+                                        </p:cTn>
+                                        <p:tgtEl>
+                                          <p:spTgt spid="5"/>
+                                        </p:tgtEl>
+                                        <p:attrNameLst>
+                                          <p:attrName>style.visibility</p:attrName>
+                                        </p:attrNameLst>
+                                      </p:cBhvr>
+                                      <p:to>
+                                        <p:strVal val="visible"/>
+                                      </p:to>
+                                    </p:set>
+                                  </p:childTnLst>
+                                </p:cTn>
+                              </p:par>
+                              <p:par>
+                                <p:cTn id="27" presetID="1" presetClass="entr" presetSubtype="0" fill="hold" grpId="0" nodeType="withEffect">
+                                  <p:stCondLst>
+                                    <p:cond delay="0"/>
+                                  </p:stCondLst>
+                                  <p:childTnLst>
+                                    <p:set>
+                                      <p:cBhvr>
+                                        <p:cTn id="28" dur="1" fill="hold">
+                                          <p:stCondLst>
+                                            <p:cond delay="0"/>
+                                          </p:stCondLst>
+                                        </p:cTn>
+                                        <p:tgtEl>
+                                          <p:spTgt spid="17"/>
+                                        </p:tgtEl>
+                                        <p:attrNameLst>
+                                          <p:attrName>style.visibility</p:attrName>
+                                        </p:attrNameLst>
+                                      </p:cBhvr>
+                                      <p:to>
+                                        <p:strVal val="visible"/>
+                                      </p:to>
+                                    </p:set>
+                                  </p:childTnLst>
+                                </p:cTn>
+                              </p:par>
+                            </p:childTnLst>
+                          </p:cTn>
+                        </p:par>
+                      </p:childTnLst>
+                    </p:cTn>
+                  </p:par>
+                  <p:par>
+                    <p:cTn id="29" fill="hold">
+                      <p:stCondLst>
+                        <p:cond delay="indefinite"/>
+                      </p:stCondLst>
+                      <p:childTnLst>
+                        <p:par>
+                          <p:cTn id="30" fill="hold">
+                            <p:stCondLst>
+                              <p:cond delay="0"/>
+                            </p:stCondLst>
+                            <p:childTnLst>
+                              <p:par>
+                                <p:cTn id="31" presetID="1" presetClass="entr" presetSubtype="0" fill="hold" nodeType="clickEffect">
+                                  <p:stCondLst>
+                                    <p:cond delay="0"/>
+                                  </p:stCondLst>
+                                  <p:childTnLst>
+                                    <p:set>
+                                      <p:cBhvr>
+                                        <p:cTn id="32" dur="1" fill="hold">
+                                          <p:stCondLst>
+                                            <p:cond delay="0"/>
+                                          </p:stCondLst>
+                                        </p:cTn>
+                                        <p:tgtEl>
+                                          <p:spTgt spid="14"/>
+                                        </p:tgtEl>
+                                        <p:attrNameLst>
+                                          <p:attrName>style.visibility</p:attrName>
+                                        </p:attrNameLst>
+                                      </p:cBhvr>
+                                      <p:to>
+                                        <p:strVal val="visible"/>
+                                      </p:to>
+                                    </p:set>
+                                  </p:childTnLst>
+                                </p:cTn>
+                              </p:par>
+                            </p:childTnLst>
+                          </p:cTn>
+                        </p:par>
+                        <p:par>
+                          <p:cTn id="33" fill="hold">
+                            <p:stCondLst>
+                              <p:cond delay="0"/>
+                            </p:stCondLst>
+                            <p:childTnLst>
+                              <p:par>
+                                <p:cTn id="34" presetID="1" presetClass="entr" presetSubtype="0" fill="hold" nodeType="afterEffect">
+                                  <p:stCondLst>
+                                    <p:cond delay="0"/>
+                                  </p:stCondLst>
+                                  <p:childTnLst>
+                                    <p:set>
+                                      <p:cBhvr>
+                                        <p:cTn id="35" dur="1" fill="hold">
+                                          <p:stCondLst>
+                                            <p:cond delay="0"/>
+                                          </p:stCondLst>
+                                        </p:cTn>
+                                        <p:tgtEl>
+                                          <p:spTgt spid="9"/>
+                                        </p:tgtEl>
+                                        <p:attrNameLst>
+                                          <p:attrName>style.visibility</p:attrName>
+                                        </p:attrNameLst>
+                                      </p:cBhvr>
+                                      <p:to>
+                                        <p:strVal val="visible"/>
+                                      </p:to>
+                                    </p:set>
+                                  </p:childTnLst>
+                                </p:cTn>
+                              </p:par>
+                              <p:par>
+                                <p:cTn id="36" presetID="1" presetClass="entr" presetSubtype="0" fill="hold" grpId="0" nodeType="withEffect">
+                                  <p:stCondLst>
+                                    <p:cond delay="0"/>
+                                  </p:stCondLst>
+                                  <p:childTnLst>
+                                    <p:set>
+                                      <p:cBhvr>
+                                        <p:cTn id="37" dur="1" fill="hold">
+                                          <p:stCondLst>
+                                            <p:cond delay="0"/>
+                                          </p:stCondLst>
+                                        </p:cTn>
+                                        <p:tgtEl>
+                                          <p:spTgt spid="19"/>
+                                        </p:tgtEl>
+                                        <p:attrNameLst>
+                                          <p:attrName>style.visibility</p:attrName>
+                                        </p:attrNameLst>
+                                      </p:cBhvr>
+                                      <p:to>
+                                        <p:strVal val="visible"/>
+                                      </p:to>
+                                    </p:set>
+                                  </p:childTnLst>
+                                </p:cTn>
+                              </p:par>
+                            </p:childTnLst>
+                          </p:cTn>
+                        </p:par>
+                      </p:childTnLst>
+                    </p:cTn>
+                  </p:par>
+                </p:childTnLst>
+              </p:cTn>
+              <p:prevCondLst>
+                <p:cond evt="onPrev" delay="0">
+                  <p:tgtEl>
+                    <p:sldTgt/>
+                  </p:tgtEl>
+                </p:cond>
+              </p:prevCondLst>
+              <p:nextCondLst>
+                <p:cond evt="onNext" delay="0">
+                  <p:tgtEl>
+                    <p:sldTgt/>
+                  </p:tgtEl>
+                </p:cond>
+              </p:nextCondLst>
+            </p:seq>
+          </p:childTnLst>
+        </p:cTn>
+      </p:par>
+    </p:tnLst>
+    <p:bldLst>
+      <p:bldP spid="6" grpId="0"/>
+      <p:bldP spid="15" grpId="0"/>
+      <p:bldP spid="17" grpId="0"/>
+      <p:bldP spid="19" grpId="0"/>
+    </p:bldLst>
+  </p:timing>
 </p:sld>
 </file>
 

--- a/Azure Service Bus Calgary .NET usergroup 2016-03-24.pptx
+++ b/Azure Service Bus Calgary .NET usergroup 2016-03-24.pptx
@@ -12577,7 +12577,7 @@
               <a:pPr algn="ctr"/>
               <a:r>
                 <a:rPr lang="en-CA" sz="2000" b="1" dirty="0">
-                  <a:hlinkClick r:id="rId4" action="ppaction://program"/>
+                  <a:hlinkClick r:id="rId2" action="ppaction://program"/>
                 </a:rPr>
                 <a:t>Demo</a:t>
               </a:r>
@@ -17514,7 +17514,7 @@
         </p:nvSpPr>
         <p:spPr>
           <a:xfrm>
-            <a:off x="1818231" y="1950367"/>
+            <a:off x="1818231" y="1678106"/>
             <a:ext cx="1596236" cy="375274"/>
           </a:xfrm>
           <a:prstGeom prst="rect">
@@ -17559,7 +17559,7 @@
         </p:nvSpPr>
         <p:spPr>
           <a:xfrm>
-            <a:off x="2780200" y="2580458"/>
+            <a:off x="2780200" y="2308197"/>
             <a:ext cx="2214644" cy="369332"/>
           </a:xfrm>
           <a:prstGeom prst="rect">
@@ -17599,7 +17599,7 @@
         </p:nvSpPr>
         <p:spPr>
           <a:xfrm>
-            <a:off x="4122730" y="3204607"/>
+            <a:off x="4122730" y="2932346"/>
             <a:ext cx="872114" cy="369332"/>
           </a:xfrm>
           <a:prstGeom prst="rect">
@@ -17639,7 +17639,7 @@
         </p:nvSpPr>
         <p:spPr>
           <a:xfrm>
-            <a:off x="4994845" y="3865754"/>
+            <a:off x="4994845" y="3593493"/>
             <a:ext cx="1569806" cy="369332"/>
           </a:xfrm>
           <a:prstGeom prst="rect">
@@ -17680,7 +17680,7 @@
         </p:nvSpPr>
         <p:spPr>
           <a:xfrm>
-            <a:off x="4994844" y="4770040"/>
+            <a:off x="4994844" y="5432724"/>
             <a:ext cx="1569807" cy="369332"/>
           </a:xfrm>
           <a:prstGeom prst="rect">
@@ -17717,15 +17717,14 @@
         <p:nvCxnSpPr>
           <p:cNvPr id="12" name="Elbow Connector 11"/>
           <p:cNvCxnSpPr>
-            <a:stCxn id="5" idx="2"/>
-            <a:endCxn id="6" idx="1"/>
+            <a:endCxn id="9" idx="1"/>
           </p:cNvCxnSpPr>
           <p:nvPr/>
         </p:nvCxnSpPr>
         <p:spPr>
           <a:xfrm rot="16200000" flipH="1">
-            <a:off x="2478533" y="2463456"/>
-            <a:ext cx="439483" cy="163851"/>
+            <a:off x="4550468" y="3333781"/>
+            <a:ext cx="476481" cy="412273"/>
           </a:xfrm>
           <a:prstGeom prst="bentConnector2">
             <a:avLst/>
@@ -17762,7 +17761,7 @@
         </p:nvCxnSpPr>
         <p:spPr>
           <a:xfrm rot="10800000">
-            <a:off x="3887522" y="2949791"/>
+            <a:off x="3887522" y="2677530"/>
             <a:ext cx="235208" cy="439483"/>
           </a:xfrm>
           <a:prstGeom prst="bentConnector2">
@@ -17789,97 +17788,6 @@
           </a:fontRef>
         </p:style>
       </p:cxnSp>
-      <p:grpSp>
-        <p:nvGrpSpPr>
-          <p:cNvPr id="22" name="Group 21"/>
-          <p:cNvGrpSpPr/>
-          <p:nvPr/>
-        </p:nvGrpSpPr>
-        <p:grpSpPr>
-          <a:xfrm>
-            <a:off x="4558787" y="3573940"/>
-            <a:ext cx="436058" cy="1380767"/>
-            <a:chOff x="4902350" y="3954502"/>
-            <a:chExt cx="436058" cy="1380767"/>
-          </a:xfrm>
-        </p:grpSpPr>
-        <p:cxnSp>
-          <p:nvCxnSpPr>
-            <p:cNvPr id="16" name="Elbow Connector 15"/>
-            <p:cNvCxnSpPr>
-              <a:stCxn id="10" idx="1"/>
-              <a:endCxn id="8" idx="2"/>
-            </p:cNvCxnSpPr>
-            <p:nvPr/>
-          </p:nvCxnSpPr>
-          <p:spPr>
-            <a:xfrm rot="10800000">
-              <a:off x="4902351" y="3954502"/>
-              <a:ext cx="436057" cy="1380767"/>
-            </a:xfrm>
-            <a:prstGeom prst="bentConnector2">
-              <a:avLst/>
-            </a:prstGeom>
-            <a:ln w="19050">
-              <a:solidFill>
-                <a:schemeClr val="tx1"/>
-              </a:solidFill>
-            </a:ln>
-          </p:spPr>
-          <p:style>
-            <a:lnRef idx="1">
-              <a:schemeClr val="accent1"/>
-            </a:lnRef>
-            <a:fillRef idx="0">
-              <a:schemeClr val="accent1"/>
-            </a:fillRef>
-            <a:effectRef idx="0">
-              <a:schemeClr val="accent1"/>
-            </a:effectRef>
-            <a:fontRef idx="minor">
-              <a:schemeClr val="tx1"/>
-            </a:fontRef>
-          </p:style>
-        </p:cxnSp>
-        <p:cxnSp>
-          <p:nvCxnSpPr>
-            <p:cNvPr id="19" name="Elbow Connector 18"/>
-            <p:cNvCxnSpPr>
-              <a:stCxn id="9" idx="1"/>
-              <a:endCxn id="8" idx="2"/>
-            </p:cNvCxnSpPr>
-            <p:nvPr/>
-          </p:nvCxnSpPr>
-          <p:spPr>
-            <a:xfrm rot="10800000">
-              <a:off x="4902350" y="3954502"/>
-              <a:ext cx="436058" cy="476481"/>
-            </a:xfrm>
-            <a:prstGeom prst="bentConnector2">
-              <a:avLst/>
-            </a:prstGeom>
-            <a:ln w="19050">
-              <a:solidFill>
-                <a:schemeClr val="tx1"/>
-              </a:solidFill>
-            </a:ln>
-          </p:spPr>
-          <p:style>
-            <a:lnRef idx="1">
-              <a:schemeClr val="accent1"/>
-            </a:lnRef>
-            <a:fillRef idx="0">
-              <a:schemeClr val="accent1"/>
-            </a:fillRef>
-            <a:effectRef idx="0">
-              <a:schemeClr val="accent1"/>
-            </a:effectRef>
-            <a:fontRef idx="minor">
-              <a:schemeClr val="tx1"/>
-            </a:fontRef>
-          </p:style>
-        </p:cxnSp>
-      </p:grpSp>
       <p:sp>
         <p:nvSpPr>
           <p:cNvPr id="26" name="TextBox 25"/>
@@ -17888,7 +17796,7 @@
         </p:nvSpPr>
         <p:spPr>
           <a:xfrm>
-            <a:off x="6776071" y="3681088"/>
+            <a:off x="6776071" y="3408827"/>
             <a:ext cx="782262" cy="369332"/>
           </a:xfrm>
           <a:prstGeom prst="rect">
@@ -17928,7 +17836,7 @@
         </p:nvSpPr>
         <p:spPr>
           <a:xfrm>
-            <a:off x="6776071" y="4103995"/>
+            <a:off x="6776071" y="3831734"/>
             <a:ext cx="782262" cy="369332"/>
           </a:xfrm>
           <a:prstGeom prst="rect">
@@ -17968,7 +17876,7 @@
         </p:nvSpPr>
         <p:spPr>
           <a:xfrm>
-            <a:off x="6776071" y="4595488"/>
+            <a:off x="6776071" y="5258172"/>
             <a:ext cx="782262" cy="369332"/>
           </a:xfrm>
           <a:prstGeom prst="rect">
@@ -18008,7 +17916,7 @@
         </p:nvSpPr>
         <p:spPr>
           <a:xfrm>
-            <a:off x="6776071" y="5018395"/>
+            <a:off x="6776071" y="5681079"/>
             <a:ext cx="782262" cy="369332"/>
           </a:xfrm>
           <a:prstGeom prst="rect">
@@ -18048,9 +17956,9 @@
         </p:nvGrpSpPr>
         <p:grpSpPr>
           <a:xfrm>
-            <a:off x="6564651" y="3865754"/>
+            <a:off x="6564651" y="3588356"/>
             <a:ext cx="211420" cy="422908"/>
-            <a:chOff x="6908214" y="4246316"/>
+            <a:chOff x="6908214" y="4241179"/>
             <a:chExt cx="211420" cy="422908"/>
           </a:xfrm>
         </p:grpSpPr>
@@ -18065,7 +17973,7 @@
           </p:nvCxnSpPr>
           <p:spPr>
             <a:xfrm rot="10800000" flipV="1">
-              <a:off x="6908214" y="4246316"/>
+              <a:off x="6908214" y="4241179"/>
               <a:ext cx="211420" cy="184666"/>
             </a:xfrm>
             <a:prstGeom prst="bentConnector3">
@@ -18105,7 +18013,7 @@
           </p:nvCxnSpPr>
           <p:spPr>
             <a:xfrm rot="10800000">
-              <a:off x="6908214" y="4430983"/>
+              <a:off x="6908214" y="4425846"/>
               <a:ext cx="211420" cy="238241"/>
             </a:xfrm>
             <a:prstGeom prst="bentConnector3">
@@ -18143,7 +18051,7 @@
         </p:nvGrpSpPr>
         <p:grpSpPr>
           <a:xfrm>
-            <a:off x="6564650" y="4753366"/>
+            <a:off x="6564650" y="5416050"/>
             <a:ext cx="211421" cy="422908"/>
             <a:chOff x="6908214" y="4246316"/>
             <a:chExt cx="211421" cy="422908"/>
@@ -18232,7 +18140,7 @@
         </p:nvSpPr>
         <p:spPr>
           <a:xfrm>
-            <a:off x="8018176" y="2622743"/>
+            <a:off x="8018176" y="2350482"/>
             <a:ext cx="3192471" cy="951196"/>
           </a:xfrm>
           <a:prstGeom prst="wedgeRoundRectCallout">
@@ -18281,13 +18189,13 @@
         </p:nvSpPr>
         <p:spPr>
           <a:xfrm>
-            <a:off x="8018176" y="4656565"/>
+            <a:off x="8018176" y="4727177"/>
             <a:ext cx="3192471" cy="688873"/>
           </a:xfrm>
           <a:prstGeom prst="wedgeRoundRectCallout">
             <a:avLst>
-              <a:gd name="adj1" fmla="val -63713"/>
-              <a:gd name="adj2" fmla="val -25214"/>
+              <a:gd name="adj1" fmla="val -62587"/>
+              <a:gd name="adj2" fmla="val 57561"/>
               <a:gd name="adj3" fmla="val 16667"/>
             </a:avLst>
           </a:prstGeom>
@@ -18334,7 +18242,7 @@
         </p:nvSpPr>
         <p:spPr>
           <a:xfrm>
-            <a:off x="8018176" y="3938637"/>
+            <a:off x="8018176" y="3666376"/>
             <a:ext cx="3192471" cy="529173"/>
           </a:xfrm>
           <a:prstGeom prst="wedgeRoundRectCallout">
@@ -18379,13 +18287,13 @@
         </p:nvSpPr>
         <p:spPr>
           <a:xfrm>
-            <a:off x="8018176" y="5661724"/>
+            <a:off x="8018176" y="5873052"/>
             <a:ext cx="3192471" cy="529173"/>
           </a:xfrm>
           <a:prstGeom prst="wedgeRoundRectCallout">
             <a:avLst>
-              <a:gd name="adj1" fmla="val -64874"/>
-              <a:gd name="adj2" fmla="val -120973"/>
+              <a:gd name="adj1" fmla="val -62943"/>
+              <a:gd name="adj2" fmla="val -57873"/>
               <a:gd name="adj3" fmla="val 16667"/>
             </a:avLst>
           </a:prstGeom>
@@ -18490,6 +18398,287 @@
           </p:txBody>
         </p:sp>
       </p:grpSp>
+      <p:sp>
+        <p:nvSpPr>
+          <p:cNvPr id="42" name="TextBox 41"/>
+          <p:cNvSpPr txBox="1"/>
+          <p:nvPr/>
+        </p:nvSpPr>
+        <p:spPr>
+          <a:xfrm>
+            <a:off x="2780200" y="4193270"/>
+            <a:ext cx="2214644" cy="369332"/>
+          </a:xfrm>
+          <a:prstGeom prst="rect">
+            <a:avLst/>
+          </a:prstGeom>
+          <a:solidFill>
+            <a:schemeClr val="accent1">
+              <a:lumMod val="20000"/>
+              <a:lumOff val="80000"/>
+            </a:schemeClr>
+          </a:solidFill>
+          <a:ln>
+            <a:solidFill>
+              <a:schemeClr val="tx1"/>
+            </a:solidFill>
+            <a:prstDash val="solid"/>
+          </a:ln>
+        </p:spPr>
+        <p:txBody>
+          <a:bodyPr wrap="square" rtlCol="0">
+            <a:spAutoFit/>
+          </a:bodyPr>
+          <a:lstStyle/>
+          <a:p>
+            <a:r>
+              <a:rPr lang="en-CA" dirty="0"/>
+              <a:t>Subscription: mysub1</a:t>
+            </a:r>
+          </a:p>
+        </p:txBody>
+      </p:sp>
+      <p:sp>
+        <p:nvSpPr>
+          <p:cNvPr id="46" name="TextBox 45"/>
+          <p:cNvSpPr txBox="1"/>
+          <p:nvPr/>
+        </p:nvSpPr>
+        <p:spPr>
+          <a:xfrm>
+            <a:off x="4122730" y="4817419"/>
+            <a:ext cx="872114" cy="369332"/>
+          </a:xfrm>
+          <a:prstGeom prst="rect">
+            <a:avLst/>
+          </a:prstGeom>
+          <a:solidFill>
+            <a:schemeClr val="accent1">
+              <a:lumMod val="20000"/>
+              <a:lumOff val="80000"/>
+            </a:schemeClr>
+          </a:solidFill>
+          <a:ln>
+            <a:solidFill>
+              <a:schemeClr val="tx1"/>
+            </a:solidFill>
+            <a:prstDash val="solid"/>
+          </a:ln>
+        </p:spPr>
+        <p:txBody>
+          <a:bodyPr wrap="square" rtlCol="0">
+            <a:spAutoFit/>
+          </a:bodyPr>
+          <a:lstStyle/>
+          <a:p>
+            <a:r>
+              <a:rPr lang="en-CA" dirty="0"/>
+              <a:t>Rules</a:t>
+            </a:r>
+          </a:p>
+        </p:txBody>
+      </p:sp>
+      <p:cxnSp>
+        <p:nvCxnSpPr>
+          <p:cNvPr id="47" name="Elbow Connector 46"/>
+          <p:cNvCxnSpPr/>
+          <p:nvPr/>
+        </p:nvCxnSpPr>
+        <p:spPr>
+          <a:xfrm rot="16200000" flipH="1">
+            <a:off x="4550468" y="5218854"/>
+            <a:ext cx="476481" cy="412273"/>
+          </a:xfrm>
+          <a:prstGeom prst="bentConnector2">
+            <a:avLst/>
+          </a:prstGeom>
+          <a:ln w="19050">
+            <a:solidFill>
+              <a:schemeClr val="tx1"/>
+            </a:solidFill>
+          </a:ln>
+        </p:spPr>
+        <p:style>
+          <a:lnRef idx="1">
+            <a:schemeClr val="accent1"/>
+          </a:lnRef>
+          <a:fillRef idx="0">
+            <a:schemeClr val="accent1"/>
+          </a:fillRef>
+          <a:effectRef idx="0">
+            <a:schemeClr val="accent1"/>
+          </a:effectRef>
+          <a:fontRef idx="minor">
+            <a:schemeClr val="tx1"/>
+          </a:fontRef>
+        </p:style>
+      </p:cxnSp>
+      <p:cxnSp>
+        <p:nvCxnSpPr>
+          <p:cNvPr id="48" name="Elbow Connector 47"/>
+          <p:cNvCxnSpPr>
+            <a:stCxn id="46" idx="1"/>
+            <a:endCxn id="42" idx="2"/>
+          </p:cNvCxnSpPr>
+          <p:nvPr/>
+        </p:nvCxnSpPr>
+        <p:spPr>
+          <a:xfrm rot="10800000">
+            <a:off x="3887522" y="4562603"/>
+            <a:ext cx="235208" cy="439483"/>
+          </a:xfrm>
+          <a:prstGeom prst="bentConnector2">
+            <a:avLst/>
+          </a:prstGeom>
+          <a:ln w="19050">
+            <a:solidFill>
+              <a:schemeClr val="tx1"/>
+            </a:solidFill>
+          </a:ln>
+        </p:spPr>
+        <p:style>
+          <a:lnRef idx="1">
+            <a:schemeClr val="accent1"/>
+          </a:lnRef>
+          <a:fillRef idx="0">
+            <a:schemeClr val="accent1"/>
+          </a:fillRef>
+          <a:effectRef idx="0">
+            <a:schemeClr val="accent1"/>
+          </a:effectRef>
+          <a:fontRef idx="minor">
+            <a:schemeClr val="tx1"/>
+          </a:fontRef>
+        </p:style>
+      </p:cxnSp>
+      <p:grpSp>
+        <p:nvGrpSpPr>
+          <p:cNvPr id="52" name="Group 51"/>
+          <p:cNvGrpSpPr/>
+          <p:nvPr/>
+        </p:nvGrpSpPr>
+        <p:grpSpPr>
+          <a:xfrm>
+            <a:off x="2234473" y="2052682"/>
+            <a:ext cx="545727" cy="2335529"/>
+            <a:chOff x="2234473" y="2042408"/>
+            <a:chExt cx="545727" cy="2335529"/>
+          </a:xfrm>
+        </p:grpSpPr>
+        <p:cxnSp>
+          <p:nvCxnSpPr>
+            <p:cNvPr id="16" name="Elbow Connector 15"/>
+            <p:cNvCxnSpPr>
+              <a:stCxn id="42" idx="1"/>
+            </p:cNvCxnSpPr>
+            <p:nvPr/>
+          </p:nvCxnSpPr>
+          <p:spPr>
+            <a:xfrm rot="10800000">
+              <a:off x="2234474" y="2350624"/>
+              <a:ext cx="545726" cy="2027312"/>
+            </a:xfrm>
+            <a:prstGeom prst="bentConnector2">
+              <a:avLst/>
+            </a:prstGeom>
+            <a:ln w="19050">
+              <a:solidFill>
+                <a:schemeClr val="tx1"/>
+              </a:solidFill>
+            </a:ln>
+          </p:spPr>
+          <p:style>
+            <a:lnRef idx="1">
+              <a:schemeClr val="accent1"/>
+            </a:lnRef>
+            <a:fillRef idx="0">
+              <a:schemeClr val="accent1"/>
+            </a:fillRef>
+            <a:effectRef idx="0">
+              <a:schemeClr val="accent1"/>
+            </a:effectRef>
+            <a:fontRef idx="minor">
+              <a:schemeClr val="tx1"/>
+            </a:fontRef>
+          </p:style>
+        </p:cxnSp>
+        <p:cxnSp>
+          <p:nvCxnSpPr>
+            <p:cNvPr id="19" name="Elbow Connector 18"/>
+            <p:cNvCxnSpPr>
+              <a:stCxn id="42" idx="1"/>
+            </p:cNvCxnSpPr>
+            <p:nvPr/>
+          </p:nvCxnSpPr>
+          <p:spPr>
+            <a:xfrm rot="10800000">
+              <a:off x="2237112" y="2042408"/>
+              <a:ext cx="543088" cy="2335529"/>
+            </a:xfrm>
+            <a:prstGeom prst="bentConnector2">
+              <a:avLst/>
+            </a:prstGeom>
+            <a:ln w="19050">
+              <a:solidFill>
+                <a:schemeClr val="tx1"/>
+              </a:solidFill>
+            </a:ln>
+          </p:spPr>
+          <p:style>
+            <a:lnRef idx="1">
+              <a:schemeClr val="accent1"/>
+            </a:lnRef>
+            <a:fillRef idx="0">
+              <a:schemeClr val="accent1"/>
+            </a:fillRef>
+            <a:effectRef idx="0">
+              <a:schemeClr val="accent1"/>
+            </a:effectRef>
+            <a:fontRef idx="minor">
+              <a:schemeClr val="tx1"/>
+            </a:fontRef>
+          </p:style>
+        </p:cxnSp>
+        <p:cxnSp>
+          <p:nvCxnSpPr>
+            <p:cNvPr id="53" name="Elbow Connector 52"/>
+            <p:cNvCxnSpPr>
+              <a:endCxn id="6" idx="1"/>
+            </p:cNvCxnSpPr>
+            <p:nvPr/>
+          </p:nvCxnSpPr>
+          <p:spPr>
+            <a:xfrm>
+              <a:off x="2234473" y="2069956"/>
+              <a:ext cx="545727" cy="422907"/>
+            </a:xfrm>
+            <a:prstGeom prst="bentConnector3">
+              <a:avLst>
+                <a:gd name="adj1" fmla="val 110"/>
+              </a:avLst>
+            </a:prstGeom>
+            <a:ln w="19050">
+              <a:solidFill>
+                <a:schemeClr val="tx1"/>
+              </a:solidFill>
+            </a:ln>
+          </p:spPr>
+          <p:style>
+            <a:lnRef idx="1">
+              <a:schemeClr val="accent1"/>
+            </a:lnRef>
+            <a:fillRef idx="0">
+              <a:schemeClr val="accent1"/>
+            </a:fillRef>
+            <a:effectRef idx="0">
+              <a:schemeClr val="accent1"/>
+            </a:effectRef>
+            <a:fontRef idx="minor">
+              <a:schemeClr val="tx1"/>
+            </a:fontRef>
+          </p:style>
+        </p:cxnSp>
+      </p:grpSp>
     </p:spTree>
     <p:extLst>
       <p:ext uri="{BB962C8B-B14F-4D97-AF65-F5344CB8AC3E}">
@@ -18579,7 +18768,7 @@
                                           </p:stCondLst>
                                         </p:cTn>
                                         <p:tgtEl>
-                                          <p:spTgt spid="12"/>
+                                          <p:spTgt spid="52"/>
                                         </p:tgtEl>
                                         <p:attrNameLst>
                                           <p:attrName>style.visibility</p:attrName>
@@ -18595,21 +18784,30 @@
                             </p:childTnLst>
                           </p:cTn>
                         </p:par>
+                      </p:childTnLst>
+                    </p:cTn>
+                  </p:par>
+                  <p:par>
+                    <p:cTn id="11" fill="hold">
+                      <p:stCondLst>
+                        <p:cond delay="indefinite"/>
+                      </p:stCondLst>
+                      <p:childTnLst>
                         <p:par>
-                          <p:cTn id="11" fill="hold">
+                          <p:cTn id="12" fill="hold">
                             <p:stCondLst>
                               <p:cond delay="0"/>
                             </p:stCondLst>
                             <p:childTnLst>
                               <p:par>
-                                <p:cTn id="12" presetID="1" presetClass="entr" presetSubtype="0" fill="hold" grpId="0" nodeType="afterEffect">
+                                <p:cTn id="13" presetID="1" presetClass="entr" presetSubtype="0" fill="hold" grpId="0" nodeType="clickEffect">
                                   <p:stCondLst>
                                     <p:cond delay="0"/>
                                   </p:stCondLst>
                                   <p:childTnLst>
                                     <p:set>
                                       <p:cBhvr>
-                                        <p:cTn id="13" dur="1" fill="hold">
+                                        <p:cTn id="14" dur="1" fill="hold">
                                           <p:stCondLst>
                                             <p:cond delay="0"/>
                                           </p:stCondLst>
@@ -18635,26 +18833,26 @@
                     </p:cTn>
                   </p:par>
                   <p:par>
-                    <p:cTn id="14" fill="hold">
+                    <p:cTn id="15" fill="hold">
                       <p:stCondLst>
                         <p:cond delay="indefinite"/>
                       </p:stCondLst>
                       <p:childTnLst>
                         <p:par>
-                          <p:cTn id="15" fill="hold">
+                          <p:cTn id="16" fill="hold">
                             <p:stCondLst>
                               <p:cond delay="0"/>
                             </p:stCondLst>
                             <p:childTnLst>
                               <p:par>
-                                <p:cTn id="16" presetID="1" presetClass="entr" presetSubtype="0" fill="hold" nodeType="clickEffect">
+                                <p:cTn id="17" presetID="1" presetClass="entr" presetSubtype="0" fill="hold" nodeType="clickEffect">
                                   <p:stCondLst>
                                     <p:cond delay="0"/>
                                   </p:stCondLst>
                                   <p:childTnLst>
                                     <p:set>
                                       <p:cBhvr>
-                                        <p:cTn id="17" dur="1" fill="hold">
+                                        <p:cTn id="18" dur="1" fill="hold">
                                           <p:stCondLst>
                                             <p:cond delay="0"/>
                                           </p:stCondLst>
@@ -18673,15 +18871,33 @@
                                   </p:childTnLst>
                                 </p:cTn>
                               </p:par>
+                            </p:childTnLst>
+                          </p:cTn>
+                        </p:par>
+                      </p:childTnLst>
+                    </p:cTn>
+                  </p:par>
+                  <p:par>
+                    <p:cTn id="19" fill="hold">
+                      <p:stCondLst>
+                        <p:cond delay="indefinite"/>
+                      </p:stCondLst>
+                      <p:childTnLst>
+                        <p:par>
+                          <p:cTn id="20" fill="hold">
+                            <p:stCondLst>
+                              <p:cond delay="0"/>
+                            </p:stCondLst>
+                            <p:childTnLst>
                               <p:par>
-                                <p:cTn id="18" presetID="1" presetClass="entr" presetSubtype="0" fill="hold" grpId="0" nodeType="withEffect">
+                                <p:cTn id="21" presetID="1" presetClass="entr" presetSubtype="0" fill="hold" grpId="0" nodeType="clickEffect">
                                   <p:stCondLst>
                                     <p:cond delay="0"/>
                                   </p:stCondLst>
                                   <p:childTnLst>
                                     <p:set>
                                       <p:cBhvr>
-                                        <p:cTn id="19" dur="1" fill="hold">
+                                        <p:cTn id="22" dur="1" fill="hold">
                                           <p:stCondLst>
                                             <p:cond delay="0"/>
                                           </p:stCondLst>
@@ -18707,86 +18923,32 @@
                     </p:cTn>
                   </p:par>
                   <p:par>
-                    <p:cTn id="20" fill="hold">
+                    <p:cTn id="23" fill="hold">
                       <p:stCondLst>
                         <p:cond delay="indefinite"/>
                       </p:stCondLst>
                       <p:childTnLst>
                         <p:par>
-                          <p:cTn id="21" fill="hold">
+                          <p:cTn id="24" fill="hold">
                             <p:stCondLst>
                               <p:cond delay="0"/>
                             </p:stCondLst>
                             <p:childTnLst>
                               <p:par>
-                                <p:cTn id="22" presetID="1" presetClass="entr" presetSubtype="0" fill="hold" nodeType="clickEffect">
+                                <p:cTn id="25" presetID="1" presetClass="entr" presetSubtype="0" fill="hold" nodeType="clickEffect">
                                   <p:stCondLst>
                                     <p:cond delay="0"/>
                                   </p:stCondLst>
                                   <p:childTnLst>
                                     <p:set>
                                       <p:cBhvr>
-                                        <p:cTn id="23" dur="1" fill="hold">
+                                        <p:cTn id="26" dur="1" fill="hold">
                                           <p:stCondLst>
                                             <p:cond delay="0"/>
                                           </p:stCondLst>
                                         </p:cTn>
                                         <p:tgtEl>
-                                          <p:spTgt spid="22"/>
-                                        </p:tgtEl>
-                                        <p:attrNameLst>
-                                          <p:attrName>style.visibility</p:attrName>
-                                        </p:attrNameLst>
-                                      </p:cBhvr>
-                                      <p:to>
-                                        <p:strVal val="visible"/>
-                                      </p:to>
-                                    </p:set>
-                                  </p:childTnLst>
-                                </p:cTn>
-                              </p:par>
-                              <p:par>
-                                <p:cTn id="24" presetID="1" presetClass="entr" presetSubtype="0" fill="hold" grpId="0" nodeType="withEffect">
-                                  <p:stCondLst>
-                                    <p:cond delay="0"/>
-                                  </p:stCondLst>
-                                  <p:childTnLst>
-                                    <p:set>
-                                      <p:cBhvr>
-                                        <p:cTn id="25" dur="1" fill="hold">
-                                          <p:stCondLst>
-                                            <p:cond delay="0"/>
-                                          </p:stCondLst>
-                                        </p:cTn>
-                                        <p:tgtEl>
-                                          <p:spTgt spid="9"/>
-                                        </p:tgtEl>
-                                        <p:attrNameLst>
-                                          <p:attrName>style.visibility</p:attrName>
-                                        </p:attrNameLst>
-                                      </p:cBhvr>
-                                      <p:to>
-                                        <p:strVal val="visible"/>
-                                      </p:to>
-                                    </p:set>
-                                  </p:childTnLst>
-                                </p:cTn>
-                              </p:par>
-                              <p:par>
-                                <p:cTn id="26" presetID="1" presetClass="entr" presetSubtype="0" fill="hold" grpId="0" nodeType="withEffect">
-                                  <p:stCondLst>
-                                    <p:cond delay="0"/>
-                                  </p:stCondLst>
-                                  <p:childTnLst>
-                                    <p:set>
-                                      <p:cBhvr>
-                                        <p:cTn id="27" dur="1" fill="hold">
-                                          <p:stCondLst>
-                                            <p:cond delay="0"/>
-                                          </p:stCondLst>
-                                        </p:cTn>
-                                        <p:tgtEl>
-                                          <p:spTgt spid="10"/>
+                                          <p:spTgt spid="12"/>
                                         </p:tgtEl>
                                         <p:attrNameLst>
                                           <p:attrName>style.visibility</p:attrName>
@@ -18806,26 +18968,71 @@
                     </p:cTn>
                   </p:par>
                   <p:par>
-                    <p:cTn id="28" fill="hold">
+                    <p:cTn id="27" fill="hold">
                       <p:stCondLst>
                         <p:cond delay="indefinite"/>
                       </p:stCondLst>
                       <p:childTnLst>
                         <p:par>
-                          <p:cTn id="29" fill="hold">
+                          <p:cTn id="28" fill="hold">
                             <p:stCondLst>
                               <p:cond delay="0"/>
                             </p:stCondLst>
                             <p:childTnLst>
                               <p:par>
-                                <p:cTn id="30" presetID="1" presetClass="entr" presetSubtype="0" fill="hold" nodeType="clickEffect">
+                                <p:cTn id="29" presetID="1" presetClass="entr" presetSubtype="0" fill="hold" grpId="0" nodeType="clickEffect">
                                   <p:stCondLst>
                                     <p:cond delay="0"/>
                                   </p:stCondLst>
                                   <p:childTnLst>
                                     <p:set>
                                       <p:cBhvr>
-                                        <p:cTn id="31" dur="1" fill="hold">
+                                        <p:cTn id="30" dur="1" fill="hold">
+                                          <p:stCondLst>
+                                            <p:cond delay="0"/>
+                                          </p:stCondLst>
+                                        </p:cTn>
+                                        <p:tgtEl>
+                                          <p:spTgt spid="9"/>
+                                        </p:tgtEl>
+                                        <p:attrNameLst>
+                                          <p:attrName>style.visibility</p:attrName>
+                                        </p:attrNameLst>
+                                      </p:cBhvr>
+                                      <p:to>
+                                        <p:strVal val="visible"/>
+                                      </p:to>
+                                    </p:set>
+                                  </p:childTnLst>
+                                </p:cTn>
+                              </p:par>
+                            </p:childTnLst>
+                          </p:cTn>
+                        </p:par>
+                      </p:childTnLst>
+                    </p:cTn>
+                  </p:par>
+                  <p:par>
+                    <p:cTn id="31" fill="hold">
+                      <p:stCondLst>
+                        <p:cond delay="indefinite"/>
+                      </p:stCondLst>
+                      <p:childTnLst>
+                        <p:par>
+                          <p:cTn id="32" fill="hold">
+                            <p:stCondLst>
+                              <p:cond delay="0"/>
+                            </p:stCondLst>
+                            <p:childTnLst>
+                              <p:par>
+                                <p:cTn id="33" presetID="1" presetClass="entr" presetSubtype="0" fill="hold" nodeType="clickEffect">
+                                  <p:stCondLst>
+                                    <p:cond delay="0"/>
+                                  </p:stCondLst>
+                                  <p:childTnLst>
+                                    <p:set>
+                                      <p:cBhvr>
+                                        <p:cTn id="34" dur="1" fill="hold">
                                           <p:stCondLst>
                                             <p:cond delay="0"/>
                                           </p:stCondLst>
@@ -18847,21 +19054,30 @@
                             </p:childTnLst>
                           </p:cTn>
                         </p:par>
+                      </p:childTnLst>
+                    </p:cTn>
+                  </p:par>
+                  <p:par>
+                    <p:cTn id="35" fill="hold">
+                      <p:stCondLst>
+                        <p:cond delay="indefinite"/>
+                      </p:stCondLst>
+                      <p:childTnLst>
                         <p:par>
-                          <p:cTn id="32" fill="hold">
+                          <p:cTn id="36" fill="hold">
                             <p:stCondLst>
                               <p:cond delay="0"/>
                             </p:stCondLst>
                             <p:childTnLst>
                               <p:par>
-                                <p:cTn id="33" presetID="1" presetClass="entr" presetSubtype="0" fill="hold" grpId="0" nodeType="afterEffect">
+                                <p:cTn id="37" presetID="1" presetClass="entr" presetSubtype="0" fill="hold" grpId="0" nodeType="clickEffect">
                                   <p:stCondLst>
                                     <p:cond delay="0"/>
                                   </p:stCondLst>
                                   <p:childTnLst>
                                     <p:set>
                                       <p:cBhvr>
-                                        <p:cTn id="34" dur="1" fill="hold">
+                                        <p:cTn id="38" dur="1" fill="hold">
                                           <p:stCondLst>
                                             <p:cond delay="0"/>
                                           </p:stCondLst>
@@ -18883,21 +19099,30 @@
                             </p:childTnLst>
                           </p:cTn>
                         </p:par>
+                      </p:childTnLst>
+                    </p:cTn>
+                  </p:par>
+                  <p:par>
+                    <p:cTn id="39" fill="hold">
+                      <p:stCondLst>
+                        <p:cond delay="indefinite"/>
+                      </p:stCondLst>
+                      <p:childTnLst>
                         <p:par>
-                          <p:cTn id="35" fill="hold">
+                          <p:cTn id="40" fill="hold">
                             <p:stCondLst>
                               <p:cond delay="0"/>
                             </p:stCondLst>
                             <p:childTnLst>
                               <p:par>
-                                <p:cTn id="36" presetID="1" presetClass="entr" presetSubtype="0" fill="hold" grpId="0" nodeType="afterEffect">
+                                <p:cTn id="41" presetID="1" presetClass="entr" presetSubtype="0" fill="hold" grpId="0" nodeType="clickEffect">
                                   <p:stCondLst>
                                     <p:cond delay="0"/>
                                   </p:stCondLst>
                                   <p:childTnLst>
                                     <p:set>
                                       <p:cBhvr>
-                                        <p:cTn id="37" dur="1" fill="hold">
+                                        <p:cTn id="42" dur="1" fill="hold">
                                           <p:stCondLst>
                                             <p:cond delay="0"/>
                                           </p:stCondLst>
@@ -18923,32 +19148,32 @@
                     </p:cTn>
                   </p:par>
                   <p:par>
-                    <p:cTn id="38" fill="hold">
+                    <p:cTn id="43" fill="hold">
                       <p:stCondLst>
                         <p:cond delay="indefinite"/>
                       </p:stCondLst>
                       <p:childTnLst>
                         <p:par>
-                          <p:cTn id="39" fill="hold">
+                          <p:cTn id="44" fill="hold">
                             <p:stCondLst>
                               <p:cond delay="0"/>
                             </p:stCondLst>
                             <p:childTnLst>
                               <p:par>
-                                <p:cTn id="40" presetID="1" presetClass="entr" presetSubtype="0" fill="hold" nodeType="clickEffect">
+                                <p:cTn id="45" presetID="1" presetClass="entr" presetSubtype="0" fill="hold" grpId="0" nodeType="clickEffect">
                                   <p:stCondLst>
                                     <p:cond delay="0"/>
                                   </p:stCondLst>
                                   <p:childTnLst>
                                     <p:set>
                                       <p:cBhvr>
-                                        <p:cTn id="41" dur="1" fill="hold">
+                                        <p:cTn id="46" dur="1" fill="hold">
                                           <p:stCondLst>
                                             <p:cond delay="0"/>
                                           </p:stCondLst>
                                         </p:cTn>
                                         <p:tgtEl>
-                                          <p:spTgt spid="38"/>
+                                          <p:spTgt spid="10"/>
                                         </p:tgtEl>
                                         <p:attrNameLst>
                                           <p:attrName>style.visibility</p:attrName>
@@ -18961,15 +19186,24 @@
                                   </p:childTnLst>
                                 </p:cTn>
                               </p:par>
+                            </p:childTnLst>
+                          </p:cTn>
+                        </p:par>
+                        <p:par>
+                          <p:cTn id="47" fill="hold">
+                            <p:stCondLst>
+                              <p:cond delay="0"/>
+                            </p:stCondLst>
+                            <p:childTnLst>
                               <p:par>
-                                <p:cTn id="42" presetID="1" presetClass="entr" presetSubtype="0" fill="hold" grpId="0" nodeType="withEffect">
+                                <p:cTn id="48" presetID="1" presetClass="entr" presetSubtype="0" fill="hold" grpId="0" nodeType="afterEffect">
                                   <p:stCondLst>
                                     <p:cond delay="0"/>
                                   </p:stCondLst>
                                   <p:childTnLst>
                                     <p:set>
                                       <p:cBhvr>
-                                        <p:cTn id="43" dur="1" fill="hold">
+                                        <p:cTn id="49" dur="1" fill="hold">
                                           <p:stCondLst>
                                             <p:cond delay="0"/>
                                           </p:stCondLst>
@@ -18988,15 +19222,24 @@
                                   </p:childTnLst>
                                 </p:cTn>
                               </p:par>
+                            </p:childTnLst>
+                          </p:cTn>
+                        </p:par>
+                        <p:par>
+                          <p:cTn id="50" fill="hold">
+                            <p:stCondLst>
+                              <p:cond delay="0"/>
+                            </p:stCondLst>
+                            <p:childTnLst>
                               <p:par>
-                                <p:cTn id="44" presetID="1" presetClass="entr" presetSubtype="0" fill="hold" grpId="0" nodeType="withEffect">
+                                <p:cTn id="51" presetID="1" presetClass="entr" presetSubtype="0" fill="hold" grpId="0" nodeType="afterEffect">
                                   <p:stCondLst>
                                     <p:cond delay="0"/>
                                   </p:stCondLst>
                                   <p:childTnLst>
                                     <p:set>
                                       <p:cBhvr>
-                                        <p:cTn id="45" dur="1" fill="hold">
+                                        <p:cTn id="52" dur="1" fill="hold">
                                           <p:stCondLst>
                                             <p:cond delay="0"/>
                                           </p:stCondLst>
@@ -19018,30 +19261,210 @@
                             </p:childTnLst>
                           </p:cTn>
                         </p:par>
-                      </p:childTnLst>
-                    </p:cTn>
-                  </p:par>
-                  <p:par>
-                    <p:cTn id="46" fill="hold">
-                      <p:stCondLst>
-                        <p:cond delay="indefinite"/>
-                      </p:stCondLst>
-                      <p:childTnLst>
                         <p:par>
-                          <p:cTn id="47" fill="hold">
+                          <p:cTn id="53" fill="hold">
                             <p:stCondLst>
                               <p:cond delay="0"/>
                             </p:stCondLst>
                             <p:childTnLst>
                               <p:par>
-                                <p:cTn id="48" presetID="1" presetClass="entr" presetSubtype="0" fill="hold" grpId="0" nodeType="clickEffect">
+                                <p:cTn id="54" presetID="1" presetClass="entr" presetSubtype="0" fill="hold" nodeType="afterEffect">
                                   <p:stCondLst>
                                     <p:cond delay="0"/>
                                   </p:stCondLst>
                                   <p:childTnLst>
                                     <p:set>
                                       <p:cBhvr>
-                                        <p:cTn id="49" dur="1" fill="hold">
+                                        <p:cTn id="55" dur="1" fill="hold">
+                                          <p:stCondLst>
+                                            <p:cond delay="0"/>
+                                          </p:stCondLst>
+                                        </p:cTn>
+                                        <p:tgtEl>
+                                          <p:spTgt spid="38"/>
+                                        </p:tgtEl>
+                                        <p:attrNameLst>
+                                          <p:attrName>style.visibility</p:attrName>
+                                        </p:attrNameLst>
+                                      </p:cBhvr>
+                                      <p:to>
+                                        <p:strVal val="visible"/>
+                                      </p:to>
+                                    </p:set>
+                                  </p:childTnLst>
+                                </p:cTn>
+                              </p:par>
+                            </p:childTnLst>
+                          </p:cTn>
+                        </p:par>
+                        <p:par>
+                          <p:cTn id="56" fill="hold">
+                            <p:stCondLst>
+                              <p:cond delay="0"/>
+                            </p:stCondLst>
+                            <p:childTnLst>
+                              <p:par>
+                                <p:cTn id="57" presetID="1" presetClass="entr" presetSubtype="0" fill="hold" grpId="0" nodeType="afterEffect">
+                                  <p:stCondLst>
+                                    <p:cond delay="0"/>
+                                  </p:stCondLst>
+                                  <p:childTnLst>
+                                    <p:set>
+                                      <p:cBhvr>
+                                        <p:cTn id="58" dur="1" fill="hold">
+                                          <p:stCondLst>
+                                            <p:cond delay="0"/>
+                                          </p:stCondLst>
+                                        </p:cTn>
+                                        <p:tgtEl>
+                                          <p:spTgt spid="42"/>
+                                        </p:tgtEl>
+                                        <p:attrNameLst>
+                                          <p:attrName>style.visibility</p:attrName>
+                                        </p:attrNameLst>
+                                      </p:cBhvr>
+                                      <p:to>
+                                        <p:strVal val="visible"/>
+                                      </p:to>
+                                    </p:set>
+                                  </p:childTnLst>
+                                </p:cTn>
+                              </p:par>
+                            </p:childTnLst>
+                          </p:cTn>
+                        </p:par>
+                        <p:par>
+                          <p:cTn id="59" fill="hold">
+                            <p:stCondLst>
+                              <p:cond delay="0"/>
+                            </p:stCondLst>
+                            <p:childTnLst>
+                              <p:par>
+                                <p:cTn id="60" presetID="1" presetClass="entr" presetSubtype="0" fill="hold" grpId="0" nodeType="afterEffect">
+                                  <p:stCondLst>
+                                    <p:cond delay="0"/>
+                                  </p:stCondLst>
+                                  <p:childTnLst>
+                                    <p:set>
+                                      <p:cBhvr>
+                                        <p:cTn id="61" dur="1" fill="hold">
+                                          <p:stCondLst>
+                                            <p:cond delay="0"/>
+                                          </p:stCondLst>
+                                        </p:cTn>
+                                        <p:tgtEl>
+                                          <p:spTgt spid="46"/>
+                                        </p:tgtEl>
+                                        <p:attrNameLst>
+                                          <p:attrName>style.visibility</p:attrName>
+                                        </p:attrNameLst>
+                                      </p:cBhvr>
+                                      <p:to>
+                                        <p:strVal val="visible"/>
+                                      </p:to>
+                                    </p:set>
+                                  </p:childTnLst>
+                                </p:cTn>
+                              </p:par>
+                            </p:childTnLst>
+                          </p:cTn>
+                        </p:par>
+                        <p:par>
+                          <p:cTn id="62" fill="hold">
+                            <p:stCondLst>
+                              <p:cond delay="0"/>
+                            </p:stCondLst>
+                            <p:childTnLst>
+                              <p:par>
+                                <p:cTn id="63" presetID="1" presetClass="entr" presetSubtype="0" fill="hold" nodeType="afterEffect">
+                                  <p:stCondLst>
+                                    <p:cond delay="0"/>
+                                  </p:stCondLst>
+                                  <p:childTnLst>
+                                    <p:set>
+                                      <p:cBhvr>
+                                        <p:cTn id="64" dur="1" fill="hold">
+                                          <p:stCondLst>
+                                            <p:cond delay="0"/>
+                                          </p:stCondLst>
+                                        </p:cTn>
+                                        <p:tgtEl>
+                                          <p:spTgt spid="47"/>
+                                        </p:tgtEl>
+                                        <p:attrNameLst>
+                                          <p:attrName>style.visibility</p:attrName>
+                                        </p:attrNameLst>
+                                      </p:cBhvr>
+                                      <p:to>
+                                        <p:strVal val="visible"/>
+                                      </p:to>
+                                    </p:set>
+                                  </p:childTnLst>
+                                </p:cTn>
+                              </p:par>
+                            </p:childTnLst>
+                          </p:cTn>
+                        </p:par>
+                        <p:par>
+                          <p:cTn id="65" fill="hold">
+                            <p:stCondLst>
+                              <p:cond delay="0"/>
+                            </p:stCondLst>
+                            <p:childTnLst>
+                              <p:par>
+                                <p:cTn id="66" presetID="1" presetClass="entr" presetSubtype="0" fill="hold" nodeType="afterEffect">
+                                  <p:stCondLst>
+                                    <p:cond delay="0"/>
+                                  </p:stCondLst>
+                                  <p:childTnLst>
+                                    <p:set>
+                                      <p:cBhvr>
+                                        <p:cTn id="67" dur="1" fill="hold">
+                                          <p:stCondLst>
+                                            <p:cond delay="0"/>
+                                          </p:stCondLst>
+                                        </p:cTn>
+                                        <p:tgtEl>
+                                          <p:spTgt spid="48"/>
+                                        </p:tgtEl>
+                                        <p:attrNameLst>
+                                          <p:attrName>style.visibility</p:attrName>
+                                        </p:attrNameLst>
+                                      </p:cBhvr>
+                                      <p:to>
+                                        <p:strVal val="visible"/>
+                                      </p:to>
+                                    </p:set>
+                                  </p:childTnLst>
+                                </p:cTn>
+                              </p:par>
+                            </p:childTnLst>
+                          </p:cTn>
+                        </p:par>
+                      </p:childTnLst>
+                    </p:cTn>
+                  </p:par>
+                  <p:par>
+                    <p:cTn id="68" fill="hold">
+                      <p:stCondLst>
+                        <p:cond delay="indefinite"/>
+                      </p:stCondLst>
+                      <p:childTnLst>
+                        <p:par>
+                          <p:cTn id="69" fill="hold">
+                            <p:stCondLst>
+                              <p:cond delay="0"/>
+                            </p:stCondLst>
+                            <p:childTnLst>
+                              <p:par>
+                                <p:cTn id="70" presetID="1" presetClass="entr" presetSubtype="0" fill="hold" grpId="0" nodeType="clickEffect">
+                                  <p:stCondLst>
+                                    <p:cond delay="0"/>
+                                  </p:stCondLst>
+                                  <p:childTnLst>
+                                    <p:set>
+                                      <p:cBhvr>
+                                        <p:cTn id="71" dur="1" fill="hold">
                                           <p:stCondLst>
                                             <p:cond delay="0"/>
                                           </p:stCondLst>
@@ -19067,26 +19490,26 @@
                     </p:cTn>
                   </p:par>
                   <p:par>
-                    <p:cTn id="50" fill="hold">
+                    <p:cTn id="72" fill="hold">
                       <p:stCondLst>
                         <p:cond delay="indefinite"/>
                       </p:stCondLst>
                       <p:childTnLst>
                         <p:par>
-                          <p:cTn id="51" fill="hold">
+                          <p:cTn id="73" fill="hold">
                             <p:stCondLst>
                               <p:cond delay="0"/>
                             </p:stCondLst>
                             <p:childTnLst>
                               <p:par>
-                                <p:cTn id="52" presetID="1" presetClass="entr" presetSubtype="0" fill="hold" grpId="0" nodeType="clickEffect">
+                                <p:cTn id="74" presetID="1" presetClass="entr" presetSubtype="0" fill="hold" grpId="0" nodeType="clickEffect">
                                   <p:stCondLst>
                                     <p:cond delay="0"/>
                                   </p:stCondLst>
                                   <p:childTnLst>
                                     <p:set>
                                       <p:cBhvr>
-                                        <p:cTn id="53" dur="1" fill="hold">
+                                        <p:cTn id="75" dur="1" fill="hold">
                                           <p:stCondLst>
                                             <p:cond delay="0"/>
                                           </p:stCondLst>
@@ -19112,26 +19535,26 @@
                     </p:cTn>
                   </p:par>
                   <p:par>
-                    <p:cTn id="54" fill="hold">
+                    <p:cTn id="76" fill="hold">
                       <p:stCondLst>
                         <p:cond delay="indefinite"/>
                       </p:stCondLst>
                       <p:childTnLst>
                         <p:par>
-                          <p:cTn id="55" fill="hold">
+                          <p:cTn id="77" fill="hold">
                             <p:stCondLst>
                               <p:cond delay="0"/>
                             </p:stCondLst>
                             <p:childTnLst>
                               <p:par>
-                                <p:cTn id="56" presetID="1" presetClass="entr" presetSubtype="0" fill="hold" grpId="0" nodeType="clickEffect">
+                                <p:cTn id="78" presetID="1" presetClass="entr" presetSubtype="0" fill="hold" grpId="0" nodeType="clickEffect">
                                   <p:stCondLst>
                                     <p:cond delay="0"/>
                                   </p:stCondLst>
                                   <p:childTnLst>
                                     <p:set>
                                       <p:cBhvr>
-                                        <p:cTn id="57" dur="1" fill="hold">
+                                        <p:cTn id="79" dur="1" fill="hold">
                                           <p:stCondLst>
                                             <p:cond delay="0"/>
                                           </p:stCondLst>
@@ -19157,77 +19580,32 @@
                     </p:cTn>
                   </p:par>
                   <p:par>
-                    <p:cTn id="58" fill="hold">
+                    <p:cTn id="80" fill="hold">
                       <p:stCondLst>
                         <p:cond delay="indefinite"/>
                       </p:stCondLst>
                       <p:childTnLst>
                         <p:par>
-                          <p:cTn id="59" fill="hold">
+                          <p:cTn id="81" fill="hold">
                             <p:stCondLst>
                               <p:cond delay="0"/>
                             </p:stCondLst>
                             <p:childTnLst>
                               <p:par>
-                                <p:cTn id="60" presetID="1" presetClass="entr" presetSubtype="0" fill="hold" grpId="0" nodeType="clickEffect">
+                                <p:cTn id="82" presetID="1" presetClass="entr" presetSubtype="0" fill="hold" grpId="0" nodeType="clickEffect">
                                   <p:stCondLst>
                                     <p:cond delay="0"/>
                                   </p:stCondLst>
                                   <p:childTnLst>
                                     <p:set>
                                       <p:cBhvr>
-                                        <p:cTn id="61" dur="1" fill="hold">
+                                        <p:cTn id="83" dur="1" fill="hold">
                                           <p:stCondLst>
                                             <p:cond delay="0"/>
                                           </p:stCondLst>
                                         </p:cTn>
                                         <p:tgtEl>
                                           <p:spTgt spid="45"/>
-                                        </p:tgtEl>
-                                        <p:attrNameLst>
-                                          <p:attrName>style.visibility</p:attrName>
-                                        </p:attrNameLst>
-                                      </p:cBhvr>
-                                      <p:to>
-                                        <p:strVal val="visible"/>
-                                      </p:to>
-                                    </p:set>
-                                  </p:childTnLst>
-                                </p:cTn>
-                              </p:par>
-                            </p:childTnLst>
-                          </p:cTn>
-                        </p:par>
-                      </p:childTnLst>
-                    </p:cTn>
-                  </p:par>
-                  <p:par>
-                    <p:cTn id="62" fill="hold">
-                      <p:stCondLst>
-                        <p:cond delay="indefinite"/>
-                      </p:stCondLst>
-                      <p:childTnLst>
-                        <p:par>
-                          <p:cTn id="63" fill="hold">
-                            <p:stCondLst>
-                              <p:cond delay="0"/>
-                            </p:stCondLst>
-                            <p:childTnLst>
-                              <p:par>
-                                <p:cTn id="64" presetID="1" presetClass="entr" presetSubtype="0" fill="hold" nodeType="clickEffect">
-                                  <p:stCondLst>
-                                    <p:cond delay="0"/>
-                                  </p:stCondLst>
-                                  <p:childTnLst>
-                                    <p:set>
-                                      <p:cBhvr>
-                                        <p:cTn id="65" dur="1" fill="hold">
-                                          <p:stCondLst>
-                                            <p:cond delay="0"/>
-                                          </p:stCondLst>
-                                        </p:cTn>
-                                        <p:tgtEl>
-                                          <p:spTgt spid="76"/>
                                         </p:tgtEl>
                                         <p:attrNameLst>
                                           <p:attrName>style.visibility</p:attrName>
@@ -19281,6 +19659,8 @@
       <p:bldP spid="43" grpId="0" animBg="1"/>
       <p:bldP spid="44" grpId="0" animBg="1"/>
       <p:bldP spid="45" grpId="0" animBg="1"/>
+      <p:bldP spid="42" grpId="0" animBg="1"/>
+      <p:bldP spid="46" grpId="0" animBg="1"/>
     </p:bldLst>
   </p:timing>
 </p:sld>
